--- a/report/final/final.pptx
+++ b/report/final/final.pptx
@@ -1,12 +1,23 @@
 
 <file path=ppt/presentation.xml><?xml version="1.0" encoding="utf-8"?>
-<p:presentation xmlns:a="http://schemas.openxmlformats.org/drawingml/2006/main" xmlns:r="http://schemas.openxmlformats.org/officeDocument/2006/relationships" xmlns:p="http://schemas.openxmlformats.org/presentationml/2006/main" autoCompressPictures="0">
+<p:presentation xmlns:a="http://schemas.openxmlformats.org/drawingml/2006/main" xmlns:r="http://schemas.openxmlformats.org/officeDocument/2006/relationships" xmlns:p="http://schemas.openxmlformats.org/presentationml/2006/main" saveSubsetFonts="1" autoCompressPictures="0">
   <p:sldMasterIdLst>
     <p:sldMasterId id="2147483648" r:id="rId1"/>
   </p:sldMasterIdLst>
+  <p:notesMasterIdLst>
+    <p:notesMasterId r:id="rId12"/>
+  </p:notesMasterIdLst>
   <p:sldIdLst>
     <p:sldId id="256" r:id="rId2"/>
     <p:sldId id="257" r:id="rId3"/>
+    <p:sldId id="258" r:id="rId4"/>
+    <p:sldId id="259" r:id="rId5"/>
+    <p:sldId id="260" r:id="rId6"/>
+    <p:sldId id="261" r:id="rId7"/>
+    <p:sldId id="262" r:id="rId8"/>
+    <p:sldId id="263" r:id="rId9"/>
+    <p:sldId id="264" r:id="rId10"/>
+    <p:sldId id="265" r:id="rId11"/>
   </p:sldIdLst>
   <p:sldSz cx="12192000" cy="6858000"/>
   <p:notesSz cx="6858000" cy="9144000"/>
@@ -105,7 +116,5489 @@
       </a:defRPr>
     </a:lvl9pPr>
   </p:defaultTextStyle>
+  <p:extLst>
+    <p:ext uri="{EFAFB233-063F-42B5-8137-9DF3F51BA10A}">
+      <p15:sldGuideLst xmlns:p15="http://schemas.microsoft.com/office/powerpoint/2012/main"/>
+    </p:ext>
+  </p:extLst>
 </p:presentation>
+</file>
+
+<file path=ppt/diagrams/colors1.xml><?xml version="1.0" encoding="utf-8"?>
+<dgm:colorsDef xmlns:dgm="http://schemas.openxmlformats.org/drawingml/2006/diagram" xmlns:a="http://schemas.openxmlformats.org/drawingml/2006/main" uniqueId="urn:microsoft.com/office/officeart/2005/8/colors/accent1_2">
+  <dgm:title val=""/>
+  <dgm:desc val=""/>
+  <dgm:catLst>
+    <dgm:cat type="accent1" pri="11200"/>
+  </dgm:catLst>
+  <dgm:styleLbl name="node0">
+    <dgm:fillClrLst meth="repeat">
+      <a:schemeClr val="accent1"/>
+    </dgm:fillClrLst>
+    <dgm:linClrLst meth="repeat">
+      <a:schemeClr val="lt1"/>
+    </dgm:linClrLst>
+    <dgm:effectClrLst/>
+    <dgm:txLinClrLst/>
+    <dgm:txFillClrLst/>
+    <dgm:txEffectClrLst/>
+  </dgm:styleLbl>
+  <dgm:styleLbl name="alignNode1">
+    <dgm:fillClrLst meth="repeat">
+      <a:schemeClr val="accent1"/>
+    </dgm:fillClrLst>
+    <dgm:linClrLst meth="repeat">
+      <a:schemeClr val="accent1"/>
+    </dgm:linClrLst>
+    <dgm:effectClrLst/>
+    <dgm:txLinClrLst/>
+    <dgm:txFillClrLst/>
+    <dgm:txEffectClrLst/>
+  </dgm:styleLbl>
+  <dgm:styleLbl name="node1">
+    <dgm:fillClrLst meth="repeat">
+      <a:schemeClr val="accent1"/>
+    </dgm:fillClrLst>
+    <dgm:linClrLst meth="repeat">
+      <a:schemeClr val="lt1"/>
+    </dgm:linClrLst>
+    <dgm:effectClrLst/>
+    <dgm:txLinClrLst/>
+    <dgm:txFillClrLst/>
+    <dgm:txEffectClrLst/>
+  </dgm:styleLbl>
+  <dgm:styleLbl name="lnNode1">
+    <dgm:fillClrLst meth="repeat">
+      <a:schemeClr val="accent1"/>
+    </dgm:fillClrLst>
+    <dgm:linClrLst meth="repeat">
+      <a:schemeClr val="lt1"/>
+    </dgm:linClrLst>
+    <dgm:effectClrLst/>
+    <dgm:txLinClrLst/>
+    <dgm:txFillClrLst/>
+    <dgm:txEffectClrLst/>
+  </dgm:styleLbl>
+  <dgm:styleLbl name="vennNode1">
+    <dgm:fillClrLst meth="repeat">
+      <a:schemeClr val="accent1">
+        <a:alpha val="50000"/>
+      </a:schemeClr>
+    </dgm:fillClrLst>
+    <dgm:linClrLst meth="repeat">
+      <a:schemeClr val="lt1"/>
+    </dgm:linClrLst>
+    <dgm:effectClrLst/>
+    <dgm:txLinClrLst/>
+    <dgm:txFillClrLst/>
+    <dgm:txEffectClrLst/>
+  </dgm:styleLbl>
+  <dgm:styleLbl name="node2">
+    <dgm:fillClrLst meth="repeat">
+      <a:schemeClr val="accent1"/>
+    </dgm:fillClrLst>
+    <dgm:linClrLst meth="repeat">
+      <a:schemeClr val="lt1"/>
+    </dgm:linClrLst>
+    <dgm:effectClrLst/>
+    <dgm:txLinClrLst/>
+    <dgm:txFillClrLst/>
+    <dgm:txEffectClrLst/>
+  </dgm:styleLbl>
+  <dgm:styleLbl name="node3">
+    <dgm:fillClrLst meth="repeat">
+      <a:schemeClr val="accent1"/>
+    </dgm:fillClrLst>
+    <dgm:linClrLst meth="repeat">
+      <a:schemeClr val="lt1"/>
+    </dgm:linClrLst>
+    <dgm:effectClrLst/>
+    <dgm:txLinClrLst/>
+    <dgm:txFillClrLst/>
+    <dgm:txEffectClrLst/>
+  </dgm:styleLbl>
+  <dgm:styleLbl name="node4">
+    <dgm:fillClrLst meth="repeat">
+      <a:schemeClr val="accent1"/>
+    </dgm:fillClrLst>
+    <dgm:linClrLst meth="repeat">
+      <a:schemeClr val="lt1"/>
+    </dgm:linClrLst>
+    <dgm:effectClrLst/>
+    <dgm:txLinClrLst/>
+    <dgm:txFillClrLst/>
+    <dgm:txEffectClrLst/>
+  </dgm:styleLbl>
+  <dgm:styleLbl name="fgImgPlace1">
+    <dgm:fillClrLst meth="repeat">
+      <a:schemeClr val="accent1">
+        <a:tint val="50000"/>
+      </a:schemeClr>
+    </dgm:fillClrLst>
+    <dgm:linClrLst meth="repeat">
+      <a:schemeClr val="lt1"/>
+    </dgm:linClrLst>
+    <dgm:effectClrLst/>
+    <dgm:txLinClrLst/>
+    <dgm:txFillClrLst meth="repeat">
+      <a:schemeClr val="lt1"/>
+    </dgm:txFillClrLst>
+    <dgm:txEffectClrLst/>
+  </dgm:styleLbl>
+  <dgm:styleLbl name="alignImgPlace1">
+    <dgm:fillClrLst meth="repeat">
+      <a:schemeClr val="accent1">
+        <a:tint val="50000"/>
+      </a:schemeClr>
+    </dgm:fillClrLst>
+    <dgm:linClrLst meth="repeat">
+      <a:schemeClr val="lt1"/>
+    </dgm:linClrLst>
+    <dgm:effectClrLst/>
+    <dgm:txLinClrLst/>
+    <dgm:txFillClrLst meth="repeat">
+      <a:schemeClr val="lt1"/>
+    </dgm:txFillClrLst>
+    <dgm:txEffectClrLst/>
+  </dgm:styleLbl>
+  <dgm:styleLbl name="bgImgPlace1">
+    <dgm:fillClrLst meth="repeat">
+      <a:schemeClr val="accent1">
+        <a:tint val="50000"/>
+      </a:schemeClr>
+    </dgm:fillClrLst>
+    <dgm:linClrLst meth="repeat">
+      <a:schemeClr val="lt1"/>
+    </dgm:linClrLst>
+    <dgm:effectClrLst/>
+    <dgm:txLinClrLst/>
+    <dgm:txFillClrLst meth="repeat">
+      <a:schemeClr val="lt1"/>
+    </dgm:txFillClrLst>
+    <dgm:txEffectClrLst/>
+  </dgm:styleLbl>
+  <dgm:styleLbl name="sibTrans2D1">
+    <dgm:fillClrLst meth="repeat">
+      <a:schemeClr val="accent1">
+        <a:tint val="60000"/>
+      </a:schemeClr>
+    </dgm:fillClrLst>
+    <dgm:linClrLst meth="repeat">
+      <a:schemeClr val="accent1">
+        <a:tint val="60000"/>
+      </a:schemeClr>
+    </dgm:linClrLst>
+    <dgm:effectClrLst/>
+    <dgm:txLinClrLst/>
+    <dgm:txFillClrLst/>
+    <dgm:txEffectClrLst/>
+  </dgm:styleLbl>
+  <dgm:styleLbl name="fgSibTrans2D1">
+    <dgm:fillClrLst meth="repeat">
+      <a:schemeClr val="accent1">
+        <a:tint val="60000"/>
+      </a:schemeClr>
+    </dgm:fillClrLst>
+    <dgm:linClrLst meth="repeat">
+      <a:schemeClr val="accent1">
+        <a:tint val="60000"/>
+      </a:schemeClr>
+    </dgm:linClrLst>
+    <dgm:effectClrLst/>
+    <dgm:txLinClrLst/>
+    <dgm:txFillClrLst/>
+    <dgm:txEffectClrLst/>
+  </dgm:styleLbl>
+  <dgm:styleLbl name="bgSibTrans2D1">
+    <dgm:fillClrLst meth="repeat">
+      <a:schemeClr val="accent1">
+        <a:tint val="60000"/>
+      </a:schemeClr>
+    </dgm:fillClrLst>
+    <dgm:linClrLst meth="repeat">
+      <a:schemeClr val="accent1">
+        <a:tint val="60000"/>
+      </a:schemeClr>
+    </dgm:linClrLst>
+    <dgm:effectClrLst/>
+    <dgm:txLinClrLst/>
+    <dgm:txFillClrLst/>
+    <dgm:txEffectClrLst/>
+  </dgm:styleLbl>
+  <dgm:styleLbl name="sibTrans1D1">
+    <dgm:fillClrLst meth="repeat">
+      <a:schemeClr val="accent1"/>
+    </dgm:fillClrLst>
+    <dgm:linClrLst meth="repeat">
+      <a:schemeClr val="accent1"/>
+    </dgm:linClrLst>
+    <dgm:effectClrLst/>
+    <dgm:txLinClrLst/>
+    <dgm:txFillClrLst meth="repeat">
+      <a:schemeClr val="tx1"/>
+    </dgm:txFillClrLst>
+    <dgm:txEffectClrLst/>
+  </dgm:styleLbl>
+  <dgm:styleLbl name="callout">
+    <dgm:fillClrLst meth="repeat">
+      <a:schemeClr val="accent1"/>
+    </dgm:fillClrLst>
+    <dgm:linClrLst meth="repeat">
+      <a:schemeClr val="accent1">
+        <a:tint val="50000"/>
+      </a:schemeClr>
+    </dgm:linClrLst>
+    <dgm:effectClrLst/>
+    <dgm:txLinClrLst/>
+    <dgm:txFillClrLst meth="repeat">
+      <a:schemeClr val="tx1"/>
+    </dgm:txFillClrLst>
+    <dgm:txEffectClrLst/>
+  </dgm:styleLbl>
+  <dgm:styleLbl name="asst0">
+    <dgm:fillClrLst meth="repeat">
+      <a:schemeClr val="accent1"/>
+    </dgm:fillClrLst>
+    <dgm:linClrLst meth="repeat">
+      <a:schemeClr val="lt1"/>
+    </dgm:linClrLst>
+    <dgm:effectClrLst/>
+    <dgm:txLinClrLst/>
+    <dgm:txFillClrLst/>
+    <dgm:txEffectClrLst/>
+  </dgm:styleLbl>
+  <dgm:styleLbl name="asst1">
+    <dgm:fillClrLst meth="repeat">
+      <a:schemeClr val="accent1"/>
+    </dgm:fillClrLst>
+    <dgm:linClrLst meth="repeat">
+      <a:schemeClr val="lt1"/>
+    </dgm:linClrLst>
+    <dgm:effectClrLst/>
+    <dgm:txLinClrLst/>
+    <dgm:txFillClrLst/>
+    <dgm:txEffectClrLst/>
+  </dgm:styleLbl>
+  <dgm:styleLbl name="asst2">
+    <dgm:fillClrLst meth="repeat">
+      <a:schemeClr val="accent1"/>
+    </dgm:fillClrLst>
+    <dgm:linClrLst meth="repeat">
+      <a:schemeClr val="lt1"/>
+    </dgm:linClrLst>
+    <dgm:effectClrLst/>
+    <dgm:txLinClrLst/>
+    <dgm:txFillClrLst/>
+    <dgm:txEffectClrLst/>
+  </dgm:styleLbl>
+  <dgm:styleLbl name="asst3">
+    <dgm:fillClrLst meth="repeat">
+      <a:schemeClr val="accent1"/>
+    </dgm:fillClrLst>
+    <dgm:linClrLst meth="repeat">
+      <a:schemeClr val="lt1"/>
+    </dgm:linClrLst>
+    <dgm:effectClrLst/>
+    <dgm:txLinClrLst/>
+    <dgm:txFillClrLst/>
+    <dgm:txEffectClrLst/>
+  </dgm:styleLbl>
+  <dgm:styleLbl name="asst4">
+    <dgm:fillClrLst meth="repeat">
+      <a:schemeClr val="accent1"/>
+    </dgm:fillClrLst>
+    <dgm:linClrLst meth="repeat">
+      <a:schemeClr val="lt1"/>
+    </dgm:linClrLst>
+    <dgm:effectClrLst/>
+    <dgm:txLinClrLst/>
+    <dgm:txFillClrLst/>
+    <dgm:txEffectClrLst/>
+  </dgm:styleLbl>
+  <dgm:styleLbl name="parChTrans2D1">
+    <dgm:fillClrLst meth="repeat">
+      <a:schemeClr val="accent1">
+        <a:tint val="60000"/>
+      </a:schemeClr>
+    </dgm:fillClrLst>
+    <dgm:linClrLst meth="repeat">
+      <a:schemeClr val="accent1">
+        <a:tint val="60000"/>
+      </a:schemeClr>
+    </dgm:linClrLst>
+    <dgm:effectClrLst/>
+    <dgm:txLinClrLst/>
+    <dgm:txFillClrLst meth="repeat">
+      <a:schemeClr val="lt1"/>
+    </dgm:txFillClrLst>
+    <dgm:txEffectClrLst/>
+  </dgm:styleLbl>
+  <dgm:styleLbl name="parChTrans2D2">
+    <dgm:fillClrLst meth="repeat">
+      <a:schemeClr val="accent1"/>
+    </dgm:fillClrLst>
+    <dgm:linClrLst meth="repeat">
+      <a:schemeClr val="accent1"/>
+    </dgm:linClrLst>
+    <dgm:effectClrLst/>
+    <dgm:txLinClrLst/>
+    <dgm:txFillClrLst meth="repeat">
+      <a:schemeClr val="lt1"/>
+    </dgm:txFillClrLst>
+    <dgm:txEffectClrLst/>
+  </dgm:styleLbl>
+  <dgm:styleLbl name="parChTrans2D3">
+    <dgm:fillClrLst meth="repeat">
+      <a:schemeClr val="accent1"/>
+    </dgm:fillClrLst>
+    <dgm:linClrLst meth="repeat">
+      <a:schemeClr val="accent1"/>
+    </dgm:linClrLst>
+    <dgm:effectClrLst/>
+    <dgm:txLinClrLst/>
+    <dgm:txFillClrLst meth="repeat">
+      <a:schemeClr val="lt1"/>
+    </dgm:txFillClrLst>
+    <dgm:txEffectClrLst/>
+  </dgm:styleLbl>
+  <dgm:styleLbl name="parChTrans2D4">
+    <dgm:fillClrLst meth="repeat">
+      <a:schemeClr val="accent1"/>
+    </dgm:fillClrLst>
+    <dgm:linClrLst meth="repeat">
+      <a:schemeClr val="accent1"/>
+    </dgm:linClrLst>
+    <dgm:effectClrLst/>
+    <dgm:txLinClrLst/>
+    <dgm:txFillClrLst meth="repeat">
+      <a:schemeClr val="lt1"/>
+    </dgm:txFillClrLst>
+    <dgm:txEffectClrLst/>
+  </dgm:styleLbl>
+  <dgm:styleLbl name="parChTrans1D1">
+    <dgm:fillClrLst meth="repeat">
+      <a:schemeClr val="accent1"/>
+    </dgm:fillClrLst>
+    <dgm:linClrLst meth="repeat">
+      <a:schemeClr val="accent1">
+        <a:shade val="60000"/>
+      </a:schemeClr>
+    </dgm:linClrLst>
+    <dgm:effectClrLst/>
+    <dgm:txLinClrLst/>
+    <dgm:txFillClrLst meth="repeat">
+      <a:schemeClr val="tx1"/>
+    </dgm:txFillClrLst>
+    <dgm:txEffectClrLst/>
+  </dgm:styleLbl>
+  <dgm:styleLbl name="parChTrans1D2">
+    <dgm:fillClrLst meth="repeat">
+      <a:schemeClr val="accent1"/>
+    </dgm:fillClrLst>
+    <dgm:linClrLst meth="repeat">
+      <a:schemeClr val="accent1">
+        <a:shade val="60000"/>
+      </a:schemeClr>
+    </dgm:linClrLst>
+    <dgm:effectClrLst/>
+    <dgm:txLinClrLst/>
+    <dgm:txFillClrLst meth="repeat">
+      <a:schemeClr val="tx1"/>
+    </dgm:txFillClrLst>
+    <dgm:txEffectClrLst/>
+  </dgm:styleLbl>
+  <dgm:styleLbl name="parChTrans1D3">
+    <dgm:fillClrLst meth="repeat">
+      <a:schemeClr val="accent1"/>
+    </dgm:fillClrLst>
+    <dgm:linClrLst meth="repeat">
+      <a:schemeClr val="accent1">
+        <a:shade val="80000"/>
+      </a:schemeClr>
+    </dgm:linClrLst>
+    <dgm:effectClrLst/>
+    <dgm:txLinClrLst/>
+    <dgm:txFillClrLst meth="repeat">
+      <a:schemeClr val="tx1"/>
+    </dgm:txFillClrLst>
+    <dgm:txEffectClrLst/>
+  </dgm:styleLbl>
+  <dgm:styleLbl name="parChTrans1D4">
+    <dgm:fillClrLst meth="repeat">
+      <a:schemeClr val="accent1"/>
+    </dgm:fillClrLst>
+    <dgm:linClrLst meth="repeat">
+      <a:schemeClr val="accent1">
+        <a:shade val="80000"/>
+      </a:schemeClr>
+    </dgm:linClrLst>
+    <dgm:effectClrLst/>
+    <dgm:txLinClrLst/>
+    <dgm:txFillClrLst meth="repeat">
+      <a:schemeClr val="tx1"/>
+    </dgm:txFillClrLst>
+    <dgm:txEffectClrLst/>
+  </dgm:styleLbl>
+  <dgm:styleLbl name="fgAcc1">
+    <dgm:fillClrLst meth="repeat">
+      <a:schemeClr val="lt1">
+        <a:alpha val="90000"/>
+      </a:schemeClr>
+    </dgm:fillClrLst>
+    <dgm:linClrLst meth="repeat">
+      <a:schemeClr val="accent1"/>
+    </dgm:linClrLst>
+    <dgm:effectClrLst/>
+    <dgm:txLinClrLst/>
+    <dgm:txFillClrLst meth="repeat">
+      <a:schemeClr val="dk1"/>
+    </dgm:txFillClrLst>
+    <dgm:txEffectClrLst/>
+  </dgm:styleLbl>
+  <dgm:styleLbl name="conFgAcc1">
+    <dgm:fillClrLst meth="repeat">
+      <a:schemeClr val="lt1">
+        <a:alpha val="90000"/>
+      </a:schemeClr>
+    </dgm:fillClrLst>
+    <dgm:linClrLst meth="repeat">
+      <a:schemeClr val="accent1"/>
+    </dgm:linClrLst>
+    <dgm:effectClrLst/>
+    <dgm:txLinClrLst/>
+    <dgm:txFillClrLst meth="repeat">
+      <a:schemeClr val="dk1"/>
+    </dgm:txFillClrLst>
+    <dgm:txEffectClrLst/>
+  </dgm:styleLbl>
+  <dgm:styleLbl name="alignAcc1">
+    <dgm:fillClrLst meth="repeat">
+      <a:schemeClr val="lt1">
+        <a:alpha val="90000"/>
+      </a:schemeClr>
+    </dgm:fillClrLst>
+    <dgm:linClrLst meth="repeat">
+      <a:schemeClr val="accent1"/>
+    </dgm:linClrLst>
+    <dgm:effectClrLst/>
+    <dgm:txLinClrLst/>
+    <dgm:txFillClrLst meth="repeat">
+      <a:schemeClr val="dk1"/>
+    </dgm:txFillClrLst>
+    <dgm:txEffectClrLst/>
+  </dgm:styleLbl>
+  <dgm:styleLbl name="trAlignAcc1">
+    <dgm:fillClrLst meth="repeat">
+      <a:schemeClr val="lt1">
+        <a:alpha val="40000"/>
+      </a:schemeClr>
+    </dgm:fillClrLst>
+    <dgm:linClrLst meth="repeat">
+      <a:schemeClr val="accent1"/>
+    </dgm:linClrLst>
+    <dgm:effectClrLst/>
+    <dgm:txLinClrLst/>
+    <dgm:txFillClrLst meth="repeat">
+      <a:schemeClr val="dk1"/>
+    </dgm:txFillClrLst>
+    <dgm:txEffectClrLst/>
+  </dgm:styleLbl>
+  <dgm:styleLbl name="bgAcc1">
+    <dgm:fillClrLst meth="repeat">
+      <a:schemeClr val="lt1">
+        <a:alpha val="90000"/>
+      </a:schemeClr>
+    </dgm:fillClrLst>
+    <dgm:linClrLst meth="repeat">
+      <a:schemeClr val="accent1"/>
+    </dgm:linClrLst>
+    <dgm:effectClrLst/>
+    <dgm:txLinClrLst/>
+    <dgm:txFillClrLst meth="repeat">
+      <a:schemeClr val="dk1"/>
+    </dgm:txFillClrLst>
+    <dgm:txEffectClrLst/>
+  </dgm:styleLbl>
+  <dgm:styleLbl name="solidFgAcc1">
+    <dgm:fillClrLst meth="repeat">
+      <a:schemeClr val="lt1"/>
+    </dgm:fillClrLst>
+    <dgm:linClrLst meth="repeat">
+      <a:schemeClr val="accent1"/>
+    </dgm:linClrLst>
+    <dgm:effectClrLst/>
+    <dgm:txLinClrLst/>
+    <dgm:txFillClrLst meth="repeat">
+      <a:schemeClr val="dk1"/>
+    </dgm:txFillClrLst>
+    <dgm:txEffectClrLst/>
+  </dgm:styleLbl>
+  <dgm:styleLbl name="solidAlignAcc1">
+    <dgm:fillClrLst meth="repeat">
+      <a:schemeClr val="lt1"/>
+    </dgm:fillClrLst>
+    <dgm:linClrLst meth="repeat">
+      <a:schemeClr val="accent1"/>
+    </dgm:linClrLst>
+    <dgm:effectClrLst/>
+    <dgm:txLinClrLst/>
+    <dgm:txFillClrLst meth="repeat">
+      <a:schemeClr val="dk1"/>
+    </dgm:txFillClrLst>
+    <dgm:txEffectClrLst/>
+  </dgm:styleLbl>
+  <dgm:styleLbl name="solidBgAcc1">
+    <dgm:fillClrLst meth="repeat">
+      <a:schemeClr val="lt1"/>
+    </dgm:fillClrLst>
+    <dgm:linClrLst meth="repeat">
+      <a:schemeClr val="accent1"/>
+    </dgm:linClrLst>
+    <dgm:effectClrLst/>
+    <dgm:txLinClrLst/>
+    <dgm:txFillClrLst meth="repeat">
+      <a:schemeClr val="dk1"/>
+    </dgm:txFillClrLst>
+    <dgm:txEffectClrLst/>
+  </dgm:styleLbl>
+  <dgm:styleLbl name="fgAccFollowNode1">
+    <dgm:fillClrLst meth="repeat">
+      <a:schemeClr val="accent1">
+        <a:alpha val="90000"/>
+        <a:tint val="40000"/>
+      </a:schemeClr>
+    </dgm:fillClrLst>
+    <dgm:linClrLst meth="repeat">
+      <a:schemeClr val="accent1">
+        <a:alpha val="90000"/>
+        <a:tint val="40000"/>
+      </a:schemeClr>
+    </dgm:linClrLst>
+    <dgm:effectClrLst/>
+    <dgm:txLinClrLst/>
+    <dgm:txFillClrLst meth="repeat">
+      <a:schemeClr val="dk1"/>
+    </dgm:txFillClrLst>
+    <dgm:txEffectClrLst/>
+  </dgm:styleLbl>
+  <dgm:styleLbl name="alignAccFollowNode1">
+    <dgm:fillClrLst meth="repeat">
+      <a:schemeClr val="accent1">
+        <a:alpha val="90000"/>
+        <a:tint val="40000"/>
+      </a:schemeClr>
+    </dgm:fillClrLst>
+    <dgm:linClrLst meth="repeat">
+      <a:schemeClr val="accent1">
+        <a:alpha val="90000"/>
+        <a:tint val="40000"/>
+      </a:schemeClr>
+    </dgm:linClrLst>
+    <dgm:effectClrLst/>
+    <dgm:txLinClrLst/>
+    <dgm:txFillClrLst meth="repeat">
+      <a:schemeClr val="dk1"/>
+    </dgm:txFillClrLst>
+    <dgm:txEffectClrLst/>
+  </dgm:styleLbl>
+  <dgm:styleLbl name="bgAccFollowNode1">
+    <dgm:fillClrLst meth="repeat">
+      <a:schemeClr val="accent1">
+        <a:alpha val="90000"/>
+        <a:tint val="40000"/>
+      </a:schemeClr>
+    </dgm:fillClrLst>
+    <dgm:linClrLst meth="repeat">
+      <a:schemeClr val="accent1">
+        <a:alpha val="90000"/>
+        <a:tint val="40000"/>
+      </a:schemeClr>
+    </dgm:linClrLst>
+    <dgm:effectClrLst/>
+    <dgm:txLinClrLst/>
+    <dgm:txFillClrLst meth="repeat">
+      <a:schemeClr val="dk1"/>
+    </dgm:txFillClrLst>
+    <dgm:txEffectClrLst/>
+  </dgm:styleLbl>
+  <dgm:styleLbl name="fgAcc0">
+    <dgm:fillClrLst meth="repeat">
+      <a:schemeClr val="lt1">
+        <a:alpha val="90000"/>
+      </a:schemeClr>
+    </dgm:fillClrLst>
+    <dgm:linClrLst meth="repeat">
+      <a:schemeClr val="accent1"/>
+    </dgm:linClrLst>
+    <dgm:effectClrLst/>
+    <dgm:txLinClrLst/>
+    <dgm:txFillClrLst meth="repeat">
+      <a:schemeClr val="dk1"/>
+    </dgm:txFillClrLst>
+    <dgm:txEffectClrLst/>
+  </dgm:styleLbl>
+  <dgm:styleLbl name="fgAcc2">
+    <dgm:fillClrLst meth="repeat">
+      <a:schemeClr val="lt1">
+        <a:alpha val="90000"/>
+      </a:schemeClr>
+    </dgm:fillClrLst>
+    <dgm:linClrLst meth="repeat">
+      <a:schemeClr val="accent1"/>
+    </dgm:linClrLst>
+    <dgm:effectClrLst/>
+    <dgm:txLinClrLst/>
+    <dgm:txFillClrLst meth="repeat">
+      <a:schemeClr val="dk1"/>
+    </dgm:txFillClrLst>
+    <dgm:txEffectClrLst/>
+  </dgm:styleLbl>
+  <dgm:styleLbl name="fgAcc3">
+    <dgm:fillClrLst meth="repeat">
+      <a:schemeClr val="lt1">
+        <a:alpha val="90000"/>
+      </a:schemeClr>
+    </dgm:fillClrLst>
+    <dgm:linClrLst meth="repeat">
+      <a:schemeClr val="accent1"/>
+    </dgm:linClrLst>
+    <dgm:effectClrLst/>
+    <dgm:txLinClrLst/>
+    <dgm:txFillClrLst meth="repeat">
+      <a:schemeClr val="dk1"/>
+    </dgm:txFillClrLst>
+    <dgm:txEffectClrLst/>
+  </dgm:styleLbl>
+  <dgm:styleLbl name="fgAcc4">
+    <dgm:fillClrLst meth="repeat">
+      <a:schemeClr val="lt1">
+        <a:alpha val="90000"/>
+      </a:schemeClr>
+    </dgm:fillClrLst>
+    <dgm:linClrLst meth="repeat">
+      <a:schemeClr val="accent1"/>
+    </dgm:linClrLst>
+    <dgm:effectClrLst/>
+    <dgm:txLinClrLst/>
+    <dgm:txFillClrLst meth="repeat">
+      <a:schemeClr val="dk1"/>
+    </dgm:txFillClrLst>
+    <dgm:txEffectClrLst/>
+  </dgm:styleLbl>
+  <dgm:styleLbl name="bgShp">
+    <dgm:fillClrLst meth="repeat">
+      <a:schemeClr val="accent1">
+        <a:tint val="40000"/>
+      </a:schemeClr>
+    </dgm:fillClrLst>
+    <dgm:linClrLst meth="repeat">
+      <a:schemeClr val="accent1"/>
+    </dgm:linClrLst>
+    <dgm:effectClrLst/>
+    <dgm:txLinClrLst/>
+    <dgm:txFillClrLst meth="repeat">
+      <a:schemeClr val="dk1"/>
+    </dgm:txFillClrLst>
+    <dgm:txEffectClrLst/>
+  </dgm:styleLbl>
+  <dgm:styleLbl name="dkBgShp">
+    <dgm:fillClrLst meth="repeat">
+      <a:schemeClr val="accent1">
+        <a:shade val="80000"/>
+      </a:schemeClr>
+    </dgm:fillClrLst>
+    <dgm:linClrLst meth="repeat">
+      <a:schemeClr val="accent1"/>
+    </dgm:linClrLst>
+    <dgm:effectClrLst/>
+    <dgm:txLinClrLst/>
+    <dgm:txFillClrLst meth="repeat">
+      <a:schemeClr val="lt1"/>
+    </dgm:txFillClrLst>
+    <dgm:txEffectClrLst/>
+  </dgm:styleLbl>
+  <dgm:styleLbl name="trBgShp">
+    <dgm:fillClrLst meth="repeat">
+      <a:schemeClr val="accent1">
+        <a:tint val="50000"/>
+        <a:alpha val="40000"/>
+      </a:schemeClr>
+    </dgm:fillClrLst>
+    <dgm:linClrLst meth="repeat">
+      <a:schemeClr val="accent1"/>
+    </dgm:linClrLst>
+    <dgm:effectClrLst/>
+    <dgm:txLinClrLst/>
+    <dgm:txFillClrLst meth="repeat">
+      <a:schemeClr val="lt1"/>
+    </dgm:txFillClrLst>
+    <dgm:txEffectClrLst/>
+  </dgm:styleLbl>
+  <dgm:styleLbl name="fgShp">
+    <dgm:fillClrLst meth="repeat">
+      <a:schemeClr val="accent1">
+        <a:tint val="60000"/>
+      </a:schemeClr>
+    </dgm:fillClrLst>
+    <dgm:linClrLst meth="repeat">
+      <a:schemeClr val="lt1"/>
+    </dgm:linClrLst>
+    <dgm:effectClrLst/>
+    <dgm:txLinClrLst/>
+    <dgm:txFillClrLst meth="repeat">
+      <a:schemeClr val="dk1"/>
+    </dgm:txFillClrLst>
+    <dgm:txEffectClrLst/>
+  </dgm:styleLbl>
+  <dgm:styleLbl name="revTx">
+    <dgm:fillClrLst meth="repeat">
+      <a:schemeClr val="lt1">
+        <a:alpha val="0"/>
+      </a:schemeClr>
+    </dgm:fillClrLst>
+    <dgm:linClrLst meth="repeat">
+      <a:schemeClr val="dk1">
+        <a:alpha val="0"/>
+      </a:schemeClr>
+    </dgm:linClrLst>
+    <dgm:effectClrLst/>
+    <dgm:txLinClrLst/>
+    <dgm:txFillClrLst meth="repeat">
+      <a:schemeClr val="tx1"/>
+    </dgm:txFillClrLst>
+    <dgm:txEffectClrLst/>
+  </dgm:styleLbl>
+</dgm:colorsDef>
+</file>
+
+<file path=ppt/diagrams/data1.xml><?xml version="1.0" encoding="utf-8"?>
+<dgm:dataModel xmlns:dgm="http://schemas.openxmlformats.org/drawingml/2006/diagram" xmlns:a="http://schemas.openxmlformats.org/drawingml/2006/main">
+  <dgm:ptLst>
+    <dgm:pt modelId="{97A68C65-398F-D541-90B2-877A2218CE40}" type="doc">
+      <dgm:prSet loTypeId="urn:microsoft.com/office/officeart/2005/8/layout/hierarchy6" loCatId="" qsTypeId="urn:microsoft.com/office/officeart/2005/8/quickstyle/simple4" qsCatId="simple" csTypeId="urn:microsoft.com/office/officeart/2005/8/colors/accent1_2" csCatId="accent1" phldr="1"/>
+      <dgm:spPr/>
+      <dgm:t>
+        <a:bodyPr/>
+        <a:lstStyle/>
+        <a:p>
+          <a:endParaRPr lang="zh-CN" altLang="en-US"/>
+        </a:p>
+      </dgm:t>
+    </dgm:pt>
+    <dgm:pt modelId="{D27F1265-7A4E-1144-8167-207088945208}">
+      <dgm:prSet phldrT="[文本]"/>
+      <dgm:spPr/>
+      <dgm:t>
+        <a:bodyPr/>
+        <a:lstStyle/>
+        <a:p>
+          <a:r>
+            <a:rPr lang="zh-CN" altLang="en-US" dirty="0" smtClean="0"/>
+            <a:t>顶层控制</a:t>
+          </a:r>
+          <a:endParaRPr lang="zh-CN" altLang="en-US" dirty="0"/>
+        </a:p>
+      </dgm:t>
+    </dgm:pt>
+    <dgm:pt modelId="{125A01A9-972C-BC47-BFDE-85D26F179F08}" type="parTrans" cxnId="{6B0D5976-0490-C749-976F-5052515A2EC2}">
+      <dgm:prSet/>
+      <dgm:spPr/>
+      <dgm:t>
+        <a:bodyPr/>
+        <a:lstStyle/>
+        <a:p>
+          <a:endParaRPr lang="zh-CN" altLang="en-US"/>
+        </a:p>
+      </dgm:t>
+    </dgm:pt>
+    <dgm:pt modelId="{F7855486-DCC1-7149-9655-D16080C38F5A}" type="sibTrans" cxnId="{6B0D5976-0490-C749-976F-5052515A2EC2}">
+      <dgm:prSet/>
+      <dgm:spPr/>
+      <dgm:t>
+        <a:bodyPr/>
+        <a:lstStyle/>
+        <a:p>
+          <a:endParaRPr lang="zh-CN" altLang="en-US"/>
+        </a:p>
+      </dgm:t>
+    </dgm:pt>
+    <dgm:pt modelId="{DCE595E9-C1B5-3F4F-9188-7FF030C7E1AB}">
+      <dgm:prSet phldrT="[文本]"/>
+      <dgm:spPr/>
+      <dgm:t>
+        <a:bodyPr/>
+        <a:lstStyle/>
+        <a:p>
+          <a:r>
+            <a:rPr lang="zh-CN" altLang="en-US" dirty="0" smtClean="0"/>
+            <a:t>异步时钟</a:t>
+          </a:r>
+          <a:endParaRPr lang="zh-CN" altLang="en-US" dirty="0"/>
+        </a:p>
+      </dgm:t>
+    </dgm:pt>
+    <dgm:pt modelId="{35157B00-602B-2942-A545-F44A3E134FE5}" type="parTrans" cxnId="{A35401AE-D659-844B-B656-9D912DD3A6AD}">
+      <dgm:prSet/>
+      <dgm:spPr/>
+      <dgm:t>
+        <a:bodyPr/>
+        <a:lstStyle/>
+        <a:p>
+          <a:endParaRPr lang="zh-CN" altLang="en-US"/>
+        </a:p>
+      </dgm:t>
+    </dgm:pt>
+    <dgm:pt modelId="{870BB988-D9A3-744E-8D29-66ACDC933CAA}" type="sibTrans" cxnId="{A35401AE-D659-844B-B656-9D912DD3A6AD}">
+      <dgm:prSet/>
+      <dgm:spPr/>
+      <dgm:t>
+        <a:bodyPr/>
+        <a:lstStyle/>
+        <a:p>
+          <a:endParaRPr lang="zh-CN" altLang="en-US"/>
+        </a:p>
+      </dgm:t>
+    </dgm:pt>
+    <dgm:pt modelId="{06A827BD-47F2-A34C-983B-435E3AA551AA}">
+      <dgm:prSet phldrT="[文本]"/>
+      <dgm:spPr/>
+      <dgm:t>
+        <a:bodyPr/>
+        <a:lstStyle/>
+        <a:p>
+          <a:r>
+            <a:rPr lang="zh-CN" altLang="en-US" dirty="0" smtClean="0"/>
+            <a:t>电机控制</a:t>
+          </a:r>
+          <a:endParaRPr lang="zh-CN" altLang="en-US" dirty="0"/>
+        </a:p>
+      </dgm:t>
+    </dgm:pt>
+    <dgm:pt modelId="{8A3B122F-5A05-4D4E-B437-A478E59C9B07}" type="parTrans" cxnId="{956FCDEA-9A97-D54C-9C77-C1C594DA4B4E}">
+      <dgm:prSet/>
+      <dgm:spPr/>
+      <dgm:t>
+        <a:bodyPr/>
+        <a:lstStyle/>
+        <a:p>
+          <a:endParaRPr lang="zh-CN" altLang="en-US"/>
+        </a:p>
+      </dgm:t>
+    </dgm:pt>
+    <dgm:pt modelId="{B99F7529-8099-8E43-9FEF-62B851912B22}" type="sibTrans" cxnId="{956FCDEA-9A97-D54C-9C77-C1C594DA4B4E}">
+      <dgm:prSet/>
+      <dgm:spPr/>
+      <dgm:t>
+        <a:bodyPr/>
+        <a:lstStyle/>
+        <a:p>
+          <a:endParaRPr lang="zh-CN" altLang="en-US"/>
+        </a:p>
+      </dgm:t>
+    </dgm:pt>
+    <dgm:pt modelId="{391E05AC-FFDC-FE41-A822-049EF63345D3}">
+      <dgm:prSet phldrT="[文本]"/>
+      <dgm:spPr/>
+      <dgm:t>
+        <a:bodyPr/>
+        <a:lstStyle/>
+        <a:p>
+          <a:r>
+            <a:rPr lang="zh-CN" altLang="en-US" dirty="0" smtClean="0"/>
+            <a:t>舵机控制</a:t>
+          </a:r>
+          <a:endParaRPr lang="zh-CN" altLang="en-US" dirty="0"/>
+        </a:p>
+      </dgm:t>
+    </dgm:pt>
+    <dgm:pt modelId="{93E1B82C-8B85-AA4C-95D1-FAB8A047C278}" type="parTrans" cxnId="{A0AF9C99-13CF-064C-8757-8270777F4D6D}">
+      <dgm:prSet/>
+      <dgm:spPr/>
+      <dgm:t>
+        <a:bodyPr/>
+        <a:lstStyle/>
+        <a:p>
+          <a:endParaRPr lang="zh-CN" altLang="en-US"/>
+        </a:p>
+      </dgm:t>
+    </dgm:pt>
+    <dgm:pt modelId="{115A1B4E-E4AE-E24E-842D-4B8ABCFE642C}" type="sibTrans" cxnId="{A0AF9C99-13CF-064C-8757-8270777F4D6D}">
+      <dgm:prSet/>
+      <dgm:spPr/>
+      <dgm:t>
+        <a:bodyPr/>
+        <a:lstStyle/>
+        <a:p>
+          <a:endParaRPr lang="zh-CN" altLang="en-US"/>
+        </a:p>
+      </dgm:t>
+    </dgm:pt>
+    <dgm:pt modelId="{7439F470-7DDD-E84B-A6EC-A15198291CE2}">
+      <dgm:prSet phldrT="[文本]"/>
+      <dgm:spPr/>
+      <dgm:t>
+        <a:bodyPr/>
+        <a:lstStyle/>
+        <a:p>
+          <a:r>
+            <a:rPr lang="zh-CN" altLang="en-US" dirty="0" smtClean="0"/>
+            <a:t>通用异步收发器</a:t>
+          </a:r>
+        </a:p>
+      </dgm:t>
+    </dgm:pt>
+    <dgm:pt modelId="{B79AE41C-FC3B-2142-A90E-EDB2AB72AE8B}" type="parTrans" cxnId="{36BC4022-A108-DA42-BFA3-031C22D5A5CB}">
+      <dgm:prSet/>
+      <dgm:spPr/>
+      <dgm:t>
+        <a:bodyPr/>
+        <a:lstStyle/>
+        <a:p>
+          <a:endParaRPr lang="zh-CN" altLang="en-US"/>
+        </a:p>
+      </dgm:t>
+    </dgm:pt>
+    <dgm:pt modelId="{370C9C76-509C-3E43-B22A-34CCCA218F09}" type="sibTrans" cxnId="{36BC4022-A108-DA42-BFA3-031C22D5A5CB}">
+      <dgm:prSet/>
+      <dgm:spPr/>
+      <dgm:t>
+        <a:bodyPr/>
+        <a:lstStyle/>
+        <a:p>
+          <a:endParaRPr lang="zh-CN" altLang="en-US"/>
+        </a:p>
+      </dgm:t>
+    </dgm:pt>
+    <dgm:pt modelId="{3A850AD5-727B-354E-A7C4-84BA5A56689A}">
+      <dgm:prSet phldrT="[文本]"/>
+      <dgm:spPr/>
+      <dgm:t>
+        <a:bodyPr/>
+        <a:lstStyle/>
+        <a:p>
+          <a:r>
+            <a:rPr lang="en-US" altLang="zh-CN" dirty="0" smtClean="0"/>
+            <a:t>CMOS</a:t>
+          </a:r>
+          <a:r>
+            <a:rPr lang="zh-CN" altLang="en-US" dirty="0" smtClean="0"/>
+            <a:t>图像传感器</a:t>
+          </a:r>
+        </a:p>
+      </dgm:t>
+    </dgm:pt>
+    <dgm:pt modelId="{9149F4AA-20FA-FC4F-B722-6FA937151A75}" type="parTrans" cxnId="{BA3E857B-953A-8A49-83FA-7CF8C9C946CD}">
+      <dgm:prSet/>
+      <dgm:spPr/>
+      <dgm:t>
+        <a:bodyPr/>
+        <a:lstStyle/>
+        <a:p>
+          <a:endParaRPr lang="zh-CN" altLang="en-US"/>
+        </a:p>
+      </dgm:t>
+    </dgm:pt>
+    <dgm:pt modelId="{A60477CC-B6BC-9F4E-836E-2DD2FC8627BD}" type="sibTrans" cxnId="{BA3E857B-953A-8A49-83FA-7CF8C9C946CD}">
+      <dgm:prSet/>
+      <dgm:spPr/>
+      <dgm:t>
+        <a:bodyPr/>
+        <a:lstStyle/>
+        <a:p>
+          <a:endParaRPr lang="zh-CN" altLang="en-US"/>
+        </a:p>
+      </dgm:t>
+    </dgm:pt>
+    <dgm:pt modelId="{7F15297A-19DB-CA4A-A0D5-EECCDFF6008B}">
+      <dgm:prSet phldrT="[文本]"/>
+      <dgm:spPr/>
+      <dgm:t>
+        <a:bodyPr/>
+        <a:lstStyle/>
+        <a:p>
+          <a:r>
+            <a:rPr lang="zh-CN" altLang="en-US" dirty="0" smtClean="0"/>
+            <a:t>超声波测距</a:t>
+          </a:r>
+        </a:p>
+      </dgm:t>
+    </dgm:pt>
+    <dgm:pt modelId="{8BF862B4-208B-CA45-BDF0-97B130435909}" type="parTrans" cxnId="{6D1C97B3-F373-8B45-A348-BD382B5742AE}">
+      <dgm:prSet/>
+      <dgm:spPr/>
+      <dgm:t>
+        <a:bodyPr/>
+        <a:lstStyle/>
+        <a:p>
+          <a:endParaRPr lang="zh-CN" altLang="en-US"/>
+        </a:p>
+      </dgm:t>
+    </dgm:pt>
+    <dgm:pt modelId="{BDDB9B90-9DD6-4846-9B12-3BD88AB51346}" type="sibTrans" cxnId="{6D1C97B3-F373-8B45-A348-BD382B5742AE}">
+      <dgm:prSet/>
+      <dgm:spPr/>
+      <dgm:t>
+        <a:bodyPr/>
+        <a:lstStyle/>
+        <a:p>
+          <a:endParaRPr lang="zh-CN" altLang="en-US"/>
+        </a:p>
+      </dgm:t>
+    </dgm:pt>
+    <dgm:pt modelId="{3E664D28-F16E-024B-BDC7-D7BCD05E5D00}">
+      <dgm:prSet phldrT="[文本]"/>
+      <dgm:spPr/>
+      <dgm:t>
+        <a:bodyPr/>
+        <a:lstStyle/>
+        <a:p>
+          <a:r>
+            <a:rPr lang="zh-CN" altLang="en-US" dirty="0" smtClean="0"/>
+            <a:t>初始化寄存器</a:t>
+          </a:r>
+        </a:p>
+      </dgm:t>
+    </dgm:pt>
+    <dgm:pt modelId="{D0519A92-574C-B649-B6B4-070C4E223628}" type="parTrans" cxnId="{2550A9E1-FC5E-FC4D-ABF9-AC292943019F}">
+      <dgm:prSet/>
+      <dgm:spPr/>
+      <dgm:t>
+        <a:bodyPr/>
+        <a:lstStyle/>
+        <a:p>
+          <a:endParaRPr lang="zh-CN" altLang="en-US"/>
+        </a:p>
+      </dgm:t>
+    </dgm:pt>
+    <dgm:pt modelId="{72AE2C68-760D-E94B-940E-BD1FD9027165}" type="sibTrans" cxnId="{2550A9E1-FC5E-FC4D-ABF9-AC292943019F}">
+      <dgm:prSet/>
+      <dgm:spPr/>
+      <dgm:t>
+        <a:bodyPr/>
+        <a:lstStyle/>
+        <a:p>
+          <a:endParaRPr lang="zh-CN" altLang="en-US"/>
+        </a:p>
+      </dgm:t>
+    </dgm:pt>
+    <dgm:pt modelId="{C0C7EDA5-76E1-1C41-A6D2-A1884CF29BC0}">
+      <dgm:prSet phldrT="[文本]"/>
+      <dgm:spPr/>
+      <dgm:t>
+        <a:bodyPr/>
+        <a:lstStyle/>
+        <a:p>
+          <a:r>
+            <a:rPr lang="en-US" altLang="zh-CN" dirty="0" smtClean="0"/>
+            <a:t>FIFO</a:t>
+          </a:r>
+          <a:endParaRPr lang="zh-CN" altLang="en-US" dirty="0" smtClean="0"/>
+        </a:p>
+      </dgm:t>
+    </dgm:pt>
+    <dgm:pt modelId="{BC60429C-E0A4-AE4F-AB85-A4DA402252EA}" type="parTrans" cxnId="{30DCBCA3-D327-9746-9355-20C264B2A0C9}">
+      <dgm:prSet/>
+      <dgm:spPr/>
+      <dgm:t>
+        <a:bodyPr/>
+        <a:lstStyle/>
+        <a:p>
+          <a:endParaRPr lang="zh-CN" altLang="en-US"/>
+        </a:p>
+      </dgm:t>
+    </dgm:pt>
+    <dgm:pt modelId="{77ED7C83-6CC3-C44E-9D08-CF0FAD0F01C2}" type="sibTrans" cxnId="{30DCBCA3-D327-9746-9355-20C264B2A0C9}">
+      <dgm:prSet/>
+      <dgm:spPr/>
+      <dgm:t>
+        <a:bodyPr/>
+        <a:lstStyle/>
+        <a:p>
+          <a:endParaRPr lang="zh-CN" altLang="en-US"/>
+        </a:p>
+      </dgm:t>
+    </dgm:pt>
+    <dgm:pt modelId="{598739D5-8687-9844-B03E-353ECD1A2E76}">
+      <dgm:prSet phldrT="[文本]"/>
+      <dgm:spPr/>
+      <dgm:t>
+        <a:bodyPr/>
+        <a:lstStyle/>
+        <a:p>
+          <a:r>
+            <a:rPr lang="zh-CN" altLang="en-US" dirty="0" smtClean="0"/>
+            <a:t>采集图像</a:t>
+          </a:r>
+        </a:p>
+      </dgm:t>
+    </dgm:pt>
+    <dgm:pt modelId="{BD078D44-F70B-A040-8F26-D8217F93A37F}" type="parTrans" cxnId="{E88D5FA6-447F-DF4B-B6CE-C32310861045}">
+      <dgm:prSet/>
+      <dgm:spPr/>
+      <dgm:t>
+        <a:bodyPr/>
+        <a:lstStyle/>
+        <a:p>
+          <a:endParaRPr lang="zh-CN" altLang="en-US"/>
+        </a:p>
+      </dgm:t>
+    </dgm:pt>
+    <dgm:pt modelId="{A86CB50C-63C0-9F44-B564-74E90F4DE2BD}" type="sibTrans" cxnId="{E88D5FA6-447F-DF4B-B6CE-C32310861045}">
+      <dgm:prSet/>
+      <dgm:spPr/>
+      <dgm:t>
+        <a:bodyPr/>
+        <a:lstStyle/>
+        <a:p>
+          <a:endParaRPr lang="zh-CN" altLang="en-US"/>
+        </a:p>
+      </dgm:t>
+    </dgm:pt>
+    <dgm:pt modelId="{1528E5CF-7A89-FD49-B68A-CF0BAF5DADB2}">
+      <dgm:prSet phldrT="[文本]"/>
+      <dgm:spPr/>
+      <dgm:t>
+        <a:bodyPr/>
+        <a:lstStyle/>
+        <a:p>
+          <a:r>
+            <a:rPr lang="zh-CN" altLang="en-US" dirty="0" smtClean="0"/>
+            <a:t>读取图像</a:t>
+          </a:r>
+        </a:p>
+      </dgm:t>
+    </dgm:pt>
+    <dgm:pt modelId="{976974F4-63A8-1C46-BACF-2904593216D9}" type="parTrans" cxnId="{197DAF41-1A2E-1843-9252-ADE8DA5B6880}">
+      <dgm:prSet/>
+      <dgm:spPr/>
+      <dgm:t>
+        <a:bodyPr/>
+        <a:lstStyle/>
+        <a:p>
+          <a:endParaRPr lang="zh-CN" altLang="en-US"/>
+        </a:p>
+      </dgm:t>
+    </dgm:pt>
+    <dgm:pt modelId="{56287F19-E316-624C-B45F-CFB6AAE93880}" type="sibTrans" cxnId="{197DAF41-1A2E-1843-9252-ADE8DA5B6880}">
+      <dgm:prSet/>
+      <dgm:spPr/>
+      <dgm:t>
+        <a:bodyPr/>
+        <a:lstStyle/>
+        <a:p>
+          <a:endParaRPr lang="zh-CN" altLang="en-US"/>
+        </a:p>
+      </dgm:t>
+    </dgm:pt>
+    <dgm:pt modelId="{DEA2FC11-EF5C-C649-A62A-658ED23AB826}">
+      <dgm:prSet phldrT="[文本]"/>
+      <dgm:spPr/>
+      <dgm:t>
+        <a:bodyPr/>
+        <a:lstStyle/>
+        <a:p>
+          <a:r>
+            <a:rPr lang="zh-CN" altLang="en-US" dirty="0" smtClean="0"/>
+            <a:t>串口发送</a:t>
+          </a:r>
+        </a:p>
+      </dgm:t>
+    </dgm:pt>
+    <dgm:pt modelId="{85910EE4-75ED-E94B-BB11-8E38A8137EA0}" type="parTrans" cxnId="{3990BF69-3730-0F48-BF2B-939B270D0ADF}">
+      <dgm:prSet/>
+      <dgm:spPr/>
+    </dgm:pt>
+    <dgm:pt modelId="{5B3566BE-1B49-0C49-ACBB-F87A5ABB3245}" type="sibTrans" cxnId="{3990BF69-3730-0F48-BF2B-939B270D0ADF}">
+      <dgm:prSet/>
+      <dgm:spPr/>
+    </dgm:pt>
+    <dgm:pt modelId="{83B0227E-83BF-D148-9554-81B12F3E5E2E}">
+      <dgm:prSet phldrT="[文本]"/>
+      <dgm:spPr/>
+      <dgm:t>
+        <a:bodyPr/>
+        <a:lstStyle/>
+        <a:p>
+          <a:r>
+            <a:rPr lang="zh-CN" altLang="en-US" dirty="0" smtClean="0"/>
+            <a:t>串口接收</a:t>
+          </a:r>
+        </a:p>
+      </dgm:t>
+    </dgm:pt>
+    <dgm:pt modelId="{1FBA812B-A617-B84F-9611-21F83DDFE234}" type="parTrans" cxnId="{AED4264C-2C5F-3C44-B315-0B2069BF2597}">
+      <dgm:prSet/>
+      <dgm:spPr/>
+    </dgm:pt>
+    <dgm:pt modelId="{5E6B13BB-C17F-E840-AD31-9CF932AA67ED}" type="sibTrans" cxnId="{AED4264C-2C5F-3C44-B315-0B2069BF2597}">
+      <dgm:prSet/>
+      <dgm:spPr/>
+    </dgm:pt>
+    <dgm:pt modelId="{469E0EB9-C0CD-7C41-9678-7B23201CFEF8}" type="pres">
+      <dgm:prSet presAssocID="{97A68C65-398F-D541-90B2-877A2218CE40}" presName="mainComposite" presStyleCnt="0">
+        <dgm:presLayoutVars>
+          <dgm:chPref val="1"/>
+          <dgm:dir/>
+          <dgm:animOne val="branch"/>
+          <dgm:animLvl val="lvl"/>
+          <dgm:resizeHandles val="exact"/>
+        </dgm:presLayoutVars>
+      </dgm:prSet>
+      <dgm:spPr/>
+    </dgm:pt>
+    <dgm:pt modelId="{8AA0CBD7-7ADB-8A42-9A69-0CA32CF7EE18}" type="pres">
+      <dgm:prSet presAssocID="{97A68C65-398F-D541-90B2-877A2218CE40}" presName="hierFlow" presStyleCnt="0"/>
+      <dgm:spPr/>
+    </dgm:pt>
+    <dgm:pt modelId="{11EC7B14-0D41-224A-B28F-CD2DC6794FE9}" type="pres">
+      <dgm:prSet presAssocID="{97A68C65-398F-D541-90B2-877A2218CE40}" presName="hierChild1" presStyleCnt="0">
+        <dgm:presLayoutVars>
+          <dgm:chPref val="1"/>
+          <dgm:animOne val="branch"/>
+          <dgm:animLvl val="lvl"/>
+        </dgm:presLayoutVars>
+      </dgm:prSet>
+      <dgm:spPr/>
+    </dgm:pt>
+    <dgm:pt modelId="{243C9FED-4E24-254A-9A4A-3A030D4373DE}" type="pres">
+      <dgm:prSet presAssocID="{D27F1265-7A4E-1144-8167-207088945208}" presName="Name14" presStyleCnt="0"/>
+      <dgm:spPr/>
+    </dgm:pt>
+    <dgm:pt modelId="{28F2C103-7064-D646-BC41-CB9F3C44B199}" type="pres">
+      <dgm:prSet presAssocID="{D27F1265-7A4E-1144-8167-207088945208}" presName="level1Shape" presStyleLbl="node0" presStyleIdx="0" presStyleCnt="1">
+        <dgm:presLayoutVars>
+          <dgm:chPref val="3"/>
+        </dgm:presLayoutVars>
+      </dgm:prSet>
+      <dgm:spPr/>
+    </dgm:pt>
+    <dgm:pt modelId="{6E237C2D-DA6C-4041-86E3-17650F5BF2E5}" type="pres">
+      <dgm:prSet presAssocID="{D27F1265-7A4E-1144-8167-207088945208}" presName="hierChild2" presStyleCnt="0"/>
+      <dgm:spPr/>
+    </dgm:pt>
+    <dgm:pt modelId="{58A8FD46-7D8D-B145-B716-1217D094E373}" type="pres">
+      <dgm:prSet presAssocID="{35157B00-602B-2942-A545-F44A3E134FE5}" presName="Name19" presStyleLbl="parChTrans1D2" presStyleIdx="0" presStyleCnt="6"/>
+      <dgm:spPr/>
+    </dgm:pt>
+    <dgm:pt modelId="{92D6BA65-2736-6F48-BEC1-AC23E79E075F}" type="pres">
+      <dgm:prSet presAssocID="{DCE595E9-C1B5-3F4F-9188-7FF030C7E1AB}" presName="Name21" presStyleCnt="0"/>
+      <dgm:spPr/>
+    </dgm:pt>
+    <dgm:pt modelId="{90564826-F94A-7E49-932F-687A11277669}" type="pres">
+      <dgm:prSet presAssocID="{DCE595E9-C1B5-3F4F-9188-7FF030C7E1AB}" presName="level2Shape" presStyleLbl="node2" presStyleIdx="0" presStyleCnt="6"/>
+      <dgm:spPr/>
+    </dgm:pt>
+    <dgm:pt modelId="{E201FFCC-41C6-A343-BA01-76EEED548332}" type="pres">
+      <dgm:prSet presAssocID="{DCE595E9-C1B5-3F4F-9188-7FF030C7E1AB}" presName="hierChild3" presStyleCnt="0"/>
+      <dgm:spPr/>
+    </dgm:pt>
+    <dgm:pt modelId="{91380B1D-32AE-7F4F-8053-8C24D7FFBB46}" type="pres">
+      <dgm:prSet presAssocID="{8A3B122F-5A05-4D4E-B437-A478E59C9B07}" presName="Name19" presStyleLbl="parChTrans1D2" presStyleIdx="1" presStyleCnt="6"/>
+      <dgm:spPr/>
+    </dgm:pt>
+    <dgm:pt modelId="{75188A66-A6FE-6844-9734-AE484976D0A4}" type="pres">
+      <dgm:prSet presAssocID="{06A827BD-47F2-A34C-983B-435E3AA551AA}" presName="Name21" presStyleCnt="0"/>
+      <dgm:spPr/>
+    </dgm:pt>
+    <dgm:pt modelId="{DDC98A31-D5CE-7A4C-BAFB-6D2AB577D02D}" type="pres">
+      <dgm:prSet presAssocID="{06A827BD-47F2-A34C-983B-435E3AA551AA}" presName="level2Shape" presStyleLbl="node2" presStyleIdx="1" presStyleCnt="6"/>
+      <dgm:spPr/>
+    </dgm:pt>
+    <dgm:pt modelId="{D5461EBB-CAC3-324C-9802-DE596C6D60B4}" type="pres">
+      <dgm:prSet presAssocID="{06A827BD-47F2-A34C-983B-435E3AA551AA}" presName="hierChild3" presStyleCnt="0"/>
+      <dgm:spPr/>
+    </dgm:pt>
+    <dgm:pt modelId="{297FAA22-58A6-FA46-8EFB-C6E29BF5CE25}" type="pres">
+      <dgm:prSet presAssocID="{93E1B82C-8B85-AA4C-95D1-FAB8A047C278}" presName="Name19" presStyleLbl="parChTrans1D2" presStyleIdx="2" presStyleCnt="6"/>
+      <dgm:spPr/>
+    </dgm:pt>
+    <dgm:pt modelId="{7F43FD2D-2191-874B-9C77-E056AD5924FA}" type="pres">
+      <dgm:prSet presAssocID="{391E05AC-FFDC-FE41-A822-049EF63345D3}" presName="Name21" presStyleCnt="0"/>
+      <dgm:spPr/>
+    </dgm:pt>
+    <dgm:pt modelId="{CF6CB4E5-381F-3348-8F38-D63314E63B6E}" type="pres">
+      <dgm:prSet presAssocID="{391E05AC-FFDC-FE41-A822-049EF63345D3}" presName="level2Shape" presStyleLbl="node2" presStyleIdx="2" presStyleCnt="6"/>
+      <dgm:spPr/>
+    </dgm:pt>
+    <dgm:pt modelId="{EC1DF422-F773-8949-A277-2B017B3A7819}" type="pres">
+      <dgm:prSet presAssocID="{391E05AC-FFDC-FE41-A822-049EF63345D3}" presName="hierChild3" presStyleCnt="0"/>
+      <dgm:spPr/>
+    </dgm:pt>
+    <dgm:pt modelId="{B6C1AB73-CE16-5F48-8AA8-A0F3E0704CDC}" type="pres">
+      <dgm:prSet presAssocID="{B79AE41C-FC3B-2142-A90E-EDB2AB72AE8B}" presName="Name19" presStyleLbl="parChTrans1D2" presStyleIdx="3" presStyleCnt="6"/>
+      <dgm:spPr/>
+    </dgm:pt>
+    <dgm:pt modelId="{9D9D8763-927D-234E-AACF-566FCEDF9CB6}" type="pres">
+      <dgm:prSet presAssocID="{7439F470-7DDD-E84B-A6EC-A15198291CE2}" presName="Name21" presStyleCnt="0"/>
+      <dgm:spPr/>
+    </dgm:pt>
+    <dgm:pt modelId="{0A38DCFA-88EB-F648-9D5B-2B0AFB9ABF3D}" type="pres">
+      <dgm:prSet presAssocID="{7439F470-7DDD-E84B-A6EC-A15198291CE2}" presName="level2Shape" presStyleLbl="node2" presStyleIdx="3" presStyleCnt="6"/>
+      <dgm:spPr/>
+    </dgm:pt>
+    <dgm:pt modelId="{FB23576D-82BC-2349-83DF-2E89AE5A6E33}" type="pres">
+      <dgm:prSet presAssocID="{7439F470-7DDD-E84B-A6EC-A15198291CE2}" presName="hierChild3" presStyleCnt="0"/>
+      <dgm:spPr/>
+    </dgm:pt>
+    <dgm:pt modelId="{3936D5C8-4FDB-924A-8CBD-03604B40DA78}" type="pres">
+      <dgm:prSet presAssocID="{85910EE4-75ED-E94B-BB11-8E38A8137EA0}" presName="Name19" presStyleLbl="parChTrans1D3" presStyleIdx="0" presStyleCnt="4"/>
+      <dgm:spPr/>
+    </dgm:pt>
+    <dgm:pt modelId="{9AF0648A-6A31-CF4E-8762-029618F812BD}" type="pres">
+      <dgm:prSet presAssocID="{DEA2FC11-EF5C-C649-A62A-658ED23AB826}" presName="Name21" presStyleCnt="0"/>
+      <dgm:spPr/>
+    </dgm:pt>
+    <dgm:pt modelId="{F80F2428-CC83-B64C-9053-39A0C82F132B}" type="pres">
+      <dgm:prSet presAssocID="{DEA2FC11-EF5C-C649-A62A-658ED23AB826}" presName="level2Shape" presStyleLbl="node3" presStyleIdx="0" presStyleCnt="4"/>
+      <dgm:spPr/>
+      <dgm:t>
+        <a:bodyPr/>
+        <a:lstStyle/>
+        <a:p>
+          <a:endParaRPr lang="zh-CN" altLang="en-US"/>
+        </a:p>
+      </dgm:t>
+    </dgm:pt>
+    <dgm:pt modelId="{0FC09A45-D160-914B-B5E2-5065936E17CD}" type="pres">
+      <dgm:prSet presAssocID="{DEA2FC11-EF5C-C649-A62A-658ED23AB826}" presName="hierChild3" presStyleCnt="0"/>
+      <dgm:spPr/>
+    </dgm:pt>
+    <dgm:pt modelId="{2E0D29D4-C8F3-D149-92A4-091E078191A5}" type="pres">
+      <dgm:prSet presAssocID="{1FBA812B-A617-B84F-9611-21F83DDFE234}" presName="Name19" presStyleLbl="parChTrans1D3" presStyleIdx="1" presStyleCnt="4"/>
+      <dgm:spPr/>
+    </dgm:pt>
+    <dgm:pt modelId="{C96A8241-719B-1745-B0CA-2C0F29A4C090}" type="pres">
+      <dgm:prSet presAssocID="{83B0227E-83BF-D148-9554-81B12F3E5E2E}" presName="Name21" presStyleCnt="0"/>
+      <dgm:spPr/>
+    </dgm:pt>
+    <dgm:pt modelId="{ED304ABE-7ED1-7B43-BB21-27E6D110AB81}" type="pres">
+      <dgm:prSet presAssocID="{83B0227E-83BF-D148-9554-81B12F3E5E2E}" presName="level2Shape" presStyleLbl="node3" presStyleIdx="1" presStyleCnt="4"/>
+      <dgm:spPr/>
+    </dgm:pt>
+    <dgm:pt modelId="{20972E82-07AB-CB48-9AC7-65F41915959B}" type="pres">
+      <dgm:prSet presAssocID="{83B0227E-83BF-D148-9554-81B12F3E5E2E}" presName="hierChild3" presStyleCnt="0"/>
+      <dgm:spPr/>
+    </dgm:pt>
+    <dgm:pt modelId="{1B6BDF90-43B6-FC4E-BE8B-A87B0CBCAFD0}" type="pres">
+      <dgm:prSet presAssocID="{9149F4AA-20FA-FC4F-B722-6FA937151A75}" presName="Name19" presStyleLbl="parChTrans1D2" presStyleIdx="4" presStyleCnt="6"/>
+      <dgm:spPr/>
+    </dgm:pt>
+    <dgm:pt modelId="{D2C13899-57E9-B045-9ED2-E6D9888FBEE2}" type="pres">
+      <dgm:prSet presAssocID="{3A850AD5-727B-354E-A7C4-84BA5A56689A}" presName="Name21" presStyleCnt="0"/>
+      <dgm:spPr/>
+    </dgm:pt>
+    <dgm:pt modelId="{83733C2A-0A5C-BC43-B250-2C4A9F10C0BF}" type="pres">
+      <dgm:prSet presAssocID="{3A850AD5-727B-354E-A7C4-84BA5A56689A}" presName="level2Shape" presStyleLbl="node2" presStyleIdx="4" presStyleCnt="6"/>
+      <dgm:spPr/>
+    </dgm:pt>
+    <dgm:pt modelId="{83B89B3B-9712-7547-8373-8CB3964969D3}" type="pres">
+      <dgm:prSet presAssocID="{3A850AD5-727B-354E-A7C4-84BA5A56689A}" presName="hierChild3" presStyleCnt="0"/>
+      <dgm:spPr/>
+    </dgm:pt>
+    <dgm:pt modelId="{E8AF8369-D31B-F341-96B4-18C8C268F3F6}" type="pres">
+      <dgm:prSet presAssocID="{D0519A92-574C-B649-B6B4-070C4E223628}" presName="Name19" presStyleLbl="parChTrans1D3" presStyleIdx="2" presStyleCnt="4"/>
+      <dgm:spPr/>
+    </dgm:pt>
+    <dgm:pt modelId="{CA44F2F8-7A92-104A-A903-88CBD62C8CBE}" type="pres">
+      <dgm:prSet presAssocID="{3E664D28-F16E-024B-BDC7-D7BCD05E5D00}" presName="Name21" presStyleCnt="0"/>
+      <dgm:spPr/>
+    </dgm:pt>
+    <dgm:pt modelId="{E7281C07-B489-234D-9271-4F5E50FEC06F}" type="pres">
+      <dgm:prSet presAssocID="{3E664D28-F16E-024B-BDC7-D7BCD05E5D00}" presName="level2Shape" presStyleLbl="node3" presStyleIdx="2" presStyleCnt="4"/>
+      <dgm:spPr/>
+    </dgm:pt>
+    <dgm:pt modelId="{1BD4DB5D-1762-9045-A55F-DC2481EFDB75}" type="pres">
+      <dgm:prSet presAssocID="{3E664D28-F16E-024B-BDC7-D7BCD05E5D00}" presName="hierChild3" presStyleCnt="0"/>
+      <dgm:spPr/>
+    </dgm:pt>
+    <dgm:pt modelId="{D2D41AB5-5980-C34D-9849-ED6E11C56A74}" type="pres">
+      <dgm:prSet presAssocID="{BC60429C-E0A4-AE4F-AB85-A4DA402252EA}" presName="Name19" presStyleLbl="parChTrans1D3" presStyleIdx="3" presStyleCnt="4"/>
+      <dgm:spPr/>
+    </dgm:pt>
+    <dgm:pt modelId="{7AA9D57C-FDF6-B744-988B-FCD52E571EB8}" type="pres">
+      <dgm:prSet presAssocID="{C0C7EDA5-76E1-1C41-A6D2-A1884CF29BC0}" presName="Name21" presStyleCnt="0"/>
+      <dgm:spPr/>
+    </dgm:pt>
+    <dgm:pt modelId="{5C0BC4F1-B01D-564B-8985-E86300E115FB}" type="pres">
+      <dgm:prSet presAssocID="{C0C7EDA5-76E1-1C41-A6D2-A1884CF29BC0}" presName="level2Shape" presStyleLbl="node3" presStyleIdx="3" presStyleCnt="4"/>
+      <dgm:spPr/>
+    </dgm:pt>
+    <dgm:pt modelId="{F3DD0154-7988-D249-994B-5F2D28C84EE7}" type="pres">
+      <dgm:prSet presAssocID="{C0C7EDA5-76E1-1C41-A6D2-A1884CF29BC0}" presName="hierChild3" presStyleCnt="0"/>
+      <dgm:spPr/>
+    </dgm:pt>
+    <dgm:pt modelId="{9C77D2F6-9AB5-F744-837C-55DBD84E43F0}" type="pres">
+      <dgm:prSet presAssocID="{BD078D44-F70B-A040-8F26-D8217F93A37F}" presName="Name19" presStyleLbl="parChTrans1D4" presStyleIdx="0" presStyleCnt="2"/>
+      <dgm:spPr/>
+    </dgm:pt>
+    <dgm:pt modelId="{6A1C2221-71F2-8F4F-A840-D8260E01C88D}" type="pres">
+      <dgm:prSet presAssocID="{598739D5-8687-9844-B03E-353ECD1A2E76}" presName="Name21" presStyleCnt="0"/>
+      <dgm:spPr/>
+    </dgm:pt>
+    <dgm:pt modelId="{922A05D7-ACD5-F849-AA27-17D6E77F1898}" type="pres">
+      <dgm:prSet presAssocID="{598739D5-8687-9844-B03E-353ECD1A2E76}" presName="level2Shape" presStyleLbl="node4" presStyleIdx="0" presStyleCnt="2"/>
+      <dgm:spPr/>
+    </dgm:pt>
+    <dgm:pt modelId="{7AE9D53C-7DC0-344D-BCE9-2017BB5CCB58}" type="pres">
+      <dgm:prSet presAssocID="{598739D5-8687-9844-B03E-353ECD1A2E76}" presName="hierChild3" presStyleCnt="0"/>
+      <dgm:spPr/>
+    </dgm:pt>
+    <dgm:pt modelId="{B4A00DB9-AB8A-6942-8431-C98ED7AFC5C4}" type="pres">
+      <dgm:prSet presAssocID="{976974F4-63A8-1C46-BACF-2904593216D9}" presName="Name19" presStyleLbl="parChTrans1D4" presStyleIdx="1" presStyleCnt="2"/>
+      <dgm:spPr/>
+    </dgm:pt>
+    <dgm:pt modelId="{262D57D0-06D1-A14E-8168-C2CDB93E1FD3}" type="pres">
+      <dgm:prSet presAssocID="{1528E5CF-7A89-FD49-B68A-CF0BAF5DADB2}" presName="Name21" presStyleCnt="0"/>
+      <dgm:spPr/>
+    </dgm:pt>
+    <dgm:pt modelId="{FAD44049-E189-2F44-BBB1-53E29C96FBCA}" type="pres">
+      <dgm:prSet presAssocID="{1528E5CF-7A89-FD49-B68A-CF0BAF5DADB2}" presName="level2Shape" presStyleLbl="node4" presStyleIdx="1" presStyleCnt="2"/>
+      <dgm:spPr/>
+    </dgm:pt>
+    <dgm:pt modelId="{390FD582-F93F-2E49-933A-2C2F300D270D}" type="pres">
+      <dgm:prSet presAssocID="{1528E5CF-7A89-FD49-B68A-CF0BAF5DADB2}" presName="hierChild3" presStyleCnt="0"/>
+      <dgm:spPr/>
+    </dgm:pt>
+    <dgm:pt modelId="{2FAAD3D6-DFB5-F343-BE52-77986960AD52}" type="pres">
+      <dgm:prSet presAssocID="{8BF862B4-208B-CA45-BDF0-97B130435909}" presName="Name19" presStyleLbl="parChTrans1D2" presStyleIdx="5" presStyleCnt="6"/>
+      <dgm:spPr/>
+    </dgm:pt>
+    <dgm:pt modelId="{9DB1CEC2-8BB8-7346-9A88-08F8D6E1FA04}" type="pres">
+      <dgm:prSet presAssocID="{7F15297A-19DB-CA4A-A0D5-EECCDFF6008B}" presName="Name21" presStyleCnt="0"/>
+      <dgm:spPr/>
+    </dgm:pt>
+    <dgm:pt modelId="{4DE6B8E2-A227-BF4C-A90C-351AFB14F9D8}" type="pres">
+      <dgm:prSet presAssocID="{7F15297A-19DB-CA4A-A0D5-EECCDFF6008B}" presName="level2Shape" presStyleLbl="node2" presStyleIdx="5" presStyleCnt="6"/>
+      <dgm:spPr/>
+    </dgm:pt>
+    <dgm:pt modelId="{87265B86-B2BE-544E-9D08-E5D72F99C73E}" type="pres">
+      <dgm:prSet presAssocID="{7F15297A-19DB-CA4A-A0D5-EECCDFF6008B}" presName="hierChild3" presStyleCnt="0"/>
+      <dgm:spPr/>
+    </dgm:pt>
+    <dgm:pt modelId="{4FF2FC5E-1ED3-9A4D-8B5E-4BAC3A387BD1}" type="pres">
+      <dgm:prSet presAssocID="{97A68C65-398F-D541-90B2-877A2218CE40}" presName="bgShapesFlow" presStyleCnt="0"/>
+      <dgm:spPr/>
+    </dgm:pt>
+  </dgm:ptLst>
+  <dgm:cxnLst>
+    <dgm:cxn modelId="{C40EEBD5-F060-7C43-B818-31FCE6948277}" type="presOf" srcId="{C0C7EDA5-76E1-1C41-A6D2-A1884CF29BC0}" destId="{5C0BC4F1-B01D-564B-8985-E86300E115FB}" srcOrd="0" destOrd="0" presId="urn:microsoft.com/office/officeart/2005/8/layout/hierarchy6"/>
+    <dgm:cxn modelId="{52692F0E-C7FE-9246-B432-7A7ADAE563E3}" type="presOf" srcId="{B79AE41C-FC3B-2142-A90E-EDB2AB72AE8B}" destId="{B6C1AB73-CE16-5F48-8AA8-A0F3E0704CDC}" srcOrd="0" destOrd="0" presId="urn:microsoft.com/office/officeart/2005/8/layout/hierarchy6"/>
+    <dgm:cxn modelId="{30DCBCA3-D327-9746-9355-20C264B2A0C9}" srcId="{3A850AD5-727B-354E-A7C4-84BA5A56689A}" destId="{C0C7EDA5-76E1-1C41-A6D2-A1884CF29BC0}" srcOrd="1" destOrd="0" parTransId="{BC60429C-E0A4-AE4F-AB85-A4DA402252EA}" sibTransId="{77ED7C83-6CC3-C44E-9D08-CF0FAD0F01C2}"/>
+    <dgm:cxn modelId="{A433D884-D2B4-C249-BB82-852D653C2F2A}" type="presOf" srcId="{93E1B82C-8B85-AA4C-95D1-FAB8A047C278}" destId="{297FAA22-58A6-FA46-8EFB-C6E29BF5CE25}" srcOrd="0" destOrd="0" presId="urn:microsoft.com/office/officeart/2005/8/layout/hierarchy6"/>
+    <dgm:cxn modelId="{9B3645DE-BD14-D24F-A6CE-F08EC603DCC5}" type="presOf" srcId="{D27F1265-7A4E-1144-8167-207088945208}" destId="{28F2C103-7064-D646-BC41-CB9F3C44B199}" srcOrd="0" destOrd="0" presId="urn:microsoft.com/office/officeart/2005/8/layout/hierarchy6"/>
+    <dgm:cxn modelId="{07F0CD1A-342E-6F41-A4C4-D5D2F89B70CE}" type="presOf" srcId="{85910EE4-75ED-E94B-BB11-8E38A8137EA0}" destId="{3936D5C8-4FDB-924A-8CBD-03604B40DA78}" srcOrd="0" destOrd="0" presId="urn:microsoft.com/office/officeart/2005/8/layout/hierarchy6"/>
+    <dgm:cxn modelId="{4F30A518-3466-B544-9176-E6BAD1846755}" type="presOf" srcId="{1528E5CF-7A89-FD49-B68A-CF0BAF5DADB2}" destId="{FAD44049-E189-2F44-BBB1-53E29C96FBCA}" srcOrd="0" destOrd="0" presId="urn:microsoft.com/office/officeart/2005/8/layout/hierarchy6"/>
+    <dgm:cxn modelId="{956FCDEA-9A97-D54C-9C77-C1C594DA4B4E}" srcId="{D27F1265-7A4E-1144-8167-207088945208}" destId="{06A827BD-47F2-A34C-983B-435E3AA551AA}" srcOrd="1" destOrd="0" parTransId="{8A3B122F-5A05-4D4E-B437-A478E59C9B07}" sibTransId="{B99F7529-8099-8E43-9FEF-62B851912B22}"/>
+    <dgm:cxn modelId="{6D1C97B3-F373-8B45-A348-BD382B5742AE}" srcId="{D27F1265-7A4E-1144-8167-207088945208}" destId="{7F15297A-19DB-CA4A-A0D5-EECCDFF6008B}" srcOrd="5" destOrd="0" parTransId="{8BF862B4-208B-CA45-BDF0-97B130435909}" sibTransId="{BDDB9B90-9DD6-4846-9B12-3BD88AB51346}"/>
+    <dgm:cxn modelId="{FEA89EFA-7323-E841-8932-70450877C03D}" type="presOf" srcId="{83B0227E-83BF-D148-9554-81B12F3E5E2E}" destId="{ED304ABE-7ED1-7B43-BB21-27E6D110AB81}" srcOrd="0" destOrd="0" presId="urn:microsoft.com/office/officeart/2005/8/layout/hierarchy6"/>
+    <dgm:cxn modelId="{595A75E9-505A-A643-94AB-35F92BF0C6DC}" type="presOf" srcId="{3E664D28-F16E-024B-BDC7-D7BCD05E5D00}" destId="{E7281C07-B489-234D-9271-4F5E50FEC06F}" srcOrd="0" destOrd="0" presId="urn:microsoft.com/office/officeart/2005/8/layout/hierarchy6"/>
+    <dgm:cxn modelId="{48D62D3B-947B-E741-89CE-2921268D0CFA}" type="presOf" srcId="{DCE595E9-C1B5-3F4F-9188-7FF030C7E1AB}" destId="{90564826-F94A-7E49-932F-687A11277669}" srcOrd="0" destOrd="0" presId="urn:microsoft.com/office/officeart/2005/8/layout/hierarchy6"/>
+    <dgm:cxn modelId="{6B0D5976-0490-C749-976F-5052515A2EC2}" srcId="{97A68C65-398F-D541-90B2-877A2218CE40}" destId="{D27F1265-7A4E-1144-8167-207088945208}" srcOrd="0" destOrd="0" parTransId="{125A01A9-972C-BC47-BFDE-85D26F179F08}" sibTransId="{F7855486-DCC1-7149-9655-D16080C38F5A}"/>
+    <dgm:cxn modelId="{4894ADFB-ECBD-E84D-B29D-D6881BB47C6F}" type="presOf" srcId="{DEA2FC11-EF5C-C649-A62A-658ED23AB826}" destId="{F80F2428-CC83-B64C-9053-39A0C82F132B}" srcOrd="0" destOrd="0" presId="urn:microsoft.com/office/officeart/2005/8/layout/hierarchy6"/>
+    <dgm:cxn modelId="{07E1A28B-E017-E84E-9B03-A86E98BE3CA5}" type="presOf" srcId="{9149F4AA-20FA-FC4F-B722-6FA937151A75}" destId="{1B6BDF90-43B6-FC4E-BE8B-A87B0CBCAFD0}" srcOrd="0" destOrd="0" presId="urn:microsoft.com/office/officeart/2005/8/layout/hierarchy6"/>
+    <dgm:cxn modelId="{6EBFCE19-0E1A-E449-8F76-DEFEAFF43E40}" type="presOf" srcId="{06A827BD-47F2-A34C-983B-435E3AA551AA}" destId="{DDC98A31-D5CE-7A4C-BAFB-6D2AB577D02D}" srcOrd="0" destOrd="0" presId="urn:microsoft.com/office/officeart/2005/8/layout/hierarchy6"/>
+    <dgm:cxn modelId="{C384BD7C-9763-4E46-8D27-6A44225F2103}" type="presOf" srcId="{7F15297A-19DB-CA4A-A0D5-EECCDFF6008B}" destId="{4DE6B8E2-A227-BF4C-A90C-351AFB14F9D8}" srcOrd="0" destOrd="0" presId="urn:microsoft.com/office/officeart/2005/8/layout/hierarchy6"/>
+    <dgm:cxn modelId="{C8963BFF-E792-A642-A704-E8ABE74531ED}" type="presOf" srcId="{3A850AD5-727B-354E-A7C4-84BA5A56689A}" destId="{83733C2A-0A5C-BC43-B250-2C4A9F10C0BF}" srcOrd="0" destOrd="0" presId="urn:microsoft.com/office/officeart/2005/8/layout/hierarchy6"/>
+    <dgm:cxn modelId="{197DAF41-1A2E-1843-9252-ADE8DA5B6880}" srcId="{C0C7EDA5-76E1-1C41-A6D2-A1884CF29BC0}" destId="{1528E5CF-7A89-FD49-B68A-CF0BAF5DADB2}" srcOrd="1" destOrd="0" parTransId="{976974F4-63A8-1C46-BACF-2904593216D9}" sibTransId="{56287F19-E316-624C-B45F-CFB6AAE93880}"/>
+    <dgm:cxn modelId="{23844651-851A-C64E-A5CA-ACADC27D7D9B}" type="presOf" srcId="{35157B00-602B-2942-A545-F44A3E134FE5}" destId="{58A8FD46-7D8D-B145-B716-1217D094E373}" srcOrd="0" destOrd="0" presId="urn:microsoft.com/office/officeart/2005/8/layout/hierarchy6"/>
+    <dgm:cxn modelId="{1CC403DA-165B-6E47-8B75-085FF22E8E23}" type="presOf" srcId="{1FBA812B-A617-B84F-9611-21F83DDFE234}" destId="{2E0D29D4-C8F3-D149-92A4-091E078191A5}" srcOrd="0" destOrd="0" presId="urn:microsoft.com/office/officeart/2005/8/layout/hierarchy6"/>
+    <dgm:cxn modelId="{E88D5FA6-447F-DF4B-B6CE-C32310861045}" srcId="{C0C7EDA5-76E1-1C41-A6D2-A1884CF29BC0}" destId="{598739D5-8687-9844-B03E-353ECD1A2E76}" srcOrd="0" destOrd="0" parTransId="{BD078D44-F70B-A040-8F26-D8217F93A37F}" sibTransId="{A86CB50C-63C0-9F44-B564-74E90F4DE2BD}"/>
+    <dgm:cxn modelId="{36BC4022-A108-DA42-BFA3-031C22D5A5CB}" srcId="{D27F1265-7A4E-1144-8167-207088945208}" destId="{7439F470-7DDD-E84B-A6EC-A15198291CE2}" srcOrd="3" destOrd="0" parTransId="{B79AE41C-FC3B-2142-A90E-EDB2AB72AE8B}" sibTransId="{370C9C76-509C-3E43-B22A-34CCCA218F09}"/>
+    <dgm:cxn modelId="{CFD1AD0D-8B14-B34E-AD74-9680DAEC578B}" type="presOf" srcId="{97A68C65-398F-D541-90B2-877A2218CE40}" destId="{469E0EB9-C0CD-7C41-9678-7B23201CFEF8}" srcOrd="0" destOrd="0" presId="urn:microsoft.com/office/officeart/2005/8/layout/hierarchy6"/>
+    <dgm:cxn modelId="{A35401AE-D659-844B-B656-9D912DD3A6AD}" srcId="{D27F1265-7A4E-1144-8167-207088945208}" destId="{DCE595E9-C1B5-3F4F-9188-7FF030C7E1AB}" srcOrd="0" destOrd="0" parTransId="{35157B00-602B-2942-A545-F44A3E134FE5}" sibTransId="{870BB988-D9A3-744E-8D29-66ACDC933CAA}"/>
+    <dgm:cxn modelId="{A0AF9C99-13CF-064C-8757-8270777F4D6D}" srcId="{D27F1265-7A4E-1144-8167-207088945208}" destId="{391E05AC-FFDC-FE41-A822-049EF63345D3}" srcOrd="2" destOrd="0" parTransId="{93E1B82C-8B85-AA4C-95D1-FAB8A047C278}" sibTransId="{115A1B4E-E4AE-E24E-842D-4B8ABCFE642C}"/>
+    <dgm:cxn modelId="{474DE8CA-134B-8848-9B8E-05A87C49F268}" type="presOf" srcId="{391E05AC-FFDC-FE41-A822-049EF63345D3}" destId="{CF6CB4E5-381F-3348-8F38-D63314E63B6E}" srcOrd="0" destOrd="0" presId="urn:microsoft.com/office/officeart/2005/8/layout/hierarchy6"/>
+    <dgm:cxn modelId="{39F771BC-D34C-B846-9460-E0A0B8910171}" type="presOf" srcId="{8A3B122F-5A05-4D4E-B437-A478E59C9B07}" destId="{91380B1D-32AE-7F4F-8053-8C24D7FFBB46}" srcOrd="0" destOrd="0" presId="urn:microsoft.com/office/officeart/2005/8/layout/hierarchy6"/>
+    <dgm:cxn modelId="{3DA5C3C8-C5B6-2C45-A05D-E3DF0E0AFA50}" type="presOf" srcId="{7439F470-7DDD-E84B-A6EC-A15198291CE2}" destId="{0A38DCFA-88EB-F648-9D5B-2B0AFB9ABF3D}" srcOrd="0" destOrd="0" presId="urn:microsoft.com/office/officeart/2005/8/layout/hierarchy6"/>
+    <dgm:cxn modelId="{FC869AE2-187A-3C4F-BA86-DE8C7A31852A}" type="presOf" srcId="{BD078D44-F70B-A040-8F26-D8217F93A37F}" destId="{9C77D2F6-9AB5-F744-837C-55DBD84E43F0}" srcOrd="0" destOrd="0" presId="urn:microsoft.com/office/officeart/2005/8/layout/hierarchy6"/>
+    <dgm:cxn modelId="{3990BF69-3730-0F48-BF2B-939B270D0ADF}" srcId="{7439F470-7DDD-E84B-A6EC-A15198291CE2}" destId="{DEA2FC11-EF5C-C649-A62A-658ED23AB826}" srcOrd="0" destOrd="0" parTransId="{85910EE4-75ED-E94B-BB11-8E38A8137EA0}" sibTransId="{5B3566BE-1B49-0C49-ACBB-F87A5ABB3245}"/>
+    <dgm:cxn modelId="{ED1C5058-AC21-EC4B-A78F-38227C25E294}" type="presOf" srcId="{598739D5-8687-9844-B03E-353ECD1A2E76}" destId="{922A05D7-ACD5-F849-AA27-17D6E77F1898}" srcOrd="0" destOrd="0" presId="urn:microsoft.com/office/officeart/2005/8/layout/hierarchy6"/>
+    <dgm:cxn modelId="{BA3E857B-953A-8A49-83FA-7CF8C9C946CD}" srcId="{D27F1265-7A4E-1144-8167-207088945208}" destId="{3A850AD5-727B-354E-A7C4-84BA5A56689A}" srcOrd="4" destOrd="0" parTransId="{9149F4AA-20FA-FC4F-B722-6FA937151A75}" sibTransId="{A60477CC-B6BC-9F4E-836E-2DD2FC8627BD}"/>
+    <dgm:cxn modelId="{EF517F41-089F-1F42-BB4D-586C59974669}" type="presOf" srcId="{D0519A92-574C-B649-B6B4-070C4E223628}" destId="{E8AF8369-D31B-F341-96B4-18C8C268F3F6}" srcOrd="0" destOrd="0" presId="urn:microsoft.com/office/officeart/2005/8/layout/hierarchy6"/>
+    <dgm:cxn modelId="{AED4264C-2C5F-3C44-B315-0B2069BF2597}" srcId="{7439F470-7DDD-E84B-A6EC-A15198291CE2}" destId="{83B0227E-83BF-D148-9554-81B12F3E5E2E}" srcOrd="1" destOrd="0" parTransId="{1FBA812B-A617-B84F-9611-21F83DDFE234}" sibTransId="{5E6B13BB-C17F-E840-AD31-9CF932AA67ED}"/>
+    <dgm:cxn modelId="{2550A9E1-FC5E-FC4D-ABF9-AC292943019F}" srcId="{3A850AD5-727B-354E-A7C4-84BA5A56689A}" destId="{3E664D28-F16E-024B-BDC7-D7BCD05E5D00}" srcOrd="0" destOrd="0" parTransId="{D0519A92-574C-B649-B6B4-070C4E223628}" sibTransId="{72AE2C68-760D-E94B-940E-BD1FD9027165}"/>
+    <dgm:cxn modelId="{37B62894-4E8D-BF48-984A-DCAD099D1AB2}" type="presOf" srcId="{BC60429C-E0A4-AE4F-AB85-A4DA402252EA}" destId="{D2D41AB5-5980-C34D-9849-ED6E11C56A74}" srcOrd="0" destOrd="0" presId="urn:microsoft.com/office/officeart/2005/8/layout/hierarchy6"/>
+    <dgm:cxn modelId="{4C5D04B1-7792-E945-A448-6D1E48600CEE}" type="presOf" srcId="{8BF862B4-208B-CA45-BDF0-97B130435909}" destId="{2FAAD3D6-DFB5-F343-BE52-77986960AD52}" srcOrd="0" destOrd="0" presId="urn:microsoft.com/office/officeart/2005/8/layout/hierarchy6"/>
+    <dgm:cxn modelId="{1DD7C3AE-F838-8C47-BB01-CC04AA0524B7}" type="presOf" srcId="{976974F4-63A8-1C46-BACF-2904593216D9}" destId="{B4A00DB9-AB8A-6942-8431-C98ED7AFC5C4}" srcOrd="0" destOrd="0" presId="urn:microsoft.com/office/officeart/2005/8/layout/hierarchy6"/>
+    <dgm:cxn modelId="{CE6C5D48-84F8-2F4A-8E8B-34E7041EBF29}" type="presParOf" srcId="{469E0EB9-C0CD-7C41-9678-7B23201CFEF8}" destId="{8AA0CBD7-7ADB-8A42-9A69-0CA32CF7EE18}" srcOrd="0" destOrd="0" presId="urn:microsoft.com/office/officeart/2005/8/layout/hierarchy6"/>
+    <dgm:cxn modelId="{38BCC21D-DAC2-434D-848C-71EFA3B24A50}" type="presParOf" srcId="{8AA0CBD7-7ADB-8A42-9A69-0CA32CF7EE18}" destId="{11EC7B14-0D41-224A-B28F-CD2DC6794FE9}" srcOrd="0" destOrd="0" presId="urn:microsoft.com/office/officeart/2005/8/layout/hierarchy6"/>
+    <dgm:cxn modelId="{DC245F40-FC2F-D249-B137-97D32D4A5FA6}" type="presParOf" srcId="{11EC7B14-0D41-224A-B28F-CD2DC6794FE9}" destId="{243C9FED-4E24-254A-9A4A-3A030D4373DE}" srcOrd="0" destOrd="0" presId="urn:microsoft.com/office/officeart/2005/8/layout/hierarchy6"/>
+    <dgm:cxn modelId="{63DF8FBA-D26E-DA4D-82D1-967CB8CD1889}" type="presParOf" srcId="{243C9FED-4E24-254A-9A4A-3A030D4373DE}" destId="{28F2C103-7064-D646-BC41-CB9F3C44B199}" srcOrd="0" destOrd="0" presId="urn:microsoft.com/office/officeart/2005/8/layout/hierarchy6"/>
+    <dgm:cxn modelId="{F99D0492-5C97-B14C-B907-11A47BAE0256}" type="presParOf" srcId="{243C9FED-4E24-254A-9A4A-3A030D4373DE}" destId="{6E237C2D-DA6C-4041-86E3-17650F5BF2E5}" srcOrd="1" destOrd="0" presId="urn:microsoft.com/office/officeart/2005/8/layout/hierarchy6"/>
+    <dgm:cxn modelId="{7D39FC65-BBE1-5C4E-9385-614E89F6C44F}" type="presParOf" srcId="{6E237C2D-DA6C-4041-86E3-17650F5BF2E5}" destId="{58A8FD46-7D8D-B145-B716-1217D094E373}" srcOrd="0" destOrd="0" presId="urn:microsoft.com/office/officeart/2005/8/layout/hierarchy6"/>
+    <dgm:cxn modelId="{EB0A7313-E7D0-7948-AD07-CACBF5E32AFA}" type="presParOf" srcId="{6E237C2D-DA6C-4041-86E3-17650F5BF2E5}" destId="{92D6BA65-2736-6F48-BEC1-AC23E79E075F}" srcOrd="1" destOrd="0" presId="urn:microsoft.com/office/officeart/2005/8/layout/hierarchy6"/>
+    <dgm:cxn modelId="{85FBDADC-379B-134B-B047-E55E3C1BC04E}" type="presParOf" srcId="{92D6BA65-2736-6F48-BEC1-AC23E79E075F}" destId="{90564826-F94A-7E49-932F-687A11277669}" srcOrd="0" destOrd="0" presId="urn:microsoft.com/office/officeart/2005/8/layout/hierarchy6"/>
+    <dgm:cxn modelId="{9F1ADFCA-E507-9441-917C-54255D0B210D}" type="presParOf" srcId="{92D6BA65-2736-6F48-BEC1-AC23E79E075F}" destId="{E201FFCC-41C6-A343-BA01-76EEED548332}" srcOrd="1" destOrd="0" presId="urn:microsoft.com/office/officeart/2005/8/layout/hierarchy6"/>
+    <dgm:cxn modelId="{1F78E1DB-C8F7-EE4A-9DBD-62AD37A293D1}" type="presParOf" srcId="{6E237C2D-DA6C-4041-86E3-17650F5BF2E5}" destId="{91380B1D-32AE-7F4F-8053-8C24D7FFBB46}" srcOrd="2" destOrd="0" presId="urn:microsoft.com/office/officeart/2005/8/layout/hierarchy6"/>
+    <dgm:cxn modelId="{BBDBBE74-7EF3-594F-8481-CABCA2C31C54}" type="presParOf" srcId="{6E237C2D-DA6C-4041-86E3-17650F5BF2E5}" destId="{75188A66-A6FE-6844-9734-AE484976D0A4}" srcOrd="3" destOrd="0" presId="urn:microsoft.com/office/officeart/2005/8/layout/hierarchy6"/>
+    <dgm:cxn modelId="{53F34220-1929-FB4F-9177-732E99C76BBD}" type="presParOf" srcId="{75188A66-A6FE-6844-9734-AE484976D0A4}" destId="{DDC98A31-D5CE-7A4C-BAFB-6D2AB577D02D}" srcOrd="0" destOrd="0" presId="urn:microsoft.com/office/officeart/2005/8/layout/hierarchy6"/>
+    <dgm:cxn modelId="{F48E55E6-E934-6D48-A5C7-50EED93B8E70}" type="presParOf" srcId="{75188A66-A6FE-6844-9734-AE484976D0A4}" destId="{D5461EBB-CAC3-324C-9802-DE596C6D60B4}" srcOrd="1" destOrd="0" presId="urn:microsoft.com/office/officeart/2005/8/layout/hierarchy6"/>
+    <dgm:cxn modelId="{DC02EB27-2532-FF45-8175-33CC2D05826A}" type="presParOf" srcId="{6E237C2D-DA6C-4041-86E3-17650F5BF2E5}" destId="{297FAA22-58A6-FA46-8EFB-C6E29BF5CE25}" srcOrd="4" destOrd="0" presId="urn:microsoft.com/office/officeart/2005/8/layout/hierarchy6"/>
+    <dgm:cxn modelId="{1D691A3C-A60D-7448-A995-C3C74780F5A9}" type="presParOf" srcId="{6E237C2D-DA6C-4041-86E3-17650F5BF2E5}" destId="{7F43FD2D-2191-874B-9C77-E056AD5924FA}" srcOrd="5" destOrd="0" presId="urn:microsoft.com/office/officeart/2005/8/layout/hierarchy6"/>
+    <dgm:cxn modelId="{F1F88A0B-5AD5-7443-B104-7669F675B312}" type="presParOf" srcId="{7F43FD2D-2191-874B-9C77-E056AD5924FA}" destId="{CF6CB4E5-381F-3348-8F38-D63314E63B6E}" srcOrd="0" destOrd="0" presId="urn:microsoft.com/office/officeart/2005/8/layout/hierarchy6"/>
+    <dgm:cxn modelId="{EF31BB05-A486-EC40-93D5-CA5F03F3074C}" type="presParOf" srcId="{7F43FD2D-2191-874B-9C77-E056AD5924FA}" destId="{EC1DF422-F773-8949-A277-2B017B3A7819}" srcOrd="1" destOrd="0" presId="urn:microsoft.com/office/officeart/2005/8/layout/hierarchy6"/>
+    <dgm:cxn modelId="{CEBE99D2-8349-8945-A008-06119B1A2A86}" type="presParOf" srcId="{6E237C2D-DA6C-4041-86E3-17650F5BF2E5}" destId="{B6C1AB73-CE16-5F48-8AA8-A0F3E0704CDC}" srcOrd="6" destOrd="0" presId="urn:microsoft.com/office/officeart/2005/8/layout/hierarchy6"/>
+    <dgm:cxn modelId="{3A1B36C1-8671-F94C-B76D-9A4DC88AAF19}" type="presParOf" srcId="{6E237C2D-DA6C-4041-86E3-17650F5BF2E5}" destId="{9D9D8763-927D-234E-AACF-566FCEDF9CB6}" srcOrd="7" destOrd="0" presId="urn:microsoft.com/office/officeart/2005/8/layout/hierarchy6"/>
+    <dgm:cxn modelId="{D407BD58-FC6B-D949-B41A-C1F60930BC17}" type="presParOf" srcId="{9D9D8763-927D-234E-AACF-566FCEDF9CB6}" destId="{0A38DCFA-88EB-F648-9D5B-2B0AFB9ABF3D}" srcOrd="0" destOrd="0" presId="urn:microsoft.com/office/officeart/2005/8/layout/hierarchy6"/>
+    <dgm:cxn modelId="{3B3DF4F4-2169-7E4A-BDBB-0CCBB8BAD2FD}" type="presParOf" srcId="{9D9D8763-927D-234E-AACF-566FCEDF9CB6}" destId="{FB23576D-82BC-2349-83DF-2E89AE5A6E33}" srcOrd="1" destOrd="0" presId="urn:microsoft.com/office/officeart/2005/8/layout/hierarchy6"/>
+    <dgm:cxn modelId="{F497904C-48ED-6048-AEE4-FF0C6ECC6F8A}" type="presParOf" srcId="{FB23576D-82BC-2349-83DF-2E89AE5A6E33}" destId="{3936D5C8-4FDB-924A-8CBD-03604B40DA78}" srcOrd="0" destOrd="0" presId="urn:microsoft.com/office/officeart/2005/8/layout/hierarchy6"/>
+    <dgm:cxn modelId="{9E302D8F-AAB1-534D-A9C1-6518B95590FD}" type="presParOf" srcId="{FB23576D-82BC-2349-83DF-2E89AE5A6E33}" destId="{9AF0648A-6A31-CF4E-8762-029618F812BD}" srcOrd="1" destOrd="0" presId="urn:microsoft.com/office/officeart/2005/8/layout/hierarchy6"/>
+    <dgm:cxn modelId="{6A5B0ECF-B8FC-E846-B61B-967ADF4EBCD5}" type="presParOf" srcId="{9AF0648A-6A31-CF4E-8762-029618F812BD}" destId="{F80F2428-CC83-B64C-9053-39A0C82F132B}" srcOrd="0" destOrd="0" presId="urn:microsoft.com/office/officeart/2005/8/layout/hierarchy6"/>
+    <dgm:cxn modelId="{FF149885-066D-F947-A072-5DD896A548C8}" type="presParOf" srcId="{9AF0648A-6A31-CF4E-8762-029618F812BD}" destId="{0FC09A45-D160-914B-B5E2-5065936E17CD}" srcOrd="1" destOrd="0" presId="urn:microsoft.com/office/officeart/2005/8/layout/hierarchy6"/>
+    <dgm:cxn modelId="{E1CAEBBA-6E19-DC46-B9BA-5E363E2EA0B0}" type="presParOf" srcId="{FB23576D-82BC-2349-83DF-2E89AE5A6E33}" destId="{2E0D29D4-C8F3-D149-92A4-091E078191A5}" srcOrd="2" destOrd="0" presId="urn:microsoft.com/office/officeart/2005/8/layout/hierarchy6"/>
+    <dgm:cxn modelId="{B59FE48B-40EA-AD47-B21D-65B44BD5FFC1}" type="presParOf" srcId="{FB23576D-82BC-2349-83DF-2E89AE5A6E33}" destId="{C96A8241-719B-1745-B0CA-2C0F29A4C090}" srcOrd="3" destOrd="0" presId="urn:microsoft.com/office/officeart/2005/8/layout/hierarchy6"/>
+    <dgm:cxn modelId="{55D2350E-88D1-1C40-9799-9CAD4FF5B964}" type="presParOf" srcId="{C96A8241-719B-1745-B0CA-2C0F29A4C090}" destId="{ED304ABE-7ED1-7B43-BB21-27E6D110AB81}" srcOrd="0" destOrd="0" presId="urn:microsoft.com/office/officeart/2005/8/layout/hierarchy6"/>
+    <dgm:cxn modelId="{B5ACF85F-DEC1-2B4A-83F5-4F5A58BB04B6}" type="presParOf" srcId="{C96A8241-719B-1745-B0CA-2C0F29A4C090}" destId="{20972E82-07AB-CB48-9AC7-65F41915959B}" srcOrd="1" destOrd="0" presId="urn:microsoft.com/office/officeart/2005/8/layout/hierarchy6"/>
+    <dgm:cxn modelId="{C529D64E-9753-4E47-8AE5-C785C157770F}" type="presParOf" srcId="{6E237C2D-DA6C-4041-86E3-17650F5BF2E5}" destId="{1B6BDF90-43B6-FC4E-BE8B-A87B0CBCAFD0}" srcOrd="8" destOrd="0" presId="urn:microsoft.com/office/officeart/2005/8/layout/hierarchy6"/>
+    <dgm:cxn modelId="{608BB5A4-69D0-8A4C-8F4E-38F9A0B77ACC}" type="presParOf" srcId="{6E237C2D-DA6C-4041-86E3-17650F5BF2E5}" destId="{D2C13899-57E9-B045-9ED2-E6D9888FBEE2}" srcOrd="9" destOrd="0" presId="urn:microsoft.com/office/officeart/2005/8/layout/hierarchy6"/>
+    <dgm:cxn modelId="{06019E95-6620-9344-8D4D-BC2BA1D1C9D8}" type="presParOf" srcId="{D2C13899-57E9-B045-9ED2-E6D9888FBEE2}" destId="{83733C2A-0A5C-BC43-B250-2C4A9F10C0BF}" srcOrd="0" destOrd="0" presId="urn:microsoft.com/office/officeart/2005/8/layout/hierarchy6"/>
+    <dgm:cxn modelId="{242EF7BE-FAE9-D14E-8002-D06FAAF76F8C}" type="presParOf" srcId="{D2C13899-57E9-B045-9ED2-E6D9888FBEE2}" destId="{83B89B3B-9712-7547-8373-8CB3964969D3}" srcOrd="1" destOrd="0" presId="urn:microsoft.com/office/officeart/2005/8/layout/hierarchy6"/>
+    <dgm:cxn modelId="{43734E56-EF1B-574F-8B58-5792D55AB08C}" type="presParOf" srcId="{83B89B3B-9712-7547-8373-8CB3964969D3}" destId="{E8AF8369-D31B-F341-96B4-18C8C268F3F6}" srcOrd="0" destOrd="0" presId="urn:microsoft.com/office/officeart/2005/8/layout/hierarchy6"/>
+    <dgm:cxn modelId="{627AEA91-61C1-AA4B-9949-4897C4163911}" type="presParOf" srcId="{83B89B3B-9712-7547-8373-8CB3964969D3}" destId="{CA44F2F8-7A92-104A-A903-88CBD62C8CBE}" srcOrd="1" destOrd="0" presId="urn:microsoft.com/office/officeart/2005/8/layout/hierarchy6"/>
+    <dgm:cxn modelId="{026E8E19-A4D5-2A4C-9A4B-36DB656EF833}" type="presParOf" srcId="{CA44F2F8-7A92-104A-A903-88CBD62C8CBE}" destId="{E7281C07-B489-234D-9271-4F5E50FEC06F}" srcOrd="0" destOrd="0" presId="urn:microsoft.com/office/officeart/2005/8/layout/hierarchy6"/>
+    <dgm:cxn modelId="{FFF78F99-248D-4245-98E7-8AC404F6D0D9}" type="presParOf" srcId="{CA44F2F8-7A92-104A-A903-88CBD62C8CBE}" destId="{1BD4DB5D-1762-9045-A55F-DC2481EFDB75}" srcOrd="1" destOrd="0" presId="urn:microsoft.com/office/officeart/2005/8/layout/hierarchy6"/>
+    <dgm:cxn modelId="{E9449720-6643-4343-B9DE-17DC01C04A21}" type="presParOf" srcId="{83B89B3B-9712-7547-8373-8CB3964969D3}" destId="{D2D41AB5-5980-C34D-9849-ED6E11C56A74}" srcOrd="2" destOrd="0" presId="urn:microsoft.com/office/officeart/2005/8/layout/hierarchy6"/>
+    <dgm:cxn modelId="{0FE59FFE-13D8-2844-AA6E-4260ACAB7A57}" type="presParOf" srcId="{83B89B3B-9712-7547-8373-8CB3964969D3}" destId="{7AA9D57C-FDF6-B744-988B-FCD52E571EB8}" srcOrd="3" destOrd="0" presId="urn:microsoft.com/office/officeart/2005/8/layout/hierarchy6"/>
+    <dgm:cxn modelId="{739E83F0-503B-C54B-A64B-AFBB6AD08AA7}" type="presParOf" srcId="{7AA9D57C-FDF6-B744-988B-FCD52E571EB8}" destId="{5C0BC4F1-B01D-564B-8985-E86300E115FB}" srcOrd="0" destOrd="0" presId="urn:microsoft.com/office/officeart/2005/8/layout/hierarchy6"/>
+    <dgm:cxn modelId="{B3E286BB-F98C-2D45-8B07-BCD005755313}" type="presParOf" srcId="{7AA9D57C-FDF6-B744-988B-FCD52E571EB8}" destId="{F3DD0154-7988-D249-994B-5F2D28C84EE7}" srcOrd="1" destOrd="0" presId="urn:microsoft.com/office/officeart/2005/8/layout/hierarchy6"/>
+    <dgm:cxn modelId="{B980BB77-ACF6-6C41-A071-327B0D370902}" type="presParOf" srcId="{F3DD0154-7988-D249-994B-5F2D28C84EE7}" destId="{9C77D2F6-9AB5-F744-837C-55DBD84E43F0}" srcOrd="0" destOrd="0" presId="urn:microsoft.com/office/officeart/2005/8/layout/hierarchy6"/>
+    <dgm:cxn modelId="{6552600C-2DA9-694C-A9AA-BABBB752188E}" type="presParOf" srcId="{F3DD0154-7988-D249-994B-5F2D28C84EE7}" destId="{6A1C2221-71F2-8F4F-A840-D8260E01C88D}" srcOrd="1" destOrd="0" presId="urn:microsoft.com/office/officeart/2005/8/layout/hierarchy6"/>
+    <dgm:cxn modelId="{B52BAE07-D4F2-6B4C-BFAE-CCFE678F8359}" type="presParOf" srcId="{6A1C2221-71F2-8F4F-A840-D8260E01C88D}" destId="{922A05D7-ACD5-F849-AA27-17D6E77F1898}" srcOrd="0" destOrd="0" presId="urn:microsoft.com/office/officeart/2005/8/layout/hierarchy6"/>
+    <dgm:cxn modelId="{DA03F3F7-0A1B-9045-B9B9-8AEDC7B3FD9A}" type="presParOf" srcId="{6A1C2221-71F2-8F4F-A840-D8260E01C88D}" destId="{7AE9D53C-7DC0-344D-BCE9-2017BB5CCB58}" srcOrd="1" destOrd="0" presId="urn:microsoft.com/office/officeart/2005/8/layout/hierarchy6"/>
+    <dgm:cxn modelId="{D9E57C0E-9E2E-A740-AAB3-9DAEF958A400}" type="presParOf" srcId="{F3DD0154-7988-D249-994B-5F2D28C84EE7}" destId="{B4A00DB9-AB8A-6942-8431-C98ED7AFC5C4}" srcOrd="2" destOrd="0" presId="urn:microsoft.com/office/officeart/2005/8/layout/hierarchy6"/>
+    <dgm:cxn modelId="{2BA15FA3-9D5B-5948-8727-5DDC98D620E8}" type="presParOf" srcId="{F3DD0154-7988-D249-994B-5F2D28C84EE7}" destId="{262D57D0-06D1-A14E-8168-C2CDB93E1FD3}" srcOrd="3" destOrd="0" presId="urn:microsoft.com/office/officeart/2005/8/layout/hierarchy6"/>
+    <dgm:cxn modelId="{73BDB7DF-2468-D044-AE21-058D297FCE97}" type="presParOf" srcId="{262D57D0-06D1-A14E-8168-C2CDB93E1FD3}" destId="{FAD44049-E189-2F44-BBB1-53E29C96FBCA}" srcOrd="0" destOrd="0" presId="urn:microsoft.com/office/officeart/2005/8/layout/hierarchy6"/>
+    <dgm:cxn modelId="{A42CC8D8-F0C7-7844-9FC0-809D665DADB7}" type="presParOf" srcId="{262D57D0-06D1-A14E-8168-C2CDB93E1FD3}" destId="{390FD582-F93F-2E49-933A-2C2F300D270D}" srcOrd="1" destOrd="0" presId="urn:microsoft.com/office/officeart/2005/8/layout/hierarchy6"/>
+    <dgm:cxn modelId="{140430AB-BE3D-4641-A23B-E13B269BEF40}" type="presParOf" srcId="{6E237C2D-DA6C-4041-86E3-17650F5BF2E5}" destId="{2FAAD3D6-DFB5-F343-BE52-77986960AD52}" srcOrd="10" destOrd="0" presId="urn:microsoft.com/office/officeart/2005/8/layout/hierarchy6"/>
+    <dgm:cxn modelId="{66C43A0F-7C13-8347-8733-986AF04D54FC}" type="presParOf" srcId="{6E237C2D-DA6C-4041-86E3-17650F5BF2E5}" destId="{9DB1CEC2-8BB8-7346-9A88-08F8D6E1FA04}" srcOrd="11" destOrd="0" presId="urn:microsoft.com/office/officeart/2005/8/layout/hierarchy6"/>
+    <dgm:cxn modelId="{BE405779-ED6D-5648-A895-CE4F0D308390}" type="presParOf" srcId="{9DB1CEC2-8BB8-7346-9A88-08F8D6E1FA04}" destId="{4DE6B8E2-A227-BF4C-A90C-351AFB14F9D8}" srcOrd="0" destOrd="0" presId="urn:microsoft.com/office/officeart/2005/8/layout/hierarchy6"/>
+    <dgm:cxn modelId="{8AF3FF58-9DEE-0249-8869-C296AEC8CD1A}" type="presParOf" srcId="{9DB1CEC2-8BB8-7346-9A88-08F8D6E1FA04}" destId="{87265B86-B2BE-544E-9D08-E5D72F99C73E}" srcOrd="1" destOrd="0" presId="urn:microsoft.com/office/officeart/2005/8/layout/hierarchy6"/>
+    <dgm:cxn modelId="{FCB5540E-8238-D442-B5CE-4408B95D8D08}" type="presParOf" srcId="{469E0EB9-C0CD-7C41-9678-7B23201CFEF8}" destId="{4FF2FC5E-1ED3-9A4D-8B5E-4BAC3A387BD1}" srcOrd="1" destOrd="0" presId="urn:microsoft.com/office/officeart/2005/8/layout/hierarchy6"/>
+  </dgm:cxnLst>
+  <dgm:bg/>
+  <dgm:whole/>
+  <dgm:extLst>
+    <a:ext uri="http://schemas.microsoft.com/office/drawing/2008/diagram">
+      <dsp:dataModelExt xmlns:dsp="http://schemas.microsoft.com/office/drawing/2008/diagram" relId="rId6" minVer="http://schemas.openxmlformats.org/drawingml/2006/diagram"/>
+    </a:ext>
+  </dgm:extLst>
+</dgm:dataModel>
+</file>
+
+<file path=ppt/diagrams/drawing1.xml><?xml version="1.0" encoding="utf-8"?>
+<dsp:drawing xmlns:dgm="http://schemas.openxmlformats.org/drawingml/2006/diagram" xmlns:dsp="http://schemas.microsoft.com/office/drawing/2008/diagram" xmlns:a="http://schemas.openxmlformats.org/drawingml/2006/main">
+  <dsp:spTree>
+    <dsp:nvGrpSpPr>
+      <dsp:cNvPr id="0" name=""/>
+      <dsp:cNvGrpSpPr/>
+    </dsp:nvGrpSpPr>
+    <dsp:grpSpPr/>
+    <dsp:sp modelId="{28F2C103-7064-D646-BC41-CB9F3C44B199}">
+      <dsp:nvSpPr>
+        <dsp:cNvPr id="0" name=""/>
+        <dsp:cNvSpPr/>
+      </dsp:nvSpPr>
+      <dsp:spPr>
+        <a:xfrm>
+          <a:off x="4830347" y="1999"/>
+          <a:ext cx="1159705" cy="773137"/>
+        </a:xfrm>
+        <a:prstGeom prst="roundRect">
+          <a:avLst>
+            <a:gd name="adj" fmla="val 10000"/>
+          </a:avLst>
+        </a:prstGeom>
+        <a:gradFill rotWithShape="0">
+          <a:gsLst>
+            <a:gs pos="0">
+              <a:schemeClr val="accent1">
+                <a:hueOff val="0"/>
+                <a:satOff val="0"/>
+                <a:lumOff val="0"/>
+                <a:alphaOff val="0"/>
+                <a:tint val="96000"/>
+                <a:satMod val="100000"/>
+                <a:lumMod val="104000"/>
+              </a:schemeClr>
+            </a:gs>
+            <a:gs pos="78000">
+              <a:schemeClr val="accent1">
+                <a:hueOff val="0"/>
+                <a:satOff val="0"/>
+                <a:lumOff val="0"/>
+                <a:alphaOff val="0"/>
+                <a:shade val="100000"/>
+                <a:satMod val="110000"/>
+                <a:lumMod val="100000"/>
+              </a:schemeClr>
+            </a:gs>
+          </a:gsLst>
+          <a:lin ang="5400000" scaled="0"/>
+        </a:gradFill>
+        <a:ln>
+          <a:noFill/>
+        </a:ln>
+        <a:effectLst/>
+        <a:scene3d>
+          <a:camera prst="orthographicFront">
+            <a:rot lat="0" lon="0" rev="0"/>
+          </a:camera>
+          <a:lightRig rig="threePt" dir="t"/>
+        </a:scene3d>
+        <a:sp3d>
+          <a:bevelT w="25400" h="12700"/>
+        </a:sp3d>
+      </dsp:spPr>
+      <dsp:style>
+        <a:lnRef idx="0">
+          <a:scrgbClr r="0" g="0" b="0"/>
+        </a:lnRef>
+        <a:fillRef idx="3">
+          <a:scrgbClr r="0" g="0" b="0"/>
+        </a:fillRef>
+        <a:effectRef idx="2">
+          <a:scrgbClr r="0" g="0" b="0"/>
+        </a:effectRef>
+        <a:fontRef idx="minor">
+          <a:schemeClr val="lt1"/>
+        </a:fontRef>
+      </dsp:style>
+      <dsp:txBody>
+        <a:bodyPr spcFirstLastPara="0" vert="horz" wrap="square" lIns="68580" tIns="68580" rIns="68580" bIns="68580" numCol="1" spcCol="1270" anchor="ctr" anchorCtr="0">
+          <a:noAutofit/>
+        </a:bodyPr>
+        <a:lstStyle/>
+        <a:p>
+          <a:pPr lvl="0" algn="ctr" defTabSz="800100">
+            <a:lnSpc>
+              <a:spcPct val="90000"/>
+            </a:lnSpc>
+            <a:spcBef>
+              <a:spcPct val="0"/>
+            </a:spcBef>
+            <a:spcAft>
+              <a:spcPct val="35000"/>
+            </a:spcAft>
+          </a:pPr>
+          <a:r>
+            <a:rPr lang="zh-CN" altLang="en-US" sz="1800" kern="1200" dirty="0" smtClean="0"/>
+            <a:t>顶层控制</a:t>
+          </a:r>
+          <a:endParaRPr lang="zh-CN" altLang="en-US" sz="1800" kern="1200" dirty="0"/>
+        </a:p>
+      </dsp:txBody>
+      <dsp:txXfrm>
+        <a:off x="4852991" y="24643"/>
+        <a:ext cx="1114417" cy="727849"/>
+      </dsp:txXfrm>
+    </dsp:sp>
+    <dsp:sp modelId="{58A8FD46-7D8D-B145-B716-1217D094E373}">
+      <dsp:nvSpPr>
+        <dsp:cNvPr id="0" name=""/>
+        <dsp:cNvSpPr/>
+      </dsp:nvSpPr>
+      <dsp:spPr>
+        <a:xfrm>
+          <a:off x="887346" y="775136"/>
+          <a:ext cx="4522853" cy="309254"/>
+        </a:xfrm>
+        <a:custGeom>
+          <a:avLst/>
+          <a:gdLst/>
+          <a:ahLst/>
+          <a:cxnLst/>
+          <a:rect l="0" t="0" r="0" b="0"/>
+          <a:pathLst>
+            <a:path>
+              <a:moveTo>
+                <a:pt x="4522853" y="0"/>
+              </a:moveTo>
+              <a:lnTo>
+                <a:pt x="4522853" y="154627"/>
+              </a:lnTo>
+              <a:lnTo>
+                <a:pt x="0" y="154627"/>
+              </a:lnTo>
+              <a:lnTo>
+                <a:pt x="0" y="309254"/>
+              </a:lnTo>
+            </a:path>
+          </a:pathLst>
+        </a:custGeom>
+        <a:noFill/>
+        <a:ln w="9525" cap="flat" cmpd="sng" algn="ctr">
+          <a:solidFill>
+            <a:schemeClr val="accent1">
+              <a:shade val="60000"/>
+              <a:hueOff val="0"/>
+              <a:satOff val="0"/>
+              <a:lumOff val="0"/>
+              <a:alphaOff val="0"/>
+            </a:schemeClr>
+          </a:solidFill>
+          <a:prstDash val="solid"/>
+        </a:ln>
+        <a:effectLst/>
+      </dsp:spPr>
+      <dsp:style>
+        <a:lnRef idx="1">
+          <a:scrgbClr r="0" g="0" b="0"/>
+        </a:lnRef>
+        <a:fillRef idx="0">
+          <a:scrgbClr r="0" g="0" b="0"/>
+        </a:fillRef>
+        <a:effectRef idx="0">
+          <a:scrgbClr r="0" g="0" b="0"/>
+        </a:effectRef>
+        <a:fontRef idx="minor"/>
+      </dsp:style>
+    </dsp:sp>
+    <dsp:sp modelId="{90564826-F94A-7E49-932F-687A11277669}">
+      <dsp:nvSpPr>
+        <dsp:cNvPr id="0" name=""/>
+        <dsp:cNvSpPr/>
+      </dsp:nvSpPr>
+      <dsp:spPr>
+        <a:xfrm>
+          <a:off x="307493" y="1084391"/>
+          <a:ext cx="1159705" cy="773137"/>
+        </a:xfrm>
+        <a:prstGeom prst="roundRect">
+          <a:avLst>
+            <a:gd name="adj" fmla="val 10000"/>
+          </a:avLst>
+        </a:prstGeom>
+        <a:gradFill rotWithShape="0">
+          <a:gsLst>
+            <a:gs pos="0">
+              <a:schemeClr val="accent1">
+                <a:hueOff val="0"/>
+                <a:satOff val="0"/>
+                <a:lumOff val="0"/>
+                <a:alphaOff val="0"/>
+                <a:tint val="96000"/>
+                <a:satMod val="100000"/>
+                <a:lumMod val="104000"/>
+              </a:schemeClr>
+            </a:gs>
+            <a:gs pos="78000">
+              <a:schemeClr val="accent1">
+                <a:hueOff val="0"/>
+                <a:satOff val="0"/>
+                <a:lumOff val="0"/>
+                <a:alphaOff val="0"/>
+                <a:shade val="100000"/>
+                <a:satMod val="110000"/>
+                <a:lumMod val="100000"/>
+              </a:schemeClr>
+            </a:gs>
+          </a:gsLst>
+          <a:lin ang="5400000" scaled="0"/>
+        </a:gradFill>
+        <a:ln>
+          <a:noFill/>
+        </a:ln>
+        <a:effectLst/>
+        <a:scene3d>
+          <a:camera prst="orthographicFront">
+            <a:rot lat="0" lon="0" rev="0"/>
+          </a:camera>
+          <a:lightRig rig="threePt" dir="t"/>
+        </a:scene3d>
+        <a:sp3d>
+          <a:bevelT w="25400" h="12700"/>
+        </a:sp3d>
+      </dsp:spPr>
+      <dsp:style>
+        <a:lnRef idx="0">
+          <a:scrgbClr r="0" g="0" b="0"/>
+        </a:lnRef>
+        <a:fillRef idx="3">
+          <a:scrgbClr r="0" g="0" b="0"/>
+        </a:fillRef>
+        <a:effectRef idx="2">
+          <a:scrgbClr r="0" g="0" b="0"/>
+        </a:effectRef>
+        <a:fontRef idx="minor">
+          <a:schemeClr val="lt1"/>
+        </a:fontRef>
+      </dsp:style>
+      <dsp:txBody>
+        <a:bodyPr spcFirstLastPara="0" vert="horz" wrap="square" lIns="68580" tIns="68580" rIns="68580" bIns="68580" numCol="1" spcCol="1270" anchor="ctr" anchorCtr="0">
+          <a:noAutofit/>
+        </a:bodyPr>
+        <a:lstStyle/>
+        <a:p>
+          <a:pPr lvl="0" algn="ctr" defTabSz="800100">
+            <a:lnSpc>
+              <a:spcPct val="90000"/>
+            </a:lnSpc>
+            <a:spcBef>
+              <a:spcPct val="0"/>
+            </a:spcBef>
+            <a:spcAft>
+              <a:spcPct val="35000"/>
+            </a:spcAft>
+          </a:pPr>
+          <a:r>
+            <a:rPr lang="zh-CN" altLang="en-US" sz="1800" kern="1200" dirty="0" smtClean="0"/>
+            <a:t>异步时钟</a:t>
+          </a:r>
+          <a:endParaRPr lang="zh-CN" altLang="en-US" sz="1800" kern="1200" dirty="0"/>
+        </a:p>
+      </dsp:txBody>
+      <dsp:txXfrm>
+        <a:off x="330137" y="1107035"/>
+        <a:ext cx="1114417" cy="727849"/>
+      </dsp:txXfrm>
+    </dsp:sp>
+    <dsp:sp modelId="{91380B1D-32AE-7F4F-8053-8C24D7FFBB46}">
+      <dsp:nvSpPr>
+        <dsp:cNvPr id="0" name=""/>
+        <dsp:cNvSpPr/>
+      </dsp:nvSpPr>
+      <dsp:spPr>
+        <a:xfrm>
+          <a:off x="2394964" y="775136"/>
+          <a:ext cx="3015235" cy="309254"/>
+        </a:xfrm>
+        <a:custGeom>
+          <a:avLst/>
+          <a:gdLst/>
+          <a:ahLst/>
+          <a:cxnLst/>
+          <a:rect l="0" t="0" r="0" b="0"/>
+          <a:pathLst>
+            <a:path>
+              <a:moveTo>
+                <a:pt x="3015235" y="0"/>
+              </a:moveTo>
+              <a:lnTo>
+                <a:pt x="3015235" y="154627"/>
+              </a:lnTo>
+              <a:lnTo>
+                <a:pt x="0" y="154627"/>
+              </a:lnTo>
+              <a:lnTo>
+                <a:pt x="0" y="309254"/>
+              </a:lnTo>
+            </a:path>
+          </a:pathLst>
+        </a:custGeom>
+        <a:noFill/>
+        <a:ln w="9525" cap="flat" cmpd="sng" algn="ctr">
+          <a:solidFill>
+            <a:schemeClr val="accent1">
+              <a:shade val="60000"/>
+              <a:hueOff val="0"/>
+              <a:satOff val="0"/>
+              <a:lumOff val="0"/>
+              <a:alphaOff val="0"/>
+            </a:schemeClr>
+          </a:solidFill>
+          <a:prstDash val="solid"/>
+        </a:ln>
+        <a:effectLst/>
+      </dsp:spPr>
+      <dsp:style>
+        <a:lnRef idx="1">
+          <a:scrgbClr r="0" g="0" b="0"/>
+        </a:lnRef>
+        <a:fillRef idx="0">
+          <a:scrgbClr r="0" g="0" b="0"/>
+        </a:fillRef>
+        <a:effectRef idx="0">
+          <a:scrgbClr r="0" g="0" b="0"/>
+        </a:effectRef>
+        <a:fontRef idx="minor"/>
+      </dsp:style>
+    </dsp:sp>
+    <dsp:sp modelId="{DDC98A31-D5CE-7A4C-BAFB-6D2AB577D02D}">
+      <dsp:nvSpPr>
+        <dsp:cNvPr id="0" name=""/>
+        <dsp:cNvSpPr/>
+      </dsp:nvSpPr>
+      <dsp:spPr>
+        <a:xfrm>
+          <a:off x="1815111" y="1084391"/>
+          <a:ext cx="1159705" cy="773137"/>
+        </a:xfrm>
+        <a:prstGeom prst="roundRect">
+          <a:avLst>
+            <a:gd name="adj" fmla="val 10000"/>
+          </a:avLst>
+        </a:prstGeom>
+        <a:gradFill rotWithShape="0">
+          <a:gsLst>
+            <a:gs pos="0">
+              <a:schemeClr val="accent1">
+                <a:hueOff val="0"/>
+                <a:satOff val="0"/>
+                <a:lumOff val="0"/>
+                <a:alphaOff val="0"/>
+                <a:tint val="96000"/>
+                <a:satMod val="100000"/>
+                <a:lumMod val="104000"/>
+              </a:schemeClr>
+            </a:gs>
+            <a:gs pos="78000">
+              <a:schemeClr val="accent1">
+                <a:hueOff val="0"/>
+                <a:satOff val="0"/>
+                <a:lumOff val="0"/>
+                <a:alphaOff val="0"/>
+                <a:shade val="100000"/>
+                <a:satMod val="110000"/>
+                <a:lumMod val="100000"/>
+              </a:schemeClr>
+            </a:gs>
+          </a:gsLst>
+          <a:lin ang="5400000" scaled="0"/>
+        </a:gradFill>
+        <a:ln>
+          <a:noFill/>
+        </a:ln>
+        <a:effectLst/>
+        <a:scene3d>
+          <a:camera prst="orthographicFront">
+            <a:rot lat="0" lon="0" rev="0"/>
+          </a:camera>
+          <a:lightRig rig="threePt" dir="t"/>
+        </a:scene3d>
+        <a:sp3d>
+          <a:bevelT w="25400" h="12700"/>
+        </a:sp3d>
+      </dsp:spPr>
+      <dsp:style>
+        <a:lnRef idx="0">
+          <a:scrgbClr r="0" g="0" b="0"/>
+        </a:lnRef>
+        <a:fillRef idx="3">
+          <a:scrgbClr r="0" g="0" b="0"/>
+        </a:fillRef>
+        <a:effectRef idx="2">
+          <a:scrgbClr r="0" g="0" b="0"/>
+        </a:effectRef>
+        <a:fontRef idx="minor">
+          <a:schemeClr val="lt1"/>
+        </a:fontRef>
+      </dsp:style>
+      <dsp:txBody>
+        <a:bodyPr spcFirstLastPara="0" vert="horz" wrap="square" lIns="68580" tIns="68580" rIns="68580" bIns="68580" numCol="1" spcCol="1270" anchor="ctr" anchorCtr="0">
+          <a:noAutofit/>
+        </a:bodyPr>
+        <a:lstStyle/>
+        <a:p>
+          <a:pPr lvl="0" algn="ctr" defTabSz="800100">
+            <a:lnSpc>
+              <a:spcPct val="90000"/>
+            </a:lnSpc>
+            <a:spcBef>
+              <a:spcPct val="0"/>
+            </a:spcBef>
+            <a:spcAft>
+              <a:spcPct val="35000"/>
+            </a:spcAft>
+          </a:pPr>
+          <a:r>
+            <a:rPr lang="zh-CN" altLang="en-US" sz="1800" kern="1200" dirty="0" smtClean="0"/>
+            <a:t>电机控制</a:t>
+          </a:r>
+          <a:endParaRPr lang="zh-CN" altLang="en-US" sz="1800" kern="1200" dirty="0"/>
+        </a:p>
+      </dsp:txBody>
+      <dsp:txXfrm>
+        <a:off x="1837755" y="1107035"/>
+        <a:ext cx="1114417" cy="727849"/>
+      </dsp:txXfrm>
+    </dsp:sp>
+    <dsp:sp modelId="{297FAA22-58A6-FA46-8EFB-C6E29BF5CE25}">
+      <dsp:nvSpPr>
+        <dsp:cNvPr id="0" name=""/>
+        <dsp:cNvSpPr/>
+      </dsp:nvSpPr>
+      <dsp:spPr>
+        <a:xfrm>
+          <a:off x="3902582" y="775136"/>
+          <a:ext cx="1507617" cy="309254"/>
+        </a:xfrm>
+        <a:custGeom>
+          <a:avLst/>
+          <a:gdLst/>
+          <a:ahLst/>
+          <a:cxnLst/>
+          <a:rect l="0" t="0" r="0" b="0"/>
+          <a:pathLst>
+            <a:path>
+              <a:moveTo>
+                <a:pt x="1507617" y="0"/>
+              </a:moveTo>
+              <a:lnTo>
+                <a:pt x="1507617" y="154627"/>
+              </a:lnTo>
+              <a:lnTo>
+                <a:pt x="0" y="154627"/>
+              </a:lnTo>
+              <a:lnTo>
+                <a:pt x="0" y="309254"/>
+              </a:lnTo>
+            </a:path>
+          </a:pathLst>
+        </a:custGeom>
+        <a:noFill/>
+        <a:ln w="9525" cap="flat" cmpd="sng" algn="ctr">
+          <a:solidFill>
+            <a:schemeClr val="accent1">
+              <a:shade val="60000"/>
+              <a:hueOff val="0"/>
+              <a:satOff val="0"/>
+              <a:lumOff val="0"/>
+              <a:alphaOff val="0"/>
+            </a:schemeClr>
+          </a:solidFill>
+          <a:prstDash val="solid"/>
+        </a:ln>
+        <a:effectLst/>
+      </dsp:spPr>
+      <dsp:style>
+        <a:lnRef idx="1">
+          <a:scrgbClr r="0" g="0" b="0"/>
+        </a:lnRef>
+        <a:fillRef idx="0">
+          <a:scrgbClr r="0" g="0" b="0"/>
+        </a:fillRef>
+        <a:effectRef idx="0">
+          <a:scrgbClr r="0" g="0" b="0"/>
+        </a:effectRef>
+        <a:fontRef idx="minor"/>
+      </dsp:style>
+    </dsp:sp>
+    <dsp:sp modelId="{CF6CB4E5-381F-3348-8F38-D63314E63B6E}">
+      <dsp:nvSpPr>
+        <dsp:cNvPr id="0" name=""/>
+        <dsp:cNvSpPr/>
+      </dsp:nvSpPr>
+      <dsp:spPr>
+        <a:xfrm>
+          <a:off x="3322729" y="1084391"/>
+          <a:ext cx="1159705" cy="773137"/>
+        </a:xfrm>
+        <a:prstGeom prst="roundRect">
+          <a:avLst>
+            <a:gd name="adj" fmla="val 10000"/>
+          </a:avLst>
+        </a:prstGeom>
+        <a:gradFill rotWithShape="0">
+          <a:gsLst>
+            <a:gs pos="0">
+              <a:schemeClr val="accent1">
+                <a:hueOff val="0"/>
+                <a:satOff val="0"/>
+                <a:lumOff val="0"/>
+                <a:alphaOff val="0"/>
+                <a:tint val="96000"/>
+                <a:satMod val="100000"/>
+                <a:lumMod val="104000"/>
+              </a:schemeClr>
+            </a:gs>
+            <a:gs pos="78000">
+              <a:schemeClr val="accent1">
+                <a:hueOff val="0"/>
+                <a:satOff val="0"/>
+                <a:lumOff val="0"/>
+                <a:alphaOff val="0"/>
+                <a:shade val="100000"/>
+                <a:satMod val="110000"/>
+                <a:lumMod val="100000"/>
+              </a:schemeClr>
+            </a:gs>
+          </a:gsLst>
+          <a:lin ang="5400000" scaled="0"/>
+        </a:gradFill>
+        <a:ln>
+          <a:noFill/>
+        </a:ln>
+        <a:effectLst/>
+        <a:scene3d>
+          <a:camera prst="orthographicFront">
+            <a:rot lat="0" lon="0" rev="0"/>
+          </a:camera>
+          <a:lightRig rig="threePt" dir="t"/>
+        </a:scene3d>
+        <a:sp3d>
+          <a:bevelT w="25400" h="12700"/>
+        </a:sp3d>
+      </dsp:spPr>
+      <dsp:style>
+        <a:lnRef idx="0">
+          <a:scrgbClr r="0" g="0" b="0"/>
+        </a:lnRef>
+        <a:fillRef idx="3">
+          <a:scrgbClr r="0" g="0" b="0"/>
+        </a:fillRef>
+        <a:effectRef idx="2">
+          <a:scrgbClr r="0" g="0" b="0"/>
+        </a:effectRef>
+        <a:fontRef idx="minor">
+          <a:schemeClr val="lt1"/>
+        </a:fontRef>
+      </dsp:style>
+      <dsp:txBody>
+        <a:bodyPr spcFirstLastPara="0" vert="horz" wrap="square" lIns="68580" tIns="68580" rIns="68580" bIns="68580" numCol="1" spcCol="1270" anchor="ctr" anchorCtr="0">
+          <a:noAutofit/>
+        </a:bodyPr>
+        <a:lstStyle/>
+        <a:p>
+          <a:pPr lvl="0" algn="ctr" defTabSz="800100">
+            <a:lnSpc>
+              <a:spcPct val="90000"/>
+            </a:lnSpc>
+            <a:spcBef>
+              <a:spcPct val="0"/>
+            </a:spcBef>
+            <a:spcAft>
+              <a:spcPct val="35000"/>
+            </a:spcAft>
+          </a:pPr>
+          <a:r>
+            <a:rPr lang="zh-CN" altLang="en-US" sz="1800" kern="1200" dirty="0" smtClean="0"/>
+            <a:t>舵机控制</a:t>
+          </a:r>
+          <a:endParaRPr lang="zh-CN" altLang="en-US" sz="1800" kern="1200" dirty="0"/>
+        </a:p>
+      </dsp:txBody>
+      <dsp:txXfrm>
+        <a:off x="3345373" y="1107035"/>
+        <a:ext cx="1114417" cy="727849"/>
+      </dsp:txXfrm>
+    </dsp:sp>
+    <dsp:sp modelId="{B6C1AB73-CE16-5F48-8AA8-A0F3E0704CDC}">
+      <dsp:nvSpPr>
+        <dsp:cNvPr id="0" name=""/>
+        <dsp:cNvSpPr/>
+      </dsp:nvSpPr>
+      <dsp:spPr>
+        <a:xfrm>
+          <a:off x="5364479" y="775136"/>
+          <a:ext cx="91440" cy="309254"/>
+        </a:xfrm>
+        <a:custGeom>
+          <a:avLst/>
+          <a:gdLst/>
+          <a:ahLst/>
+          <a:cxnLst/>
+          <a:rect l="0" t="0" r="0" b="0"/>
+          <a:pathLst>
+            <a:path>
+              <a:moveTo>
+                <a:pt x="45720" y="0"/>
+              </a:moveTo>
+              <a:lnTo>
+                <a:pt x="45720" y="309254"/>
+              </a:lnTo>
+            </a:path>
+          </a:pathLst>
+        </a:custGeom>
+        <a:noFill/>
+        <a:ln w="9525" cap="flat" cmpd="sng" algn="ctr">
+          <a:solidFill>
+            <a:schemeClr val="accent1">
+              <a:shade val="60000"/>
+              <a:hueOff val="0"/>
+              <a:satOff val="0"/>
+              <a:lumOff val="0"/>
+              <a:alphaOff val="0"/>
+            </a:schemeClr>
+          </a:solidFill>
+          <a:prstDash val="solid"/>
+        </a:ln>
+        <a:effectLst/>
+      </dsp:spPr>
+      <dsp:style>
+        <a:lnRef idx="1">
+          <a:scrgbClr r="0" g="0" b="0"/>
+        </a:lnRef>
+        <a:fillRef idx="0">
+          <a:scrgbClr r="0" g="0" b="0"/>
+        </a:fillRef>
+        <a:effectRef idx="0">
+          <a:scrgbClr r="0" g="0" b="0"/>
+        </a:effectRef>
+        <a:fontRef idx="minor"/>
+      </dsp:style>
+    </dsp:sp>
+    <dsp:sp modelId="{0A38DCFA-88EB-F648-9D5B-2B0AFB9ABF3D}">
+      <dsp:nvSpPr>
+        <dsp:cNvPr id="0" name=""/>
+        <dsp:cNvSpPr/>
+      </dsp:nvSpPr>
+      <dsp:spPr>
+        <a:xfrm>
+          <a:off x="4830347" y="1084391"/>
+          <a:ext cx="1159705" cy="773137"/>
+        </a:xfrm>
+        <a:prstGeom prst="roundRect">
+          <a:avLst>
+            <a:gd name="adj" fmla="val 10000"/>
+          </a:avLst>
+        </a:prstGeom>
+        <a:gradFill rotWithShape="0">
+          <a:gsLst>
+            <a:gs pos="0">
+              <a:schemeClr val="accent1">
+                <a:hueOff val="0"/>
+                <a:satOff val="0"/>
+                <a:lumOff val="0"/>
+                <a:alphaOff val="0"/>
+                <a:tint val="96000"/>
+                <a:satMod val="100000"/>
+                <a:lumMod val="104000"/>
+              </a:schemeClr>
+            </a:gs>
+            <a:gs pos="78000">
+              <a:schemeClr val="accent1">
+                <a:hueOff val="0"/>
+                <a:satOff val="0"/>
+                <a:lumOff val="0"/>
+                <a:alphaOff val="0"/>
+                <a:shade val="100000"/>
+                <a:satMod val="110000"/>
+                <a:lumMod val="100000"/>
+              </a:schemeClr>
+            </a:gs>
+          </a:gsLst>
+          <a:lin ang="5400000" scaled="0"/>
+        </a:gradFill>
+        <a:ln>
+          <a:noFill/>
+        </a:ln>
+        <a:effectLst/>
+        <a:scene3d>
+          <a:camera prst="orthographicFront">
+            <a:rot lat="0" lon="0" rev="0"/>
+          </a:camera>
+          <a:lightRig rig="threePt" dir="t"/>
+        </a:scene3d>
+        <a:sp3d>
+          <a:bevelT w="25400" h="12700"/>
+        </a:sp3d>
+      </dsp:spPr>
+      <dsp:style>
+        <a:lnRef idx="0">
+          <a:scrgbClr r="0" g="0" b="0"/>
+        </a:lnRef>
+        <a:fillRef idx="3">
+          <a:scrgbClr r="0" g="0" b="0"/>
+        </a:fillRef>
+        <a:effectRef idx="2">
+          <a:scrgbClr r="0" g="0" b="0"/>
+        </a:effectRef>
+        <a:fontRef idx="minor">
+          <a:schemeClr val="lt1"/>
+        </a:fontRef>
+      </dsp:style>
+      <dsp:txBody>
+        <a:bodyPr spcFirstLastPara="0" vert="horz" wrap="square" lIns="68580" tIns="68580" rIns="68580" bIns="68580" numCol="1" spcCol="1270" anchor="ctr" anchorCtr="0">
+          <a:noAutofit/>
+        </a:bodyPr>
+        <a:lstStyle/>
+        <a:p>
+          <a:pPr lvl="0" algn="ctr" defTabSz="800100">
+            <a:lnSpc>
+              <a:spcPct val="90000"/>
+            </a:lnSpc>
+            <a:spcBef>
+              <a:spcPct val="0"/>
+            </a:spcBef>
+            <a:spcAft>
+              <a:spcPct val="35000"/>
+            </a:spcAft>
+          </a:pPr>
+          <a:r>
+            <a:rPr lang="zh-CN" altLang="en-US" sz="1800" kern="1200" dirty="0" smtClean="0"/>
+            <a:t>通用异步收发器</a:t>
+          </a:r>
+        </a:p>
+      </dsp:txBody>
+      <dsp:txXfrm>
+        <a:off x="4852991" y="1107035"/>
+        <a:ext cx="1114417" cy="727849"/>
+      </dsp:txXfrm>
+    </dsp:sp>
+    <dsp:sp modelId="{3936D5C8-4FDB-924A-8CBD-03604B40DA78}">
+      <dsp:nvSpPr>
+        <dsp:cNvPr id="0" name=""/>
+        <dsp:cNvSpPr/>
+      </dsp:nvSpPr>
+      <dsp:spPr>
+        <a:xfrm>
+          <a:off x="4656391" y="1857529"/>
+          <a:ext cx="753808" cy="309254"/>
+        </a:xfrm>
+        <a:custGeom>
+          <a:avLst/>
+          <a:gdLst/>
+          <a:ahLst/>
+          <a:cxnLst/>
+          <a:rect l="0" t="0" r="0" b="0"/>
+          <a:pathLst>
+            <a:path>
+              <a:moveTo>
+                <a:pt x="753808" y="0"/>
+              </a:moveTo>
+              <a:lnTo>
+                <a:pt x="753808" y="154627"/>
+              </a:lnTo>
+              <a:lnTo>
+                <a:pt x="0" y="154627"/>
+              </a:lnTo>
+              <a:lnTo>
+                <a:pt x="0" y="309254"/>
+              </a:lnTo>
+            </a:path>
+          </a:pathLst>
+        </a:custGeom>
+        <a:noFill/>
+        <a:ln w="9525" cap="flat" cmpd="sng" algn="ctr">
+          <a:solidFill>
+            <a:schemeClr val="accent1">
+              <a:shade val="80000"/>
+              <a:hueOff val="0"/>
+              <a:satOff val="0"/>
+              <a:lumOff val="0"/>
+              <a:alphaOff val="0"/>
+            </a:schemeClr>
+          </a:solidFill>
+          <a:prstDash val="solid"/>
+        </a:ln>
+        <a:effectLst/>
+      </dsp:spPr>
+      <dsp:style>
+        <a:lnRef idx="1">
+          <a:scrgbClr r="0" g="0" b="0"/>
+        </a:lnRef>
+        <a:fillRef idx="0">
+          <a:scrgbClr r="0" g="0" b="0"/>
+        </a:fillRef>
+        <a:effectRef idx="0">
+          <a:scrgbClr r="0" g="0" b="0"/>
+        </a:effectRef>
+        <a:fontRef idx="minor"/>
+      </dsp:style>
+    </dsp:sp>
+    <dsp:sp modelId="{F80F2428-CC83-B64C-9053-39A0C82F132B}">
+      <dsp:nvSpPr>
+        <dsp:cNvPr id="0" name=""/>
+        <dsp:cNvSpPr/>
+      </dsp:nvSpPr>
+      <dsp:spPr>
+        <a:xfrm>
+          <a:off x="4076538" y="2166783"/>
+          <a:ext cx="1159705" cy="773137"/>
+        </a:xfrm>
+        <a:prstGeom prst="roundRect">
+          <a:avLst>
+            <a:gd name="adj" fmla="val 10000"/>
+          </a:avLst>
+        </a:prstGeom>
+        <a:gradFill rotWithShape="0">
+          <a:gsLst>
+            <a:gs pos="0">
+              <a:schemeClr val="accent1">
+                <a:hueOff val="0"/>
+                <a:satOff val="0"/>
+                <a:lumOff val="0"/>
+                <a:alphaOff val="0"/>
+                <a:tint val="96000"/>
+                <a:satMod val="100000"/>
+                <a:lumMod val="104000"/>
+              </a:schemeClr>
+            </a:gs>
+            <a:gs pos="78000">
+              <a:schemeClr val="accent1">
+                <a:hueOff val="0"/>
+                <a:satOff val="0"/>
+                <a:lumOff val="0"/>
+                <a:alphaOff val="0"/>
+                <a:shade val="100000"/>
+                <a:satMod val="110000"/>
+                <a:lumMod val="100000"/>
+              </a:schemeClr>
+            </a:gs>
+          </a:gsLst>
+          <a:lin ang="5400000" scaled="0"/>
+        </a:gradFill>
+        <a:ln>
+          <a:noFill/>
+        </a:ln>
+        <a:effectLst/>
+        <a:scene3d>
+          <a:camera prst="orthographicFront">
+            <a:rot lat="0" lon="0" rev="0"/>
+          </a:camera>
+          <a:lightRig rig="threePt" dir="t"/>
+        </a:scene3d>
+        <a:sp3d>
+          <a:bevelT w="25400" h="12700"/>
+        </a:sp3d>
+      </dsp:spPr>
+      <dsp:style>
+        <a:lnRef idx="0">
+          <a:scrgbClr r="0" g="0" b="0"/>
+        </a:lnRef>
+        <a:fillRef idx="3">
+          <a:scrgbClr r="0" g="0" b="0"/>
+        </a:fillRef>
+        <a:effectRef idx="2">
+          <a:scrgbClr r="0" g="0" b="0"/>
+        </a:effectRef>
+        <a:fontRef idx="minor">
+          <a:schemeClr val="lt1"/>
+        </a:fontRef>
+      </dsp:style>
+      <dsp:txBody>
+        <a:bodyPr spcFirstLastPara="0" vert="horz" wrap="square" lIns="68580" tIns="68580" rIns="68580" bIns="68580" numCol="1" spcCol="1270" anchor="ctr" anchorCtr="0">
+          <a:noAutofit/>
+        </a:bodyPr>
+        <a:lstStyle/>
+        <a:p>
+          <a:pPr lvl="0" algn="ctr" defTabSz="800100">
+            <a:lnSpc>
+              <a:spcPct val="90000"/>
+            </a:lnSpc>
+            <a:spcBef>
+              <a:spcPct val="0"/>
+            </a:spcBef>
+            <a:spcAft>
+              <a:spcPct val="35000"/>
+            </a:spcAft>
+          </a:pPr>
+          <a:r>
+            <a:rPr lang="zh-CN" altLang="en-US" sz="1800" kern="1200" dirty="0" smtClean="0"/>
+            <a:t>串口发送</a:t>
+          </a:r>
+        </a:p>
+      </dsp:txBody>
+      <dsp:txXfrm>
+        <a:off x="4099182" y="2189427"/>
+        <a:ext cx="1114417" cy="727849"/>
+      </dsp:txXfrm>
+    </dsp:sp>
+    <dsp:sp modelId="{2E0D29D4-C8F3-D149-92A4-091E078191A5}">
+      <dsp:nvSpPr>
+        <dsp:cNvPr id="0" name=""/>
+        <dsp:cNvSpPr/>
+      </dsp:nvSpPr>
+      <dsp:spPr>
+        <a:xfrm>
+          <a:off x="5410200" y="1857529"/>
+          <a:ext cx="753808" cy="309254"/>
+        </a:xfrm>
+        <a:custGeom>
+          <a:avLst/>
+          <a:gdLst/>
+          <a:ahLst/>
+          <a:cxnLst/>
+          <a:rect l="0" t="0" r="0" b="0"/>
+          <a:pathLst>
+            <a:path>
+              <a:moveTo>
+                <a:pt x="0" y="0"/>
+              </a:moveTo>
+              <a:lnTo>
+                <a:pt x="0" y="154627"/>
+              </a:lnTo>
+              <a:lnTo>
+                <a:pt x="753808" y="154627"/>
+              </a:lnTo>
+              <a:lnTo>
+                <a:pt x="753808" y="309254"/>
+              </a:lnTo>
+            </a:path>
+          </a:pathLst>
+        </a:custGeom>
+        <a:noFill/>
+        <a:ln w="9525" cap="flat" cmpd="sng" algn="ctr">
+          <a:solidFill>
+            <a:schemeClr val="accent1">
+              <a:shade val="80000"/>
+              <a:hueOff val="0"/>
+              <a:satOff val="0"/>
+              <a:lumOff val="0"/>
+              <a:alphaOff val="0"/>
+            </a:schemeClr>
+          </a:solidFill>
+          <a:prstDash val="solid"/>
+        </a:ln>
+        <a:effectLst/>
+      </dsp:spPr>
+      <dsp:style>
+        <a:lnRef idx="1">
+          <a:scrgbClr r="0" g="0" b="0"/>
+        </a:lnRef>
+        <a:fillRef idx="0">
+          <a:scrgbClr r="0" g="0" b="0"/>
+        </a:fillRef>
+        <a:effectRef idx="0">
+          <a:scrgbClr r="0" g="0" b="0"/>
+        </a:effectRef>
+        <a:fontRef idx="minor"/>
+      </dsp:style>
+    </dsp:sp>
+    <dsp:sp modelId="{ED304ABE-7ED1-7B43-BB21-27E6D110AB81}">
+      <dsp:nvSpPr>
+        <dsp:cNvPr id="0" name=""/>
+        <dsp:cNvSpPr/>
+      </dsp:nvSpPr>
+      <dsp:spPr>
+        <a:xfrm>
+          <a:off x="5584155" y="2166783"/>
+          <a:ext cx="1159705" cy="773137"/>
+        </a:xfrm>
+        <a:prstGeom prst="roundRect">
+          <a:avLst>
+            <a:gd name="adj" fmla="val 10000"/>
+          </a:avLst>
+        </a:prstGeom>
+        <a:gradFill rotWithShape="0">
+          <a:gsLst>
+            <a:gs pos="0">
+              <a:schemeClr val="accent1">
+                <a:hueOff val="0"/>
+                <a:satOff val="0"/>
+                <a:lumOff val="0"/>
+                <a:alphaOff val="0"/>
+                <a:tint val="96000"/>
+                <a:satMod val="100000"/>
+                <a:lumMod val="104000"/>
+              </a:schemeClr>
+            </a:gs>
+            <a:gs pos="78000">
+              <a:schemeClr val="accent1">
+                <a:hueOff val="0"/>
+                <a:satOff val="0"/>
+                <a:lumOff val="0"/>
+                <a:alphaOff val="0"/>
+                <a:shade val="100000"/>
+                <a:satMod val="110000"/>
+                <a:lumMod val="100000"/>
+              </a:schemeClr>
+            </a:gs>
+          </a:gsLst>
+          <a:lin ang="5400000" scaled="0"/>
+        </a:gradFill>
+        <a:ln>
+          <a:noFill/>
+        </a:ln>
+        <a:effectLst/>
+        <a:scene3d>
+          <a:camera prst="orthographicFront">
+            <a:rot lat="0" lon="0" rev="0"/>
+          </a:camera>
+          <a:lightRig rig="threePt" dir="t"/>
+        </a:scene3d>
+        <a:sp3d>
+          <a:bevelT w="25400" h="12700"/>
+        </a:sp3d>
+      </dsp:spPr>
+      <dsp:style>
+        <a:lnRef idx="0">
+          <a:scrgbClr r="0" g="0" b="0"/>
+        </a:lnRef>
+        <a:fillRef idx="3">
+          <a:scrgbClr r="0" g="0" b="0"/>
+        </a:fillRef>
+        <a:effectRef idx="2">
+          <a:scrgbClr r="0" g="0" b="0"/>
+        </a:effectRef>
+        <a:fontRef idx="minor">
+          <a:schemeClr val="lt1"/>
+        </a:fontRef>
+      </dsp:style>
+      <dsp:txBody>
+        <a:bodyPr spcFirstLastPara="0" vert="horz" wrap="square" lIns="68580" tIns="68580" rIns="68580" bIns="68580" numCol="1" spcCol="1270" anchor="ctr" anchorCtr="0">
+          <a:noAutofit/>
+        </a:bodyPr>
+        <a:lstStyle/>
+        <a:p>
+          <a:pPr lvl="0" algn="ctr" defTabSz="800100">
+            <a:lnSpc>
+              <a:spcPct val="90000"/>
+            </a:lnSpc>
+            <a:spcBef>
+              <a:spcPct val="0"/>
+            </a:spcBef>
+            <a:spcAft>
+              <a:spcPct val="35000"/>
+            </a:spcAft>
+          </a:pPr>
+          <a:r>
+            <a:rPr lang="zh-CN" altLang="en-US" sz="1800" kern="1200" dirty="0" smtClean="0"/>
+            <a:t>串口接收</a:t>
+          </a:r>
+        </a:p>
+      </dsp:txBody>
+      <dsp:txXfrm>
+        <a:off x="5606799" y="2189427"/>
+        <a:ext cx="1114417" cy="727849"/>
+      </dsp:txXfrm>
+    </dsp:sp>
+    <dsp:sp modelId="{1B6BDF90-43B6-FC4E-BE8B-A87B0CBCAFD0}">
+      <dsp:nvSpPr>
+        <dsp:cNvPr id="0" name=""/>
+        <dsp:cNvSpPr/>
+      </dsp:nvSpPr>
+      <dsp:spPr>
+        <a:xfrm>
+          <a:off x="5410200" y="775136"/>
+          <a:ext cx="3015235" cy="309254"/>
+        </a:xfrm>
+        <a:custGeom>
+          <a:avLst/>
+          <a:gdLst/>
+          <a:ahLst/>
+          <a:cxnLst/>
+          <a:rect l="0" t="0" r="0" b="0"/>
+          <a:pathLst>
+            <a:path>
+              <a:moveTo>
+                <a:pt x="0" y="0"/>
+              </a:moveTo>
+              <a:lnTo>
+                <a:pt x="0" y="154627"/>
+              </a:lnTo>
+              <a:lnTo>
+                <a:pt x="3015235" y="154627"/>
+              </a:lnTo>
+              <a:lnTo>
+                <a:pt x="3015235" y="309254"/>
+              </a:lnTo>
+            </a:path>
+          </a:pathLst>
+        </a:custGeom>
+        <a:noFill/>
+        <a:ln w="9525" cap="flat" cmpd="sng" algn="ctr">
+          <a:solidFill>
+            <a:schemeClr val="accent1">
+              <a:shade val="60000"/>
+              <a:hueOff val="0"/>
+              <a:satOff val="0"/>
+              <a:lumOff val="0"/>
+              <a:alphaOff val="0"/>
+            </a:schemeClr>
+          </a:solidFill>
+          <a:prstDash val="solid"/>
+        </a:ln>
+        <a:effectLst/>
+      </dsp:spPr>
+      <dsp:style>
+        <a:lnRef idx="1">
+          <a:scrgbClr r="0" g="0" b="0"/>
+        </a:lnRef>
+        <a:fillRef idx="0">
+          <a:scrgbClr r="0" g="0" b="0"/>
+        </a:fillRef>
+        <a:effectRef idx="0">
+          <a:scrgbClr r="0" g="0" b="0"/>
+        </a:effectRef>
+        <a:fontRef idx="minor"/>
+      </dsp:style>
+    </dsp:sp>
+    <dsp:sp modelId="{83733C2A-0A5C-BC43-B250-2C4A9F10C0BF}">
+      <dsp:nvSpPr>
+        <dsp:cNvPr id="0" name=""/>
+        <dsp:cNvSpPr/>
+      </dsp:nvSpPr>
+      <dsp:spPr>
+        <a:xfrm>
+          <a:off x="7845582" y="1084391"/>
+          <a:ext cx="1159705" cy="773137"/>
+        </a:xfrm>
+        <a:prstGeom prst="roundRect">
+          <a:avLst>
+            <a:gd name="adj" fmla="val 10000"/>
+          </a:avLst>
+        </a:prstGeom>
+        <a:gradFill rotWithShape="0">
+          <a:gsLst>
+            <a:gs pos="0">
+              <a:schemeClr val="accent1">
+                <a:hueOff val="0"/>
+                <a:satOff val="0"/>
+                <a:lumOff val="0"/>
+                <a:alphaOff val="0"/>
+                <a:tint val="96000"/>
+                <a:satMod val="100000"/>
+                <a:lumMod val="104000"/>
+              </a:schemeClr>
+            </a:gs>
+            <a:gs pos="78000">
+              <a:schemeClr val="accent1">
+                <a:hueOff val="0"/>
+                <a:satOff val="0"/>
+                <a:lumOff val="0"/>
+                <a:alphaOff val="0"/>
+                <a:shade val="100000"/>
+                <a:satMod val="110000"/>
+                <a:lumMod val="100000"/>
+              </a:schemeClr>
+            </a:gs>
+          </a:gsLst>
+          <a:lin ang="5400000" scaled="0"/>
+        </a:gradFill>
+        <a:ln>
+          <a:noFill/>
+        </a:ln>
+        <a:effectLst/>
+        <a:scene3d>
+          <a:camera prst="orthographicFront">
+            <a:rot lat="0" lon="0" rev="0"/>
+          </a:camera>
+          <a:lightRig rig="threePt" dir="t"/>
+        </a:scene3d>
+        <a:sp3d>
+          <a:bevelT w="25400" h="12700"/>
+        </a:sp3d>
+      </dsp:spPr>
+      <dsp:style>
+        <a:lnRef idx="0">
+          <a:scrgbClr r="0" g="0" b="0"/>
+        </a:lnRef>
+        <a:fillRef idx="3">
+          <a:scrgbClr r="0" g="0" b="0"/>
+        </a:fillRef>
+        <a:effectRef idx="2">
+          <a:scrgbClr r="0" g="0" b="0"/>
+        </a:effectRef>
+        <a:fontRef idx="minor">
+          <a:schemeClr val="lt1"/>
+        </a:fontRef>
+      </dsp:style>
+      <dsp:txBody>
+        <a:bodyPr spcFirstLastPara="0" vert="horz" wrap="square" lIns="68580" tIns="68580" rIns="68580" bIns="68580" numCol="1" spcCol="1270" anchor="ctr" anchorCtr="0">
+          <a:noAutofit/>
+        </a:bodyPr>
+        <a:lstStyle/>
+        <a:p>
+          <a:pPr lvl="0" algn="ctr" defTabSz="800100">
+            <a:lnSpc>
+              <a:spcPct val="90000"/>
+            </a:lnSpc>
+            <a:spcBef>
+              <a:spcPct val="0"/>
+            </a:spcBef>
+            <a:spcAft>
+              <a:spcPct val="35000"/>
+            </a:spcAft>
+          </a:pPr>
+          <a:r>
+            <a:rPr lang="en-US" altLang="zh-CN" sz="1800" kern="1200" dirty="0" smtClean="0"/>
+            <a:t>CMOS</a:t>
+          </a:r>
+          <a:r>
+            <a:rPr lang="zh-CN" altLang="en-US" sz="1800" kern="1200" dirty="0" smtClean="0"/>
+            <a:t>图像传感器</a:t>
+          </a:r>
+        </a:p>
+      </dsp:txBody>
+      <dsp:txXfrm>
+        <a:off x="7868226" y="1107035"/>
+        <a:ext cx="1114417" cy="727849"/>
+      </dsp:txXfrm>
+    </dsp:sp>
+    <dsp:sp modelId="{E8AF8369-D31B-F341-96B4-18C8C268F3F6}">
+      <dsp:nvSpPr>
+        <dsp:cNvPr id="0" name=""/>
+        <dsp:cNvSpPr/>
+      </dsp:nvSpPr>
+      <dsp:spPr>
+        <a:xfrm>
+          <a:off x="7671626" y="1857529"/>
+          <a:ext cx="753808" cy="309254"/>
+        </a:xfrm>
+        <a:custGeom>
+          <a:avLst/>
+          <a:gdLst/>
+          <a:ahLst/>
+          <a:cxnLst/>
+          <a:rect l="0" t="0" r="0" b="0"/>
+          <a:pathLst>
+            <a:path>
+              <a:moveTo>
+                <a:pt x="753808" y="0"/>
+              </a:moveTo>
+              <a:lnTo>
+                <a:pt x="753808" y="154627"/>
+              </a:lnTo>
+              <a:lnTo>
+                <a:pt x="0" y="154627"/>
+              </a:lnTo>
+              <a:lnTo>
+                <a:pt x="0" y="309254"/>
+              </a:lnTo>
+            </a:path>
+          </a:pathLst>
+        </a:custGeom>
+        <a:noFill/>
+        <a:ln w="9525" cap="flat" cmpd="sng" algn="ctr">
+          <a:solidFill>
+            <a:schemeClr val="accent1">
+              <a:shade val="80000"/>
+              <a:hueOff val="0"/>
+              <a:satOff val="0"/>
+              <a:lumOff val="0"/>
+              <a:alphaOff val="0"/>
+            </a:schemeClr>
+          </a:solidFill>
+          <a:prstDash val="solid"/>
+        </a:ln>
+        <a:effectLst/>
+      </dsp:spPr>
+      <dsp:style>
+        <a:lnRef idx="1">
+          <a:scrgbClr r="0" g="0" b="0"/>
+        </a:lnRef>
+        <a:fillRef idx="0">
+          <a:scrgbClr r="0" g="0" b="0"/>
+        </a:fillRef>
+        <a:effectRef idx="0">
+          <a:scrgbClr r="0" g="0" b="0"/>
+        </a:effectRef>
+        <a:fontRef idx="minor"/>
+      </dsp:style>
+    </dsp:sp>
+    <dsp:sp modelId="{E7281C07-B489-234D-9271-4F5E50FEC06F}">
+      <dsp:nvSpPr>
+        <dsp:cNvPr id="0" name=""/>
+        <dsp:cNvSpPr/>
+      </dsp:nvSpPr>
+      <dsp:spPr>
+        <a:xfrm>
+          <a:off x="7091773" y="2166783"/>
+          <a:ext cx="1159705" cy="773137"/>
+        </a:xfrm>
+        <a:prstGeom prst="roundRect">
+          <a:avLst>
+            <a:gd name="adj" fmla="val 10000"/>
+          </a:avLst>
+        </a:prstGeom>
+        <a:gradFill rotWithShape="0">
+          <a:gsLst>
+            <a:gs pos="0">
+              <a:schemeClr val="accent1">
+                <a:hueOff val="0"/>
+                <a:satOff val="0"/>
+                <a:lumOff val="0"/>
+                <a:alphaOff val="0"/>
+                <a:tint val="96000"/>
+                <a:satMod val="100000"/>
+                <a:lumMod val="104000"/>
+              </a:schemeClr>
+            </a:gs>
+            <a:gs pos="78000">
+              <a:schemeClr val="accent1">
+                <a:hueOff val="0"/>
+                <a:satOff val="0"/>
+                <a:lumOff val="0"/>
+                <a:alphaOff val="0"/>
+                <a:shade val="100000"/>
+                <a:satMod val="110000"/>
+                <a:lumMod val="100000"/>
+              </a:schemeClr>
+            </a:gs>
+          </a:gsLst>
+          <a:lin ang="5400000" scaled="0"/>
+        </a:gradFill>
+        <a:ln>
+          <a:noFill/>
+        </a:ln>
+        <a:effectLst/>
+        <a:scene3d>
+          <a:camera prst="orthographicFront">
+            <a:rot lat="0" lon="0" rev="0"/>
+          </a:camera>
+          <a:lightRig rig="threePt" dir="t"/>
+        </a:scene3d>
+        <a:sp3d>
+          <a:bevelT w="25400" h="12700"/>
+        </a:sp3d>
+      </dsp:spPr>
+      <dsp:style>
+        <a:lnRef idx="0">
+          <a:scrgbClr r="0" g="0" b="0"/>
+        </a:lnRef>
+        <a:fillRef idx="3">
+          <a:scrgbClr r="0" g="0" b="0"/>
+        </a:fillRef>
+        <a:effectRef idx="2">
+          <a:scrgbClr r="0" g="0" b="0"/>
+        </a:effectRef>
+        <a:fontRef idx="minor">
+          <a:schemeClr val="lt1"/>
+        </a:fontRef>
+      </dsp:style>
+      <dsp:txBody>
+        <a:bodyPr spcFirstLastPara="0" vert="horz" wrap="square" lIns="68580" tIns="68580" rIns="68580" bIns="68580" numCol="1" spcCol="1270" anchor="ctr" anchorCtr="0">
+          <a:noAutofit/>
+        </a:bodyPr>
+        <a:lstStyle/>
+        <a:p>
+          <a:pPr lvl="0" algn="ctr" defTabSz="800100">
+            <a:lnSpc>
+              <a:spcPct val="90000"/>
+            </a:lnSpc>
+            <a:spcBef>
+              <a:spcPct val="0"/>
+            </a:spcBef>
+            <a:spcAft>
+              <a:spcPct val="35000"/>
+            </a:spcAft>
+          </a:pPr>
+          <a:r>
+            <a:rPr lang="zh-CN" altLang="en-US" sz="1800" kern="1200" dirty="0" smtClean="0"/>
+            <a:t>初始化寄存器</a:t>
+          </a:r>
+        </a:p>
+      </dsp:txBody>
+      <dsp:txXfrm>
+        <a:off x="7114417" y="2189427"/>
+        <a:ext cx="1114417" cy="727849"/>
+      </dsp:txXfrm>
+    </dsp:sp>
+    <dsp:sp modelId="{D2D41AB5-5980-C34D-9849-ED6E11C56A74}">
+      <dsp:nvSpPr>
+        <dsp:cNvPr id="0" name=""/>
+        <dsp:cNvSpPr/>
+      </dsp:nvSpPr>
+      <dsp:spPr>
+        <a:xfrm>
+          <a:off x="8425435" y="1857529"/>
+          <a:ext cx="753808" cy="309254"/>
+        </a:xfrm>
+        <a:custGeom>
+          <a:avLst/>
+          <a:gdLst/>
+          <a:ahLst/>
+          <a:cxnLst/>
+          <a:rect l="0" t="0" r="0" b="0"/>
+          <a:pathLst>
+            <a:path>
+              <a:moveTo>
+                <a:pt x="0" y="0"/>
+              </a:moveTo>
+              <a:lnTo>
+                <a:pt x="0" y="154627"/>
+              </a:lnTo>
+              <a:lnTo>
+                <a:pt x="753808" y="154627"/>
+              </a:lnTo>
+              <a:lnTo>
+                <a:pt x="753808" y="309254"/>
+              </a:lnTo>
+            </a:path>
+          </a:pathLst>
+        </a:custGeom>
+        <a:noFill/>
+        <a:ln w="9525" cap="flat" cmpd="sng" algn="ctr">
+          <a:solidFill>
+            <a:schemeClr val="accent1">
+              <a:shade val="80000"/>
+              <a:hueOff val="0"/>
+              <a:satOff val="0"/>
+              <a:lumOff val="0"/>
+              <a:alphaOff val="0"/>
+            </a:schemeClr>
+          </a:solidFill>
+          <a:prstDash val="solid"/>
+        </a:ln>
+        <a:effectLst/>
+      </dsp:spPr>
+      <dsp:style>
+        <a:lnRef idx="1">
+          <a:scrgbClr r="0" g="0" b="0"/>
+        </a:lnRef>
+        <a:fillRef idx="0">
+          <a:scrgbClr r="0" g="0" b="0"/>
+        </a:fillRef>
+        <a:effectRef idx="0">
+          <a:scrgbClr r="0" g="0" b="0"/>
+        </a:effectRef>
+        <a:fontRef idx="minor"/>
+      </dsp:style>
+    </dsp:sp>
+    <dsp:sp modelId="{5C0BC4F1-B01D-564B-8985-E86300E115FB}">
+      <dsp:nvSpPr>
+        <dsp:cNvPr id="0" name=""/>
+        <dsp:cNvSpPr/>
+      </dsp:nvSpPr>
+      <dsp:spPr>
+        <a:xfrm>
+          <a:off x="8599391" y="2166783"/>
+          <a:ext cx="1159705" cy="773137"/>
+        </a:xfrm>
+        <a:prstGeom prst="roundRect">
+          <a:avLst>
+            <a:gd name="adj" fmla="val 10000"/>
+          </a:avLst>
+        </a:prstGeom>
+        <a:gradFill rotWithShape="0">
+          <a:gsLst>
+            <a:gs pos="0">
+              <a:schemeClr val="accent1">
+                <a:hueOff val="0"/>
+                <a:satOff val="0"/>
+                <a:lumOff val="0"/>
+                <a:alphaOff val="0"/>
+                <a:tint val="96000"/>
+                <a:satMod val="100000"/>
+                <a:lumMod val="104000"/>
+              </a:schemeClr>
+            </a:gs>
+            <a:gs pos="78000">
+              <a:schemeClr val="accent1">
+                <a:hueOff val="0"/>
+                <a:satOff val="0"/>
+                <a:lumOff val="0"/>
+                <a:alphaOff val="0"/>
+                <a:shade val="100000"/>
+                <a:satMod val="110000"/>
+                <a:lumMod val="100000"/>
+              </a:schemeClr>
+            </a:gs>
+          </a:gsLst>
+          <a:lin ang="5400000" scaled="0"/>
+        </a:gradFill>
+        <a:ln>
+          <a:noFill/>
+        </a:ln>
+        <a:effectLst/>
+        <a:scene3d>
+          <a:camera prst="orthographicFront">
+            <a:rot lat="0" lon="0" rev="0"/>
+          </a:camera>
+          <a:lightRig rig="threePt" dir="t"/>
+        </a:scene3d>
+        <a:sp3d>
+          <a:bevelT w="25400" h="12700"/>
+        </a:sp3d>
+      </dsp:spPr>
+      <dsp:style>
+        <a:lnRef idx="0">
+          <a:scrgbClr r="0" g="0" b="0"/>
+        </a:lnRef>
+        <a:fillRef idx="3">
+          <a:scrgbClr r="0" g="0" b="0"/>
+        </a:fillRef>
+        <a:effectRef idx="2">
+          <a:scrgbClr r="0" g="0" b="0"/>
+        </a:effectRef>
+        <a:fontRef idx="minor">
+          <a:schemeClr val="lt1"/>
+        </a:fontRef>
+      </dsp:style>
+      <dsp:txBody>
+        <a:bodyPr spcFirstLastPara="0" vert="horz" wrap="square" lIns="68580" tIns="68580" rIns="68580" bIns="68580" numCol="1" spcCol="1270" anchor="ctr" anchorCtr="0">
+          <a:noAutofit/>
+        </a:bodyPr>
+        <a:lstStyle/>
+        <a:p>
+          <a:pPr lvl="0" algn="ctr" defTabSz="800100">
+            <a:lnSpc>
+              <a:spcPct val="90000"/>
+            </a:lnSpc>
+            <a:spcBef>
+              <a:spcPct val="0"/>
+            </a:spcBef>
+            <a:spcAft>
+              <a:spcPct val="35000"/>
+            </a:spcAft>
+          </a:pPr>
+          <a:r>
+            <a:rPr lang="en-US" altLang="zh-CN" sz="1800" kern="1200" dirty="0" smtClean="0"/>
+            <a:t>FIFO</a:t>
+          </a:r>
+          <a:endParaRPr lang="zh-CN" altLang="en-US" sz="1800" kern="1200" dirty="0" smtClean="0"/>
+        </a:p>
+      </dsp:txBody>
+      <dsp:txXfrm>
+        <a:off x="8622035" y="2189427"/>
+        <a:ext cx="1114417" cy="727849"/>
+      </dsp:txXfrm>
+    </dsp:sp>
+    <dsp:sp modelId="{9C77D2F6-9AB5-F744-837C-55DBD84E43F0}">
+      <dsp:nvSpPr>
+        <dsp:cNvPr id="0" name=""/>
+        <dsp:cNvSpPr/>
+      </dsp:nvSpPr>
+      <dsp:spPr>
+        <a:xfrm>
+          <a:off x="8425435" y="2939921"/>
+          <a:ext cx="753808" cy="309254"/>
+        </a:xfrm>
+        <a:custGeom>
+          <a:avLst/>
+          <a:gdLst/>
+          <a:ahLst/>
+          <a:cxnLst/>
+          <a:rect l="0" t="0" r="0" b="0"/>
+          <a:pathLst>
+            <a:path>
+              <a:moveTo>
+                <a:pt x="753808" y="0"/>
+              </a:moveTo>
+              <a:lnTo>
+                <a:pt x="753808" y="154627"/>
+              </a:lnTo>
+              <a:lnTo>
+                <a:pt x="0" y="154627"/>
+              </a:lnTo>
+              <a:lnTo>
+                <a:pt x="0" y="309254"/>
+              </a:lnTo>
+            </a:path>
+          </a:pathLst>
+        </a:custGeom>
+        <a:noFill/>
+        <a:ln w="9525" cap="flat" cmpd="sng" algn="ctr">
+          <a:solidFill>
+            <a:schemeClr val="accent1">
+              <a:shade val="80000"/>
+              <a:hueOff val="0"/>
+              <a:satOff val="0"/>
+              <a:lumOff val="0"/>
+              <a:alphaOff val="0"/>
+            </a:schemeClr>
+          </a:solidFill>
+          <a:prstDash val="solid"/>
+        </a:ln>
+        <a:effectLst/>
+      </dsp:spPr>
+      <dsp:style>
+        <a:lnRef idx="1">
+          <a:scrgbClr r="0" g="0" b="0"/>
+        </a:lnRef>
+        <a:fillRef idx="0">
+          <a:scrgbClr r="0" g="0" b="0"/>
+        </a:fillRef>
+        <a:effectRef idx="0">
+          <a:scrgbClr r="0" g="0" b="0"/>
+        </a:effectRef>
+        <a:fontRef idx="minor"/>
+      </dsp:style>
+    </dsp:sp>
+    <dsp:sp modelId="{922A05D7-ACD5-F849-AA27-17D6E77F1898}">
+      <dsp:nvSpPr>
+        <dsp:cNvPr id="0" name=""/>
+        <dsp:cNvSpPr/>
+      </dsp:nvSpPr>
+      <dsp:spPr>
+        <a:xfrm>
+          <a:off x="7845582" y="3249176"/>
+          <a:ext cx="1159705" cy="773137"/>
+        </a:xfrm>
+        <a:prstGeom prst="roundRect">
+          <a:avLst>
+            <a:gd name="adj" fmla="val 10000"/>
+          </a:avLst>
+        </a:prstGeom>
+        <a:gradFill rotWithShape="0">
+          <a:gsLst>
+            <a:gs pos="0">
+              <a:schemeClr val="accent1">
+                <a:hueOff val="0"/>
+                <a:satOff val="0"/>
+                <a:lumOff val="0"/>
+                <a:alphaOff val="0"/>
+                <a:tint val="96000"/>
+                <a:satMod val="100000"/>
+                <a:lumMod val="104000"/>
+              </a:schemeClr>
+            </a:gs>
+            <a:gs pos="78000">
+              <a:schemeClr val="accent1">
+                <a:hueOff val="0"/>
+                <a:satOff val="0"/>
+                <a:lumOff val="0"/>
+                <a:alphaOff val="0"/>
+                <a:shade val="100000"/>
+                <a:satMod val="110000"/>
+                <a:lumMod val="100000"/>
+              </a:schemeClr>
+            </a:gs>
+          </a:gsLst>
+          <a:lin ang="5400000" scaled="0"/>
+        </a:gradFill>
+        <a:ln>
+          <a:noFill/>
+        </a:ln>
+        <a:effectLst/>
+        <a:scene3d>
+          <a:camera prst="orthographicFront">
+            <a:rot lat="0" lon="0" rev="0"/>
+          </a:camera>
+          <a:lightRig rig="threePt" dir="t"/>
+        </a:scene3d>
+        <a:sp3d>
+          <a:bevelT w="25400" h="12700"/>
+        </a:sp3d>
+      </dsp:spPr>
+      <dsp:style>
+        <a:lnRef idx="0">
+          <a:scrgbClr r="0" g="0" b="0"/>
+        </a:lnRef>
+        <a:fillRef idx="3">
+          <a:scrgbClr r="0" g="0" b="0"/>
+        </a:fillRef>
+        <a:effectRef idx="2">
+          <a:scrgbClr r="0" g="0" b="0"/>
+        </a:effectRef>
+        <a:fontRef idx="minor">
+          <a:schemeClr val="lt1"/>
+        </a:fontRef>
+      </dsp:style>
+      <dsp:txBody>
+        <a:bodyPr spcFirstLastPara="0" vert="horz" wrap="square" lIns="68580" tIns="68580" rIns="68580" bIns="68580" numCol="1" spcCol="1270" anchor="ctr" anchorCtr="0">
+          <a:noAutofit/>
+        </a:bodyPr>
+        <a:lstStyle/>
+        <a:p>
+          <a:pPr lvl="0" algn="ctr" defTabSz="800100">
+            <a:lnSpc>
+              <a:spcPct val="90000"/>
+            </a:lnSpc>
+            <a:spcBef>
+              <a:spcPct val="0"/>
+            </a:spcBef>
+            <a:spcAft>
+              <a:spcPct val="35000"/>
+            </a:spcAft>
+          </a:pPr>
+          <a:r>
+            <a:rPr lang="zh-CN" altLang="en-US" sz="1800" kern="1200" dirty="0" smtClean="0"/>
+            <a:t>采集图像</a:t>
+          </a:r>
+        </a:p>
+      </dsp:txBody>
+      <dsp:txXfrm>
+        <a:off x="7868226" y="3271820"/>
+        <a:ext cx="1114417" cy="727849"/>
+      </dsp:txXfrm>
+    </dsp:sp>
+    <dsp:sp modelId="{B4A00DB9-AB8A-6942-8431-C98ED7AFC5C4}">
+      <dsp:nvSpPr>
+        <dsp:cNvPr id="0" name=""/>
+        <dsp:cNvSpPr/>
+      </dsp:nvSpPr>
+      <dsp:spPr>
+        <a:xfrm>
+          <a:off x="9179244" y="2939921"/>
+          <a:ext cx="753808" cy="309254"/>
+        </a:xfrm>
+        <a:custGeom>
+          <a:avLst/>
+          <a:gdLst/>
+          <a:ahLst/>
+          <a:cxnLst/>
+          <a:rect l="0" t="0" r="0" b="0"/>
+          <a:pathLst>
+            <a:path>
+              <a:moveTo>
+                <a:pt x="0" y="0"/>
+              </a:moveTo>
+              <a:lnTo>
+                <a:pt x="0" y="154627"/>
+              </a:lnTo>
+              <a:lnTo>
+                <a:pt x="753808" y="154627"/>
+              </a:lnTo>
+              <a:lnTo>
+                <a:pt x="753808" y="309254"/>
+              </a:lnTo>
+            </a:path>
+          </a:pathLst>
+        </a:custGeom>
+        <a:noFill/>
+        <a:ln w="9525" cap="flat" cmpd="sng" algn="ctr">
+          <a:solidFill>
+            <a:schemeClr val="accent1">
+              <a:shade val="80000"/>
+              <a:hueOff val="0"/>
+              <a:satOff val="0"/>
+              <a:lumOff val="0"/>
+              <a:alphaOff val="0"/>
+            </a:schemeClr>
+          </a:solidFill>
+          <a:prstDash val="solid"/>
+        </a:ln>
+        <a:effectLst/>
+      </dsp:spPr>
+      <dsp:style>
+        <a:lnRef idx="1">
+          <a:scrgbClr r="0" g="0" b="0"/>
+        </a:lnRef>
+        <a:fillRef idx="0">
+          <a:scrgbClr r="0" g="0" b="0"/>
+        </a:fillRef>
+        <a:effectRef idx="0">
+          <a:scrgbClr r="0" g="0" b="0"/>
+        </a:effectRef>
+        <a:fontRef idx="minor"/>
+      </dsp:style>
+    </dsp:sp>
+    <dsp:sp modelId="{FAD44049-E189-2F44-BBB1-53E29C96FBCA}">
+      <dsp:nvSpPr>
+        <dsp:cNvPr id="0" name=""/>
+        <dsp:cNvSpPr/>
+      </dsp:nvSpPr>
+      <dsp:spPr>
+        <a:xfrm>
+          <a:off x="9353200" y="3249176"/>
+          <a:ext cx="1159705" cy="773137"/>
+        </a:xfrm>
+        <a:prstGeom prst="roundRect">
+          <a:avLst>
+            <a:gd name="adj" fmla="val 10000"/>
+          </a:avLst>
+        </a:prstGeom>
+        <a:gradFill rotWithShape="0">
+          <a:gsLst>
+            <a:gs pos="0">
+              <a:schemeClr val="accent1">
+                <a:hueOff val="0"/>
+                <a:satOff val="0"/>
+                <a:lumOff val="0"/>
+                <a:alphaOff val="0"/>
+                <a:tint val="96000"/>
+                <a:satMod val="100000"/>
+                <a:lumMod val="104000"/>
+              </a:schemeClr>
+            </a:gs>
+            <a:gs pos="78000">
+              <a:schemeClr val="accent1">
+                <a:hueOff val="0"/>
+                <a:satOff val="0"/>
+                <a:lumOff val="0"/>
+                <a:alphaOff val="0"/>
+                <a:shade val="100000"/>
+                <a:satMod val="110000"/>
+                <a:lumMod val="100000"/>
+              </a:schemeClr>
+            </a:gs>
+          </a:gsLst>
+          <a:lin ang="5400000" scaled="0"/>
+        </a:gradFill>
+        <a:ln>
+          <a:noFill/>
+        </a:ln>
+        <a:effectLst/>
+        <a:scene3d>
+          <a:camera prst="orthographicFront">
+            <a:rot lat="0" lon="0" rev="0"/>
+          </a:camera>
+          <a:lightRig rig="threePt" dir="t"/>
+        </a:scene3d>
+        <a:sp3d>
+          <a:bevelT w="25400" h="12700"/>
+        </a:sp3d>
+      </dsp:spPr>
+      <dsp:style>
+        <a:lnRef idx="0">
+          <a:scrgbClr r="0" g="0" b="0"/>
+        </a:lnRef>
+        <a:fillRef idx="3">
+          <a:scrgbClr r="0" g="0" b="0"/>
+        </a:fillRef>
+        <a:effectRef idx="2">
+          <a:scrgbClr r="0" g="0" b="0"/>
+        </a:effectRef>
+        <a:fontRef idx="minor">
+          <a:schemeClr val="lt1"/>
+        </a:fontRef>
+      </dsp:style>
+      <dsp:txBody>
+        <a:bodyPr spcFirstLastPara="0" vert="horz" wrap="square" lIns="68580" tIns="68580" rIns="68580" bIns="68580" numCol="1" spcCol="1270" anchor="ctr" anchorCtr="0">
+          <a:noAutofit/>
+        </a:bodyPr>
+        <a:lstStyle/>
+        <a:p>
+          <a:pPr lvl="0" algn="ctr" defTabSz="800100">
+            <a:lnSpc>
+              <a:spcPct val="90000"/>
+            </a:lnSpc>
+            <a:spcBef>
+              <a:spcPct val="0"/>
+            </a:spcBef>
+            <a:spcAft>
+              <a:spcPct val="35000"/>
+            </a:spcAft>
+          </a:pPr>
+          <a:r>
+            <a:rPr lang="zh-CN" altLang="en-US" sz="1800" kern="1200" dirty="0" smtClean="0"/>
+            <a:t>读取图像</a:t>
+          </a:r>
+        </a:p>
+      </dsp:txBody>
+      <dsp:txXfrm>
+        <a:off x="9375844" y="3271820"/>
+        <a:ext cx="1114417" cy="727849"/>
+      </dsp:txXfrm>
+    </dsp:sp>
+    <dsp:sp modelId="{2FAAD3D6-DFB5-F343-BE52-77986960AD52}">
+      <dsp:nvSpPr>
+        <dsp:cNvPr id="0" name=""/>
+        <dsp:cNvSpPr/>
+      </dsp:nvSpPr>
+      <dsp:spPr>
+        <a:xfrm>
+          <a:off x="5410200" y="775136"/>
+          <a:ext cx="4522853" cy="309254"/>
+        </a:xfrm>
+        <a:custGeom>
+          <a:avLst/>
+          <a:gdLst/>
+          <a:ahLst/>
+          <a:cxnLst/>
+          <a:rect l="0" t="0" r="0" b="0"/>
+          <a:pathLst>
+            <a:path>
+              <a:moveTo>
+                <a:pt x="0" y="0"/>
+              </a:moveTo>
+              <a:lnTo>
+                <a:pt x="0" y="154627"/>
+              </a:lnTo>
+              <a:lnTo>
+                <a:pt x="4522853" y="154627"/>
+              </a:lnTo>
+              <a:lnTo>
+                <a:pt x="4522853" y="309254"/>
+              </a:lnTo>
+            </a:path>
+          </a:pathLst>
+        </a:custGeom>
+        <a:noFill/>
+        <a:ln w="9525" cap="flat" cmpd="sng" algn="ctr">
+          <a:solidFill>
+            <a:schemeClr val="accent1">
+              <a:shade val="60000"/>
+              <a:hueOff val="0"/>
+              <a:satOff val="0"/>
+              <a:lumOff val="0"/>
+              <a:alphaOff val="0"/>
+            </a:schemeClr>
+          </a:solidFill>
+          <a:prstDash val="solid"/>
+        </a:ln>
+        <a:effectLst/>
+      </dsp:spPr>
+      <dsp:style>
+        <a:lnRef idx="1">
+          <a:scrgbClr r="0" g="0" b="0"/>
+        </a:lnRef>
+        <a:fillRef idx="0">
+          <a:scrgbClr r="0" g="0" b="0"/>
+        </a:fillRef>
+        <a:effectRef idx="0">
+          <a:scrgbClr r="0" g="0" b="0"/>
+        </a:effectRef>
+        <a:fontRef idx="minor"/>
+      </dsp:style>
+    </dsp:sp>
+    <dsp:sp modelId="{4DE6B8E2-A227-BF4C-A90C-351AFB14F9D8}">
+      <dsp:nvSpPr>
+        <dsp:cNvPr id="0" name=""/>
+        <dsp:cNvSpPr/>
+      </dsp:nvSpPr>
+      <dsp:spPr>
+        <a:xfrm>
+          <a:off x="9353200" y="1084391"/>
+          <a:ext cx="1159705" cy="773137"/>
+        </a:xfrm>
+        <a:prstGeom prst="roundRect">
+          <a:avLst>
+            <a:gd name="adj" fmla="val 10000"/>
+          </a:avLst>
+        </a:prstGeom>
+        <a:gradFill rotWithShape="0">
+          <a:gsLst>
+            <a:gs pos="0">
+              <a:schemeClr val="accent1">
+                <a:hueOff val="0"/>
+                <a:satOff val="0"/>
+                <a:lumOff val="0"/>
+                <a:alphaOff val="0"/>
+                <a:tint val="96000"/>
+                <a:satMod val="100000"/>
+                <a:lumMod val="104000"/>
+              </a:schemeClr>
+            </a:gs>
+            <a:gs pos="78000">
+              <a:schemeClr val="accent1">
+                <a:hueOff val="0"/>
+                <a:satOff val="0"/>
+                <a:lumOff val="0"/>
+                <a:alphaOff val="0"/>
+                <a:shade val="100000"/>
+                <a:satMod val="110000"/>
+                <a:lumMod val="100000"/>
+              </a:schemeClr>
+            </a:gs>
+          </a:gsLst>
+          <a:lin ang="5400000" scaled="0"/>
+        </a:gradFill>
+        <a:ln>
+          <a:noFill/>
+        </a:ln>
+        <a:effectLst/>
+        <a:scene3d>
+          <a:camera prst="orthographicFront">
+            <a:rot lat="0" lon="0" rev="0"/>
+          </a:camera>
+          <a:lightRig rig="threePt" dir="t"/>
+        </a:scene3d>
+        <a:sp3d>
+          <a:bevelT w="25400" h="12700"/>
+        </a:sp3d>
+      </dsp:spPr>
+      <dsp:style>
+        <a:lnRef idx="0">
+          <a:scrgbClr r="0" g="0" b="0"/>
+        </a:lnRef>
+        <a:fillRef idx="3">
+          <a:scrgbClr r="0" g="0" b="0"/>
+        </a:fillRef>
+        <a:effectRef idx="2">
+          <a:scrgbClr r="0" g="0" b="0"/>
+        </a:effectRef>
+        <a:fontRef idx="minor">
+          <a:schemeClr val="lt1"/>
+        </a:fontRef>
+      </dsp:style>
+      <dsp:txBody>
+        <a:bodyPr spcFirstLastPara="0" vert="horz" wrap="square" lIns="68580" tIns="68580" rIns="68580" bIns="68580" numCol="1" spcCol="1270" anchor="ctr" anchorCtr="0">
+          <a:noAutofit/>
+        </a:bodyPr>
+        <a:lstStyle/>
+        <a:p>
+          <a:pPr lvl="0" algn="ctr" defTabSz="800100">
+            <a:lnSpc>
+              <a:spcPct val="90000"/>
+            </a:lnSpc>
+            <a:spcBef>
+              <a:spcPct val="0"/>
+            </a:spcBef>
+            <a:spcAft>
+              <a:spcPct val="35000"/>
+            </a:spcAft>
+          </a:pPr>
+          <a:r>
+            <a:rPr lang="zh-CN" altLang="en-US" sz="1800" kern="1200" dirty="0" smtClean="0"/>
+            <a:t>超声波测距</a:t>
+          </a:r>
+        </a:p>
+      </dsp:txBody>
+      <dsp:txXfrm>
+        <a:off x="9375844" y="1107035"/>
+        <a:ext cx="1114417" cy="727849"/>
+      </dsp:txXfrm>
+    </dsp:sp>
+  </dsp:spTree>
+</dsp:drawing>
+</file>
+
+<file path=ppt/diagrams/layout1.xml><?xml version="1.0" encoding="utf-8"?>
+<dgm:layoutDef xmlns:dgm="http://schemas.openxmlformats.org/drawingml/2006/diagram" xmlns:a="http://schemas.openxmlformats.org/drawingml/2006/main" uniqueId="urn:microsoft.com/office/officeart/2005/8/layout/hierarchy6">
+  <dgm:title val=""/>
+  <dgm:desc val=""/>
+  <dgm:catLst>
+    <dgm:cat type="hierarchy" pri="3000"/>
+  </dgm:catLst>
+  <dgm:sampData>
+    <dgm:dataModel>
+      <dgm:ptLst>
+        <dgm:pt modelId="0" type="doc"/>
+        <dgm:pt modelId="1">
+          <dgm:prSet phldr="1"/>
+        </dgm:pt>
+        <dgm:pt modelId="2">
+          <dgm:prSet phldr="1"/>
+        </dgm:pt>
+        <dgm:pt modelId="21">
+          <dgm:prSet phldr="1"/>
+        </dgm:pt>
+        <dgm:pt modelId="22">
+          <dgm:prSet phldr="1"/>
+        </dgm:pt>
+        <dgm:pt modelId="3">
+          <dgm:prSet phldr="1"/>
+        </dgm:pt>
+        <dgm:pt modelId="31">
+          <dgm:prSet phldr="1"/>
+        </dgm:pt>
+        <dgm:pt modelId="4">
+          <dgm:prSet phldr="1"/>
+        </dgm:pt>
+        <dgm:pt modelId="5">
+          <dgm:prSet phldr="1"/>
+        </dgm:pt>
+        <dgm:pt modelId="6">
+          <dgm:prSet phldr="1"/>
+        </dgm:pt>
+      </dgm:ptLst>
+      <dgm:cxnLst>
+        <dgm:cxn modelId="7" srcId="0" destId="1" srcOrd="0" destOrd="0"/>
+        <dgm:cxn modelId="8" srcId="1" destId="2" srcOrd="0" destOrd="0"/>
+        <dgm:cxn modelId="9" srcId="1" destId="3" srcOrd="1" destOrd="0"/>
+        <dgm:cxn modelId="23" srcId="2" destId="21" srcOrd="0" destOrd="0"/>
+        <dgm:cxn modelId="24" srcId="2" destId="22" srcOrd="1" destOrd="0"/>
+        <dgm:cxn modelId="33" srcId="3" destId="31" srcOrd="0" destOrd="0"/>
+        <dgm:cxn modelId="10" srcId="0" destId="4" srcOrd="1" destOrd="0"/>
+        <dgm:cxn modelId="11" srcId="0" destId="5" srcOrd="2" destOrd="0"/>
+        <dgm:cxn modelId="12" srcId="0" destId="6" srcOrd="3" destOrd="0"/>
+      </dgm:cxnLst>
+      <dgm:bg/>
+      <dgm:whole/>
+    </dgm:dataModel>
+  </dgm:sampData>
+  <dgm:styleData>
+    <dgm:dataModel>
+      <dgm:ptLst>
+        <dgm:pt modelId="0" type="doc"/>
+        <dgm:pt modelId="1"/>
+        <dgm:pt modelId="11"/>
+        <dgm:pt modelId="12"/>
+        <dgm:pt modelId="2"/>
+        <dgm:pt modelId="3"/>
+      </dgm:ptLst>
+      <dgm:cxnLst>
+        <dgm:cxn modelId="4" srcId="0" destId="1" srcOrd="0" destOrd="0"/>
+        <dgm:cxn modelId="13" srcId="1" destId="11" srcOrd="0" destOrd="0"/>
+        <dgm:cxn modelId="14" srcId="1" destId="12" srcOrd="1" destOrd="0"/>
+        <dgm:cxn modelId="5" srcId="0" destId="2" srcOrd="1" destOrd="0"/>
+        <dgm:cxn modelId="6" srcId="0" destId="3" srcOrd="2" destOrd="0"/>
+      </dgm:cxnLst>
+      <dgm:bg/>
+      <dgm:whole/>
+    </dgm:dataModel>
+  </dgm:styleData>
+  <dgm:clrData>
+    <dgm:dataModel>
+      <dgm:ptLst>
+        <dgm:pt modelId="0" type="doc"/>
+        <dgm:pt modelId="1"/>
+        <dgm:pt modelId="2"/>
+        <dgm:pt modelId="21"/>
+        <dgm:pt modelId="211"/>
+        <dgm:pt modelId="3"/>
+        <dgm:pt modelId="31"/>
+        <dgm:pt modelId="311"/>
+        <dgm:pt modelId="4"/>
+        <dgm:pt modelId="5"/>
+        <dgm:pt modelId="6"/>
+        <dgm:pt modelId="7"/>
+      </dgm:ptLst>
+      <dgm:cxnLst>
+        <dgm:cxn modelId="8" srcId="0" destId="1" srcOrd="0" destOrd="0"/>
+        <dgm:cxn modelId="9" srcId="1" destId="2" srcOrd="0" destOrd="0"/>
+        <dgm:cxn modelId="10" srcId="1" destId="3" srcOrd="1" destOrd="0"/>
+        <dgm:cxn modelId="23" srcId="2" destId="21" srcOrd="0" destOrd="0"/>
+        <dgm:cxn modelId="24" srcId="21" destId="211" srcOrd="0" destOrd="0"/>
+        <dgm:cxn modelId="33" srcId="3" destId="31" srcOrd="0" destOrd="0"/>
+        <dgm:cxn modelId="34" srcId="31" destId="311" srcOrd="0" destOrd="0"/>
+        <dgm:cxn modelId="11" srcId="0" destId="4" srcOrd="1" destOrd="0"/>
+        <dgm:cxn modelId="12" srcId="0" destId="5" srcOrd="2" destOrd="0"/>
+        <dgm:cxn modelId="13" srcId="0" destId="6" srcOrd="3" destOrd="0"/>
+        <dgm:cxn modelId="14" srcId="0" destId="7" srcOrd="4" destOrd="0"/>
+      </dgm:cxnLst>
+      <dgm:bg/>
+      <dgm:whole/>
+    </dgm:dataModel>
+  </dgm:clrData>
+  <dgm:layoutNode name="mainComposite">
+    <dgm:varLst>
+      <dgm:chPref val="1"/>
+      <dgm:dir/>
+      <dgm:animOne val="branch"/>
+      <dgm:animLvl val="lvl"/>
+      <dgm:resizeHandles val="exact"/>
+    </dgm:varLst>
+    <dgm:alg type="composite">
+      <dgm:param type="vertAlign" val="mid"/>
+      <dgm:param type="horzAlign" val="ctr"/>
+    </dgm:alg>
+    <dgm:shape xmlns:r="http://schemas.openxmlformats.org/officeDocument/2006/relationships" r:blip="">
+      <dgm:adjLst/>
+    </dgm:shape>
+    <dgm:presOf/>
+    <dgm:choose name="Name0">
+      <dgm:if name="Name1" axis="ch" ptType="node" func="cnt" op="gte" val="2">
+        <dgm:choose name="Name2">
+          <dgm:if name="Name3" func="var" arg="dir" op="equ" val="norm">
+            <dgm:constrLst>
+              <dgm:constr type="l" for="ch" forName="hierFlow" refType="w" fact="0.3"/>
+              <dgm:constr type="t" for="ch" forName="hierFlow"/>
+              <dgm:constr type="r" for="ch" forName="hierFlow" refType="w" fact="0.98"/>
+              <dgm:constr type="b" for="ch" forName="hierFlow" refType="h" fact="0.98"/>
+              <dgm:constr type="l" for="ch" forName="bgShapesFlow"/>
+              <dgm:constr type="t" for="ch" forName="bgShapesFlow"/>
+              <dgm:constr type="r" for="ch" forName="bgShapesFlow" refType="w"/>
+              <dgm:constr type="b" for="ch" forName="bgShapesFlow" refType="h"/>
+              <dgm:constr type="w" for="des" forName="level1Shape" refType="w"/>
+              <dgm:constr type="h" for="des" forName="level1Shape" refType="w" refFor="des" refForName="level1Shape" fact="0.66667"/>
+              <dgm:constr type="w" for="des" forName="level2Shape" refType="w" refFor="des" refForName="level1Shape" op="equ"/>
+              <dgm:constr type="h" for="des" forName="level2Shape" refType="h" refFor="des" refForName="level1Shape" op="equ"/>
+              <dgm:constr type="sp" for="des" refType="h" refFor="des" refForName="level1Shape" op="equ" fact="0.4"/>
+              <dgm:constr type="sibSp" for="des" forName="hierChild1" refType="w" refFor="des" refForName="level1Shape" op="equ" fact="0.3"/>
+              <dgm:constr type="sibSp" for="des" forName="hierChild2" refType="sibSp" refFor="des" refForName="hierChild1" op="equ"/>
+              <dgm:constr type="sibSp" for="des" forName="hierChild3" refType="sibSp" refFor="des" refForName="hierChild1" op="equ"/>
+              <dgm:constr type="userA" for="des" refType="h" refFor="des" refForName="level1Shape" op="equ"/>
+              <dgm:constr type="userB" for="des" refType="sp" refFor="des" op="equ"/>
+              <dgm:constr type="h" for="des" forName="firstBuf" refType="h" refFor="des" refForName="level1Shape" fact="0.1"/>
+            </dgm:constrLst>
+          </dgm:if>
+          <dgm:else name="Name4">
+            <dgm:constrLst>
+              <dgm:constr type="l" for="ch" forName="hierFlow" refType="w" fact="0.02"/>
+              <dgm:constr type="t" for="ch" forName="hierFlow"/>
+              <dgm:constr type="r" for="ch" forName="hierFlow" refType="w" fact="0.7"/>
+              <dgm:constr type="b" for="ch" forName="hierFlow" refType="h" fact="0.98"/>
+              <dgm:constr type="l" for="ch" forName="bgShapesFlow"/>
+              <dgm:constr type="t" for="ch" forName="bgShapesFlow"/>
+              <dgm:constr type="r" for="ch" forName="bgShapesFlow" refType="w"/>
+              <dgm:constr type="b" for="ch" forName="bgShapesFlow" refType="h"/>
+              <dgm:constr type="w" for="des" forName="level1Shape" refType="w"/>
+              <dgm:constr type="h" for="des" forName="level1Shape" refType="w" refFor="des" refForName="level1Shape" fact="0.66667"/>
+              <dgm:constr type="w" for="des" forName="level2Shape" refType="w" refFor="des" refForName="level1Shape" op="equ"/>
+              <dgm:constr type="h" for="des" forName="level2Shape" refType="h" refFor="des" refForName="level1Shape" op="equ"/>
+              <dgm:constr type="sp" for="des" refType="h" refFor="des" refForName="level1Shape" op="equ" fact="0.4"/>
+              <dgm:constr type="sibSp" for="des" forName="hierChild1" refType="w" refFor="des" refForName="level1Shape" op="equ" fact="0.3"/>
+              <dgm:constr type="sibSp" for="des" forName="hierChild2" refType="sibSp" refFor="des" refForName="hierChild1" op="equ"/>
+              <dgm:constr type="sibSp" for="des" forName="hierChild3" refType="sibSp" refFor="des" refForName="hierChild1" op="equ"/>
+              <dgm:constr type="userA" for="des" refType="h" refFor="des" refForName="level1Shape" op="equ"/>
+              <dgm:constr type="userB" for="des" refType="sp" refFor="des" op="equ"/>
+              <dgm:constr type="h" for="des" forName="firstBuf" refType="h" refFor="des" refForName="level1Shape" fact="0.1"/>
+            </dgm:constrLst>
+          </dgm:else>
+        </dgm:choose>
+      </dgm:if>
+      <dgm:else name="Name5">
+        <dgm:constrLst>
+          <dgm:constr type="l" for="ch" forName="hierFlow"/>
+          <dgm:constr type="t" for="ch" forName="hierFlow"/>
+          <dgm:constr type="r" for="ch" forName="hierFlow" refType="w"/>
+          <dgm:constr type="b" for="ch" forName="hierFlow" refType="h"/>
+          <dgm:constr type="l" for="ch" forName="bgShapesFlow"/>
+          <dgm:constr type="t" for="ch" forName="bgShapesFlow"/>
+          <dgm:constr type="r" for="ch" forName="bgShapesFlow" refType="w"/>
+          <dgm:constr type="b" for="ch" forName="bgShapesFlow" refType="h"/>
+          <dgm:constr type="w" for="des" forName="level1Shape" refType="w"/>
+          <dgm:constr type="h" for="des" forName="level1Shape" refType="w" refFor="des" refForName="level1Shape" fact="0.66667"/>
+          <dgm:constr type="w" for="des" forName="level2Shape" refType="w" refFor="des" refForName="level1Shape" op="equ"/>
+          <dgm:constr type="h" for="des" forName="level2Shape" refType="h" refFor="des" refForName="level1Shape" op="equ"/>
+          <dgm:constr type="sp" for="des" refType="h" refFor="des" refForName="level1Shape" op="equ" fact="0.4"/>
+          <dgm:constr type="sibSp" for="des" forName="hierChild1" refType="w" refFor="des" refForName="level1Shape" op="equ" fact="0.3"/>
+          <dgm:constr type="sibSp" for="des" forName="hierChild2" refType="sibSp" refFor="des" refForName="hierChild1" op="equ"/>
+          <dgm:constr type="sibSp" for="des" forName="hierChild3" refType="sibSp" refFor="des" refForName="hierChild1" op="equ"/>
+          <dgm:constr type="userA" for="des" refType="h" refFor="des" refForName="level1Shape" op="equ"/>
+          <dgm:constr type="userB" for="des" refType="sp" refFor="des" op="equ"/>
+          <dgm:constr type="h" for="des" forName="firstBuf" refType="h" refFor="des" refForName="level1Shape" fact="0.1"/>
+        </dgm:constrLst>
+      </dgm:else>
+    </dgm:choose>
+    <dgm:ruleLst/>
+    <dgm:layoutNode name="hierFlow">
+      <dgm:alg type="lin">
+        <dgm:param type="linDir" val="fromT"/>
+        <dgm:param type="nodeVertAlign" val="t"/>
+        <dgm:param type="vertAlign" val="t"/>
+        <dgm:param type="nodeHorzAlign" val="ctr"/>
+        <dgm:param type="fallback" val="2D"/>
+      </dgm:alg>
+      <dgm:shape xmlns:r="http://schemas.openxmlformats.org/officeDocument/2006/relationships" r:blip="">
+        <dgm:adjLst/>
+      </dgm:shape>
+      <dgm:presOf/>
+      <dgm:constrLst/>
+      <dgm:ruleLst/>
+      <dgm:choose name="Name6">
+        <dgm:if name="Name7" axis="ch" ptType="node" func="cnt" op="gte" val="2">
+          <dgm:layoutNode name="firstBuf">
+            <dgm:alg type="sp"/>
+            <dgm:shape xmlns:r="http://schemas.openxmlformats.org/officeDocument/2006/relationships" r:blip="">
+              <dgm:adjLst/>
+            </dgm:shape>
+            <dgm:presOf/>
+            <dgm:constrLst/>
+            <dgm:ruleLst/>
+          </dgm:layoutNode>
+        </dgm:if>
+        <dgm:else name="Name8"/>
+      </dgm:choose>
+      <dgm:layoutNode name="hierChild1">
+        <dgm:varLst>
+          <dgm:chPref val="1"/>
+          <dgm:animOne val="branch"/>
+          <dgm:animLvl val="lvl"/>
+        </dgm:varLst>
+        <dgm:choose name="Name9">
+          <dgm:if name="Name10" func="var" arg="dir" op="equ" val="norm">
+            <dgm:alg type="hierChild">
+              <dgm:param type="linDir" val="fromL"/>
+              <dgm:param type="vertAlign" val="t"/>
+            </dgm:alg>
+          </dgm:if>
+          <dgm:else name="Name11">
+            <dgm:alg type="hierChild">
+              <dgm:param type="linDir" val="fromR"/>
+              <dgm:param type="vertAlign" val="t"/>
+            </dgm:alg>
+          </dgm:else>
+        </dgm:choose>
+        <dgm:shape xmlns:r="http://schemas.openxmlformats.org/officeDocument/2006/relationships" r:blip="">
+          <dgm:adjLst/>
+        </dgm:shape>
+        <dgm:presOf/>
+        <dgm:constrLst>
+          <dgm:constr type="primFontSz" for="des" ptType="node" op="equ"/>
+        </dgm:constrLst>
+        <dgm:ruleLst/>
+        <dgm:forEach name="Name12" axis="ch" cnt="3">
+          <dgm:forEach name="Name13" axis="self" ptType="node">
+            <dgm:layoutNode name="Name14">
+              <dgm:alg type="hierRoot"/>
+              <dgm:shape xmlns:r="http://schemas.openxmlformats.org/officeDocument/2006/relationships" r:blip="">
+                <dgm:adjLst/>
+              </dgm:shape>
+              <dgm:presOf/>
+              <dgm:constrLst/>
+              <dgm:ruleLst/>
+              <dgm:layoutNode name="level1Shape" styleLbl="node0">
+                <dgm:varLst>
+                  <dgm:chPref val="3"/>
+                </dgm:varLst>
+                <dgm:alg type="tx"/>
+                <dgm:shape xmlns:r="http://schemas.openxmlformats.org/officeDocument/2006/relationships" type="roundRect" r:blip="">
+                  <dgm:adjLst>
+                    <dgm:adj idx="1" val="0.1"/>
+                  </dgm:adjLst>
+                </dgm:shape>
+                <dgm:presOf axis="self"/>
+                <dgm:constrLst>
+                  <dgm:constr type="primFontSz" val="65"/>
+                  <dgm:constr type="tMarg" refType="primFontSz" fact="0.3"/>
+                  <dgm:constr type="bMarg" refType="primFontSz" fact="0.3"/>
+                  <dgm:constr type="lMarg" refType="primFontSz" fact="0.3"/>
+                  <dgm:constr type="rMarg" refType="primFontSz" fact="0.3"/>
+                </dgm:constrLst>
+                <dgm:ruleLst>
+                  <dgm:rule type="primFontSz" val="5" fact="NaN" max="NaN"/>
+                </dgm:ruleLst>
+              </dgm:layoutNode>
+              <dgm:layoutNode name="hierChild2">
+                <dgm:choose name="Name15">
+                  <dgm:if name="Name16" func="var" arg="dir" op="equ" val="norm">
+                    <dgm:alg type="hierChild">
+                      <dgm:param type="linDir" val="fromL"/>
+                    </dgm:alg>
+                  </dgm:if>
+                  <dgm:else name="Name17">
+                    <dgm:alg type="hierChild">
+                      <dgm:param type="linDir" val="fromR"/>
+                    </dgm:alg>
+                  </dgm:else>
+                </dgm:choose>
+                <dgm:shape xmlns:r="http://schemas.openxmlformats.org/officeDocument/2006/relationships" r:blip="">
+                  <dgm:adjLst/>
+                </dgm:shape>
+                <dgm:presOf/>
+                <dgm:constrLst/>
+                <dgm:ruleLst/>
+                <dgm:forEach name="repeat" axis="ch">
+                  <dgm:forEach name="Name18" axis="self" ptType="parTrans" cnt="1">
+                    <dgm:layoutNode name="Name19">
+                      <dgm:alg type="conn">
+                        <dgm:param type="dim" val="1D"/>
+                        <dgm:param type="endSty" val="noArr"/>
+                        <dgm:param type="connRout" val="bend"/>
+                        <dgm:param type="begPts" val="bCtr"/>
+                        <dgm:param type="endPts" val="tCtr"/>
+                      </dgm:alg>
+                      <dgm:shape xmlns:r="http://schemas.openxmlformats.org/officeDocument/2006/relationships" type="conn" r:blip="">
+                        <dgm:adjLst/>
+                      </dgm:shape>
+                      <dgm:presOf axis="self"/>
+                      <dgm:constrLst>
+                        <dgm:constr type="w" val="1"/>
+                        <dgm:constr type="h" val="1"/>
+                        <dgm:constr type="begPad"/>
+                        <dgm:constr type="endPad"/>
+                      </dgm:constrLst>
+                      <dgm:ruleLst/>
+                    </dgm:layoutNode>
+                  </dgm:forEach>
+                  <dgm:forEach name="Name20" axis="self" ptType="node">
+                    <dgm:layoutNode name="Name21">
+                      <dgm:alg type="hierRoot"/>
+                      <dgm:shape xmlns:r="http://schemas.openxmlformats.org/officeDocument/2006/relationships" r:blip="">
+                        <dgm:adjLst/>
+                      </dgm:shape>
+                      <dgm:presOf/>
+                      <dgm:constrLst/>
+                      <dgm:ruleLst/>
+                      <dgm:layoutNode name="level2Shape">
+                        <dgm:alg type="tx"/>
+                        <dgm:shape xmlns:r="http://schemas.openxmlformats.org/officeDocument/2006/relationships" type="roundRect" r:blip="">
+                          <dgm:adjLst>
+                            <dgm:adj idx="1" val="0.1"/>
+                          </dgm:adjLst>
+                        </dgm:shape>
+                        <dgm:presOf axis="self"/>
+                        <dgm:constrLst>
+                          <dgm:constr type="primFontSz" val="65"/>
+                          <dgm:constr type="tMarg" refType="primFontSz" fact="0.3"/>
+                          <dgm:constr type="bMarg" refType="primFontSz" fact="0.3"/>
+                          <dgm:constr type="lMarg" refType="primFontSz" fact="0.3"/>
+                          <dgm:constr type="rMarg" refType="primFontSz" fact="0.3"/>
+                        </dgm:constrLst>
+                        <dgm:ruleLst>
+                          <dgm:rule type="primFontSz" val="5" fact="NaN" max="NaN"/>
+                        </dgm:ruleLst>
+                      </dgm:layoutNode>
+                      <dgm:layoutNode name="hierChild3">
+                        <dgm:choose name="Name22">
+                          <dgm:if name="Name23" func="var" arg="dir" op="equ" val="norm">
+                            <dgm:alg type="hierChild">
+                              <dgm:param type="linDir" val="fromL"/>
+                            </dgm:alg>
+                          </dgm:if>
+                          <dgm:else name="Name24">
+                            <dgm:alg type="hierChild">
+                              <dgm:param type="linDir" val="fromR"/>
+                            </dgm:alg>
+                          </dgm:else>
+                        </dgm:choose>
+                        <dgm:shape xmlns:r="http://schemas.openxmlformats.org/officeDocument/2006/relationships" r:blip="">
+                          <dgm:adjLst/>
+                        </dgm:shape>
+                        <dgm:presOf/>
+                        <dgm:constrLst/>
+                        <dgm:ruleLst/>
+                        <dgm:forEach name="Name25" ref="repeat"/>
+                      </dgm:layoutNode>
+                    </dgm:layoutNode>
+                  </dgm:forEach>
+                </dgm:forEach>
+              </dgm:layoutNode>
+            </dgm:layoutNode>
+          </dgm:forEach>
+        </dgm:forEach>
+      </dgm:layoutNode>
+    </dgm:layoutNode>
+    <dgm:layoutNode name="bgShapesFlow">
+      <dgm:alg type="lin">
+        <dgm:param type="linDir" val="fromT"/>
+        <dgm:param type="nodeVertAlign" val="t"/>
+        <dgm:param type="vertAlign" val="t"/>
+        <dgm:param type="nodeHorzAlign" val="ctr"/>
+      </dgm:alg>
+      <dgm:shape xmlns:r="http://schemas.openxmlformats.org/officeDocument/2006/relationships" r:blip="">
+        <dgm:adjLst/>
+      </dgm:shape>
+      <dgm:presOf/>
+      <dgm:constrLst>
+        <dgm:constr type="userB"/>
+        <dgm:constr type="w" for="ch" forName="rectComp" refType="w"/>
+        <dgm:constr type="h" for="ch" forName="rectComp" refType="h"/>
+        <dgm:constr type="w" for="des" forName="bgRect" refType="w"/>
+        <dgm:constr type="primFontSz" for="des" forName="bgRectTx" op="equ"/>
+      </dgm:constrLst>
+      <dgm:ruleLst/>
+      <dgm:forEach name="Name26" axis="ch" ptType="node" st="2">
+        <dgm:layoutNode name="rectComp">
+          <dgm:alg type="composite">
+            <dgm:param type="vertAlign" val="t"/>
+            <dgm:param type="horzAlign" val="ctr"/>
+          </dgm:alg>
+          <dgm:shape xmlns:r="http://schemas.openxmlformats.org/officeDocument/2006/relationships" r:blip="">
+            <dgm:adjLst/>
+          </dgm:shape>
+          <dgm:presOf/>
+          <dgm:choose name="Name27">
+            <dgm:if name="Name28" func="var" arg="dir" op="equ" val="norm">
+              <dgm:constrLst>
+                <dgm:constr type="userA"/>
+                <dgm:constr type="l" for="ch" forName="bgRect"/>
+                <dgm:constr type="t" for="ch" forName="bgRect"/>
+                <dgm:constr type="h" for="ch" forName="bgRect" refType="userA" fact="1.2"/>
+                <dgm:constr type="l" for="ch" forName="bgRectTx"/>
+                <dgm:constr type="t" for="ch" forName="bgRectTx"/>
+                <dgm:constr type="w" for="ch" forName="bgRectTx" refType="w" refFor="ch" refForName="bgRect" fact="0.3"/>
+                <dgm:constr type="h" for="ch" forName="bgRectTx" refType="h" refFor="ch" refForName="bgRect" op="equ"/>
+              </dgm:constrLst>
+            </dgm:if>
+            <dgm:else name="Name29">
+              <dgm:constrLst>
+                <dgm:constr type="userA"/>
+                <dgm:constr type="l" for="ch" forName="bgRect"/>
+                <dgm:constr type="t" for="ch" forName="bgRect"/>
+                <dgm:constr type="h" for="ch" forName="bgRect" refType="userA" fact="1.2"/>
+                <dgm:constr type="r" for="ch" forName="bgRectTx" refType="w"/>
+                <dgm:constr type="t" for="ch" forName="bgRectTx"/>
+                <dgm:constr type="w" for="ch" forName="bgRectTx" refType="w" refFor="ch" refForName="bgRect" fact="0.3"/>
+                <dgm:constr type="h" for="ch" forName="bgRectTx" refType="h" refFor="ch" refForName="bgRect" op="equ"/>
+              </dgm:constrLst>
+            </dgm:else>
+          </dgm:choose>
+          <dgm:ruleLst/>
+          <dgm:layoutNode name="bgRect" styleLbl="bgShp">
+            <dgm:alg type="sp"/>
+            <dgm:shape xmlns:r="http://schemas.openxmlformats.org/officeDocument/2006/relationships" type="roundRect" r:blip="" zOrderOff="-999">
+              <dgm:adjLst>
+                <dgm:adj idx="1" val="0.1"/>
+              </dgm:adjLst>
+            </dgm:shape>
+            <dgm:presOf axis="desOrSelf" ptType="node"/>
+            <dgm:constrLst/>
+            <dgm:ruleLst/>
+          </dgm:layoutNode>
+          <dgm:layoutNode name="bgRectTx" styleLbl="bgShp">
+            <dgm:varLst>
+              <dgm:bulletEnabled val="1"/>
+            </dgm:varLst>
+            <dgm:alg type="tx"/>
+            <dgm:presOf axis="desOrSelf" ptType="node"/>
+            <dgm:shape xmlns:r="http://schemas.openxmlformats.org/officeDocument/2006/relationships" type="rect" r:blip="" zOrderOff="-999" hideGeom="1">
+              <dgm:adjLst/>
+            </dgm:shape>
+            <dgm:constrLst>
+              <dgm:constr type="primFontSz" val="65"/>
+            </dgm:constrLst>
+            <dgm:ruleLst>
+              <dgm:rule type="primFontSz" val="5" fact="NaN" max="NaN"/>
+            </dgm:ruleLst>
+          </dgm:layoutNode>
+        </dgm:layoutNode>
+        <dgm:choose name="Name30">
+          <dgm:if name="Name31" axis="self" ptType="node" func="revPos" op="gte" val="2">
+            <dgm:layoutNode name="spComp">
+              <dgm:alg type="composite">
+                <dgm:param type="vertAlign" val="t"/>
+                <dgm:param type="horzAlign" val="ctr"/>
+              </dgm:alg>
+              <dgm:shape xmlns:r="http://schemas.openxmlformats.org/officeDocument/2006/relationships" r:blip="">
+                <dgm:adjLst/>
+              </dgm:shape>
+              <dgm:presOf/>
+              <dgm:constrLst>
+                <dgm:constr type="userA"/>
+                <dgm:constr type="userB"/>
+                <dgm:constr type="l" for="ch" forName="vSp"/>
+                <dgm:constr type="t" for="ch" forName="vSp"/>
+                <dgm:constr type="h" for="ch" forName="vSp" refType="userB"/>
+                <dgm:constr type="hOff" for="ch" forName="vSp" refType="userA" fact="-0.2"/>
+              </dgm:constrLst>
+              <dgm:ruleLst/>
+              <dgm:layoutNode name="vSp">
+                <dgm:alg type="sp"/>
+                <dgm:shape xmlns:r="http://schemas.openxmlformats.org/officeDocument/2006/relationships" r:blip="">
+                  <dgm:adjLst/>
+                </dgm:shape>
+                <dgm:presOf/>
+                <dgm:constrLst/>
+                <dgm:ruleLst/>
+              </dgm:layoutNode>
+            </dgm:layoutNode>
+          </dgm:if>
+          <dgm:else name="Name32"/>
+        </dgm:choose>
+      </dgm:forEach>
+    </dgm:layoutNode>
+  </dgm:layoutNode>
+</dgm:layoutDef>
+</file>
+
+<file path=ppt/diagrams/quickStyle1.xml><?xml version="1.0" encoding="utf-8"?>
+<dgm:styleDef xmlns:dgm="http://schemas.openxmlformats.org/drawingml/2006/diagram" xmlns:a="http://schemas.openxmlformats.org/drawingml/2006/main" uniqueId="urn:microsoft.com/office/officeart/2005/8/quickstyle/simple4">
+  <dgm:title val=""/>
+  <dgm:desc val=""/>
+  <dgm:catLst>
+    <dgm:cat type="simple" pri="10400"/>
+  </dgm:catLst>
+  <dgm:scene3d>
+    <a:camera prst="orthographicFront"/>
+    <a:lightRig rig="threePt" dir="t"/>
+  </dgm:scene3d>
+  <dgm:styleLbl name="node0">
+    <dgm:scene3d>
+      <a:camera prst="orthographicFront"/>
+      <a:lightRig rig="threePt" dir="t"/>
+    </dgm:scene3d>
+    <dgm:sp3d/>
+    <dgm:txPr/>
+    <dgm:style>
+      <a:lnRef idx="0">
+        <a:scrgbClr r="0" g="0" b="0"/>
+      </a:lnRef>
+      <a:fillRef idx="3">
+        <a:scrgbClr r="0" g="0" b="0"/>
+      </a:fillRef>
+      <a:effectRef idx="2">
+        <a:scrgbClr r="0" g="0" b="0"/>
+      </a:effectRef>
+      <a:fontRef idx="minor">
+        <a:schemeClr val="lt1"/>
+      </a:fontRef>
+    </dgm:style>
+  </dgm:styleLbl>
+  <dgm:styleLbl name="lnNode1">
+    <dgm:scene3d>
+      <a:camera prst="orthographicFront"/>
+      <a:lightRig rig="threePt" dir="t"/>
+    </dgm:scene3d>
+    <dgm:sp3d/>
+    <dgm:txPr/>
+    <dgm:style>
+      <a:lnRef idx="1">
+        <a:scrgbClr r="0" g="0" b="0"/>
+      </a:lnRef>
+      <a:fillRef idx="3">
+        <a:scrgbClr r="0" g="0" b="0"/>
+      </a:fillRef>
+      <a:effectRef idx="2">
+        <a:scrgbClr r="0" g="0" b="0"/>
+      </a:effectRef>
+      <a:fontRef idx="minor">
+        <a:schemeClr val="lt1"/>
+      </a:fontRef>
+    </dgm:style>
+  </dgm:styleLbl>
+  <dgm:styleLbl name="vennNode1">
+    <dgm:scene3d>
+      <a:camera prst="orthographicFront"/>
+      <a:lightRig rig="threePt" dir="t"/>
+    </dgm:scene3d>
+    <dgm:sp3d/>
+    <dgm:txPr/>
+    <dgm:style>
+      <a:lnRef idx="0">
+        <a:scrgbClr r="0" g="0" b="0"/>
+      </a:lnRef>
+      <a:fillRef idx="3">
+        <a:scrgbClr r="0" g="0" b="0"/>
+      </a:fillRef>
+      <a:effectRef idx="0">
+        <a:scrgbClr r="0" g="0" b="0"/>
+      </a:effectRef>
+      <a:fontRef idx="minor">
+        <a:schemeClr val="tx1"/>
+      </a:fontRef>
+    </dgm:style>
+  </dgm:styleLbl>
+  <dgm:styleLbl name="alignNode1">
+    <dgm:scene3d>
+      <a:camera prst="orthographicFront"/>
+      <a:lightRig rig="threePt" dir="t"/>
+    </dgm:scene3d>
+    <dgm:sp3d/>
+    <dgm:txPr/>
+    <dgm:style>
+      <a:lnRef idx="1">
+        <a:scrgbClr r="0" g="0" b="0"/>
+      </a:lnRef>
+      <a:fillRef idx="3">
+        <a:scrgbClr r="0" g="0" b="0"/>
+      </a:fillRef>
+      <a:effectRef idx="2">
+        <a:scrgbClr r="0" g="0" b="0"/>
+      </a:effectRef>
+      <a:fontRef idx="minor">
+        <a:schemeClr val="lt1"/>
+      </a:fontRef>
+    </dgm:style>
+  </dgm:styleLbl>
+  <dgm:styleLbl name="node1">
+    <dgm:scene3d>
+      <a:camera prst="orthographicFront"/>
+      <a:lightRig rig="threePt" dir="t"/>
+    </dgm:scene3d>
+    <dgm:sp3d/>
+    <dgm:txPr/>
+    <dgm:style>
+      <a:lnRef idx="0">
+        <a:scrgbClr r="0" g="0" b="0"/>
+      </a:lnRef>
+      <a:fillRef idx="3">
+        <a:scrgbClr r="0" g="0" b="0"/>
+      </a:fillRef>
+      <a:effectRef idx="2">
+        <a:scrgbClr r="0" g="0" b="0"/>
+      </a:effectRef>
+      <a:fontRef idx="minor">
+        <a:schemeClr val="lt1"/>
+      </a:fontRef>
+    </dgm:style>
+  </dgm:styleLbl>
+  <dgm:styleLbl name="node2">
+    <dgm:scene3d>
+      <a:camera prst="orthographicFront"/>
+      <a:lightRig rig="threePt" dir="t"/>
+    </dgm:scene3d>
+    <dgm:sp3d/>
+    <dgm:txPr/>
+    <dgm:style>
+      <a:lnRef idx="0">
+        <a:scrgbClr r="0" g="0" b="0"/>
+      </a:lnRef>
+      <a:fillRef idx="3">
+        <a:scrgbClr r="0" g="0" b="0"/>
+      </a:fillRef>
+      <a:effectRef idx="2">
+        <a:scrgbClr r="0" g="0" b="0"/>
+      </a:effectRef>
+      <a:fontRef idx="minor">
+        <a:schemeClr val="lt1"/>
+      </a:fontRef>
+    </dgm:style>
+  </dgm:styleLbl>
+  <dgm:styleLbl name="node3">
+    <dgm:scene3d>
+      <a:camera prst="orthographicFront"/>
+      <a:lightRig rig="threePt" dir="t"/>
+    </dgm:scene3d>
+    <dgm:sp3d/>
+    <dgm:txPr/>
+    <dgm:style>
+      <a:lnRef idx="0">
+        <a:scrgbClr r="0" g="0" b="0"/>
+      </a:lnRef>
+      <a:fillRef idx="3">
+        <a:scrgbClr r="0" g="0" b="0"/>
+      </a:fillRef>
+      <a:effectRef idx="2">
+        <a:scrgbClr r="0" g="0" b="0"/>
+      </a:effectRef>
+      <a:fontRef idx="minor">
+        <a:schemeClr val="lt1"/>
+      </a:fontRef>
+    </dgm:style>
+  </dgm:styleLbl>
+  <dgm:styleLbl name="node4">
+    <dgm:scene3d>
+      <a:camera prst="orthographicFront"/>
+      <a:lightRig rig="threePt" dir="t"/>
+    </dgm:scene3d>
+    <dgm:sp3d/>
+    <dgm:txPr/>
+    <dgm:style>
+      <a:lnRef idx="0">
+        <a:scrgbClr r="0" g="0" b="0"/>
+      </a:lnRef>
+      <a:fillRef idx="3">
+        <a:scrgbClr r="0" g="0" b="0"/>
+      </a:fillRef>
+      <a:effectRef idx="2">
+        <a:scrgbClr r="0" g="0" b="0"/>
+      </a:effectRef>
+      <a:fontRef idx="minor">
+        <a:schemeClr val="lt1"/>
+      </a:fontRef>
+    </dgm:style>
+  </dgm:styleLbl>
+  <dgm:styleLbl name="fgImgPlace1">
+    <dgm:scene3d>
+      <a:camera prst="orthographicFront"/>
+      <a:lightRig rig="threePt" dir="t"/>
+    </dgm:scene3d>
+    <dgm:sp3d/>
+    <dgm:txPr/>
+    <dgm:style>
+      <a:lnRef idx="0">
+        <a:scrgbClr r="0" g="0" b="0"/>
+      </a:lnRef>
+      <a:fillRef idx="1">
+        <a:scrgbClr r="0" g="0" b="0"/>
+      </a:fillRef>
+      <a:effectRef idx="2">
+        <a:scrgbClr r="0" g="0" b="0"/>
+      </a:effectRef>
+      <a:fontRef idx="minor"/>
+    </dgm:style>
+  </dgm:styleLbl>
+  <dgm:styleLbl name="alignImgPlace1">
+    <dgm:scene3d>
+      <a:camera prst="orthographicFront"/>
+      <a:lightRig rig="threePt" dir="t"/>
+    </dgm:scene3d>
+    <dgm:sp3d/>
+    <dgm:txPr/>
+    <dgm:style>
+      <a:lnRef idx="0">
+        <a:scrgbClr r="0" g="0" b="0"/>
+      </a:lnRef>
+      <a:fillRef idx="1">
+        <a:scrgbClr r="0" g="0" b="0"/>
+      </a:fillRef>
+      <a:effectRef idx="2">
+        <a:scrgbClr r="0" g="0" b="0"/>
+      </a:effectRef>
+      <a:fontRef idx="minor"/>
+    </dgm:style>
+  </dgm:styleLbl>
+  <dgm:styleLbl name="bgImgPlace1">
+    <dgm:scene3d>
+      <a:camera prst="orthographicFront"/>
+      <a:lightRig rig="threePt" dir="t"/>
+    </dgm:scene3d>
+    <dgm:sp3d/>
+    <dgm:txPr/>
+    <dgm:style>
+      <a:lnRef idx="0">
+        <a:scrgbClr r="0" g="0" b="0"/>
+      </a:lnRef>
+      <a:fillRef idx="1">
+        <a:scrgbClr r="0" g="0" b="0"/>
+      </a:fillRef>
+      <a:effectRef idx="2">
+        <a:scrgbClr r="0" g="0" b="0"/>
+      </a:effectRef>
+      <a:fontRef idx="minor"/>
+    </dgm:style>
+  </dgm:styleLbl>
+  <dgm:styleLbl name="sibTrans2D1">
+    <dgm:scene3d>
+      <a:camera prst="orthographicFront"/>
+      <a:lightRig rig="threePt" dir="t"/>
+    </dgm:scene3d>
+    <dgm:sp3d/>
+    <dgm:txPr/>
+    <dgm:style>
+      <a:lnRef idx="0">
+        <a:scrgbClr r="0" g="0" b="0"/>
+      </a:lnRef>
+      <a:fillRef idx="3">
+        <a:scrgbClr r="0" g="0" b="0"/>
+      </a:fillRef>
+      <a:effectRef idx="2">
+        <a:scrgbClr r="0" g="0" b="0"/>
+      </a:effectRef>
+      <a:fontRef idx="minor">
+        <a:schemeClr val="lt1"/>
+      </a:fontRef>
+    </dgm:style>
+  </dgm:styleLbl>
+  <dgm:styleLbl name="fgSibTrans2D1">
+    <dgm:scene3d>
+      <a:camera prst="orthographicFront"/>
+      <a:lightRig rig="threePt" dir="t"/>
+    </dgm:scene3d>
+    <dgm:sp3d/>
+    <dgm:txPr/>
+    <dgm:style>
+      <a:lnRef idx="0">
+        <a:scrgbClr r="0" g="0" b="0"/>
+      </a:lnRef>
+      <a:fillRef idx="3">
+        <a:scrgbClr r="0" g="0" b="0"/>
+      </a:fillRef>
+      <a:effectRef idx="2">
+        <a:scrgbClr r="0" g="0" b="0"/>
+      </a:effectRef>
+      <a:fontRef idx="minor">
+        <a:schemeClr val="lt1"/>
+      </a:fontRef>
+    </dgm:style>
+  </dgm:styleLbl>
+  <dgm:styleLbl name="bgSibTrans2D1">
+    <dgm:scene3d>
+      <a:camera prst="orthographicFront"/>
+      <a:lightRig rig="threePt" dir="t"/>
+    </dgm:scene3d>
+    <dgm:sp3d/>
+    <dgm:txPr/>
+    <dgm:style>
+      <a:lnRef idx="0">
+        <a:scrgbClr r="0" g="0" b="0"/>
+      </a:lnRef>
+      <a:fillRef idx="3">
+        <a:scrgbClr r="0" g="0" b="0"/>
+      </a:fillRef>
+      <a:effectRef idx="2">
+        <a:scrgbClr r="0" g="0" b="0"/>
+      </a:effectRef>
+      <a:fontRef idx="minor">
+        <a:schemeClr val="lt1"/>
+      </a:fontRef>
+    </dgm:style>
+  </dgm:styleLbl>
+  <dgm:styleLbl name="sibTrans1D1">
+    <dgm:scene3d>
+      <a:camera prst="orthographicFront"/>
+      <a:lightRig rig="threePt" dir="t"/>
+    </dgm:scene3d>
+    <dgm:sp3d/>
+    <dgm:txPr/>
+    <dgm:style>
+      <a:lnRef idx="1">
+        <a:scrgbClr r="0" g="0" b="0"/>
+      </a:lnRef>
+      <a:fillRef idx="0">
+        <a:scrgbClr r="0" g="0" b="0"/>
+      </a:fillRef>
+      <a:effectRef idx="0">
+        <a:scrgbClr r="0" g="0" b="0"/>
+      </a:effectRef>
+      <a:fontRef idx="minor"/>
+    </dgm:style>
+  </dgm:styleLbl>
+  <dgm:styleLbl name="callout">
+    <dgm:scene3d>
+      <a:camera prst="orthographicFront"/>
+      <a:lightRig rig="threePt" dir="t"/>
+    </dgm:scene3d>
+    <dgm:sp3d/>
+    <dgm:txPr/>
+    <dgm:style>
+      <a:lnRef idx="2">
+        <a:scrgbClr r="0" g="0" b="0"/>
+      </a:lnRef>
+      <a:fillRef idx="1">
+        <a:scrgbClr r="0" g="0" b="0"/>
+      </a:fillRef>
+      <a:effectRef idx="1">
+        <a:scrgbClr r="0" g="0" b="0"/>
+      </a:effectRef>
+      <a:fontRef idx="minor"/>
+    </dgm:style>
+  </dgm:styleLbl>
+  <dgm:styleLbl name="asst0">
+    <dgm:scene3d>
+      <a:camera prst="orthographicFront"/>
+      <a:lightRig rig="threePt" dir="t"/>
+    </dgm:scene3d>
+    <dgm:sp3d/>
+    <dgm:txPr/>
+    <dgm:style>
+      <a:lnRef idx="0">
+        <a:scrgbClr r="0" g="0" b="0"/>
+      </a:lnRef>
+      <a:fillRef idx="3">
+        <a:scrgbClr r="0" g="0" b="0"/>
+      </a:fillRef>
+      <a:effectRef idx="2">
+        <a:scrgbClr r="0" g="0" b="0"/>
+      </a:effectRef>
+      <a:fontRef idx="minor">
+        <a:schemeClr val="lt1"/>
+      </a:fontRef>
+    </dgm:style>
+  </dgm:styleLbl>
+  <dgm:styleLbl name="asst1">
+    <dgm:scene3d>
+      <a:camera prst="orthographicFront"/>
+      <a:lightRig rig="threePt" dir="t"/>
+    </dgm:scene3d>
+    <dgm:sp3d/>
+    <dgm:txPr/>
+    <dgm:style>
+      <a:lnRef idx="0">
+        <a:scrgbClr r="0" g="0" b="0"/>
+      </a:lnRef>
+      <a:fillRef idx="3">
+        <a:scrgbClr r="0" g="0" b="0"/>
+      </a:fillRef>
+      <a:effectRef idx="2">
+        <a:scrgbClr r="0" g="0" b="0"/>
+      </a:effectRef>
+      <a:fontRef idx="minor">
+        <a:schemeClr val="lt1"/>
+      </a:fontRef>
+    </dgm:style>
+  </dgm:styleLbl>
+  <dgm:styleLbl name="asst2">
+    <dgm:scene3d>
+      <a:camera prst="orthographicFront"/>
+      <a:lightRig rig="threePt" dir="t"/>
+    </dgm:scene3d>
+    <dgm:sp3d/>
+    <dgm:txPr/>
+    <dgm:style>
+      <a:lnRef idx="0">
+        <a:scrgbClr r="0" g="0" b="0"/>
+      </a:lnRef>
+      <a:fillRef idx="3">
+        <a:scrgbClr r="0" g="0" b="0"/>
+      </a:fillRef>
+      <a:effectRef idx="2">
+        <a:scrgbClr r="0" g="0" b="0"/>
+      </a:effectRef>
+      <a:fontRef idx="minor">
+        <a:schemeClr val="lt1"/>
+      </a:fontRef>
+    </dgm:style>
+  </dgm:styleLbl>
+  <dgm:styleLbl name="asst3">
+    <dgm:scene3d>
+      <a:camera prst="orthographicFront"/>
+      <a:lightRig rig="threePt" dir="t"/>
+    </dgm:scene3d>
+    <dgm:sp3d/>
+    <dgm:txPr/>
+    <dgm:style>
+      <a:lnRef idx="0">
+        <a:scrgbClr r="0" g="0" b="0"/>
+      </a:lnRef>
+      <a:fillRef idx="3">
+        <a:scrgbClr r="0" g="0" b="0"/>
+      </a:fillRef>
+      <a:effectRef idx="2">
+        <a:scrgbClr r="0" g="0" b="0"/>
+      </a:effectRef>
+      <a:fontRef idx="minor">
+        <a:schemeClr val="lt1"/>
+      </a:fontRef>
+    </dgm:style>
+  </dgm:styleLbl>
+  <dgm:styleLbl name="asst4">
+    <dgm:scene3d>
+      <a:camera prst="orthographicFront"/>
+      <a:lightRig rig="threePt" dir="t"/>
+    </dgm:scene3d>
+    <dgm:sp3d/>
+    <dgm:txPr/>
+    <dgm:style>
+      <a:lnRef idx="0">
+        <a:scrgbClr r="0" g="0" b="0"/>
+      </a:lnRef>
+      <a:fillRef idx="3">
+        <a:scrgbClr r="0" g="0" b="0"/>
+      </a:fillRef>
+      <a:effectRef idx="2">
+        <a:scrgbClr r="0" g="0" b="0"/>
+      </a:effectRef>
+      <a:fontRef idx="minor">
+        <a:schemeClr val="lt1"/>
+      </a:fontRef>
+    </dgm:style>
+  </dgm:styleLbl>
+  <dgm:styleLbl name="parChTrans2D1">
+    <dgm:scene3d>
+      <a:camera prst="orthographicFront"/>
+      <a:lightRig rig="threePt" dir="t"/>
+    </dgm:scene3d>
+    <dgm:sp3d/>
+    <dgm:txPr/>
+    <dgm:style>
+      <a:lnRef idx="0">
+        <a:scrgbClr r="0" g="0" b="0"/>
+      </a:lnRef>
+      <a:fillRef idx="3">
+        <a:scrgbClr r="0" g="0" b="0"/>
+      </a:fillRef>
+      <a:effectRef idx="2">
+        <a:scrgbClr r="0" g="0" b="0"/>
+      </a:effectRef>
+      <a:fontRef idx="minor">
+        <a:schemeClr val="lt1"/>
+      </a:fontRef>
+    </dgm:style>
+  </dgm:styleLbl>
+  <dgm:styleLbl name="parChTrans2D2">
+    <dgm:scene3d>
+      <a:camera prst="orthographicFront"/>
+      <a:lightRig rig="threePt" dir="t"/>
+    </dgm:scene3d>
+    <dgm:sp3d/>
+    <dgm:txPr/>
+    <dgm:style>
+      <a:lnRef idx="0">
+        <a:scrgbClr r="0" g="0" b="0"/>
+      </a:lnRef>
+      <a:fillRef idx="3">
+        <a:scrgbClr r="0" g="0" b="0"/>
+      </a:fillRef>
+      <a:effectRef idx="2">
+        <a:scrgbClr r="0" g="0" b="0"/>
+      </a:effectRef>
+      <a:fontRef idx="minor">
+        <a:schemeClr val="lt1"/>
+      </a:fontRef>
+    </dgm:style>
+  </dgm:styleLbl>
+  <dgm:styleLbl name="parChTrans2D3">
+    <dgm:scene3d>
+      <a:camera prst="orthographicFront"/>
+      <a:lightRig rig="threePt" dir="t"/>
+    </dgm:scene3d>
+    <dgm:sp3d/>
+    <dgm:txPr/>
+    <dgm:style>
+      <a:lnRef idx="1">
+        <a:scrgbClr r="0" g="0" b="0"/>
+      </a:lnRef>
+      <a:fillRef idx="3">
+        <a:scrgbClr r="0" g="0" b="0"/>
+      </a:fillRef>
+      <a:effectRef idx="2">
+        <a:scrgbClr r="0" g="0" b="0"/>
+      </a:effectRef>
+      <a:fontRef idx="minor">
+        <a:schemeClr val="lt1"/>
+      </a:fontRef>
+    </dgm:style>
+  </dgm:styleLbl>
+  <dgm:styleLbl name="parChTrans2D4">
+    <dgm:scene3d>
+      <a:camera prst="orthographicFront"/>
+      <a:lightRig rig="threePt" dir="t"/>
+    </dgm:scene3d>
+    <dgm:sp3d/>
+    <dgm:txPr/>
+    <dgm:style>
+      <a:lnRef idx="1">
+        <a:scrgbClr r="0" g="0" b="0"/>
+      </a:lnRef>
+      <a:fillRef idx="3">
+        <a:scrgbClr r="0" g="0" b="0"/>
+      </a:fillRef>
+      <a:effectRef idx="2">
+        <a:scrgbClr r="0" g="0" b="0"/>
+      </a:effectRef>
+      <a:fontRef idx="minor">
+        <a:schemeClr val="lt1"/>
+      </a:fontRef>
+    </dgm:style>
+  </dgm:styleLbl>
+  <dgm:styleLbl name="parChTrans1D1">
+    <dgm:scene3d>
+      <a:camera prst="orthographicFront"/>
+      <a:lightRig rig="threePt" dir="t"/>
+    </dgm:scene3d>
+    <dgm:sp3d/>
+    <dgm:txPr/>
+    <dgm:style>
+      <a:lnRef idx="1">
+        <a:scrgbClr r="0" g="0" b="0"/>
+      </a:lnRef>
+      <a:fillRef idx="0">
+        <a:scrgbClr r="0" g="0" b="0"/>
+      </a:fillRef>
+      <a:effectRef idx="0">
+        <a:scrgbClr r="0" g="0" b="0"/>
+      </a:effectRef>
+      <a:fontRef idx="minor"/>
+    </dgm:style>
+  </dgm:styleLbl>
+  <dgm:styleLbl name="parChTrans1D2">
+    <dgm:scene3d>
+      <a:camera prst="orthographicFront"/>
+      <a:lightRig rig="threePt" dir="t"/>
+    </dgm:scene3d>
+    <dgm:sp3d/>
+    <dgm:txPr/>
+    <dgm:style>
+      <a:lnRef idx="1">
+        <a:scrgbClr r="0" g="0" b="0"/>
+      </a:lnRef>
+      <a:fillRef idx="0">
+        <a:scrgbClr r="0" g="0" b="0"/>
+      </a:fillRef>
+      <a:effectRef idx="0">
+        <a:scrgbClr r="0" g="0" b="0"/>
+      </a:effectRef>
+      <a:fontRef idx="minor"/>
+    </dgm:style>
+  </dgm:styleLbl>
+  <dgm:styleLbl name="parChTrans1D3">
+    <dgm:scene3d>
+      <a:camera prst="orthographicFront"/>
+      <a:lightRig rig="threePt" dir="t"/>
+    </dgm:scene3d>
+    <dgm:sp3d/>
+    <dgm:txPr/>
+    <dgm:style>
+      <a:lnRef idx="1">
+        <a:scrgbClr r="0" g="0" b="0"/>
+      </a:lnRef>
+      <a:fillRef idx="0">
+        <a:scrgbClr r="0" g="0" b="0"/>
+      </a:fillRef>
+      <a:effectRef idx="0">
+        <a:scrgbClr r="0" g="0" b="0"/>
+      </a:effectRef>
+      <a:fontRef idx="minor"/>
+    </dgm:style>
+  </dgm:styleLbl>
+  <dgm:styleLbl name="parChTrans1D4">
+    <dgm:scene3d>
+      <a:camera prst="orthographicFront"/>
+      <a:lightRig rig="threePt" dir="t"/>
+    </dgm:scene3d>
+    <dgm:sp3d/>
+    <dgm:txPr/>
+    <dgm:style>
+      <a:lnRef idx="1">
+        <a:scrgbClr r="0" g="0" b="0"/>
+      </a:lnRef>
+      <a:fillRef idx="0">
+        <a:scrgbClr r="0" g="0" b="0"/>
+      </a:fillRef>
+      <a:effectRef idx="0">
+        <a:scrgbClr r="0" g="0" b="0"/>
+      </a:effectRef>
+      <a:fontRef idx="minor"/>
+    </dgm:style>
+  </dgm:styleLbl>
+  <dgm:styleLbl name="fgAcc1">
+    <dgm:scene3d>
+      <a:camera prst="orthographicFront"/>
+      <a:lightRig rig="threePt" dir="t"/>
+    </dgm:scene3d>
+    <dgm:sp3d/>
+    <dgm:txPr/>
+    <dgm:style>
+      <a:lnRef idx="1">
+        <a:scrgbClr r="0" g="0" b="0"/>
+      </a:lnRef>
+      <a:fillRef idx="1">
+        <a:scrgbClr r="0" g="0" b="0"/>
+      </a:fillRef>
+      <a:effectRef idx="0">
+        <a:scrgbClr r="0" g="0" b="0"/>
+      </a:effectRef>
+      <a:fontRef idx="minor"/>
+    </dgm:style>
+  </dgm:styleLbl>
+  <dgm:styleLbl name="conFgAcc1">
+    <dgm:scene3d>
+      <a:camera prst="orthographicFront"/>
+      <a:lightRig rig="threePt" dir="t"/>
+    </dgm:scene3d>
+    <dgm:sp3d/>
+    <dgm:txPr/>
+    <dgm:style>
+      <a:lnRef idx="1">
+        <a:scrgbClr r="0" g="0" b="0"/>
+      </a:lnRef>
+      <a:fillRef idx="1">
+        <a:scrgbClr r="0" g="0" b="0"/>
+      </a:fillRef>
+      <a:effectRef idx="0">
+        <a:scrgbClr r="0" g="0" b="0"/>
+      </a:effectRef>
+      <a:fontRef idx="minor"/>
+    </dgm:style>
+  </dgm:styleLbl>
+  <dgm:styleLbl name="alignAcc1">
+    <dgm:scene3d>
+      <a:camera prst="orthographicFront"/>
+      <a:lightRig rig="threePt" dir="t"/>
+    </dgm:scene3d>
+    <dgm:sp3d/>
+    <dgm:txPr/>
+    <dgm:style>
+      <a:lnRef idx="1">
+        <a:scrgbClr r="0" g="0" b="0"/>
+      </a:lnRef>
+      <a:fillRef idx="1">
+        <a:scrgbClr r="0" g="0" b="0"/>
+      </a:fillRef>
+      <a:effectRef idx="0">
+        <a:scrgbClr r="0" g="0" b="0"/>
+      </a:effectRef>
+      <a:fontRef idx="minor"/>
+    </dgm:style>
+  </dgm:styleLbl>
+  <dgm:styleLbl name="trAlignAcc1">
+    <dgm:scene3d>
+      <a:camera prst="orthographicFront"/>
+      <a:lightRig rig="threePt" dir="t"/>
+    </dgm:scene3d>
+    <dgm:sp3d/>
+    <dgm:txPr/>
+    <dgm:style>
+      <a:lnRef idx="1">
+        <a:scrgbClr r="0" g="0" b="0"/>
+      </a:lnRef>
+      <a:fillRef idx="1">
+        <a:scrgbClr r="0" g="0" b="0"/>
+      </a:fillRef>
+      <a:effectRef idx="0">
+        <a:scrgbClr r="0" g="0" b="0"/>
+      </a:effectRef>
+      <a:fontRef idx="minor"/>
+    </dgm:style>
+  </dgm:styleLbl>
+  <dgm:styleLbl name="bgAcc1">
+    <dgm:scene3d>
+      <a:camera prst="orthographicFront"/>
+      <a:lightRig rig="threePt" dir="t"/>
+    </dgm:scene3d>
+    <dgm:sp3d/>
+    <dgm:txPr/>
+    <dgm:style>
+      <a:lnRef idx="1">
+        <a:scrgbClr r="0" g="0" b="0"/>
+      </a:lnRef>
+      <a:fillRef idx="1">
+        <a:scrgbClr r="0" g="0" b="0"/>
+      </a:fillRef>
+      <a:effectRef idx="0">
+        <a:scrgbClr r="0" g="0" b="0"/>
+      </a:effectRef>
+      <a:fontRef idx="minor"/>
+    </dgm:style>
+  </dgm:styleLbl>
+  <dgm:styleLbl name="solidFgAcc1">
+    <dgm:scene3d>
+      <a:camera prst="orthographicFront"/>
+      <a:lightRig rig="threePt" dir="t"/>
+    </dgm:scene3d>
+    <dgm:sp3d/>
+    <dgm:txPr/>
+    <dgm:style>
+      <a:lnRef idx="1">
+        <a:scrgbClr r="0" g="0" b="0"/>
+      </a:lnRef>
+      <a:fillRef idx="1">
+        <a:scrgbClr r="0" g="0" b="0"/>
+      </a:fillRef>
+      <a:effectRef idx="0">
+        <a:scrgbClr r="0" g="0" b="0"/>
+      </a:effectRef>
+      <a:fontRef idx="minor"/>
+    </dgm:style>
+  </dgm:styleLbl>
+  <dgm:styleLbl name="solidAlignAcc1">
+    <dgm:scene3d>
+      <a:camera prst="orthographicFront"/>
+      <a:lightRig rig="threePt" dir="t"/>
+    </dgm:scene3d>
+    <dgm:sp3d/>
+    <dgm:txPr/>
+    <dgm:style>
+      <a:lnRef idx="1">
+        <a:scrgbClr r="0" g="0" b="0"/>
+      </a:lnRef>
+      <a:fillRef idx="1">
+        <a:scrgbClr r="0" g="0" b="0"/>
+      </a:fillRef>
+      <a:effectRef idx="0">
+        <a:scrgbClr r="0" g="0" b="0"/>
+      </a:effectRef>
+      <a:fontRef idx="minor"/>
+    </dgm:style>
+  </dgm:styleLbl>
+  <dgm:styleLbl name="solidBgAcc1">
+    <dgm:scene3d>
+      <a:camera prst="orthographicFront"/>
+      <a:lightRig rig="threePt" dir="t"/>
+    </dgm:scene3d>
+    <dgm:sp3d/>
+    <dgm:txPr/>
+    <dgm:style>
+      <a:lnRef idx="1">
+        <a:scrgbClr r="0" g="0" b="0"/>
+      </a:lnRef>
+      <a:fillRef idx="1">
+        <a:scrgbClr r="0" g="0" b="0"/>
+      </a:fillRef>
+      <a:effectRef idx="0">
+        <a:scrgbClr r="0" g="0" b="0"/>
+      </a:effectRef>
+      <a:fontRef idx="minor"/>
+    </dgm:style>
+  </dgm:styleLbl>
+  <dgm:styleLbl name="fgAccFollowNode1">
+    <dgm:scene3d>
+      <a:camera prst="orthographicFront"/>
+      <a:lightRig rig="threePt" dir="t"/>
+    </dgm:scene3d>
+    <dgm:sp3d/>
+    <dgm:txPr/>
+    <dgm:style>
+      <a:lnRef idx="1">
+        <a:scrgbClr r="0" g="0" b="0"/>
+      </a:lnRef>
+      <a:fillRef idx="1">
+        <a:scrgbClr r="0" g="0" b="0"/>
+      </a:fillRef>
+      <a:effectRef idx="0">
+        <a:scrgbClr r="0" g="0" b="0"/>
+      </a:effectRef>
+      <a:fontRef idx="minor"/>
+    </dgm:style>
+  </dgm:styleLbl>
+  <dgm:styleLbl name="alignAccFollowNode1">
+    <dgm:scene3d>
+      <a:camera prst="orthographicFront"/>
+      <a:lightRig rig="threePt" dir="t"/>
+    </dgm:scene3d>
+    <dgm:sp3d/>
+    <dgm:txPr/>
+    <dgm:style>
+      <a:lnRef idx="1">
+        <a:scrgbClr r="0" g="0" b="0"/>
+      </a:lnRef>
+      <a:fillRef idx="1">
+        <a:scrgbClr r="0" g="0" b="0"/>
+      </a:fillRef>
+      <a:effectRef idx="0">
+        <a:scrgbClr r="0" g="0" b="0"/>
+      </a:effectRef>
+      <a:fontRef idx="minor"/>
+    </dgm:style>
+  </dgm:styleLbl>
+  <dgm:styleLbl name="bgAccFollowNode1">
+    <dgm:scene3d>
+      <a:camera prst="orthographicFront"/>
+      <a:lightRig rig="threePt" dir="t"/>
+    </dgm:scene3d>
+    <dgm:sp3d/>
+    <dgm:txPr/>
+    <dgm:style>
+      <a:lnRef idx="1">
+        <a:scrgbClr r="0" g="0" b="0"/>
+      </a:lnRef>
+      <a:fillRef idx="1">
+        <a:scrgbClr r="0" g="0" b="0"/>
+      </a:fillRef>
+      <a:effectRef idx="0">
+        <a:scrgbClr r="0" g="0" b="0"/>
+      </a:effectRef>
+      <a:fontRef idx="minor"/>
+    </dgm:style>
+  </dgm:styleLbl>
+  <dgm:styleLbl name="fgAcc0">
+    <dgm:scene3d>
+      <a:camera prst="orthographicFront"/>
+      <a:lightRig rig="threePt" dir="t"/>
+    </dgm:scene3d>
+    <dgm:sp3d/>
+    <dgm:txPr/>
+    <dgm:style>
+      <a:lnRef idx="1">
+        <a:scrgbClr r="0" g="0" b="0"/>
+      </a:lnRef>
+      <a:fillRef idx="1">
+        <a:scrgbClr r="0" g="0" b="0"/>
+      </a:fillRef>
+      <a:effectRef idx="0">
+        <a:scrgbClr r="0" g="0" b="0"/>
+      </a:effectRef>
+      <a:fontRef idx="minor"/>
+    </dgm:style>
+  </dgm:styleLbl>
+  <dgm:styleLbl name="fgAcc2">
+    <dgm:scene3d>
+      <a:camera prst="orthographicFront"/>
+      <a:lightRig rig="threePt" dir="t"/>
+    </dgm:scene3d>
+    <dgm:sp3d/>
+    <dgm:txPr/>
+    <dgm:style>
+      <a:lnRef idx="1">
+        <a:scrgbClr r="0" g="0" b="0"/>
+      </a:lnRef>
+      <a:fillRef idx="1">
+        <a:scrgbClr r="0" g="0" b="0"/>
+      </a:fillRef>
+      <a:effectRef idx="0">
+        <a:scrgbClr r="0" g="0" b="0"/>
+      </a:effectRef>
+      <a:fontRef idx="minor"/>
+    </dgm:style>
+  </dgm:styleLbl>
+  <dgm:styleLbl name="fgAcc3">
+    <dgm:scene3d>
+      <a:camera prst="orthographicFront"/>
+      <a:lightRig rig="threePt" dir="t"/>
+    </dgm:scene3d>
+    <dgm:sp3d/>
+    <dgm:txPr/>
+    <dgm:style>
+      <a:lnRef idx="1">
+        <a:scrgbClr r="0" g="0" b="0"/>
+      </a:lnRef>
+      <a:fillRef idx="1">
+        <a:scrgbClr r="0" g="0" b="0"/>
+      </a:fillRef>
+      <a:effectRef idx="0">
+        <a:scrgbClr r="0" g="0" b="0"/>
+      </a:effectRef>
+      <a:fontRef idx="minor"/>
+    </dgm:style>
+  </dgm:styleLbl>
+  <dgm:styleLbl name="fgAcc4">
+    <dgm:scene3d>
+      <a:camera prst="orthographicFront"/>
+      <a:lightRig rig="threePt" dir="t"/>
+    </dgm:scene3d>
+    <dgm:sp3d/>
+    <dgm:txPr/>
+    <dgm:style>
+      <a:lnRef idx="1">
+        <a:scrgbClr r="0" g="0" b="0"/>
+      </a:lnRef>
+      <a:fillRef idx="1">
+        <a:scrgbClr r="0" g="0" b="0"/>
+      </a:fillRef>
+      <a:effectRef idx="0">
+        <a:scrgbClr r="0" g="0" b="0"/>
+      </a:effectRef>
+      <a:fontRef idx="minor"/>
+    </dgm:style>
+  </dgm:styleLbl>
+  <dgm:styleLbl name="bgShp">
+    <dgm:scene3d>
+      <a:camera prst="orthographicFront"/>
+      <a:lightRig rig="threePt" dir="t"/>
+    </dgm:scene3d>
+    <dgm:sp3d/>
+    <dgm:txPr/>
+    <dgm:style>
+      <a:lnRef idx="0">
+        <a:scrgbClr r="0" g="0" b="0"/>
+      </a:lnRef>
+      <a:fillRef idx="1">
+        <a:scrgbClr r="0" g="0" b="0"/>
+      </a:fillRef>
+      <a:effectRef idx="2">
+        <a:scrgbClr r="0" g="0" b="0"/>
+      </a:effectRef>
+      <a:fontRef idx="minor"/>
+    </dgm:style>
+  </dgm:styleLbl>
+  <dgm:styleLbl name="dkBgShp">
+    <dgm:scene3d>
+      <a:camera prst="orthographicFront"/>
+      <a:lightRig rig="threePt" dir="t"/>
+    </dgm:scene3d>
+    <dgm:sp3d/>
+    <dgm:txPr/>
+    <dgm:style>
+      <a:lnRef idx="0">
+        <a:scrgbClr r="0" g="0" b="0"/>
+      </a:lnRef>
+      <a:fillRef idx="1">
+        <a:scrgbClr r="0" g="0" b="0"/>
+      </a:fillRef>
+      <a:effectRef idx="2">
+        <a:scrgbClr r="0" g="0" b="0"/>
+      </a:effectRef>
+      <a:fontRef idx="minor"/>
+    </dgm:style>
+  </dgm:styleLbl>
+  <dgm:styleLbl name="trBgShp">
+    <dgm:scene3d>
+      <a:camera prst="orthographicFront"/>
+      <a:lightRig rig="threePt" dir="t"/>
+    </dgm:scene3d>
+    <dgm:sp3d/>
+    <dgm:txPr/>
+    <dgm:style>
+      <a:lnRef idx="0">
+        <a:scrgbClr r="0" g="0" b="0"/>
+      </a:lnRef>
+      <a:fillRef idx="1">
+        <a:scrgbClr r="0" g="0" b="0"/>
+      </a:fillRef>
+      <a:effectRef idx="0">
+        <a:scrgbClr r="0" g="0" b="0"/>
+      </a:effectRef>
+      <a:fontRef idx="minor"/>
+    </dgm:style>
+  </dgm:styleLbl>
+  <dgm:styleLbl name="fgShp">
+    <dgm:scene3d>
+      <a:camera prst="orthographicFront"/>
+      <a:lightRig rig="threePt" dir="t"/>
+    </dgm:scene3d>
+    <dgm:sp3d/>
+    <dgm:txPr/>
+    <dgm:style>
+      <a:lnRef idx="0">
+        <a:scrgbClr r="0" g="0" b="0"/>
+      </a:lnRef>
+      <a:fillRef idx="3">
+        <a:scrgbClr r="0" g="0" b="0"/>
+      </a:fillRef>
+      <a:effectRef idx="2">
+        <a:scrgbClr r="0" g="0" b="0"/>
+      </a:effectRef>
+      <a:fontRef idx="minor"/>
+    </dgm:style>
+  </dgm:styleLbl>
+  <dgm:styleLbl name="revTx">
+    <dgm:scene3d>
+      <a:camera prst="orthographicFront"/>
+      <a:lightRig rig="threePt" dir="t"/>
+    </dgm:scene3d>
+    <dgm:sp3d/>
+    <dgm:txPr/>
+    <dgm:style>
+      <a:lnRef idx="0">
+        <a:scrgbClr r="0" g="0" b="0"/>
+      </a:lnRef>
+      <a:fillRef idx="0">
+        <a:scrgbClr r="0" g="0" b="0"/>
+      </a:fillRef>
+      <a:effectRef idx="0">
+        <a:scrgbClr r="0" g="0" b="0"/>
+      </a:effectRef>
+      <a:fontRef idx="minor"/>
+    </dgm:style>
+  </dgm:styleLbl>
+</dgm:styleDef>
+</file>
+
+<file path=ppt/notesMasters/notesMaster1.xml><?xml version="1.0" encoding="utf-8"?>
+<p:notesMaster xmlns:a="http://schemas.openxmlformats.org/drawingml/2006/main" xmlns:r="http://schemas.openxmlformats.org/officeDocument/2006/relationships" xmlns:p="http://schemas.openxmlformats.org/presentationml/2006/main">
+  <p:cSld>
+    <p:bg>
+      <p:bgRef idx="1001">
+        <a:schemeClr val="bg1"/>
+      </p:bgRef>
+    </p:bg>
+    <p:spTree>
+      <p:nvGrpSpPr>
+        <p:cNvPr id="1" name=""/>
+        <p:cNvGrpSpPr/>
+        <p:nvPr/>
+      </p:nvGrpSpPr>
+      <p:grpSpPr>
+        <a:xfrm>
+          <a:off x="0" y="0"/>
+          <a:ext cx="0" cy="0"/>
+          <a:chOff x="0" y="0"/>
+          <a:chExt cx="0" cy="0"/>
+        </a:xfrm>
+      </p:grpSpPr>
+      <p:sp>
+        <p:nvSpPr>
+          <p:cNvPr id="2" name="页眉占位符 1"/>
+          <p:cNvSpPr>
+            <a:spLocks noGrp="1"/>
+          </p:cNvSpPr>
+          <p:nvPr>
+            <p:ph type="hdr" sz="quarter"/>
+          </p:nvPr>
+        </p:nvSpPr>
+        <p:spPr>
+          <a:xfrm>
+            <a:off x="0" y="0"/>
+            <a:ext cx="2971800" cy="458788"/>
+          </a:xfrm>
+          <a:prstGeom prst="rect">
+            <a:avLst/>
+          </a:prstGeom>
+        </p:spPr>
+        <p:txBody>
+          <a:bodyPr vert="horz" lIns="91440" tIns="45720" rIns="91440" bIns="45720" rtlCol="0"/>
+          <a:lstStyle>
+            <a:lvl1pPr algn="l">
+              <a:defRPr sz="1200"/>
+            </a:lvl1pPr>
+          </a:lstStyle>
+          <a:p>
+            <a:endParaRPr kumimoji="1" lang="zh-CN" altLang="en-US"/>
+          </a:p>
+        </p:txBody>
+      </p:sp>
+      <p:sp>
+        <p:nvSpPr>
+          <p:cNvPr id="3" name="日期占位符 2"/>
+          <p:cNvSpPr>
+            <a:spLocks noGrp="1"/>
+          </p:cNvSpPr>
+          <p:nvPr>
+            <p:ph type="dt" idx="1"/>
+          </p:nvPr>
+        </p:nvSpPr>
+        <p:spPr>
+          <a:xfrm>
+            <a:off x="3884613" y="0"/>
+            <a:ext cx="2971800" cy="458788"/>
+          </a:xfrm>
+          <a:prstGeom prst="rect">
+            <a:avLst/>
+          </a:prstGeom>
+        </p:spPr>
+        <p:txBody>
+          <a:bodyPr vert="horz" lIns="91440" tIns="45720" rIns="91440" bIns="45720" rtlCol="0"/>
+          <a:lstStyle>
+            <a:lvl1pPr algn="r">
+              <a:defRPr sz="1200"/>
+            </a:lvl1pPr>
+          </a:lstStyle>
+          <a:p>
+            <a:fld id="{C37E6ED6-E9BB-244A-85F5-D9E4506E8090}" type="datetimeFigureOut">
+              <a:rPr kumimoji="1" lang="zh-CN" altLang="en-US" smtClean="0"/>
+              <a:t>2017/9/7</a:t>
+            </a:fld>
+            <a:endParaRPr kumimoji="1" lang="zh-CN" altLang="en-US"/>
+          </a:p>
+        </p:txBody>
+      </p:sp>
+      <p:sp>
+        <p:nvSpPr>
+          <p:cNvPr id="4" name="幻灯片图像占位符 3"/>
+          <p:cNvSpPr>
+            <a:spLocks noGrp="1" noRot="1" noChangeAspect="1"/>
+          </p:cNvSpPr>
+          <p:nvPr>
+            <p:ph type="sldImg" idx="2"/>
+          </p:nvPr>
+        </p:nvSpPr>
+        <p:spPr>
+          <a:xfrm>
+            <a:off x="685800" y="1143000"/>
+            <a:ext cx="5486400" cy="3086100"/>
+          </a:xfrm>
+          <a:prstGeom prst="rect">
+            <a:avLst/>
+          </a:prstGeom>
+          <a:noFill/>
+          <a:ln w="12700">
+            <a:solidFill>
+              <a:prstClr val="black"/>
+            </a:solidFill>
+          </a:ln>
+        </p:spPr>
+        <p:txBody>
+          <a:bodyPr vert="horz" lIns="91440" tIns="45720" rIns="91440" bIns="45720" rtlCol="0" anchor="ctr"/>
+          <a:lstStyle/>
+          <a:p>
+            <a:endParaRPr lang="zh-CN" altLang="en-US"/>
+          </a:p>
+        </p:txBody>
+      </p:sp>
+      <p:sp>
+        <p:nvSpPr>
+          <p:cNvPr id="5" name="备注占位符 4"/>
+          <p:cNvSpPr>
+            <a:spLocks noGrp="1"/>
+          </p:cNvSpPr>
+          <p:nvPr>
+            <p:ph type="body" sz="quarter" idx="3"/>
+          </p:nvPr>
+        </p:nvSpPr>
+        <p:spPr>
+          <a:xfrm>
+            <a:off x="685800" y="4400550"/>
+            <a:ext cx="5486400" cy="3600450"/>
+          </a:xfrm>
+          <a:prstGeom prst="rect">
+            <a:avLst/>
+          </a:prstGeom>
+        </p:spPr>
+        <p:txBody>
+          <a:bodyPr vert="horz" lIns="91440" tIns="45720" rIns="91440" bIns="45720" rtlCol="0"/>
+          <a:lstStyle/>
+          <a:p>
+            <a:pPr lvl="0"/>
+            <a:r>
+              <a:rPr kumimoji="1" lang="zh-CN" altLang="en-US" smtClean="0"/>
+              <a:t>单击此处编辑母版文本样式</a:t>
+            </a:r>
+          </a:p>
+          <a:p>
+            <a:pPr lvl="1"/>
+            <a:r>
+              <a:rPr kumimoji="1" lang="zh-CN" altLang="en-US" smtClean="0"/>
+              <a:t>二级</a:t>
+            </a:r>
+          </a:p>
+          <a:p>
+            <a:pPr lvl="2"/>
+            <a:r>
+              <a:rPr kumimoji="1" lang="zh-CN" altLang="en-US" smtClean="0"/>
+              <a:t>三级</a:t>
+            </a:r>
+          </a:p>
+          <a:p>
+            <a:pPr lvl="3"/>
+            <a:r>
+              <a:rPr kumimoji="1" lang="zh-CN" altLang="en-US" smtClean="0"/>
+              <a:t>四级</a:t>
+            </a:r>
+          </a:p>
+          <a:p>
+            <a:pPr lvl="4"/>
+            <a:r>
+              <a:rPr kumimoji="1" lang="zh-CN" altLang="en-US" smtClean="0"/>
+              <a:t>五级</a:t>
+            </a:r>
+            <a:endParaRPr kumimoji="1" lang="zh-CN" altLang="en-US"/>
+          </a:p>
+        </p:txBody>
+      </p:sp>
+      <p:sp>
+        <p:nvSpPr>
+          <p:cNvPr id="6" name="页脚占位符 5"/>
+          <p:cNvSpPr>
+            <a:spLocks noGrp="1"/>
+          </p:cNvSpPr>
+          <p:nvPr>
+            <p:ph type="ftr" sz="quarter" idx="4"/>
+          </p:nvPr>
+        </p:nvSpPr>
+        <p:spPr>
+          <a:xfrm>
+            <a:off x="0" y="8685213"/>
+            <a:ext cx="2971800" cy="458787"/>
+          </a:xfrm>
+          <a:prstGeom prst="rect">
+            <a:avLst/>
+          </a:prstGeom>
+        </p:spPr>
+        <p:txBody>
+          <a:bodyPr vert="horz" lIns="91440" tIns="45720" rIns="91440" bIns="45720" rtlCol="0" anchor="b"/>
+          <a:lstStyle>
+            <a:lvl1pPr algn="l">
+              <a:defRPr sz="1200"/>
+            </a:lvl1pPr>
+          </a:lstStyle>
+          <a:p>
+            <a:endParaRPr kumimoji="1" lang="zh-CN" altLang="en-US"/>
+          </a:p>
+        </p:txBody>
+      </p:sp>
+      <p:sp>
+        <p:nvSpPr>
+          <p:cNvPr id="7" name="幻灯片编号占位符 6"/>
+          <p:cNvSpPr>
+            <a:spLocks noGrp="1"/>
+          </p:cNvSpPr>
+          <p:nvPr>
+            <p:ph type="sldNum" sz="quarter" idx="5"/>
+          </p:nvPr>
+        </p:nvSpPr>
+        <p:spPr>
+          <a:xfrm>
+            <a:off x="3884613" y="8685213"/>
+            <a:ext cx="2971800" cy="458787"/>
+          </a:xfrm>
+          <a:prstGeom prst="rect">
+            <a:avLst/>
+          </a:prstGeom>
+        </p:spPr>
+        <p:txBody>
+          <a:bodyPr vert="horz" lIns="91440" tIns="45720" rIns="91440" bIns="45720" rtlCol="0" anchor="b"/>
+          <a:lstStyle>
+            <a:lvl1pPr algn="r">
+              <a:defRPr sz="1200"/>
+            </a:lvl1pPr>
+          </a:lstStyle>
+          <a:p>
+            <a:fld id="{53B69CCA-59EC-DD49-B073-1A9329CD91D6}" type="slidenum">
+              <a:rPr kumimoji="1" lang="zh-CN" altLang="en-US" smtClean="0"/>
+              <a:t>‹#›</a:t>
+            </a:fld>
+            <a:endParaRPr kumimoji="1" lang="zh-CN" altLang="en-US"/>
+          </a:p>
+        </p:txBody>
+      </p:sp>
+    </p:spTree>
+    <p:extLst>
+      <p:ext uri="{BB962C8B-B14F-4D97-AF65-F5344CB8AC3E}">
+        <p14:creationId xmlns:p14="http://schemas.microsoft.com/office/powerpoint/2010/main" val="624836340"/>
+      </p:ext>
+    </p:extLst>
+  </p:cSld>
+  <p:clrMap bg1="lt1" tx1="dk1" bg2="lt2" tx2="dk2" accent1="accent1" accent2="accent2" accent3="accent3" accent4="accent4" accent5="accent5" accent6="accent6" hlink="hlink" folHlink="folHlink"/>
+  <p:notesStyle>
+    <a:lvl1pPr marL="0" algn="l" defTabSz="914400" rtl="0" eaLnBrk="1" latinLnBrk="0" hangingPunct="1">
+      <a:defRPr sz="1200" kern="1200">
+        <a:solidFill>
+          <a:schemeClr val="tx1"/>
+        </a:solidFill>
+        <a:latin typeface="+mn-lt"/>
+        <a:ea typeface="+mn-ea"/>
+        <a:cs typeface="+mn-cs"/>
+      </a:defRPr>
+    </a:lvl1pPr>
+    <a:lvl2pPr marL="457200" algn="l" defTabSz="914400" rtl="0" eaLnBrk="1" latinLnBrk="0" hangingPunct="1">
+      <a:defRPr sz="1200" kern="1200">
+        <a:solidFill>
+          <a:schemeClr val="tx1"/>
+        </a:solidFill>
+        <a:latin typeface="+mn-lt"/>
+        <a:ea typeface="+mn-ea"/>
+        <a:cs typeface="+mn-cs"/>
+      </a:defRPr>
+    </a:lvl2pPr>
+    <a:lvl3pPr marL="914400" algn="l" defTabSz="914400" rtl="0" eaLnBrk="1" latinLnBrk="0" hangingPunct="1">
+      <a:defRPr sz="1200" kern="1200">
+        <a:solidFill>
+          <a:schemeClr val="tx1"/>
+        </a:solidFill>
+        <a:latin typeface="+mn-lt"/>
+        <a:ea typeface="+mn-ea"/>
+        <a:cs typeface="+mn-cs"/>
+      </a:defRPr>
+    </a:lvl3pPr>
+    <a:lvl4pPr marL="1371600" algn="l" defTabSz="914400" rtl="0" eaLnBrk="1" latinLnBrk="0" hangingPunct="1">
+      <a:defRPr sz="1200" kern="1200">
+        <a:solidFill>
+          <a:schemeClr val="tx1"/>
+        </a:solidFill>
+        <a:latin typeface="+mn-lt"/>
+        <a:ea typeface="+mn-ea"/>
+        <a:cs typeface="+mn-cs"/>
+      </a:defRPr>
+    </a:lvl4pPr>
+    <a:lvl5pPr marL="1828800" algn="l" defTabSz="914400" rtl="0" eaLnBrk="1" latinLnBrk="0" hangingPunct="1">
+      <a:defRPr sz="1200" kern="1200">
+        <a:solidFill>
+          <a:schemeClr val="tx1"/>
+        </a:solidFill>
+        <a:latin typeface="+mn-lt"/>
+        <a:ea typeface="+mn-ea"/>
+        <a:cs typeface="+mn-cs"/>
+      </a:defRPr>
+    </a:lvl5pPr>
+    <a:lvl6pPr marL="2286000" algn="l" defTabSz="914400" rtl="0" eaLnBrk="1" latinLnBrk="0" hangingPunct="1">
+      <a:defRPr sz="1200" kern="1200">
+        <a:solidFill>
+          <a:schemeClr val="tx1"/>
+        </a:solidFill>
+        <a:latin typeface="+mn-lt"/>
+        <a:ea typeface="+mn-ea"/>
+        <a:cs typeface="+mn-cs"/>
+      </a:defRPr>
+    </a:lvl6pPr>
+    <a:lvl7pPr marL="2743200" algn="l" defTabSz="914400" rtl="0" eaLnBrk="1" latinLnBrk="0" hangingPunct="1">
+      <a:defRPr sz="1200" kern="1200">
+        <a:solidFill>
+          <a:schemeClr val="tx1"/>
+        </a:solidFill>
+        <a:latin typeface="+mn-lt"/>
+        <a:ea typeface="+mn-ea"/>
+        <a:cs typeface="+mn-cs"/>
+      </a:defRPr>
+    </a:lvl7pPr>
+    <a:lvl8pPr marL="3200400" algn="l" defTabSz="914400" rtl="0" eaLnBrk="1" latinLnBrk="0" hangingPunct="1">
+      <a:defRPr sz="1200" kern="1200">
+        <a:solidFill>
+          <a:schemeClr val="tx1"/>
+        </a:solidFill>
+        <a:latin typeface="+mn-lt"/>
+        <a:ea typeface="+mn-ea"/>
+        <a:cs typeface="+mn-cs"/>
+      </a:defRPr>
+    </a:lvl8pPr>
+    <a:lvl9pPr marL="3657600" algn="l" defTabSz="914400" rtl="0" eaLnBrk="1" latinLnBrk="0" hangingPunct="1">
+      <a:defRPr sz="1200" kern="1200">
+        <a:solidFill>
+          <a:schemeClr val="tx1"/>
+        </a:solidFill>
+        <a:latin typeface="+mn-lt"/>
+        <a:ea typeface="+mn-ea"/>
+        <a:cs typeface="+mn-cs"/>
+      </a:defRPr>
+    </a:lvl9pPr>
+  </p:notesStyle>
+</p:notesMaster>
 </file>
 
 <file path=ppt/slideLayouts/slideLayout1.xml><?xml version="1.0" encoding="utf-8"?>
@@ -278,7 +5771,7 @@
           <a:p>
             <a:fld id="{48A87A34-81AB-432B-8DAE-1953F412C126}" type="datetimeFigureOut">
               <a:rPr lang="en-US" dirty="0"/>
-              <a:t>9/7/2017</a:t>
+              <a:t>9/7/17</a:t>
             </a:fld>
             <a:endParaRPr lang="en-US" dirty="0"/>
           </a:p>
@@ -540,7 +6033,7 @@
           <a:p>
             <a:fld id="{48A87A34-81AB-432B-8DAE-1953F412C126}" type="datetimeFigureOut">
               <a:rPr lang="en-US" dirty="0"/>
-              <a:t>9/7/2017</a:t>
+              <a:t>9/7/17</a:t>
             </a:fld>
             <a:endParaRPr lang="en-US" dirty="0"/>
           </a:p>
@@ -767,7 +6260,7 @@
             <a:fld id="{48A87A34-81AB-432B-8DAE-1953F412C126}" type="datetimeFigureOut">
               <a:rPr lang="en-US" dirty="0"/>
               <a:pPr/>
-              <a:t>9/7/2017</a:t>
+              <a:t>9/7/17</a:t>
             </a:fld>
             <a:endParaRPr lang="en-US" dirty="0"/>
           </a:p>
@@ -1073,7 +6566,7 @@
             <a:fld id="{48A87A34-81AB-432B-8DAE-1953F412C126}" type="datetimeFigureOut">
               <a:rPr lang="en-US" dirty="0"/>
               <a:pPr/>
-              <a:t>9/7/2017</a:t>
+              <a:t>9/7/17</a:t>
             </a:fld>
             <a:endParaRPr lang="en-US" dirty="0"/>
           </a:p>
@@ -1542,7 +7035,7 @@
             <a:fld id="{48A87A34-81AB-432B-8DAE-1953F412C126}" type="datetimeFigureOut">
               <a:rPr lang="en-US" dirty="0"/>
               <a:pPr/>
-              <a:t>9/7/2017</a:t>
+              <a:t>9/7/17</a:t>
             </a:fld>
             <a:endParaRPr lang="en-US" dirty="0"/>
           </a:p>
@@ -2084,7 +7577,7 @@
           <a:p>
             <a:fld id="{48A87A34-81AB-432B-8DAE-1953F412C126}" type="datetimeFigureOut">
               <a:rPr lang="en-US" dirty="0"/>
-              <a:t>9/7/2017</a:t>
+              <a:t>9/7/17</a:t>
             </a:fld>
             <a:endParaRPr lang="en-US" dirty="0"/>
           </a:p>
@@ -2853,7 +8346,7 @@
           <a:p>
             <a:fld id="{48A87A34-81AB-432B-8DAE-1953F412C126}" type="datetimeFigureOut">
               <a:rPr lang="en-US" dirty="0"/>
-              <a:t>9/7/2017</a:t>
+              <a:t>9/7/17</a:t>
             </a:fld>
             <a:endParaRPr lang="en-US" dirty="0"/>
           </a:p>
@@ -3023,7 +8516,7 @@
           <a:p>
             <a:fld id="{48A87A34-81AB-432B-8DAE-1953F412C126}" type="datetimeFigureOut">
               <a:rPr lang="en-US" dirty="0"/>
-              <a:t>9/7/2017</a:t>
+              <a:t>9/7/17</a:t>
             </a:fld>
             <a:endParaRPr lang="en-US" dirty="0"/>
           </a:p>
@@ -3242,7 +8735,7 @@
             <a:fld id="{48A87A34-81AB-432B-8DAE-1953F412C126}" type="datetimeFigureOut">
               <a:rPr lang="en-US" dirty="0"/>
               <a:pPr/>
-              <a:t>9/7/2017</a:t>
+              <a:t>9/7/17</a:t>
             </a:fld>
             <a:endParaRPr lang="en-US" dirty="0"/>
           </a:p>
@@ -3455,7 +8948,7 @@
           <a:p>
             <a:fld id="{48A87A34-81AB-432B-8DAE-1953F412C126}" type="datetimeFigureOut">
               <a:rPr lang="en-US" dirty="0"/>
-              <a:t>9/7/2017</a:t>
+              <a:t>9/7/17</a:t>
             </a:fld>
             <a:endParaRPr lang="en-US" dirty="0"/>
           </a:p>
@@ -3740,7 +9233,7 @@
             <a:fld id="{48A87A34-81AB-432B-8DAE-1953F412C126}" type="datetimeFigureOut">
               <a:rPr lang="en-US" dirty="0"/>
               <a:pPr/>
-              <a:t>9/7/2017</a:t>
+              <a:t>9/7/17</a:t>
             </a:fld>
             <a:endParaRPr lang="en-US" dirty="0"/>
           </a:p>
@@ -3977,7 +9470,7 @@
           <a:p>
             <a:fld id="{48A87A34-81AB-432B-8DAE-1953F412C126}" type="datetimeFigureOut">
               <a:rPr lang="en-US" dirty="0"/>
-              <a:t>9/7/2017</a:t>
+              <a:t>9/7/17</a:t>
             </a:fld>
             <a:endParaRPr lang="en-US" dirty="0"/>
           </a:p>
@@ -4351,7 +9844,7 @@
           <a:p>
             <a:fld id="{48A87A34-81AB-432B-8DAE-1953F412C126}" type="datetimeFigureOut">
               <a:rPr lang="en-US" dirty="0"/>
-              <a:t>9/7/2017</a:t>
+              <a:t>9/7/17</a:t>
             </a:fld>
             <a:endParaRPr lang="en-US" dirty="0"/>
           </a:p>
@@ -4464,7 +9957,7 @@
           <a:p>
             <a:fld id="{48A87A34-81AB-432B-8DAE-1953F412C126}" type="datetimeFigureOut">
               <a:rPr lang="en-US" dirty="0"/>
-              <a:t>9/7/2017</a:t>
+              <a:t>9/7/17</a:t>
             </a:fld>
             <a:endParaRPr lang="en-US" dirty="0"/>
           </a:p>
@@ -4554,7 +10047,7 @@
           <a:p>
             <a:fld id="{48A87A34-81AB-432B-8DAE-1953F412C126}" type="datetimeFigureOut">
               <a:rPr lang="en-US" dirty="0"/>
-              <a:t>9/7/2017</a:t>
+              <a:t>9/7/17</a:t>
             </a:fld>
             <a:endParaRPr lang="en-US" dirty="0"/>
           </a:p>
@@ -4798,7 +10291,7 @@
           <a:p>
             <a:fld id="{48A87A34-81AB-432B-8DAE-1953F412C126}" type="datetimeFigureOut">
               <a:rPr lang="en-US" dirty="0"/>
-              <a:t>9/7/2017</a:t>
+              <a:t>9/7/17</a:t>
             </a:fld>
             <a:endParaRPr lang="en-US" dirty="0"/>
           </a:p>
@@ -5050,7 +10543,7 @@
           <a:p>
             <a:fld id="{48A87A34-81AB-432B-8DAE-1953F412C126}" type="datetimeFigureOut">
               <a:rPr lang="en-US" dirty="0"/>
-              <a:t>9/7/2017</a:t>
+              <a:t>9/7/17</a:t>
             </a:fld>
             <a:endParaRPr lang="en-US" dirty="0"/>
           </a:p>
@@ -5289,7 +10782,7 @@
             <a:fld id="{48A87A34-81AB-432B-8DAE-1953F412C126}" type="datetimeFigureOut">
               <a:rPr lang="en-US" dirty="0"/>
               <a:pPr/>
-              <a:t>9/7/2017</a:t>
+              <a:t>9/7/17</a:t>
             </a:fld>
             <a:endParaRPr lang="en-US" dirty="0"/>
           </a:p>
@@ -5867,6 +11360,174 @@
 </p:sld>
 </file>
 
+<file path=ppt/slides/slide10.xml><?xml version="1.0" encoding="utf-8"?>
+<p:sld xmlns:a="http://schemas.openxmlformats.org/drawingml/2006/main" xmlns:r="http://schemas.openxmlformats.org/officeDocument/2006/relationships" xmlns:p="http://schemas.openxmlformats.org/presentationml/2006/main">
+  <p:cSld>
+    <p:spTree>
+      <p:nvGrpSpPr>
+        <p:cNvPr id="1" name=""/>
+        <p:cNvGrpSpPr/>
+        <p:nvPr/>
+      </p:nvGrpSpPr>
+      <p:grpSpPr>
+        <a:xfrm>
+          <a:off x="0" y="0"/>
+          <a:ext cx="0" cy="0"/>
+          <a:chOff x="0" y="0"/>
+          <a:chExt cx="0" cy="0"/>
+        </a:xfrm>
+      </p:grpSpPr>
+      <p:sp>
+        <p:nvSpPr>
+          <p:cNvPr id="2" name="标题 1"/>
+          <p:cNvSpPr>
+            <a:spLocks noGrp="1"/>
+          </p:cNvSpPr>
+          <p:nvPr>
+            <p:ph type="title"/>
+          </p:nvPr>
+        </p:nvSpPr>
+        <p:spPr/>
+        <p:txBody>
+          <a:bodyPr/>
+          <a:lstStyle/>
+          <a:p>
+            <a:r>
+              <a:rPr kumimoji="1" lang="zh-CN" altLang="en-US" dirty="0" smtClean="0"/>
+              <a:t>调试中出现的问题</a:t>
+            </a:r>
+            <a:endParaRPr kumimoji="1" lang="zh-CN" altLang="en-US" dirty="0"/>
+          </a:p>
+        </p:txBody>
+      </p:sp>
+      <p:sp>
+        <p:nvSpPr>
+          <p:cNvPr id="3" name="内容占位符 2"/>
+          <p:cNvSpPr>
+            <a:spLocks noGrp="1"/>
+          </p:cNvSpPr>
+          <p:nvPr>
+            <p:ph idx="1"/>
+          </p:nvPr>
+        </p:nvSpPr>
+        <p:spPr/>
+        <p:txBody>
+          <a:bodyPr/>
+          <a:lstStyle/>
+          <a:p>
+            <a:r>
+              <a:rPr kumimoji="1" lang="en-US" altLang="zh-CN" dirty="0" smtClean="0"/>
+              <a:t>HC-05</a:t>
+            </a:r>
+            <a:r>
+              <a:rPr kumimoji="1" lang="zh-CN" altLang="en-US" dirty="0" smtClean="0"/>
+              <a:t>主从一体蓝牙串口模块</a:t>
+            </a:r>
+            <a:endParaRPr kumimoji="1" lang="en-US" altLang="zh-CN" dirty="0" smtClean="0"/>
+          </a:p>
+          <a:p>
+            <a:r>
+              <a:rPr kumimoji="1" lang="zh-CN" altLang="en-US" dirty="0" smtClean="0"/>
+              <a:t>波特率</a:t>
+            </a:r>
+            <a:r>
+              <a:rPr kumimoji="1" lang="en-US" altLang="zh-CN" dirty="0" smtClean="0"/>
+              <a:t>921600</a:t>
+            </a:r>
+            <a:r>
+              <a:rPr kumimoji="1" lang="zh-CN" altLang="en-US" dirty="0" smtClean="0"/>
+              <a:t> ≈ </a:t>
+            </a:r>
+            <a:r>
+              <a:rPr kumimoji="1" lang="en-US" altLang="zh-CN" dirty="0" smtClean="0"/>
+              <a:t>11µs</a:t>
+            </a:r>
+            <a:r>
+              <a:rPr kumimoji="1" lang="zh-CN" altLang="en-US" dirty="0" smtClean="0"/>
+              <a:t> </a:t>
+            </a:r>
+            <a:r>
+              <a:rPr kumimoji="1" lang="en-US" altLang="zh-CN" dirty="0" smtClean="0"/>
+              <a:t>per</a:t>
+            </a:r>
+            <a:r>
+              <a:rPr kumimoji="1" lang="zh-CN" altLang="en-US" dirty="0" smtClean="0"/>
+              <a:t> </a:t>
+            </a:r>
+            <a:r>
+              <a:rPr kumimoji="1" lang="en-US" altLang="zh-CN" dirty="0" smtClean="0"/>
+              <a:t>byte</a:t>
+            </a:r>
+            <a:r>
+              <a:rPr kumimoji="1" lang="zh-CN" altLang="en-US" dirty="0" smtClean="0"/>
+              <a:t> ≈ </a:t>
+            </a:r>
+            <a:r>
+              <a:rPr kumimoji="1" lang="en-US" altLang="zh-CN" dirty="0" smtClean="0"/>
+              <a:t>3.3s</a:t>
+            </a:r>
+            <a:r>
+              <a:rPr kumimoji="1" lang="zh-CN" altLang="en-US" dirty="0" smtClean="0"/>
+              <a:t> </a:t>
+            </a:r>
+            <a:r>
+              <a:rPr kumimoji="1" lang="en-US" altLang="zh-CN" dirty="0" smtClean="0"/>
+              <a:t>per</a:t>
+            </a:r>
+            <a:r>
+              <a:rPr kumimoji="1" lang="zh-CN" altLang="en-US" dirty="0" smtClean="0"/>
+              <a:t> </a:t>
+            </a:r>
+            <a:r>
+              <a:rPr kumimoji="1" lang="en-US" altLang="zh-CN" dirty="0" smtClean="0"/>
+              <a:t>QVGA</a:t>
+            </a:r>
+            <a:r>
+              <a:rPr kumimoji="1" lang="zh-CN" altLang="en-US" dirty="0" smtClean="0"/>
+              <a:t> </a:t>
+            </a:r>
+            <a:r>
+              <a:rPr kumimoji="1" lang="en-US" altLang="zh-CN" dirty="0" smtClean="0"/>
+              <a:t>frame</a:t>
+            </a:r>
+          </a:p>
+          <a:p>
+            <a:r>
+              <a:rPr kumimoji="1" lang="zh-CN" altLang="en-US" dirty="0" smtClean="0"/>
+              <a:t>波特率不影响</a:t>
+            </a:r>
+            <a:r>
+              <a:rPr kumimoji="1" lang="en-US" altLang="zh-CN" dirty="0" smtClean="0"/>
+              <a:t>RFCOMM</a:t>
+            </a:r>
+            <a:r>
+              <a:rPr kumimoji="1" lang="zh-CN" altLang="en-US" dirty="0" smtClean="0"/>
+              <a:t>实际数据吞吐量</a:t>
+            </a:r>
+            <a:endParaRPr kumimoji="1" lang="en-US" altLang="zh-CN" dirty="0" smtClean="0"/>
+          </a:p>
+          <a:p>
+            <a:r>
+              <a:rPr kumimoji="1" lang="zh-CN" altLang="en-US" dirty="0" smtClean="0"/>
+              <a:t>数据吞吐量过大时传输不稳定</a:t>
+            </a:r>
+            <a:endParaRPr kumimoji="1" lang="zh-CN" altLang="en-US" dirty="0"/>
+          </a:p>
+        </p:txBody>
+      </p:sp>
+    </p:spTree>
+    <p:extLst>
+      <p:ext uri="{BB962C8B-B14F-4D97-AF65-F5344CB8AC3E}">
+        <p14:creationId xmlns:p14="http://schemas.microsoft.com/office/powerpoint/2010/main" val="2049753497"/>
+      </p:ext>
+    </p:extLst>
+  </p:cSld>
+  <p:clrMapOvr>
+    <a:masterClrMapping/>
+  </p:clrMapOvr>
+</p:sld>
+</file>
+
 <file path=ppt/slides/slide2.xml><?xml version="1.0" encoding="utf-8"?>
 <p:sld xmlns:a="http://schemas.openxmlformats.org/drawingml/2006/main" xmlns:r="http://schemas.openxmlformats.org/officeDocument/2006/relationships" xmlns:p="http://schemas.openxmlformats.org/presentationml/2006/main">
   <p:cSld>
@@ -5995,6 +11656,864 @@
     <p:extLst>
       <p:ext uri="{BB962C8B-B14F-4D97-AF65-F5344CB8AC3E}">
         <p14:creationId xmlns:p14="http://schemas.microsoft.com/office/powerpoint/2010/main" val="3728269593"/>
+      </p:ext>
+    </p:extLst>
+  </p:cSld>
+  <p:clrMapOvr>
+    <a:masterClrMapping/>
+  </p:clrMapOvr>
+</p:sld>
+</file>
+
+<file path=ppt/slides/slide3.xml><?xml version="1.0" encoding="utf-8"?>
+<p:sld xmlns:a="http://schemas.openxmlformats.org/drawingml/2006/main" xmlns:r="http://schemas.openxmlformats.org/officeDocument/2006/relationships" xmlns:p="http://schemas.openxmlformats.org/presentationml/2006/main">
+  <p:cSld>
+    <p:spTree>
+      <p:nvGrpSpPr>
+        <p:cNvPr id="1" name=""/>
+        <p:cNvGrpSpPr/>
+        <p:nvPr/>
+      </p:nvGrpSpPr>
+      <p:grpSpPr>
+        <a:xfrm>
+          <a:off x="0" y="0"/>
+          <a:ext cx="0" cy="0"/>
+          <a:chOff x="0" y="0"/>
+          <a:chExt cx="0" cy="0"/>
+        </a:xfrm>
+      </p:grpSpPr>
+      <p:sp>
+        <p:nvSpPr>
+          <p:cNvPr id="2" name="标题 1"/>
+          <p:cNvSpPr>
+            <a:spLocks noGrp="1"/>
+          </p:cNvSpPr>
+          <p:nvPr>
+            <p:ph type="title"/>
+          </p:nvPr>
+        </p:nvSpPr>
+        <p:spPr/>
+        <p:txBody>
+          <a:bodyPr/>
+          <a:lstStyle/>
+          <a:p>
+            <a:r>
+              <a:rPr kumimoji="1" lang="zh-CN" altLang="en-US" dirty="0" smtClean="0"/>
+              <a:t>项目背景 </a:t>
+            </a:r>
+            <a:endParaRPr kumimoji="1" lang="zh-CN" altLang="en-US" dirty="0"/>
+          </a:p>
+        </p:txBody>
+      </p:sp>
+      <p:sp>
+        <p:nvSpPr>
+          <p:cNvPr id="3" name="内容占位符 2"/>
+          <p:cNvSpPr>
+            <a:spLocks noGrp="1"/>
+          </p:cNvSpPr>
+          <p:nvPr>
+            <p:ph idx="1"/>
+          </p:nvPr>
+        </p:nvSpPr>
+        <p:spPr/>
+        <p:txBody>
+          <a:bodyPr/>
+          <a:lstStyle/>
+          <a:p>
+            <a:r>
+              <a:rPr kumimoji="1" lang="zh-CN" altLang="en-US" dirty="0" smtClean="0"/>
+              <a:t>在小车上加装图像传感器和其他场地检测装置，采集环境信息</a:t>
+            </a:r>
+            <a:endParaRPr kumimoji="1" lang="en-US" altLang="zh-CN" dirty="0" smtClean="0"/>
+          </a:p>
+          <a:p>
+            <a:r>
+              <a:rPr kumimoji="1" lang="zh-CN" altLang="en-US" dirty="0" smtClean="0"/>
+              <a:t>方便人员远程控制，可进入危险场合作业</a:t>
+            </a:r>
+            <a:endParaRPr kumimoji="1" lang="en-US" altLang="zh-CN" dirty="0" smtClean="0"/>
+          </a:p>
+          <a:p>
+            <a:r>
+              <a:rPr kumimoji="1" lang="zh-CN" altLang="en-US" dirty="0" smtClean="0"/>
+              <a:t>采集到的信息可以进一步处理</a:t>
+            </a:r>
+            <a:endParaRPr kumimoji="1" lang="zh-CN" altLang="en-US" dirty="0"/>
+          </a:p>
+        </p:txBody>
+      </p:sp>
+    </p:spTree>
+    <p:extLst>
+      <p:ext uri="{BB962C8B-B14F-4D97-AF65-F5344CB8AC3E}">
+        <p14:creationId xmlns:p14="http://schemas.microsoft.com/office/powerpoint/2010/main" val="469329588"/>
+      </p:ext>
+    </p:extLst>
+  </p:cSld>
+  <p:clrMapOvr>
+    <a:masterClrMapping/>
+  </p:clrMapOvr>
+</p:sld>
+</file>
+
+<file path=ppt/slides/slide4.xml><?xml version="1.0" encoding="utf-8"?>
+<p:sld xmlns:a="http://schemas.openxmlformats.org/drawingml/2006/main" xmlns:r="http://schemas.openxmlformats.org/officeDocument/2006/relationships" xmlns:p="http://schemas.openxmlformats.org/presentationml/2006/main">
+  <p:cSld>
+    <p:spTree>
+      <p:nvGrpSpPr>
+        <p:cNvPr id="1" name=""/>
+        <p:cNvGrpSpPr/>
+        <p:nvPr/>
+      </p:nvGrpSpPr>
+      <p:grpSpPr>
+        <a:xfrm>
+          <a:off x="0" y="0"/>
+          <a:ext cx="0" cy="0"/>
+          <a:chOff x="0" y="0"/>
+          <a:chExt cx="0" cy="0"/>
+        </a:xfrm>
+      </p:grpSpPr>
+      <p:sp>
+        <p:nvSpPr>
+          <p:cNvPr id="2" name="标题 1"/>
+          <p:cNvSpPr>
+            <a:spLocks noGrp="1"/>
+          </p:cNvSpPr>
+          <p:nvPr>
+            <p:ph type="title"/>
+          </p:nvPr>
+        </p:nvSpPr>
+        <p:spPr/>
+        <p:txBody>
+          <a:bodyPr/>
+          <a:lstStyle/>
+          <a:p>
+            <a:r>
+              <a:rPr kumimoji="1" lang="zh-CN" altLang="en-US" dirty="0" smtClean="0"/>
+              <a:t>数电部分</a:t>
+            </a:r>
+            <a:endParaRPr kumimoji="1" lang="zh-CN" altLang="en-US" dirty="0"/>
+          </a:p>
+        </p:txBody>
+      </p:sp>
+      <p:graphicFrame>
+        <p:nvGraphicFramePr>
+          <p:cNvPr id="4" name="内容占位符 3"/>
+          <p:cNvGraphicFramePr>
+            <a:graphicFrameLocks noGrp="1"/>
+          </p:cNvGraphicFramePr>
+          <p:nvPr>
+            <p:ph idx="1"/>
+            <p:extLst>
+              <p:ext uri="{D42A27DB-BD31-4B8C-83A1-F6EECF244321}">
+                <p14:modId xmlns:p14="http://schemas.microsoft.com/office/powerpoint/2010/main" val="1736278438"/>
+              </p:ext>
+            </p:extLst>
+          </p:nvPr>
+        </p:nvGraphicFramePr>
+        <p:xfrm>
+          <a:off x="685800" y="2193925"/>
+          <a:ext cx="10820400" cy="4024313"/>
+        </p:xfrm>
+        <a:graphic>
+          <a:graphicData uri="http://schemas.openxmlformats.org/drawingml/2006/diagram">
+            <dgm:relIds xmlns:dgm="http://schemas.openxmlformats.org/drawingml/2006/diagram" xmlns:r="http://schemas.openxmlformats.org/officeDocument/2006/relationships" r:dm="rId2" r:lo="rId3" r:qs="rId4" r:cs="rId5"/>
+          </a:graphicData>
+        </a:graphic>
+      </p:graphicFrame>
+    </p:spTree>
+    <p:extLst>
+      <p:ext uri="{BB962C8B-B14F-4D97-AF65-F5344CB8AC3E}">
+        <p14:creationId xmlns:p14="http://schemas.microsoft.com/office/powerpoint/2010/main" val="1990504583"/>
+      </p:ext>
+    </p:extLst>
+  </p:cSld>
+  <p:clrMapOvr>
+    <a:masterClrMapping/>
+  </p:clrMapOvr>
+</p:sld>
+</file>
+
+<file path=ppt/slides/slide5.xml><?xml version="1.0" encoding="utf-8"?>
+<p:sld xmlns:a="http://schemas.openxmlformats.org/drawingml/2006/main" xmlns:r="http://schemas.openxmlformats.org/officeDocument/2006/relationships" xmlns:p="http://schemas.openxmlformats.org/presentationml/2006/main">
+  <p:cSld>
+    <p:spTree>
+      <p:nvGrpSpPr>
+        <p:cNvPr id="1" name=""/>
+        <p:cNvGrpSpPr/>
+        <p:nvPr/>
+      </p:nvGrpSpPr>
+      <p:grpSpPr>
+        <a:xfrm>
+          <a:off x="0" y="0"/>
+          <a:ext cx="0" cy="0"/>
+          <a:chOff x="0" y="0"/>
+          <a:chExt cx="0" cy="0"/>
+        </a:xfrm>
+      </p:grpSpPr>
+      <p:sp>
+        <p:nvSpPr>
+          <p:cNvPr id="2" name="标题 1"/>
+          <p:cNvSpPr>
+            <a:spLocks noGrp="1"/>
+          </p:cNvSpPr>
+          <p:nvPr>
+            <p:ph type="title"/>
+          </p:nvPr>
+        </p:nvSpPr>
+        <p:spPr/>
+        <p:txBody>
+          <a:bodyPr/>
+          <a:lstStyle/>
+          <a:p>
+            <a:r>
+              <a:rPr kumimoji="1" lang="zh-CN" altLang="en-US" dirty="0" smtClean="0"/>
+              <a:t>通用异步收发器</a:t>
+            </a:r>
+            <a:endParaRPr kumimoji="1" lang="zh-CN" altLang="en-US" dirty="0"/>
+          </a:p>
+        </p:txBody>
+      </p:sp>
+      <p:sp>
+        <p:nvSpPr>
+          <p:cNvPr id="3" name="内容占位符 2"/>
+          <p:cNvSpPr>
+            <a:spLocks noGrp="1"/>
+          </p:cNvSpPr>
+          <p:nvPr>
+            <p:ph idx="1"/>
+          </p:nvPr>
+        </p:nvSpPr>
+        <p:spPr/>
+        <p:txBody>
+          <a:bodyPr/>
+          <a:lstStyle/>
+          <a:p>
+            <a:r>
+              <a:rPr kumimoji="1" lang="zh-CN" altLang="en-US" dirty="0" smtClean="0"/>
+              <a:t>串口发送</a:t>
+            </a:r>
+            <a:endParaRPr kumimoji="1" lang="en-US" altLang="zh-CN" dirty="0" smtClean="0"/>
+          </a:p>
+          <a:p>
+            <a:pPr lvl="1"/>
+            <a:r>
+              <a:rPr kumimoji="1" lang="zh-CN" altLang="en-US" dirty="0" smtClean="0"/>
+              <a:t>电平触发信号，开始发送</a:t>
+            </a:r>
+            <a:endParaRPr kumimoji="1" lang="en-US" altLang="zh-CN" dirty="0" smtClean="0"/>
+          </a:p>
+          <a:p>
+            <a:pPr lvl="1"/>
+            <a:r>
+              <a:rPr kumimoji="1" lang="zh-CN" altLang="en-US" dirty="0" smtClean="0"/>
+              <a:t>发送完成后产生应答信号</a:t>
+            </a:r>
+            <a:endParaRPr kumimoji="1" lang="en-US" altLang="zh-CN" dirty="0" smtClean="0"/>
+          </a:p>
+          <a:p>
+            <a:r>
+              <a:rPr kumimoji="1" lang="zh-CN" altLang="en-US" dirty="0" smtClean="0"/>
+              <a:t>串口接收</a:t>
+            </a:r>
+            <a:endParaRPr kumimoji="1" lang="en-US" altLang="zh-CN" dirty="0" smtClean="0"/>
+          </a:p>
+          <a:p>
+            <a:pPr lvl="1"/>
+            <a:r>
+              <a:rPr kumimoji="1" lang="zh-CN" altLang="en-US" dirty="0" smtClean="0"/>
+              <a:t>起始位（低电平）触发</a:t>
+            </a:r>
+            <a:endParaRPr kumimoji="1" lang="en-US" altLang="zh-CN" dirty="0" smtClean="0"/>
+          </a:p>
+          <a:p>
+            <a:pPr lvl="1"/>
+            <a:r>
+              <a:rPr kumimoji="1" lang="zh-CN" altLang="en-US" dirty="0" smtClean="0"/>
+              <a:t>接收完成或接收错误产生应答信号</a:t>
+            </a:r>
+            <a:endParaRPr kumimoji="1" lang="en-US" altLang="zh-CN" dirty="0" smtClean="0"/>
+          </a:p>
+          <a:p>
+            <a:pPr lvl="1"/>
+            <a:r>
+              <a:rPr kumimoji="1" lang="zh-CN" altLang="en-US" dirty="0" smtClean="0"/>
+              <a:t>改进：采样降低误码率</a:t>
+            </a:r>
+            <a:endParaRPr kumimoji="1" lang="zh-CN" altLang="en-US" dirty="0"/>
+          </a:p>
+        </p:txBody>
+      </p:sp>
+      <p:pic>
+        <p:nvPicPr>
+          <p:cNvPr id="10" name="图片 9"/>
+          <p:cNvPicPr>
+            <a:picLocks noChangeAspect="1"/>
+          </p:cNvPicPr>
+          <p:nvPr/>
+        </p:nvPicPr>
+        <p:blipFill>
+          <a:blip r:embed="rId2">
+            <a:lum bright="70000" contrast="-70000"/>
+          </a:blip>
+          <a:stretch>
+            <a:fillRect/>
+          </a:stretch>
+        </p:blipFill>
+        <p:spPr>
+          <a:xfrm>
+            <a:off x="0" y="4953765"/>
+            <a:ext cx="12192000" cy="1264920"/>
+          </a:xfrm>
+          <a:prstGeom prst="rect">
+            <a:avLst/>
+          </a:prstGeom>
+        </p:spPr>
+      </p:pic>
+    </p:spTree>
+    <p:extLst>
+      <p:ext uri="{BB962C8B-B14F-4D97-AF65-F5344CB8AC3E}">
+        <p14:creationId xmlns:p14="http://schemas.microsoft.com/office/powerpoint/2010/main" val="1623912030"/>
+      </p:ext>
+    </p:extLst>
+  </p:cSld>
+  <p:clrMapOvr>
+    <a:masterClrMapping/>
+  </p:clrMapOvr>
+</p:sld>
+</file>
+
+<file path=ppt/slides/slide6.xml><?xml version="1.0" encoding="utf-8"?>
+<p:sld xmlns:a="http://schemas.openxmlformats.org/drawingml/2006/main" xmlns:r="http://schemas.openxmlformats.org/officeDocument/2006/relationships" xmlns:p="http://schemas.openxmlformats.org/presentationml/2006/main">
+  <p:cSld>
+    <p:spTree>
+      <p:nvGrpSpPr>
+        <p:cNvPr id="1" name=""/>
+        <p:cNvGrpSpPr/>
+        <p:nvPr/>
+      </p:nvGrpSpPr>
+      <p:grpSpPr>
+        <a:xfrm>
+          <a:off x="0" y="0"/>
+          <a:ext cx="0" cy="0"/>
+          <a:chOff x="0" y="0"/>
+          <a:chExt cx="0" cy="0"/>
+        </a:xfrm>
+      </p:grpSpPr>
+      <p:sp>
+        <p:nvSpPr>
+          <p:cNvPr id="2" name="标题 1"/>
+          <p:cNvSpPr>
+            <a:spLocks noGrp="1"/>
+          </p:cNvSpPr>
+          <p:nvPr>
+            <p:ph type="title"/>
+          </p:nvPr>
+        </p:nvSpPr>
+        <p:spPr/>
+        <p:txBody>
+          <a:bodyPr/>
+          <a:lstStyle/>
+          <a:p>
+            <a:r>
+              <a:rPr kumimoji="1" lang="en-US" altLang="zh-CN" dirty="0" smtClean="0"/>
+              <a:t>CMOS</a:t>
+            </a:r>
+            <a:r>
+              <a:rPr kumimoji="1" lang="zh-CN" altLang="en-US" dirty="0" smtClean="0"/>
+              <a:t>图像传感器</a:t>
+            </a:r>
+            <a:endParaRPr kumimoji="1" lang="zh-CN" altLang="en-US" dirty="0"/>
+          </a:p>
+        </p:txBody>
+      </p:sp>
+      <p:sp>
+        <p:nvSpPr>
+          <p:cNvPr id="3" name="内容占位符 2"/>
+          <p:cNvSpPr>
+            <a:spLocks noGrp="1"/>
+          </p:cNvSpPr>
+          <p:nvPr>
+            <p:ph idx="1"/>
+          </p:nvPr>
+        </p:nvSpPr>
+        <p:spPr/>
+        <p:txBody>
+          <a:bodyPr/>
+          <a:lstStyle/>
+          <a:p>
+            <a:r>
+              <a:rPr kumimoji="1" lang="zh-CN" altLang="en-US" dirty="0" smtClean="0"/>
+              <a:t>初始化寄存器</a:t>
+            </a:r>
+            <a:endParaRPr kumimoji="1" lang="en-US" altLang="zh-CN" dirty="0" smtClean="0"/>
+          </a:p>
+          <a:p>
+            <a:pPr lvl="1"/>
+            <a:r>
+              <a:rPr kumimoji="1" lang="en-US" altLang="zh-CN" dirty="0" smtClean="0"/>
+              <a:t>SCCB</a:t>
+            </a:r>
+            <a:r>
+              <a:rPr kumimoji="1" lang="zh-CN" altLang="en-US" dirty="0" smtClean="0"/>
+              <a:t>协议</a:t>
+            </a:r>
+            <a:endParaRPr kumimoji="1" lang="zh-CN" altLang="en-US" dirty="0"/>
+          </a:p>
+        </p:txBody>
+      </p:sp>
+      <p:pic>
+        <p:nvPicPr>
+          <p:cNvPr id="4" name="图片 3"/>
+          <p:cNvPicPr>
+            <a:picLocks noChangeAspect="1"/>
+          </p:cNvPicPr>
+          <p:nvPr/>
+        </p:nvPicPr>
+        <p:blipFill>
+          <a:blip r:embed="rId2"/>
+          <a:stretch>
+            <a:fillRect/>
+          </a:stretch>
+        </p:blipFill>
+        <p:spPr>
+          <a:xfrm>
+            <a:off x="3473450" y="3140206"/>
+            <a:ext cx="5245100" cy="863600"/>
+          </a:xfrm>
+          <a:prstGeom prst="rect">
+            <a:avLst/>
+          </a:prstGeom>
+        </p:spPr>
+      </p:pic>
+      <p:pic>
+        <p:nvPicPr>
+          <p:cNvPr id="5" name="图片 4"/>
+          <p:cNvPicPr>
+            <a:picLocks noChangeAspect="1"/>
+          </p:cNvPicPr>
+          <p:nvPr/>
+        </p:nvPicPr>
+        <p:blipFill>
+          <a:blip r:embed="rId3"/>
+          <a:stretch>
+            <a:fillRect/>
+          </a:stretch>
+        </p:blipFill>
+        <p:spPr>
+          <a:xfrm>
+            <a:off x="2641600" y="4504185"/>
+            <a:ext cx="6908800" cy="1714500"/>
+          </a:xfrm>
+          <a:prstGeom prst="rect">
+            <a:avLst/>
+          </a:prstGeom>
+        </p:spPr>
+      </p:pic>
+    </p:spTree>
+    <p:extLst>
+      <p:ext uri="{BB962C8B-B14F-4D97-AF65-F5344CB8AC3E}">
+        <p14:creationId xmlns:p14="http://schemas.microsoft.com/office/powerpoint/2010/main" val="185454028"/>
+      </p:ext>
+    </p:extLst>
+  </p:cSld>
+  <p:clrMapOvr>
+    <a:masterClrMapping/>
+  </p:clrMapOvr>
+</p:sld>
+</file>
+
+<file path=ppt/slides/slide7.xml><?xml version="1.0" encoding="utf-8"?>
+<p:sld xmlns:a="http://schemas.openxmlformats.org/drawingml/2006/main" xmlns:r="http://schemas.openxmlformats.org/officeDocument/2006/relationships" xmlns:p="http://schemas.openxmlformats.org/presentationml/2006/main">
+  <p:cSld>
+    <p:spTree>
+      <p:nvGrpSpPr>
+        <p:cNvPr id="1" name=""/>
+        <p:cNvGrpSpPr/>
+        <p:nvPr/>
+      </p:nvGrpSpPr>
+      <p:grpSpPr>
+        <a:xfrm>
+          <a:off x="0" y="0"/>
+          <a:ext cx="0" cy="0"/>
+          <a:chOff x="0" y="0"/>
+          <a:chExt cx="0" cy="0"/>
+        </a:xfrm>
+      </p:grpSpPr>
+      <p:sp>
+        <p:nvSpPr>
+          <p:cNvPr id="2" name="标题 1"/>
+          <p:cNvSpPr>
+            <a:spLocks noGrp="1"/>
+          </p:cNvSpPr>
+          <p:nvPr>
+            <p:ph type="title"/>
+          </p:nvPr>
+        </p:nvSpPr>
+        <p:spPr/>
+        <p:txBody>
+          <a:bodyPr/>
+          <a:lstStyle/>
+          <a:p>
+            <a:r>
+              <a:rPr kumimoji="1" lang="en-US" altLang="zh-CN" dirty="0" smtClean="0"/>
+              <a:t>CMOS</a:t>
+            </a:r>
+            <a:r>
+              <a:rPr kumimoji="1" lang="zh-CN" altLang="en-US" dirty="0" smtClean="0"/>
+              <a:t>图像传感器</a:t>
+            </a:r>
+            <a:endParaRPr kumimoji="1" lang="zh-CN" altLang="en-US" dirty="0"/>
+          </a:p>
+        </p:txBody>
+      </p:sp>
+      <p:sp>
+        <p:nvSpPr>
+          <p:cNvPr id="3" name="内容占位符 2"/>
+          <p:cNvSpPr>
+            <a:spLocks noGrp="1"/>
+          </p:cNvSpPr>
+          <p:nvPr>
+            <p:ph idx="1"/>
+          </p:nvPr>
+        </p:nvSpPr>
+        <p:spPr/>
+        <p:txBody>
+          <a:bodyPr/>
+          <a:lstStyle/>
+          <a:p>
+            <a:r>
+              <a:rPr kumimoji="1" lang="zh-CN" altLang="en-US" dirty="0" smtClean="0"/>
+              <a:t>初始化寄存器</a:t>
+            </a:r>
+            <a:endParaRPr kumimoji="1" lang="en-US" altLang="zh-CN" dirty="0" smtClean="0"/>
+          </a:p>
+          <a:p>
+            <a:pPr lvl="1"/>
+            <a:r>
+              <a:rPr kumimoji="1" lang="en-US" altLang="zh-CN" dirty="0" smtClean="0"/>
+              <a:t>SCCB</a:t>
+            </a:r>
+            <a:r>
+              <a:rPr kumimoji="1" lang="zh-CN" altLang="en-US" dirty="0" smtClean="0"/>
+              <a:t>协议</a:t>
+            </a:r>
+            <a:endParaRPr kumimoji="1" lang="zh-CN" altLang="en-US" dirty="0"/>
+          </a:p>
+        </p:txBody>
+      </p:sp>
+      <p:grpSp>
+        <p:nvGrpSpPr>
+          <p:cNvPr id="9" name="组 8"/>
+          <p:cNvGrpSpPr/>
+          <p:nvPr/>
+        </p:nvGrpSpPr>
+        <p:grpSpPr>
+          <a:xfrm>
+            <a:off x="2682875" y="2866773"/>
+            <a:ext cx="6826250" cy="1727200"/>
+            <a:chOff x="685800" y="2965793"/>
+            <a:chExt cx="6826250" cy="1727200"/>
+          </a:xfrm>
+        </p:grpSpPr>
+        <p:pic>
+          <p:nvPicPr>
+            <p:cNvPr id="6" name="图片 5"/>
+            <p:cNvPicPr>
+              <a:picLocks noChangeAspect="1"/>
+            </p:cNvPicPr>
+            <p:nvPr/>
+          </p:nvPicPr>
+          <p:blipFill>
+            <a:blip r:embed="rId2"/>
+            <a:stretch>
+              <a:fillRect/>
+            </a:stretch>
+          </p:blipFill>
+          <p:spPr>
+            <a:xfrm>
+              <a:off x="685800" y="2984843"/>
+              <a:ext cx="2628900" cy="1689100"/>
+            </a:xfrm>
+            <a:prstGeom prst="rect">
+              <a:avLst/>
+            </a:prstGeom>
+          </p:spPr>
+        </p:pic>
+        <p:pic>
+          <p:nvPicPr>
+            <p:cNvPr id="7" name="图片 6"/>
+            <p:cNvPicPr>
+              <a:picLocks noChangeAspect="1"/>
+            </p:cNvPicPr>
+            <p:nvPr/>
+          </p:nvPicPr>
+          <p:blipFill>
+            <a:blip r:embed="rId3"/>
+            <a:stretch>
+              <a:fillRect/>
+            </a:stretch>
+          </p:blipFill>
+          <p:spPr>
+            <a:xfrm>
+              <a:off x="4679950" y="2965793"/>
+              <a:ext cx="2832100" cy="1727200"/>
+            </a:xfrm>
+            <a:prstGeom prst="rect">
+              <a:avLst/>
+            </a:prstGeom>
+          </p:spPr>
+        </p:pic>
+      </p:grpSp>
+      <p:pic>
+        <p:nvPicPr>
+          <p:cNvPr id="8" name="图片 7"/>
+          <p:cNvPicPr>
+            <a:picLocks noChangeAspect="1"/>
+          </p:cNvPicPr>
+          <p:nvPr/>
+        </p:nvPicPr>
+        <p:blipFill>
+          <a:blip r:embed="rId4"/>
+          <a:stretch>
+            <a:fillRect/>
+          </a:stretch>
+        </p:blipFill>
+        <p:spPr>
+          <a:xfrm>
+            <a:off x="2279650" y="5266185"/>
+            <a:ext cx="7632700" cy="952500"/>
+          </a:xfrm>
+          <a:prstGeom prst="rect">
+            <a:avLst/>
+          </a:prstGeom>
+        </p:spPr>
+      </p:pic>
+    </p:spTree>
+    <p:extLst>
+      <p:ext uri="{BB962C8B-B14F-4D97-AF65-F5344CB8AC3E}">
+        <p14:creationId xmlns:p14="http://schemas.microsoft.com/office/powerpoint/2010/main" val="429332550"/>
+      </p:ext>
+    </p:extLst>
+  </p:cSld>
+  <p:clrMapOvr>
+    <a:masterClrMapping/>
+  </p:clrMapOvr>
+</p:sld>
+</file>
+
+<file path=ppt/slides/slide8.xml><?xml version="1.0" encoding="utf-8"?>
+<p:sld xmlns:a="http://schemas.openxmlformats.org/drawingml/2006/main" xmlns:r="http://schemas.openxmlformats.org/officeDocument/2006/relationships" xmlns:p="http://schemas.openxmlformats.org/presentationml/2006/main">
+  <p:cSld>
+    <p:spTree>
+      <p:nvGrpSpPr>
+        <p:cNvPr id="1" name=""/>
+        <p:cNvGrpSpPr/>
+        <p:nvPr/>
+      </p:nvGrpSpPr>
+      <p:grpSpPr>
+        <a:xfrm>
+          <a:off x="0" y="0"/>
+          <a:ext cx="0" cy="0"/>
+          <a:chOff x="0" y="0"/>
+          <a:chExt cx="0" cy="0"/>
+        </a:xfrm>
+      </p:grpSpPr>
+      <p:sp>
+        <p:nvSpPr>
+          <p:cNvPr id="2" name="标题 1"/>
+          <p:cNvSpPr>
+            <a:spLocks noGrp="1"/>
+          </p:cNvSpPr>
+          <p:nvPr>
+            <p:ph type="title"/>
+          </p:nvPr>
+        </p:nvSpPr>
+        <p:spPr/>
+        <p:txBody>
+          <a:bodyPr/>
+          <a:lstStyle/>
+          <a:p>
+            <a:r>
+              <a:rPr kumimoji="1" lang="en-US" altLang="zh-CN" dirty="0" smtClean="0"/>
+              <a:t>CMOS</a:t>
+            </a:r>
+            <a:r>
+              <a:rPr kumimoji="1" lang="zh-CN" altLang="en-US" dirty="0" smtClean="0"/>
+              <a:t>图像传感器</a:t>
+            </a:r>
+            <a:endParaRPr kumimoji="1" lang="zh-CN" altLang="en-US" dirty="0"/>
+          </a:p>
+        </p:txBody>
+      </p:sp>
+      <p:sp>
+        <p:nvSpPr>
+          <p:cNvPr id="3" name="内容占位符 2"/>
+          <p:cNvSpPr>
+            <a:spLocks noGrp="1"/>
+          </p:cNvSpPr>
+          <p:nvPr>
+            <p:ph idx="1"/>
+          </p:nvPr>
+        </p:nvSpPr>
+        <p:spPr/>
+        <p:txBody>
+          <a:bodyPr/>
+          <a:lstStyle/>
+          <a:p>
+            <a:r>
+              <a:rPr kumimoji="1" lang="en-US" altLang="zh-CN" dirty="0" smtClean="0"/>
+              <a:t>FIFO</a:t>
+            </a:r>
+          </a:p>
+          <a:p>
+            <a:pPr lvl="1"/>
+            <a:r>
+              <a:rPr kumimoji="1" lang="zh-CN" altLang="en-US" dirty="0" smtClean="0"/>
+              <a:t>采集图像</a:t>
+            </a:r>
+            <a:endParaRPr kumimoji="1" lang="zh-CN" altLang="en-US" dirty="0"/>
+          </a:p>
+        </p:txBody>
+      </p:sp>
+      <p:pic>
+        <p:nvPicPr>
+          <p:cNvPr id="5" name="图片 4"/>
+          <p:cNvPicPr>
+            <a:picLocks noChangeAspect="1"/>
+          </p:cNvPicPr>
+          <p:nvPr/>
+        </p:nvPicPr>
+        <p:blipFill>
+          <a:blip r:embed="rId2"/>
+          <a:stretch>
+            <a:fillRect/>
+          </a:stretch>
+        </p:blipFill>
+        <p:spPr>
+          <a:xfrm>
+            <a:off x="1059243" y="3197459"/>
+            <a:ext cx="10073513" cy="3021226"/>
+          </a:xfrm>
+          <a:prstGeom prst="rect">
+            <a:avLst/>
+          </a:prstGeom>
+        </p:spPr>
+      </p:pic>
+    </p:spTree>
+    <p:extLst>
+      <p:ext uri="{BB962C8B-B14F-4D97-AF65-F5344CB8AC3E}">
+        <p14:creationId xmlns:p14="http://schemas.microsoft.com/office/powerpoint/2010/main" val="1276941048"/>
+      </p:ext>
+    </p:extLst>
+  </p:cSld>
+  <p:clrMapOvr>
+    <a:masterClrMapping/>
+  </p:clrMapOvr>
+</p:sld>
+</file>
+
+<file path=ppt/slides/slide9.xml><?xml version="1.0" encoding="utf-8"?>
+<p:sld xmlns:a="http://schemas.openxmlformats.org/drawingml/2006/main" xmlns:r="http://schemas.openxmlformats.org/officeDocument/2006/relationships" xmlns:p="http://schemas.openxmlformats.org/presentationml/2006/main">
+  <p:cSld>
+    <p:spTree>
+      <p:nvGrpSpPr>
+        <p:cNvPr id="1" name=""/>
+        <p:cNvGrpSpPr/>
+        <p:nvPr/>
+      </p:nvGrpSpPr>
+      <p:grpSpPr>
+        <a:xfrm>
+          <a:off x="0" y="0"/>
+          <a:ext cx="0" cy="0"/>
+          <a:chOff x="0" y="0"/>
+          <a:chExt cx="0" cy="0"/>
+        </a:xfrm>
+      </p:grpSpPr>
+      <p:sp>
+        <p:nvSpPr>
+          <p:cNvPr id="2" name="标题 1"/>
+          <p:cNvSpPr>
+            <a:spLocks noGrp="1"/>
+          </p:cNvSpPr>
+          <p:nvPr>
+            <p:ph type="title"/>
+          </p:nvPr>
+        </p:nvSpPr>
+        <p:spPr/>
+        <p:txBody>
+          <a:bodyPr/>
+          <a:lstStyle/>
+          <a:p>
+            <a:r>
+              <a:rPr kumimoji="1" lang="en-US" altLang="zh-CN" dirty="0" smtClean="0"/>
+              <a:t>CMOS</a:t>
+            </a:r>
+            <a:r>
+              <a:rPr kumimoji="1" lang="zh-CN" altLang="en-US" dirty="0" smtClean="0"/>
+              <a:t>图像传感器</a:t>
+            </a:r>
+            <a:endParaRPr kumimoji="1" lang="zh-CN" altLang="en-US" dirty="0"/>
+          </a:p>
+        </p:txBody>
+      </p:sp>
+      <p:sp>
+        <p:nvSpPr>
+          <p:cNvPr id="3" name="内容占位符 2"/>
+          <p:cNvSpPr>
+            <a:spLocks noGrp="1"/>
+          </p:cNvSpPr>
+          <p:nvPr>
+            <p:ph idx="1"/>
+          </p:nvPr>
+        </p:nvSpPr>
+        <p:spPr/>
+        <p:txBody>
+          <a:bodyPr/>
+          <a:lstStyle/>
+          <a:p>
+            <a:r>
+              <a:rPr kumimoji="1" lang="en-US" altLang="zh-CN" dirty="0" smtClean="0"/>
+              <a:t>FIFO</a:t>
+            </a:r>
+          </a:p>
+          <a:p>
+            <a:pPr lvl="1"/>
+            <a:r>
+              <a:rPr kumimoji="1" lang="zh-CN" altLang="en-US" dirty="0" smtClean="0"/>
+              <a:t>读取图像</a:t>
+            </a:r>
+            <a:endParaRPr kumimoji="1" lang="zh-CN" altLang="en-US" dirty="0"/>
+          </a:p>
+        </p:txBody>
+      </p:sp>
+      <p:pic>
+        <p:nvPicPr>
+          <p:cNvPr id="6" name="图片 5"/>
+          <p:cNvPicPr>
+            <a:picLocks noChangeAspect="1"/>
+          </p:cNvPicPr>
+          <p:nvPr/>
+        </p:nvPicPr>
+        <p:blipFill>
+          <a:blip r:embed="rId2"/>
+          <a:stretch>
+            <a:fillRect/>
+          </a:stretch>
+        </p:blipFill>
+        <p:spPr>
+          <a:xfrm>
+            <a:off x="2755900" y="1887985"/>
+            <a:ext cx="8750300" cy="4330700"/>
+          </a:xfrm>
+          <a:prstGeom prst="rect">
+            <a:avLst/>
+          </a:prstGeom>
+        </p:spPr>
+      </p:pic>
+    </p:spTree>
+    <p:extLst>
+      <p:ext uri="{BB962C8B-B14F-4D97-AF65-F5344CB8AC3E}">
+        <p14:creationId xmlns:p14="http://schemas.microsoft.com/office/powerpoint/2010/main" val="2010352359"/>
       </p:ext>
     </p:extLst>
   </p:cSld>
@@ -6272,4 +12791,265 @@
     </a:ext>
   </a:extLst>
 </a:theme>
+</file>
+
+<file path=ppt/theme/theme2.xml><?xml version="1.0" encoding="utf-8"?>
+<a:theme xmlns:a="http://schemas.openxmlformats.org/drawingml/2006/main" name="Office 主题">
+  <a:themeElements>
+    <a:clrScheme name="Office">
+      <a:dk1>
+        <a:sysClr val="windowText" lastClr="000000"/>
+      </a:dk1>
+      <a:lt1>
+        <a:sysClr val="window" lastClr="FFFFFF"/>
+      </a:lt1>
+      <a:dk2>
+        <a:srgbClr val="44546A"/>
+      </a:dk2>
+      <a:lt2>
+        <a:srgbClr val="E7E6E6"/>
+      </a:lt2>
+      <a:accent1>
+        <a:srgbClr val="4472C4"/>
+      </a:accent1>
+      <a:accent2>
+        <a:srgbClr val="ED7D31"/>
+      </a:accent2>
+      <a:accent3>
+        <a:srgbClr val="A5A5A5"/>
+      </a:accent3>
+      <a:accent4>
+        <a:srgbClr val="FFC000"/>
+      </a:accent4>
+      <a:accent5>
+        <a:srgbClr val="5B9BD5"/>
+      </a:accent5>
+      <a:accent6>
+        <a:srgbClr val="70AD47"/>
+      </a:accent6>
+      <a:hlink>
+        <a:srgbClr val="0563C1"/>
+      </a:hlink>
+      <a:folHlink>
+        <a:srgbClr val="954F72"/>
+      </a:folHlink>
+    </a:clrScheme>
+    <a:fontScheme name="Office">
+      <a:majorFont>
+        <a:latin typeface="DengXian Light" panose="020F0302020204030204"/>
+        <a:ea typeface=""/>
+        <a:cs typeface=""/>
+        <a:font script="Jpan" typeface="Yu Gothic Light"/>
+        <a:font script="Hang" typeface="맑은 고딕"/>
+        <a:font script="Hans" typeface="DengXian Light"/>
+        <a:font script="Hant" typeface="新細明體"/>
+        <a:font script="Arab" typeface="Times New Roman"/>
+        <a:font script="Hebr" typeface="Times New Roman"/>
+        <a:font script="Thai" typeface="Angsana New"/>
+        <a:font script="Ethi" typeface="Nyala"/>
+        <a:font script="Beng" typeface="Vrinda"/>
+        <a:font script="Gujr" typeface="Shruti"/>
+        <a:font script="Khmr" typeface="MoolBoran"/>
+        <a:font script="Knda" typeface="Tunga"/>
+        <a:font script="Guru" typeface="Raavi"/>
+        <a:font script="Cans" typeface="Euphemia"/>
+        <a:font script="Cher" typeface="Plantagenet Cherokee"/>
+        <a:font script="Yiii" typeface="Microsoft Yi Baiti"/>
+        <a:font script="Tibt" typeface="Microsoft Himalaya"/>
+        <a:font script="Thaa" typeface="MV Boli"/>
+        <a:font script="Deva" typeface="Mangal"/>
+        <a:font script="Telu" typeface="Gautami"/>
+        <a:font script="Taml" typeface="Latha"/>
+        <a:font script="Syrc" typeface="Estrangelo Edessa"/>
+        <a:font script="Orya" typeface="Kalinga"/>
+        <a:font script="Mlym" typeface="Kartika"/>
+        <a:font script="Laoo" typeface="DokChampa"/>
+        <a:font script="Sinh" typeface="Iskoola Pota"/>
+        <a:font script="Mong" typeface="Mongolian Baiti"/>
+        <a:font script="Viet" typeface="Times New Roman"/>
+        <a:font script="Uigh" typeface="Microsoft Uighur"/>
+        <a:font script="Geor" typeface="Sylfaen"/>
+      </a:majorFont>
+      <a:minorFont>
+        <a:latin typeface="DengXian" panose="020F0502020204030204"/>
+        <a:ea typeface=""/>
+        <a:cs typeface=""/>
+        <a:font script="Jpan" typeface="Yu Gothic"/>
+        <a:font script="Hang" typeface="맑은 고딕"/>
+        <a:font script="Hans" typeface="DengXian"/>
+        <a:font script="Hant" typeface="新細明體"/>
+        <a:font script="Arab" typeface="Arial"/>
+        <a:font script="Hebr" typeface="Arial"/>
+        <a:font script="Thai" typeface="Cordia New"/>
+        <a:font script="Ethi" typeface="Nyala"/>
+        <a:font script="Beng" typeface="Vrinda"/>
+        <a:font script="Gujr" typeface="Shruti"/>
+        <a:font script="Khmr" typeface="DaunPenh"/>
+        <a:font script="Knda" typeface="Tunga"/>
+        <a:font script="Guru" typeface="Raavi"/>
+        <a:font script="Cans" typeface="Euphemia"/>
+        <a:font script="Cher" typeface="Plantagenet Cherokee"/>
+        <a:font script="Yiii" typeface="Microsoft Yi Baiti"/>
+        <a:font script="Tibt" typeface="Microsoft Himalaya"/>
+        <a:font script="Thaa" typeface="MV Boli"/>
+        <a:font script="Deva" typeface="Mangal"/>
+        <a:font script="Telu" typeface="Gautami"/>
+        <a:font script="Taml" typeface="Latha"/>
+        <a:font script="Syrc" typeface="Estrangelo Edessa"/>
+        <a:font script="Orya" typeface="Kalinga"/>
+        <a:font script="Mlym" typeface="Kartika"/>
+        <a:font script="Laoo" typeface="DokChampa"/>
+        <a:font script="Sinh" typeface="Iskoola Pota"/>
+        <a:font script="Mong" typeface="Mongolian Baiti"/>
+        <a:font script="Viet" typeface="Arial"/>
+        <a:font script="Uigh" typeface="Microsoft Uighur"/>
+        <a:font script="Geor" typeface="Sylfaen"/>
+      </a:minorFont>
+    </a:fontScheme>
+    <a:fmtScheme name="Office">
+      <a:fillStyleLst>
+        <a:solidFill>
+          <a:schemeClr val="phClr"/>
+        </a:solidFill>
+        <a:gradFill rotWithShape="1">
+          <a:gsLst>
+            <a:gs pos="0">
+              <a:schemeClr val="phClr">
+                <a:lumMod val="110000"/>
+                <a:satMod val="105000"/>
+                <a:tint val="67000"/>
+              </a:schemeClr>
+            </a:gs>
+            <a:gs pos="50000">
+              <a:schemeClr val="phClr">
+                <a:lumMod val="105000"/>
+                <a:satMod val="103000"/>
+                <a:tint val="73000"/>
+              </a:schemeClr>
+            </a:gs>
+            <a:gs pos="100000">
+              <a:schemeClr val="phClr">
+                <a:lumMod val="105000"/>
+                <a:satMod val="109000"/>
+                <a:tint val="81000"/>
+              </a:schemeClr>
+            </a:gs>
+          </a:gsLst>
+          <a:lin ang="5400000" scaled="0"/>
+        </a:gradFill>
+        <a:gradFill rotWithShape="1">
+          <a:gsLst>
+            <a:gs pos="0">
+              <a:schemeClr val="phClr">
+                <a:satMod val="103000"/>
+                <a:lumMod val="102000"/>
+                <a:tint val="94000"/>
+              </a:schemeClr>
+            </a:gs>
+            <a:gs pos="50000">
+              <a:schemeClr val="phClr">
+                <a:satMod val="110000"/>
+                <a:lumMod val="100000"/>
+                <a:shade val="100000"/>
+              </a:schemeClr>
+            </a:gs>
+            <a:gs pos="100000">
+              <a:schemeClr val="phClr">
+                <a:lumMod val="99000"/>
+                <a:satMod val="120000"/>
+                <a:shade val="78000"/>
+              </a:schemeClr>
+            </a:gs>
+          </a:gsLst>
+          <a:lin ang="5400000" scaled="0"/>
+        </a:gradFill>
+      </a:fillStyleLst>
+      <a:lnStyleLst>
+        <a:ln w="6350" cap="flat" cmpd="sng" algn="ctr">
+          <a:solidFill>
+            <a:schemeClr val="phClr"/>
+          </a:solidFill>
+          <a:prstDash val="solid"/>
+          <a:miter lim="800000"/>
+        </a:ln>
+        <a:ln w="12700" cap="flat" cmpd="sng" algn="ctr">
+          <a:solidFill>
+            <a:schemeClr val="phClr"/>
+          </a:solidFill>
+          <a:prstDash val="solid"/>
+          <a:miter lim="800000"/>
+        </a:ln>
+        <a:ln w="19050" cap="flat" cmpd="sng" algn="ctr">
+          <a:solidFill>
+            <a:schemeClr val="phClr"/>
+          </a:solidFill>
+          <a:prstDash val="solid"/>
+          <a:miter lim="800000"/>
+        </a:ln>
+      </a:lnStyleLst>
+      <a:effectStyleLst>
+        <a:effectStyle>
+          <a:effectLst/>
+        </a:effectStyle>
+        <a:effectStyle>
+          <a:effectLst/>
+        </a:effectStyle>
+        <a:effectStyle>
+          <a:effectLst>
+            <a:outerShdw blurRad="57150" dist="19050" dir="5400000" algn="ctr" rotWithShape="0">
+              <a:srgbClr val="000000">
+                <a:alpha val="63000"/>
+              </a:srgbClr>
+            </a:outerShdw>
+          </a:effectLst>
+        </a:effectStyle>
+      </a:effectStyleLst>
+      <a:bgFillStyleLst>
+        <a:solidFill>
+          <a:schemeClr val="phClr"/>
+        </a:solidFill>
+        <a:solidFill>
+          <a:schemeClr val="phClr">
+            <a:tint val="95000"/>
+            <a:satMod val="170000"/>
+          </a:schemeClr>
+        </a:solidFill>
+        <a:gradFill rotWithShape="1">
+          <a:gsLst>
+            <a:gs pos="0">
+              <a:schemeClr val="phClr">
+                <a:tint val="93000"/>
+                <a:satMod val="150000"/>
+                <a:shade val="98000"/>
+                <a:lumMod val="102000"/>
+              </a:schemeClr>
+            </a:gs>
+            <a:gs pos="50000">
+              <a:schemeClr val="phClr">
+                <a:tint val="98000"/>
+                <a:satMod val="130000"/>
+                <a:shade val="90000"/>
+                <a:lumMod val="103000"/>
+              </a:schemeClr>
+            </a:gs>
+            <a:gs pos="100000">
+              <a:schemeClr val="phClr">
+                <a:shade val="63000"/>
+                <a:satMod val="120000"/>
+              </a:schemeClr>
+            </a:gs>
+          </a:gsLst>
+          <a:lin ang="5400000" scaled="0"/>
+        </a:gradFill>
+      </a:bgFillStyleLst>
+    </a:fmtScheme>
+  </a:themeElements>
+  <a:objectDefaults/>
+  <a:extraClrSchemeLst/>
+  <a:extLst>
+    <a:ext uri="{05A4C25C-085E-4340-85A3-A5531E510DB2}">
+      <thm15:themeFamily xmlns:thm15="http://schemas.microsoft.com/office/thememl/2012/main" name="Office Theme" id="{62F939B6-93AF-4DB8-9C6B-D6C7DFDC589F}" vid="{4A3C46E8-61CC-4603-A589-7422A47A8E4A}"/>
+    </a:ext>
+  </a:extLst>
+</a:theme>
 </file>
--- a/report/final/final.pptx
+++ b/report/final/final.pptx
@@ -1,23 +1,28 @@
 
 <file path=ppt/presentation.xml><?xml version="1.0" encoding="utf-8"?>
-<p:presentation xmlns:a="http://schemas.openxmlformats.org/drawingml/2006/main" xmlns:r="http://schemas.openxmlformats.org/officeDocument/2006/relationships" xmlns:p="http://schemas.openxmlformats.org/presentationml/2006/main" saveSubsetFonts="1" autoCompressPictures="0">
+<p:presentation xmlns:a="http://schemas.openxmlformats.org/drawingml/2006/main" xmlns:r="http://schemas.openxmlformats.org/officeDocument/2006/relationships" xmlns:p="http://schemas.openxmlformats.org/presentationml/2006/main" autoCompressPictures="0">
   <p:sldMasterIdLst>
     <p:sldMasterId id="2147483648" r:id="rId1"/>
   </p:sldMasterIdLst>
-  <p:notesMasterIdLst>
-    <p:notesMasterId r:id="rId12"/>
-  </p:notesMasterIdLst>
   <p:sldIdLst>
     <p:sldId id="256" r:id="rId2"/>
-    <p:sldId id="257" r:id="rId3"/>
-    <p:sldId id="258" r:id="rId4"/>
-    <p:sldId id="259" r:id="rId5"/>
-    <p:sldId id="260" r:id="rId6"/>
-    <p:sldId id="261" r:id="rId7"/>
-    <p:sldId id="262" r:id="rId8"/>
-    <p:sldId id="263" r:id="rId9"/>
-    <p:sldId id="264" r:id="rId10"/>
-    <p:sldId id="265" r:id="rId11"/>
+    <p:sldId id="264" r:id="rId3"/>
+    <p:sldId id="265" r:id="rId4"/>
+    <p:sldId id="266" r:id="rId5"/>
+    <p:sldId id="267" r:id="rId6"/>
+    <p:sldId id="268" r:id="rId7"/>
+    <p:sldId id="269" r:id="rId8"/>
+    <p:sldId id="270" r:id="rId9"/>
+    <p:sldId id="271" r:id="rId10"/>
+    <p:sldId id="257" r:id="rId11"/>
+    <p:sldId id="258" r:id="rId12"/>
+    <p:sldId id="259" r:id="rId13"/>
+    <p:sldId id="260" r:id="rId14"/>
+    <p:sldId id="272" r:id="rId15"/>
+    <p:sldId id="261" r:id="rId16"/>
+    <p:sldId id="262" r:id="rId17"/>
+    <p:sldId id="263" r:id="rId18"/>
+    <p:sldId id="273" r:id="rId19"/>
   </p:sldIdLst>
   <p:sldSz cx="12192000" cy="6858000"/>
   <p:notesSz cx="6858000" cy="9144000"/>
@@ -1345,6 +1350,13 @@
         </dgm:presLayoutVars>
       </dgm:prSet>
       <dgm:spPr/>
+      <dgm:t>
+        <a:bodyPr/>
+        <a:lstStyle/>
+        <a:p>
+          <a:endParaRPr lang="en-US"/>
+        </a:p>
+      </dgm:t>
     </dgm:pt>
     <dgm:pt modelId="{8AA0CBD7-7ADB-8A42-9A69-0CA32CF7EE18}" type="pres">
       <dgm:prSet presAssocID="{97A68C65-398F-D541-90B2-877A2218CE40}" presName="hierFlow" presStyleCnt="0"/>
@@ -1371,6 +1383,13 @@
         </dgm:presLayoutVars>
       </dgm:prSet>
       <dgm:spPr/>
+      <dgm:t>
+        <a:bodyPr/>
+        <a:lstStyle/>
+        <a:p>
+          <a:endParaRPr lang="en-US"/>
+        </a:p>
+      </dgm:t>
     </dgm:pt>
     <dgm:pt modelId="{6E237C2D-DA6C-4041-86E3-17650F5BF2E5}" type="pres">
       <dgm:prSet presAssocID="{D27F1265-7A4E-1144-8167-207088945208}" presName="hierChild2" presStyleCnt="0"/>
@@ -1379,6 +1398,13 @@
     <dgm:pt modelId="{58A8FD46-7D8D-B145-B716-1217D094E373}" type="pres">
       <dgm:prSet presAssocID="{35157B00-602B-2942-A545-F44A3E134FE5}" presName="Name19" presStyleLbl="parChTrans1D2" presStyleIdx="0" presStyleCnt="6"/>
       <dgm:spPr/>
+      <dgm:t>
+        <a:bodyPr/>
+        <a:lstStyle/>
+        <a:p>
+          <a:endParaRPr lang="en-US"/>
+        </a:p>
+      </dgm:t>
     </dgm:pt>
     <dgm:pt modelId="{92D6BA65-2736-6F48-BEC1-AC23E79E075F}" type="pres">
       <dgm:prSet presAssocID="{DCE595E9-C1B5-3F4F-9188-7FF030C7E1AB}" presName="Name21" presStyleCnt="0"/>
@@ -1387,6 +1413,13 @@
     <dgm:pt modelId="{90564826-F94A-7E49-932F-687A11277669}" type="pres">
       <dgm:prSet presAssocID="{DCE595E9-C1B5-3F4F-9188-7FF030C7E1AB}" presName="level2Shape" presStyleLbl="node2" presStyleIdx="0" presStyleCnt="6"/>
       <dgm:spPr/>
+      <dgm:t>
+        <a:bodyPr/>
+        <a:lstStyle/>
+        <a:p>
+          <a:endParaRPr lang="en-US"/>
+        </a:p>
+      </dgm:t>
     </dgm:pt>
     <dgm:pt modelId="{E201FFCC-41C6-A343-BA01-76EEED548332}" type="pres">
       <dgm:prSet presAssocID="{DCE595E9-C1B5-3F4F-9188-7FF030C7E1AB}" presName="hierChild3" presStyleCnt="0"/>
@@ -1395,6 +1428,13 @@
     <dgm:pt modelId="{91380B1D-32AE-7F4F-8053-8C24D7FFBB46}" type="pres">
       <dgm:prSet presAssocID="{8A3B122F-5A05-4D4E-B437-A478E59C9B07}" presName="Name19" presStyleLbl="parChTrans1D2" presStyleIdx="1" presStyleCnt="6"/>
       <dgm:spPr/>
+      <dgm:t>
+        <a:bodyPr/>
+        <a:lstStyle/>
+        <a:p>
+          <a:endParaRPr lang="en-US"/>
+        </a:p>
+      </dgm:t>
     </dgm:pt>
     <dgm:pt modelId="{75188A66-A6FE-6844-9734-AE484976D0A4}" type="pres">
       <dgm:prSet presAssocID="{06A827BD-47F2-A34C-983B-435E3AA551AA}" presName="Name21" presStyleCnt="0"/>
@@ -1403,6 +1443,13 @@
     <dgm:pt modelId="{DDC98A31-D5CE-7A4C-BAFB-6D2AB577D02D}" type="pres">
       <dgm:prSet presAssocID="{06A827BD-47F2-A34C-983B-435E3AA551AA}" presName="level2Shape" presStyleLbl="node2" presStyleIdx="1" presStyleCnt="6"/>
       <dgm:spPr/>
+      <dgm:t>
+        <a:bodyPr/>
+        <a:lstStyle/>
+        <a:p>
+          <a:endParaRPr lang="en-US"/>
+        </a:p>
+      </dgm:t>
     </dgm:pt>
     <dgm:pt modelId="{D5461EBB-CAC3-324C-9802-DE596C6D60B4}" type="pres">
       <dgm:prSet presAssocID="{06A827BD-47F2-A34C-983B-435E3AA551AA}" presName="hierChild3" presStyleCnt="0"/>
@@ -1411,6 +1458,13 @@
     <dgm:pt modelId="{297FAA22-58A6-FA46-8EFB-C6E29BF5CE25}" type="pres">
       <dgm:prSet presAssocID="{93E1B82C-8B85-AA4C-95D1-FAB8A047C278}" presName="Name19" presStyleLbl="parChTrans1D2" presStyleIdx="2" presStyleCnt="6"/>
       <dgm:spPr/>
+      <dgm:t>
+        <a:bodyPr/>
+        <a:lstStyle/>
+        <a:p>
+          <a:endParaRPr lang="en-US"/>
+        </a:p>
+      </dgm:t>
     </dgm:pt>
     <dgm:pt modelId="{7F43FD2D-2191-874B-9C77-E056AD5924FA}" type="pres">
       <dgm:prSet presAssocID="{391E05AC-FFDC-FE41-A822-049EF63345D3}" presName="Name21" presStyleCnt="0"/>
@@ -1419,6 +1473,13 @@
     <dgm:pt modelId="{CF6CB4E5-381F-3348-8F38-D63314E63B6E}" type="pres">
       <dgm:prSet presAssocID="{391E05AC-FFDC-FE41-A822-049EF63345D3}" presName="level2Shape" presStyleLbl="node2" presStyleIdx="2" presStyleCnt="6"/>
       <dgm:spPr/>
+      <dgm:t>
+        <a:bodyPr/>
+        <a:lstStyle/>
+        <a:p>
+          <a:endParaRPr lang="en-US"/>
+        </a:p>
+      </dgm:t>
     </dgm:pt>
     <dgm:pt modelId="{EC1DF422-F773-8949-A277-2B017B3A7819}" type="pres">
       <dgm:prSet presAssocID="{391E05AC-FFDC-FE41-A822-049EF63345D3}" presName="hierChild3" presStyleCnt="0"/>
@@ -1427,6 +1488,13 @@
     <dgm:pt modelId="{B6C1AB73-CE16-5F48-8AA8-A0F3E0704CDC}" type="pres">
       <dgm:prSet presAssocID="{B79AE41C-FC3B-2142-A90E-EDB2AB72AE8B}" presName="Name19" presStyleLbl="parChTrans1D2" presStyleIdx="3" presStyleCnt="6"/>
       <dgm:spPr/>
+      <dgm:t>
+        <a:bodyPr/>
+        <a:lstStyle/>
+        <a:p>
+          <a:endParaRPr lang="en-US"/>
+        </a:p>
+      </dgm:t>
     </dgm:pt>
     <dgm:pt modelId="{9D9D8763-927D-234E-AACF-566FCEDF9CB6}" type="pres">
       <dgm:prSet presAssocID="{7439F470-7DDD-E84B-A6EC-A15198291CE2}" presName="Name21" presStyleCnt="0"/>
@@ -1435,6 +1503,13 @@
     <dgm:pt modelId="{0A38DCFA-88EB-F648-9D5B-2B0AFB9ABF3D}" type="pres">
       <dgm:prSet presAssocID="{7439F470-7DDD-E84B-A6EC-A15198291CE2}" presName="level2Shape" presStyleLbl="node2" presStyleIdx="3" presStyleCnt="6"/>
       <dgm:spPr/>
+      <dgm:t>
+        <a:bodyPr/>
+        <a:lstStyle/>
+        <a:p>
+          <a:endParaRPr lang="en-US"/>
+        </a:p>
+      </dgm:t>
     </dgm:pt>
     <dgm:pt modelId="{FB23576D-82BC-2349-83DF-2E89AE5A6E33}" type="pres">
       <dgm:prSet presAssocID="{7439F470-7DDD-E84B-A6EC-A15198291CE2}" presName="hierChild3" presStyleCnt="0"/>
@@ -1474,6 +1549,13 @@
     <dgm:pt modelId="{ED304ABE-7ED1-7B43-BB21-27E6D110AB81}" type="pres">
       <dgm:prSet presAssocID="{83B0227E-83BF-D148-9554-81B12F3E5E2E}" presName="level2Shape" presStyleLbl="node3" presStyleIdx="1" presStyleCnt="4"/>
       <dgm:spPr/>
+      <dgm:t>
+        <a:bodyPr/>
+        <a:lstStyle/>
+        <a:p>
+          <a:endParaRPr lang="en-US"/>
+        </a:p>
+      </dgm:t>
     </dgm:pt>
     <dgm:pt modelId="{20972E82-07AB-CB48-9AC7-65F41915959B}" type="pres">
       <dgm:prSet presAssocID="{83B0227E-83BF-D148-9554-81B12F3E5E2E}" presName="hierChild3" presStyleCnt="0"/>
@@ -1482,6 +1564,13 @@
     <dgm:pt modelId="{1B6BDF90-43B6-FC4E-BE8B-A87B0CBCAFD0}" type="pres">
       <dgm:prSet presAssocID="{9149F4AA-20FA-FC4F-B722-6FA937151A75}" presName="Name19" presStyleLbl="parChTrans1D2" presStyleIdx="4" presStyleCnt="6"/>
       <dgm:spPr/>
+      <dgm:t>
+        <a:bodyPr/>
+        <a:lstStyle/>
+        <a:p>
+          <a:endParaRPr lang="en-US"/>
+        </a:p>
+      </dgm:t>
     </dgm:pt>
     <dgm:pt modelId="{D2C13899-57E9-B045-9ED2-E6D9888FBEE2}" type="pres">
       <dgm:prSet presAssocID="{3A850AD5-727B-354E-A7C4-84BA5A56689A}" presName="Name21" presStyleCnt="0"/>
@@ -1490,6 +1579,13 @@
     <dgm:pt modelId="{83733C2A-0A5C-BC43-B250-2C4A9F10C0BF}" type="pres">
       <dgm:prSet presAssocID="{3A850AD5-727B-354E-A7C4-84BA5A56689A}" presName="level2Shape" presStyleLbl="node2" presStyleIdx="4" presStyleCnt="6"/>
       <dgm:spPr/>
+      <dgm:t>
+        <a:bodyPr/>
+        <a:lstStyle/>
+        <a:p>
+          <a:endParaRPr lang="en-US"/>
+        </a:p>
+      </dgm:t>
     </dgm:pt>
     <dgm:pt modelId="{83B89B3B-9712-7547-8373-8CB3964969D3}" type="pres">
       <dgm:prSet presAssocID="{3A850AD5-727B-354E-A7C4-84BA5A56689A}" presName="hierChild3" presStyleCnt="0"/>
@@ -1498,6 +1594,13 @@
     <dgm:pt modelId="{E8AF8369-D31B-F341-96B4-18C8C268F3F6}" type="pres">
       <dgm:prSet presAssocID="{D0519A92-574C-B649-B6B4-070C4E223628}" presName="Name19" presStyleLbl="parChTrans1D3" presStyleIdx="2" presStyleCnt="4"/>
       <dgm:spPr/>
+      <dgm:t>
+        <a:bodyPr/>
+        <a:lstStyle/>
+        <a:p>
+          <a:endParaRPr lang="en-US"/>
+        </a:p>
+      </dgm:t>
     </dgm:pt>
     <dgm:pt modelId="{CA44F2F8-7A92-104A-A903-88CBD62C8CBE}" type="pres">
       <dgm:prSet presAssocID="{3E664D28-F16E-024B-BDC7-D7BCD05E5D00}" presName="Name21" presStyleCnt="0"/>
@@ -1506,6 +1609,13 @@
     <dgm:pt modelId="{E7281C07-B489-234D-9271-4F5E50FEC06F}" type="pres">
       <dgm:prSet presAssocID="{3E664D28-F16E-024B-BDC7-D7BCD05E5D00}" presName="level2Shape" presStyleLbl="node3" presStyleIdx="2" presStyleCnt="4"/>
       <dgm:spPr/>
+      <dgm:t>
+        <a:bodyPr/>
+        <a:lstStyle/>
+        <a:p>
+          <a:endParaRPr lang="en-US"/>
+        </a:p>
+      </dgm:t>
     </dgm:pt>
     <dgm:pt modelId="{1BD4DB5D-1762-9045-A55F-DC2481EFDB75}" type="pres">
       <dgm:prSet presAssocID="{3E664D28-F16E-024B-BDC7-D7BCD05E5D00}" presName="hierChild3" presStyleCnt="0"/>
@@ -1514,6 +1624,13 @@
     <dgm:pt modelId="{D2D41AB5-5980-C34D-9849-ED6E11C56A74}" type="pres">
       <dgm:prSet presAssocID="{BC60429C-E0A4-AE4F-AB85-A4DA402252EA}" presName="Name19" presStyleLbl="parChTrans1D3" presStyleIdx="3" presStyleCnt="4"/>
       <dgm:spPr/>
+      <dgm:t>
+        <a:bodyPr/>
+        <a:lstStyle/>
+        <a:p>
+          <a:endParaRPr lang="en-US"/>
+        </a:p>
+      </dgm:t>
     </dgm:pt>
     <dgm:pt modelId="{7AA9D57C-FDF6-B744-988B-FCD52E571EB8}" type="pres">
       <dgm:prSet presAssocID="{C0C7EDA5-76E1-1C41-A6D2-A1884CF29BC0}" presName="Name21" presStyleCnt="0"/>
@@ -1522,6 +1639,13 @@
     <dgm:pt modelId="{5C0BC4F1-B01D-564B-8985-E86300E115FB}" type="pres">
       <dgm:prSet presAssocID="{C0C7EDA5-76E1-1C41-A6D2-A1884CF29BC0}" presName="level2Shape" presStyleLbl="node3" presStyleIdx="3" presStyleCnt="4"/>
       <dgm:spPr/>
+      <dgm:t>
+        <a:bodyPr/>
+        <a:lstStyle/>
+        <a:p>
+          <a:endParaRPr lang="en-US"/>
+        </a:p>
+      </dgm:t>
     </dgm:pt>
     <dgm:pt modelId="{F3DD0154-7988-D249-994B-5F2D28C84EE7}" type="pres">
       <dgm:prSet presAssocID="{C0C7EDA5-76E1-1C41-A6D2-A1884CF29BC0}" presName="hierChild3" presStyleCnt="0"/>
@@ -1530,6 +1654,13 @@
     <dgm:pt modelId="{9C77D2F6-9AB5-F744-837C-55DBD84E43F0}" type="pres">
       <dgm:prSet presAssocID="{BD078D44-F70B-A040-8F26-D8217F93A37F}" presName="Name19" presStyleLbl="parChTrans1D4" presStyleIdx="0" presStyleCnt="2"/>
       <dgm:spPr/>
+      <dgm:t>
+        <a:bodyPr/>
+        <a:lstStyle/>
+        <a:p>
+          <a:endParaRPr lang="en-US"/>
+        </a:p>
+      </dgm:t>
     </dgm:pt>
     <dgm:pt modelId="{6A1C2221-71F2-8F4F-A840-D8260E01C88D}" type="pres">
       <dgm:prSet presAssocID="{598739D5-8687-9844-B03E-353ECD1A2E76}" presName="Name21" presStyleCnt="0"/>
@@ -1538,6 +1669,13 @@
     <dgm:pt modelId="{922A05D7-ACD5-F849-AA27-17D6E77F1898}" type="pres">
       <dgm:prSet presAssocID="{598739D5-8687-9844-B03E-353ECD1A2E76}" presName="level2Shape" presStyleLbl="node4" presStyleIdx="0" presStyleCnt="2"/>
       <dgm:spPr/>
+      <dgm:t>
+        <a:bodyPr/>
+        <a:lstStyle/>
+        <a:p>
+          <a:endParaRPr lang="en-US"/>
+        </a:p>
+      </dgm:t>
     </dgm:pt>
     <dgm:pt modelId="{7AE9D53C-7DC0-344D-BCE9-2017BB5CCB58}" type="pres">
       <dgm:prSet presAssocID="{598739D5-8687-9844-B03E-353ECD1A2E76}" presName="hierChild3" presStyleCnt="0"/>
@@ -1546,6 +1684,13 @@
     <dgm:pt modelId="{B4A00DB9-AB8A-6942-8431-C98ED7AFC5C4}" type="pres">
       <dgm:prSet presAssocID="{976974F4-63A8-1C46-BACF-2904593216D9}" presName="Name19" presStyleLbl="parChTrans1D4" presStyleIdx="1" presStyleCnt="2"/>
       <dgm:spPr/>
+      <dgm:t>
+        <a:bodyPr/>
+        <a:lstStyle/>
+        <a:p>
+          <a:endParaRPr lang="en-US"/>
+        </a:p>
+      </dgm:t>
     </dgm:pt>
     <dgm:pt modelId="{262D57D0-06D1-A14E-8168-C2CDB93E1FD3}" type="pres">
       <dgm:prSet presAssocID="{1528E5CF-7A89-FD49-B68A-CF0BAF5DADB2}" presName="Name21" presStyleCnt="0"/>
@@ -1554,6 +1699,13 @@
     <dgm:pt modelId="{FAD44049-E189-2F44-BBB1-53E29C96FBCA}" type="pres">
       <dgm:prSet presAssocID="{1528E5CF-7A89-FD49-B68A-CF0BAF5DADB2}" presName="level2Shape" presStyleLbl="node4" presStyleIdx="1" presStyleCnt="2"/>
       <dgm:spPr/>
+      <dgm:t>
+        <a:bodyPr/>
+        <a:lstStyle/>
+        <a:p>
+          <a:endParaRPr lang="en-US"/>
+        </a:p>
+      </dgm:t>
     </dgm:pt>
     <dgm:pt modelId="{390FD582-F93F-2E49-933A-2C2F300D270D}" type="pres">
       <dgm:prSet presAssocID="{1528E5CF-7A89-FD49-B68A-CF0BAF5DADB2}" presName="hierChild3" presStyleCnt="0"/>
@@ -1562,6 +1714,13 @@
     <dgm:pt modelId="{2FAAD3D6-DFB5-F343-BE52-77986960AD52}" type="pres">
       <dgm:prSet presAssocID="{8BF862B4-208B-CA45-BDF0-97B130435909}" presName="Name19" presStyleLbl="parChTrans1D2" presStyleIdx="5" presStyleCnt="6"/>
       <dgm:spPr/>
+      <dgm:t>
+        <a:bodyPr/>
+        <a:lstStyle/>
+        <a:p>
+          <a:endParaRPr lang="en-US"/>
+        </a:p>
+      </dgm:t>
     </dgm:pt>
     <dgm:pt modelId="{9DB1CEC2-8BB8-7346-9A88-08F8D6E1FA04}" type="pres">
       <dgm:prSet presAssocID="{7F15297A-19DB-CA4A-A0D5-EECCDFF6008B}" presName="Name21" presStyleCnt="0"/>
@@ -1570,6 +1729,13 @@
     <dgm:pt modelId="{4DE6B8E2-A227-BF4C-A90C-351AFB14F9D8}" type="pres">
       <dgm:prSet presAssocID="{7F15297A-19DB-CA4A-A0D5-EECCDFF6008B}" presName="level2Shape" presStyleLbl="node2" presStyleIdx="5" presStyleCnt="6"/>
       <dgm:spPr/>
+      <dgm:t>
+        <a:bodyPr/>
+        <a:lstStyle/>
+        <a:p>
+          <a:endParaRPr lang="en-US"/>
+        </a:p>
+      </dgm:t>
     </dgm:pt>
     <dgm:pt modelId="{87265B86-B2BE-544E-9D08-E5D72F99C73E}" type="pres">
       <dgm:prSet presAssocID="{7F15297A-19DB-CA4A-A0D5-EECCDFF6008B}" presName="hierChild3" presStyleCnt="0"/>
@@ -1581,45 +1747,45 @@
     </dgm:pt>
   </dgm:ptLst>
   <dgm:cxnLst>
+    <dgm:cxn modelId="{36BC4022-A108-DA42-BFA3-031C22D5A5CB}" srcId="{D27F1265-7A4E-1144-8167-207088945208}" destId="{7439F470-7DDD-E84B-A6EC-A15198291CE2}" srcOrd="3" destOrd="0" parTransId="{B79AE41C-FC3B-2142-A90E-EDB2AB72AE8B}" sibTransId="{370C9C76-509C-3E43-B22A-34CCCA218F09}"/>
+    <dgm:cxn modelId="{EF517F41-089F-1F42-BB4D-586C59974669}" type="presOf" srcId="{D0519A92-574C-B649-B6B4-070C4E223628}" destId="{E8AF8369-D31B-F341-96B4-18C8C268F3F6}" srcOrd="0" destOrd="0" presId="urn:microsoft.com/office/officeart/2005/8/layout/hierarchy6"/>
+    <dgm:cxn modelId="{07E1A28B-E017-E84E-9B03-A86E98BE3CA5}" type="presOf" srcId="{9149F4AA-20FA-FC4F-B722-6FA937151A75}" destId="{1B6BDF90-43B6-FC4E-BE8B-A87B0CBCAFD0}" srcOrd="0" destOrd="0" presId="urn:microsoft.com/office/officeart/2005/8/layout/hierarchy6"/>
+    <dgm:cxn modelId="{9B3645DE-BD14-D24F-A6CE-F08EC603DCC5}" type="presOf" srcId="{D27F1265-7A4E-1144-8167-207088945208}" destId="{28F2C103-7064-D646-BC41-CB9F3C44B199}" srcOrd="0" destOrd="0" presId="urn:microsoft.com/office/officeart/2005/8/layout/hierarchy6"/>
+    <dgm:cxn modelId="{6EBFCE19-0E1A-E449-8F76-DEFEAFF43E40}" type="presOf" srcId="{06A827BD-47F2-A34C-983B-435E3AA551AA}" destId="{DDC98A31-D5CE-7A4C-BAFB-6D2AB577D02D}" srcOrd="0" destOrd="0" presId="urn:microsoft.com/office/officeart/2005/8/layout/hierarchy6"/>
+    <dgm:cxn modelId="{37B62894-4E8D-BF48-984A-DCAD099D1AB2}" type="presOf" srcId="{BC60429C-E0A4-AE4F-AB85-A4DA402252EA}" destId="{D2D41AB5-5980-C34D-9849-ED6E11C56A74}" srcOrd="0" destOrd="0" presId="urn:microsoft.com/office/officeart/2005/8/layout/hierarchy6"/>
+    <dgm:cxn modelId="{AED4264C-2C5F-3C44-B315-0B2069BF2597}" srcId="{7439F470-7DDD-E84B-A6EC-A15198291CE2}" destId="{83B0227E-83BF-D148-9554-81B12F3E5E2E}" srcOrd="1" destOrd="0" parTransId="{1FBA812B-A617-B84F-9611-21F83DDFE234}" sibTransId="{5E6B13BB-C17F-E840-AD31-9CF932AA67ED}"/>
+    <dgm:cxn modelId="{07F0CD1A-342E-6F41-A4C4-D5D2F89B70CE}" type="presOf" srcId="{85910EE4-75ED-E94B-BB11-8E38A8137EA0}" destId="{3936D5C8-4FDB-924A-8CBD-03604B40DA78}" srcOrd="0" destOrd="0" presId="urn:microsoft.com/office/officeart/2005/8/layout/hierarchy6"/>
+    <dgm:cxn modelId="{A433D884-D2B4-C249-BB82-852D653C2F2A}" type="presOf" srcId="{93E1B82C-8B85-AA4C-95D1-FAB8A047C278}" destId="{297FAA22-58A6-FA46-8EFB-C6E29BF5CE25}" srcOrd="0" destOrd="0" presId="urn:microsoft.com/office/officeart/2005/8/layout/hierarchy6"/>
+    <dgm:cxn modelId="{ED1C5058-AC21-EC4B-A78F-38227C25E294}" type="presOf" srcId="{598739D5-8687-9844-B03E-353ECD1A2E76}" destId="{922A05D7-ACD5-F849-AA27-17D6E77F1898}" srcOrd="0" destOrd="0" presId="urn:microsoft.com/office/officeart/2005/8/layout/hierarchy6"/>
+    <dgm:cxn modelId="{FC869AE2-187A-3C4F-BA86-DE8C7A31852A}" type="presOf" srcId="{BD078D44-F70B-A040-8F26-D8217F93A37F}" destId="{9C77D2F6-9AB5-F744-837C-55DBD84E43F0}" srcOrd="0" destOrd="0" presId="urn:microsoft.com/office/officeart/2005/8/layout/hierarchy6"/>
+    <dgm:cxn modelId="{52692F0E-C7FE-9246-B432-7A7ADAE563E3}" type="presOf" srcId="{B79AE41C-FC3B-2142-A90E-EDB2AB72AE8B}" destId="{B6C1AB73-CE16-5F48-8AA8-A0F3E0704CDC}" srcOrd="0" destOrd="0" presId="urn:microsoft.com/office/officeart/2005/8/layout/hierarchy6"/>
+    <dgm:cxn modelId="{197DAF41-1A2E-1843-9252-ADE8DA5B6880}" srcId="{C0C7EDA5-76E1-1C41-A6D2-A1884CF29BC0}" destId="{1528E5CF-7A89-FD49-B68A-CF0BAF5DADB2}" srcOrd="1" destOrd="0" parTransId="{976974F4-63A8-1C46-BACF-2904593216D9}" sibTransId="{56287F19-E316-624C-B45F-CFB6AAE93880}"/>
+    <dgm:cxn modelId="{6B0D5976-0490-C749-976F-5052515A2EC2}" srcId="{97A68C65-398F-D541-90B2-877A2218CE40}" destId="{D27F1265-7A4E-1144-8167-207088945208}" srcOrd="0" destOrd="0" parTransId="{125A01A9-972C-BC47-BFDE-85D26F179F08}" sibTransId="{F7855486-DCC1-7149-9655-D16080C38F5A}"/>
+    <dgm:cxn modelId="{3990BF69-3730-0F48-BF2B-939B270D0ADF}" srcId="{7439F470-7DDD-E84B-A6EC-A15198291CE2}" destId="{DEA2FC11-EF5C-C649-A62A-658ED23AB826}" srcOrd="0" destOrd="0" parTransId="{85910EE4-75ED-E94B-BB11-8E38A8137EA0}" sibTransId="{5B3566BE-1B49-0C49-ACBB-F87A5ABB3245}"/>
+    <dgm:cxn modelId="{6D1C97B3-F373-8B45-A348-BD382B5742AE}" srcId="{D27F1265-7A4E-1144-8167-207088945208}" destId="{7F15297A-19DB-CA4A-A0D5-EECCDFF6008B}" srcOrd="5" destOrd="0" parTransId="{8BF862B4-208B-CA45-BDF0-97B130435909}" sibTransId="{BDDB9B90-9DD6-4846-9B12-3BD88AB51346}"/>
+    <dgm:cxn modelId="{595A75E9-505A-A643-94AB-35F92BF0C6DC}" type="presOf" srcId="{3E664D28-F16E-024B-BDC7-D7BCD05E5D00}" destId="{E7281C07-B489-234D-9271-4F5E50FEC06F}" srcOrd="0" destOrd="0" presId="urn:microsoft.com/office/officeart/2005/8/layout/hierarchy6"/>
+    <dgm:cxn modelId="{FEA89EFA-7323-E841-8932-70450877C03D}" type="presOf" srcId="{83B0227E-83BF-D148-9554-81B12F3E5E2E}" destId="{ED304ABE-7ED1-7B43-BB21-27E6D110AB81}" srcOrd="0" destOrd="0" presId="urn:microsoft.com/office/officeart/2005/8/layout/hierarchy6"/>
+    <dgm:cxn modelId="{A0AF9C99-13CF-064C-8757-8270777F4D6D}" srcId="{D27F1265-7A4E-1144-8167-207088945208}" destId="{391E05AC-FFDC-FE41-A822-049EF63345D3}" srcOrd="2" destOrd="0" parTransId="{93E1B82C-8B85-AA4C-95D1-FAB8A047C278}" sibTransId="{115A1B4E-E4AE-E24E-842D-4B8ABCFE642C}"/>
+    <dgm:cxn modelId="{2550A9E1-FC5E-FC4D-ABF9-AC292943019F}" srcId="{3A850AD5-727B-354E-A7C4-84BA5A56689A}" destId="{3E664D28-F16E-024B-BDC7-D7BCD05E5D00}" srcOrd="0" destOrd="0" parTransId="{D0519A92-574C-B649-B6B4-070C4E223628}" sibTransId="{72AE2C68-760D-E94B-940E-BD1FD9027165}"/>
+    <dgm:cxn modelId="{474DE8CA-134B-8848-9B8E-05A87C49F268}" type="presOf" srcId="{391E05AC-FFDC-FE41-A822-049EF63345D3}" destId="{CF6CB4E5-381F-3348-8F38-D63314E63B6E}" srcOrd="0" destOrd="0" presId="urn:microsoft.com/office/officeart/2005/8/layout/hierarchy6"/>
+    <dgm:cxn modelId="{1DD7C3AE-F838-8C47-BB01-CC04AA0524B7}" type="presOf" srcId="{976974F4-63A8-1C46-BACF-2904593216D9}" destId="{B4A00DB9-AB8A-6942-8431-C98ED7AFC5C4}" srcOrd="0" destOrd="0" presId="urn:microsoft.com/office/officeart/2005/8/layout/hierarchy6"/>
+    <dgm:cxn modelId="{39F771BC-D34C-B846-9460-E0A0B8910171}" type="presOf" srcId="{8A3B122F-5A05-4D4E-B437-A478E59C9B07}" destId="{91380B1D-32AE-7F4F-8053-8C24D7FFBB46}" srcOrd="0" destOrd="0" presId="urn:microsoft.com/office/officeart/2005/8/layout/hierarchy6"/>
     <dgm:cxn modelId="{C40EEBD5-F060-7C43-B818-31FCE6948277}" type="presOf" srcId="{C0C7EDA5-76E1-1C41-A6D2-A1884CF29BC0}" destId="{5C0BC4F1-B01D-564B-8985-E86300E115FB}" srcOrd="0" destOrd="0" presId="urn:microsoft.com/office/officeart/2005/8/layout/hierarchy6"/>
-    <dgm:cxn modelId="{52692F0E-C7FE-9246-B432-7A7ADAE563E3}" type="presOf" srcId="{B79AE41C-FC3B-2142-A90E-EDB2AB72AE8B}" destId="{B6C1AB73-CE16-5F48-8AA8-A0F3E0704CDC}" srcOrd="0" destOrd="0" presId="urn:microsoft.com/office/officeart/2005/8/layout/hierarchy6"/>
+    <dgm:cxn modelId="{4C5D04B1-7792-E945-A448-6D1E48600CEE}" type="presOf" srcId="{8BF862B4-208B-CA45-BDF0-97B130435909}" destId="{2FAAD3D6-DFB5-F343-BE52-77986960AD52}" srcOrd="0" destOrd="0" presId="urn:microsoft.com/office/officeart/2005/8/layout/hierarchy6"/>
+    <dgm:cxn modelId="{C8963BFF-E792-A642-A704-E8ABE74531ED}" type="presOf" srcId="{3A850AD5-727B-354E-A7C4-84BA5A56689A}" destId="{83733C2A-0A5C-BC43-B250-2C4A9F10C0BF}" srcOrd="0" destOrd="0" presId="urn:microsoft.com/office/officeart/2005/8/layout/hierarchy6"/>
+    <dgm:cxn modelId="{3DA5C3C8-C5B6-2C45-A05D-E3DF0E0AFA50}" type="presOf" srcId="{7439F470-7DDD-E84B-A6EC-A15198291CE2}" destId="{0A38DCFA-88EB-F648-9D5B-2B0AFB9ABF3D}" srcOrd="0" destOrd="0" presId="urn:microsoft.com/office/officeart/2005/8/layout/hierarchy6"/>
+    <dgm:cxn modelId="{C384BD7C-9763-4E46-8D27-6A44225F2103}" type="presOf" srcId="{7F15297A-19DB-CA4A-A0D5-EECCDFF6008B}" destId="{4DE6B8E2-A227-BF4C-A90C-351AFB14F9D8}" srcOrd="0" destOrd="0" presId="urn:microsoft.com/office/officeart/2005/8/layout/hierarchy6"/>
+    <dgm:cxn modelId="{CFD1AD0D-8B14-B34E-AD74-9680DAEC578B}" type="presOf" srcId="{97A68C65-398F-D541-90B2-877A2218CE40}" destId="{469E0EB9-C0CD-7C41-9678-7B23201CFEF8}" srcOrd="0" destOrd="0" presId="urn:microsoft.com/office/officeart/2005/8/layout/hierarchy6"/>
+    <dgm:cxn modelId="{E88D5FA6-447F-DF4B-B6CE-C32310861045}" srcId="{C0C7EDA5-76E1-1C41-A6D2-A1884CF29BC0}" destId="{598739D5-8687-9844-B03E-353ECD1A2E76}" srcOrd="0" destOrd="0" parTransId="{BD078D44-F70B-A040-8F26-D8217F93A37F}" sibTransId="{A86CB50C-63C0-9F44-B564-74E90F4DE2BD}"/>
+    <dgm:cxn modelId="{23844651-851A-C64E-A5CA-ACADC27D7D9B}" type="presOf" srcId="{35157B00-602B-2942-A545-F44A3E134FE5}" destId="{58A8FD46-7D8D-B145-B716-1217D094E373}" srcOrd="0" destOrd="0" presId="urn:microsoft.com/office/officeart/2005/8/layout/hierarchy6"/>
+    <dgm:cxn modelId="{4894ADFB-ECBD-E84D-B29D-D6881BB47C6F}" type="presOf" srcId="{DEA2FC11-EF5C-C649-A62A-658ED23AB826}" destId="{F80F2428-CC83-B64C-9053-39A0C82F132B}" srcOrd="0" destOrd="0" presId="urn:microsoft.com/office/officeart/2005/8/layout/hierarchy6"/>
+    <dgm:cxn modelId="{4F30A518-3466-B544-9176-E6BAD1846755}" type="presOf" srcId="{1528E5CF-7A89-FD49-B68A-CF0BAF5DADB2}" destId="{FAD44049-E189-2F44-BBB1-53E29C96FBCA}" srcOrd="0" destOrd="0" presId="urn:microsoft.com/office/officeart/2005/8/layout/hierarchy6"/>
+    <dgm:cxn modelId="{48D62D3B-947B-E741-89CE-2921268D0CFA}" type="presOf" srcId="{DCE595E9-C1B5-3F4F-9188-7FF030C7E1AB}" destId="{90564826-F94A-7E49-932F-687A11277669}" srcOrd="0" destOrd="0" presId="urn:microsoft.com/office/officeart/2005/8/layout/hierarchy6"/>
+    <dgm:cxn modelId="{A35401AE-D659-844B-B656-9D912DD3A6AD}" srcId="{D27F1265-7A4E-1144-8167-207088945208}" destId="{DCE595E9-C1B5-3F4F-9188-7FF030C7E1AB}" srcOrd="0" destOrd="0" parTransId="{35157B00-602B-2942-A545-F44A3E134FE5}" sibTransId="{870BB988-D9A3-744E-8D29-66ACDC933CAA}"/>
+    <dgm:cxn modelId="{956FCDEA-9A97-D54C-9C77-C1C594DA4B4E}" srcId="{D27F1265-7A4E-1144-8167-207088945208}" destId="{06A827BD-47F2-A34C-983B-435E3AA551AA}" srcOrd="1" destOrd="0" parTransId="{8A3B122F-5A05-4D4E-B437-A478E59C9B07}" sibTransId="{B99F7529-8099-8E43-9FEF-62B851912B22}"/>
     <dgm:cxn modelId="{30DCBCA3-D327-9746-9355-20C264B2A0C9}" srcId="{3A850AD5-727B-354E-A7C4-84BA5A56689A}" destId="{C0C7EDA5-76E1-1C41-A6D2-A1884CF29BC0}" srcOrd="1" destOrd="0" parTransId="{BC60429C-E0A4-AE4F-AB85-A4DA402252EA}" sibTransId="{77ED7C83-6CC3-C44E-9D08-CF0FAD0F01C2}"/>
-    <dgm:cxn modelId="{A433D884-D2B4-C249-BB82-852D653C2F2A}" type="presOf" srcId="{93E1B82C-8B85-AA4C-95D1-FAB8A047C278}" destId="{297FAA22-58A6-FA46-8EFB-C6E29BF5CE25}" srcOrd="0" destOrd="0" presId="urn:microsoft.com/office/officeart/2005/8/layout/hierarchy6"/>
-    <dgm:cxn modelId="{9B3645DE-BD14-D24F-A6CE-F08EC603DCC5}" type="presOf" srcId="{D27F1265-7A4E-1144-8167-207088945208}" destId="{28F2C103-7064-D646-BC41-CB9F3C44B199}" srcOrd="0" destOrd="0" presId="urn:microsoft.com/office/officeart/2005/8/layout/hierarchy6"/>
-    <dgm:cxn modelId="{07F0CD1A-342E-6F41-A4C4-D5D2F89B70CE}" type="presOf" srcId="{85910EE4-75ED-E94B-BB11-8E38A8137EA0}" destId="{3936D5C8-4FDB-924A-8CBD-03604B40DA78}" srcOrd="0" destOrd="0" presId="urn:microsoft.com/office/officeart/2005/8/layout/hierarchy6"/>
-    <dgm:cxn modelId="{4F30A518-3466-B544-9176-E6BAD1846755}" type="presOf" srcId="{1528E5CF-7A89-FD49-B68A-CF0BAF5DADB2}" destId="{FAD44049-E189-2F44-BBB1-53E29C96FBCA}" srcOrd="0" destOrd="0" presId="urn:microsoft.com/office/officeart/2005/8/layout/hierarchy6"/>
-    <dgm:cxn modelId="{956FCDEA-9A97-D54C-9C77-C1C594DA4B4E}" srcId="{D27F1265-7A4E-1144-8167-207088945208}" destId="{06A827BD-47F2-A34C-983B-435E3AA551AA}" srcOrd="1" destOrd="0" parTransId="{8A3B122F-5A05-4D4E-B437-A478E59C9B07}" sibTransId="{B99F7529-8099-8E43-9FEF-62B851912B22}"/>
-    <dgm:cxn modelId="{6D1C97B3-F373-8B45-A348-BD382B5742AE}" srcId="{D27F1265-7A4E-1144-8167-207088945208}" destId="{7F15297A-19DB-CA4A-A0D5-EECCDFF6008B}" srcOrd="5" destOrd="0" parTransId="{8BF862B4-208B-CA45-BDF0-97B130435909}" sibTransId="{BDDB9B90-9DD6-4846-9B12-3BD88AB51346}"/>
-    <dgm:cxn modelId="{FEA89EFA-7323-E841-8932-70450877C03D}" type="presOf" srcId="{83B0227E-83BF-D148-9554-81B12F3E5E2E}" destId="{ED304ABE-7ED1-7B43-BB21-27E6D110AB81}" srcOrd="0" destOrd="0" presId="urn:microsoft.com/office/officeart/2005/8/layout/hierarchy6"/>
-    <dgm:cxn modelId="{595A75E9-505A-A643-94AB-35F92BF0C6DC}" type="presOf" srcId="{3E664D28-F16E-024B-BDC7-D7BCD05E5D00}" destId="{E7281C07-B489-234D-9271-4F5E50FEC06F}" srcOrd="0" destOrd="0" presId="urn:microsoft.com/office/officeart/2005/8/layout/hierarchy6"/>
-    <dgm:cxn modelId="{48D62D3B-947B-E741-89CE-2921268D0CFA}" type="presOf" srcId="{DCE595E9-C1B5-3F4F-9188-7FF030C7E1AB}" destId="{90564826-F94A-7E49-932F-687A11277669}" srcOrd="0" destOrd="0" presId="urn:microsoft.com/office/officeart/2005/8/layout/hierarchy6"/>
-    <dgm:cxn modelId="{6B0D5976-0490-C749-976F-5052515A2EC2}" srcId="{97A68C65-398F-D541-90B2-877A2218CE40}" destId="{D27F1265-7A4E-1144-8167-207088945208}" srcOrd="0" destOrd="0" parTransId="{125A01A9-972C-BC47-BFDE-85D26F179F08}" sibTransId="{F7855486-DCC1-7149-9655-D16080C38F5A}"/>
-    <dgm:cxn modelId="{4894ADFB-ECBD-E84D-B29D-D6881BB47C6F}" type="presOf" srcId="{DEA2FC11-EF5C-C649-A62A-658ED23AB826}" destId="{F80F2428-CC83-B64C-9053-39A0C82F132B}" srcOrd="0" destOrd="0" presId="urn:microsoft.com/office/officeart/2005/8/layout/hierarchy6"/>
-    <dgm:cxn modelId="{07E1A28B-E017-E84E-9B03-A86E98BE3CA5}" type="presOf" srcId="{9149F4AA-20FA-FC4F-B722-6FA937151A75}" destId="{1B6BDF90-43B6-FC4E-BE8B-A87B0CBCAFD0}" srcOrd="0" destOrd="0" presId="urn:microsoft.com/office/officeart/2005/8/layout/hierarchy6"/>
-    <dgm:cxn modelId="{6EBFCE19-0E1A-E449-8F76-DEFEAFF43E40}" type="presOf" srcId="{06A827BD-47F2-A34C-983B-435E3AA551AA}" destId="{DDC98A31-D5CE-7A4C-BAFB-6D2AB577D02D}" srcOrd="0" destOrd="0" presId="urn:microsoft.com/office/officeart/2005/8/layout/hierarchy6"/>
-    <dgm:cxn modelId="{C384BD7C-9763-4E46-8D27-6A44225F2103}" type="presOf" srcId="{7F15297A-19DB-CA4A-A0D5-EECCDFF6008B}" destId="{4DE6B8E2-A227-BF4C-A90C-351AFB14F9D8}" srcOrd="0" destOrd="0" presId="urn:microsoft.com/office/officeart/2005/8/layout/hierarchy6"/>
-    <dgm:cxn modelId="{C8963BFF-E792-A642-A704-E8ABE74531ED}" type="presOf" srcId="{3A850AD5-727B-354E-A7C4-84BA5A56689A}" destId="{83733C2A-0A5C-BC43-B250-2C4A9F10C0BF}" srcOrd="0" destOrd="0" presId="urn:microsoft.com/office/officeart/2005/8/layout/hierarchy6"/>
-    <dgm:cxn modelId="{197DAF41-1A2E-1843-9252-ADE8DA5B6880}" srcId="{C0C7EDA5-76E1-1C41-A6D2-A1884CF29BC0}" destId="{1528E5CF-7A89-FD49-B68A-CF0BAF5DADB2}" srcOrd="1" destOrd="0" parTransId="{976974F4-63A8-1C46-BACF-2904593216D9}" sibTransId="{56287F19-E316-624C-B45F-CFB6AAE93880}"/>
-    <dgm:cxn modelId="{23844651-851A-C64E-A5CA-ACADC27D7D9B}" type="presOf" srcId="{35157B00-602B-2942-A545-F44A3E134FE5}" destId="{58A8FD46-7D8D-B145-B716-1217D094E373}" srcOrd="0" destOrd="0" presId="urn:microsoft.com/office/officeart/2005/8/layout/hierarchy6"/>
+    <dgm:cxn modelId="{BA3E857B-953A-8A49-83FA-7CF8C9C946CD}" srcId="{D27F1265-7A4E-1144-8167-207088945208}" destId="{3A850AD5-727B-354E-A7C4-84BA5A56689A}" srcOrd="4" destOrd="0" parTransId="{9149F4AA-20FA-FC4F-B722-6FA937151A75}" sibTransId="{A60477CC-B6BC-9F4E-836E-2DD2FC8627BD}"/>
     <dgm:cxn modelId="{1CC403DA-165B-6E47-8B75-085FF22E8E23}" type="presOf" srcId="{1FBA812B-A617-B84F-9611-21F83DDFE234}" destId="{2E0D29D4-C8F3-D149-92A4-091E078191A5}" srcOrd="0" destOrd="0" presId="urn:microsoft.com/office/officeart/2005/8/layout/hierarchy6"/>
-    <dgm:cxn modelId="{E88D5FA6-447F-DF4B-B6CE-C32310861045}" srcId="{C0C7EDA5-76E1-1C41-A6D2-A1884CF29BC0}" destId="{598739D5-8687-9844-B03E-353ECD1A2E76}" srcOrd="0" destOrd="0" parTransId="{BD078D44-F70B-A040-8F26-D8217F93A37F}" sibTransId="{A86CB50C-63C0-9F44-B564-74E90F4DE2BD}"/>
-    <dgm:cxn modelId="{36BC4022-A108-DA42-BFA3-031C22D5A5CB}" srcId="{D27F1265-7A4E-1144-8167-207088945208}" destId="{7439F470-7DDD-E84B-A6EC-A15198291CE2}" srcOrd="3" destOrd="0" parTransId="{B79AE41C-FC3B-2142-A90E-EDB2AB72AE8B}" sibTransId="{370C9C76-509C-3E43-B22A-34CCCA218F09}"/>
-    <dgm:cxn modelId="{CFD1AD0D-8B14-B34E-AD74-9680DAEC578B}" type="presOf" srcId="{97A68C65-398F-D541-90B2-877A2218CE40}" destId="{469E0EB9-C0CD-7C41-9678-7B23201CFEF8}" srcOrd="0" destOrd="0" presId="urn:microsoft.com/office/officeart/2005/8/layout/hierarchy6"/>
-    <dgm:cxn modelId="{A35401AE-D659-844B-B656-9D912DD3A6AD}" srcId="{D27F1265-7A4E-1144-8167-207088945208}" destId="{DCE595E9-C1B5-3F4F-9188-7FF030C7E1AB}" srcOrd="0" destOrd="0" parTransId="{35157B00-602B-2942-A545-F44A3E134FE5}" sibTransId="{870BB988-D9A3-744E-8D29-66ACDC933CAA}"/>
-    <dgm:cxn modelId="{A0AF9C99-13CF-064C-8757-8270777F4D6D}" srcId="{D27F1265-7A4E-1144-8167-207088945208}" destId="{391E05AC-FFDC-FE41-A822-049EF63345D3}" srcOrd="2" destOrd="0" parTransId="{93E1B82C-8B85-AA4C-95D1-FAB8A047C278}" sibTransId="{115A1B4E-E4AE-E24E-842D-4B8ABCFE642C}"/>
-    <dgm:cxn modelId="{474DE8CA-134B-8848-9B8E-05A87C49F268}" type="presOf" srcId="{391E05AC-FFDC-FE41-A822-049EF63345D3}" destId="{CF6CB4E5-381F-3348-8F38-D63314E63B6E}" srcOrd="0" destOrd="0" presId="urn:microsoft.com/office/officeart/2005/8/layout/hierarchy6"/>
-    <dgm:cxn modelId="{39F771BC-D34C-B846-9460-E0A0B8910171}" type="presOf" srcId="{8A3B122F-5A05-4D4E-B437-A478E59C9B07}" destId="{91380B1D-32AE-7F4F-8053-8C24D7FFBB46}" srcOrd="0" destOrd="0" presId="urn:microsoft.com/office/officeart/2005/8/layout/hierarchy6"/>
-    <dgm:cxn modelId="{3DA5C3C8-C5B6-2C45-A05D-E3DF0E0AFA50}" type="presOf" srcId="{7439F470-7DDD-E84B-A6EC-A15198291CE2}" destId="{0A38DCFA-88EB-F648-9D5B-2B0AFB9ABF3D}" srcOrd="0" destOrd="0" presId="urn:microsoft.com/office/officeart/2005/8/layout/hierarchy6"/>
-    <dgm:cxn modelId="{FC869AE2-187A-3C4F-BA86-DE8C7A31852A}" type="presOf" srcId="{BD078D44-F70B-A040-8F26-D8217F93A37F}" destId="{9C77D2F6-9AB5-F744-837C-55DBD84E43F0}" srcOrd="0" destOrd="0" presId="urn:microsoft.com/office/officeart/2005/8/layout/hierarchy6"/>
-    <dgm:cxn modelId="{3990BF69-3730-0F48-BF2B-939B270D0ADF}" srcId="{7439F470-7DDD-E84B-A6EC-A15198291CE2}" destId="{DEA2FC11-EF5C-C649-A62A-658ED23AB826}" srcOrd="0" destOrd="0" parTransId="{85910EE4-75ED-E94B-BB11-8E38A8137EA0}" sibTransId="{5B3566BE-1B49-0C49-ACBB-F87A5ABB3245}"/>
-    <dgm:cxn modelId="{ED1C5058-AC21-EC4B-A78F-38227C25E294}" type="presOf" srcId="{598739D5-8687-9844-B03E-353ECD1A2E76}" destId="{922A05D7-ACD5-F849-AA27-17D6E77F1898}" srcOrd="0" destOrd="0" presId="urn:microsoft.com/office/officeart/2005/8/layout/hierarchy6"/>
-    <dgm:cxn modelId="{BA3E857B-953A-8A49-83FA-7CF8C9C946CD}" srcId="{D27F1265-7A4E-1144-8167-207088945208}" destId="{3A850AD5-727B-354E-A7C4-84BA5A56689A}" srcOrd="4" destOrd="0" parTransId="{9149F4AA-20FA-FC4F-B722-6FA937151A75}" sibTransId="{A60477CC-B6BC-9F4E-836E-2DD2FC8627BD}"/>
-    <dgm:cxn modelId="{EF517F41-089F-1F42-BB4D-586C59974669}" type="presOf" srcId="{D0519A92-574C-B649-B6B4-070C4E223628}" destId="{E8AF8369-D31B-F341-96B4-18C8C268F3F6}" srcOrd="0" destOrd="0" presId="urn:microsoft.com/office/officeart/2005/8/layout/hierarchy6"/>
-    <dgm:cxn modelId="{AED4264C-2C5F-3C44-B315-0B2069BF2597}" srcId="{7439F470-7DDD-E84B-A6EC-A15198291CE2}" destId="{83B0227E-83BF-D148-9554-81B12F3E5E2E}" srcOrd="1" destOrd="0" parTransId="{1FBA812B-A617-B84F-9611-21F83DDFE234}" sibTransId="{5E6B13BB-C17F-E840-AD31-9CF932AA67ED}"/>
-    <dgm:cxn modelId="{2550A9E1-FC5E-FC4D-ABF9-AC292943019F}" srcId="{3A850AD5-727B-354E-A7C4-84BA5A56689A}" destId="{3E664D28-F16E-024B-BDC7-D7BCD05E5D00}" srcOrd="0" destOrd="0" parTransId="{D0519A92-574C-B649-B6B4-070C4E223628}" sibTransId="{72AE2C68-760D-E94B-940E-BD1FD9027165}"/>
-    <dgm:cxn modelId="{37B62894-4E8D-BF48-984A-DCAD099D1AB2}" type="presOf" srcId="{BC60429C-E0A4-AE4F-AB85-A4DA402252EA}" destId="{D2D41AB5-5980-C34D-9849-ED6E11C56A74}" srcOrd="0" destOrd="0" presId="urn:microsoft.com/office/officeart/2005/8/layout/hierarchy6"/>
-    <dgm:cxn modelId="{4C5D04B1-7792-E945-A448-6D1E48600CEE}" type="presOf" srcId="{8BF862B4-208B-CA45-BDF0-97B130435909}" destId="{2FAAD3D6-DFB5-F343-BE52-77986960AD52}" srcOrd="0" destOrd="0" presId="urn:microsoft.com/office/officeart/2005/8/layout/hierarchy6"/>
-    <dgm:cxn modelId="{1DD7C3AE-F838-8C47-BB01-CC04AA0524B7}" type="presOf" srcId="{976974F4-63A8-1C46-BACF-2904593216D9}" destId="{B4A00DB9-AB8A-6942-8431-C98ED7AFC5C4}" srcOrd="0" destOrd="0" presId="urn:microsoft.com/office/officeart/2005/8/layout/hierarchy6"/>
     <dgm:cxn modelId="{CE6C5D48-84F8-2F4A-8E8B-34E7041EBF29}" type="presParOf" srcId="{469E0EB9-C0CD-7C41-9678-7B23201CFEF8}" destId="{8AA0CBD7-7ADB-8A42-9A69-0CA32CF7EE18}" srcOrd="0" destOrd="0" presId="urn:microsoft.com/office/officeart/2005/8/layout/hierarchy6"/>
     <dgm:cxn modelId="{38BCC21D-DAC2-434D-848C-71EFA3B24A50}" type="presParOf" srcId="{8AA0CBD7-7ADB-8A42-9A69-0CA32CF7EE18}" destId="{11EC7B14-0D41-224A-B28F-CD2DC6794FE9}" srcOrd="0" destOrd="0" presId="urn:microsoft.com/office/officeart/2005/8/layout/hierarchy6"/>
     <dgm:cxn modelId="{DC245F40-FC2F-D249-B137-97D32D4A5FA6}" type="presParOf" srcId="{11EC7B14-0D41-224A-B28F-CD2DC6794FE9}" destId="{243C9FED-4E24-254A-9A4A-3A030D4373DE}" srcOrd="0" destOrd="0" presId="urn:microsoft.com/office/officeart/2005/8/layout/hierarchy6"/>
@@ -5251,356 +5417,6 @@
 </dgm:styleDef>
 </file>
 
-<file path=ppt/notesMasters/notesMaster1.xml><?xml version="1.0" encoding="utf-8"?>
-<p:notesMaster xmlns:a="http://schemas.openxmlformats.org/drawingml/2006/main" xmlns:r="http://schemas.openxmlformats.org/officeDocument/2006/relationships" xmlns:p="http://schemas.openxmlformats.org/presentationml/2006/main">
-  <p:cSld>
-    <p:bg>
-      <p:bgRef idx="1001">
-        <a:schemeClr val="bg1"/>
-      </p:bgRef>
-    </p:bg>
-    <p:spTree>
-      <p:nvGrpSpPr>
-        <p:cNvPr id="1" name=""/>
-        <p:cNvGrpSpPr/>
-        <p:nvPr/>
-      </p:nvGrpSpPr>
-      <p:grpSpPr>
-        <a:xfrm>
-          <a:off x="0" y="0"/>
-          <a:ext cx="0" cy="0"/>
-          <a:chOff x="0" y="0"/>
-          <a:chExt cx="0" cy="0"/>
-        </a:xfrm>
-      </p:grpSpPr>
-      <p:sp>
-        <p:nvSpPr>
-          <p:cNvPr id="2" name="页眉占位符 1"/>
-          <p:cNvSpPr>
-            <a:spLocks noGrp="1"/>
-          </p:cNvSpPr>
-          <p:nvPr>
-            <p:ph type="hdr" sz="quarter"/>
-          </p:nvPr>
-        </p:nvSpPr>
-        <p:spPr>
-          <a:xfrm>
-            <a:off x="0" y="0"/>
-            <a:ext cx="2971800" cy="458788"/>
-          </a:xfrm>
-          <a:prstGeom prst="rect">
-            <a:avLst/>
-          </a:prstGeom>
-        </p:spPr>
-        <p:txBody>
-          <a:bodyPr vert="horz" lIns="91440" tIns="45720" rIns="91440" bIns="45720" rtlCol="0"/>
-          <a:lstStyle>
-            <a:lvl1pPr algn="l">
-              <a:defRPr sz="1200"/>
-            </a:lvl1pPr>
-          </a:lstStyle>
-          <a:p>
-            <a:endParaRPr kumimoji="1" lang="zh-CN" altLang="en-US"/>
-          </a:p>
-        </p:txBody>
-      </p:sp>
-      <p:sp>
-        <p:nvSpPr>
-          <p:cNvPr id="3" name="日期占位符 2"/>
-          <p:cNvSpPr>
-            <a:spLocks noGrp="1"/>
-          </p:cNvSpPr>
-          <p:nvPr>
-            <p:ph type="dt" idx="1"/>
-          </p:nvPr>
-        </p:nvSpPr>
-        <p:spPr>
-          <a:xfrm>
-            <a:off x="3884613" y="0"/>
-            <a:ext cx="2971800" cy="458788"/>
-          </a:xfrm>
-          <a:prstGeom prst="rect">
-            <a:avLst/>
-          </a:prstGeom>
-        </p:spPr>
-        <p:txBody>
-          <a:bodyPr vert="horz" lIns="91440" tIns="45720" rIns="91440" bIns="45720" rtlCol="0"/>
-          <a:lstStyle>
-            <a:lvl1pPr algn="r">
-              <a:defRPr sz="1200"/>
-            </a:lvl1pPr>
-          </a:lstStyle>
-          <a:p>
-            <a:fld id="{C37E6ED6-E9BB-244A-85F5-D9E4506E8090}" type="datetimeFigureOut">
-              <a:rPr kumimoji="1" lang="zh-CN" altLang="en-US" smtClean="0"/>
-              <a:t>2017/9/7</a:t>
-            </a:fld>
-            <a:endParaRPr kumimoji="1" lang="zh-CN" altLang="en-US"/>
-          </a:p>
-        </p:txBody>
-      </p:sp>
-      <p:sp>
-        <p:nvSpPr>
-          <p:cNvPr id="4" name="幻灯片图像占位符 3"/>
-          <p:cNvSpPr>
-            <a:spLocks noGrp="1" noRot="1" noChangeAspect="1"/>
-          </p:cNvSpPr>
-          <p:nvPr>
-            <p:ph type="sldImg" idx="2"/>
-          </p:nvPr>
-        </p:nvSpPr>
-        <p:spPr>
-          <a:xfrm>
-            <a:off x="685800" y="1143000"/>
-            <a:ext cx="5486400" cy="3086100"/>
-          </a:xfrm>
-          <a:prstGeom prst="rect">
-            <a:avLst/>
-          </a:prstGeom>
-          <a:noFill/>
-          <a:ln w="12700">
-            <a:solidFill>
-              <a:prstClr val="black"/>
-            </a:solidFill>
-          </a:ln>
-        </p:spPr>
-        <p:txBody>
-          <a:bodyPr vert="horz" lIns="91440" tIns="45720" rIns="91440" bIns="45720" rtlCol="0" anchor="ctr"/>
-          <a:lstStyle/>
-          <a:p>
-            <a:endParaRPr lang="zh-CN" altLang="en-US"/>
-          </a:p>
-        </p:txBody>
-      </p:sp>
-      <p:sp>
-        <p:nvSpPr>
-          <p:cNvPr id="5" name="备注占位符 4"/>
-          <p:cNvSpPr>
-            <a:spLocks noGrp="1"/>
-          </p:cNvSpPr>
-          <p:nvPr>
-            <p:ph type="body" sz="quarter" idx="3"/>
-          </p:nvPr>
-        </p:nvSpPr>
-        <p:spPr>
-          <a:xfrm>
-            <a:off x="685800" y="4400550"/>
-            <a:ext cx="5486400" cy="3600450"/>
-          </a:xfrm>
-          <a:prstGeom prst="rect">
-            <a:avLst/>
-          </a:prstGeom>
-        </p:spPr>
-        <p:txBody>
-          <a:bodyPr vert="horz" lIns="91440" tIns="45720" rIns="91440" bIns="45720" rtlCol="0"/>
-          <a:lstStyle/>
-          <a:p>
-            <a:pPr lvl="0"/>
-            <a:r>
-              <a:rPr kumimoji="1" lang="zh-CN" altLang="en-US" smtClean="0"/>
-              <a:t>单击此处编辑母版文本样式</a:t>
-            </a:r>
-          </a:p>
-          <a:p>
-            <a:pPr lvl="1"/>
-            <a:r>
-              <a:rPr kumimoji="1" lang="zh-CN" altLang="en-US" smtClean="0"/>
-              <a:t>二级</a:t>
-            </a:r>
-          </a:p>
-          <a:p>
-            <a:pPr lvl="2"/>
-            <a:r>
-              <a:rPr kumimoji="1" lang="zh-CN" altLang="en-US" smtClean="0"/>
-              <a:t>三级</a:t>
-            </a:r>
-          </a:p>
-          <a:p>
-            <a:pPr lvl="3"/>
-            <a:r>
-              <a:rPr kumimoji="1" lang="zh-CN" altLang="en-US" smtClean="0"/>
-              <a:t>四级</a:t>
-            </a:r>
-          </a:p>
-          <a:p>
-            <a:pPr lvl="4"/>
-            <a:r>
-              <a:rPr kumimoji="1" lang="zh-CN" altLang="en-US" smtClean="0"/>
-              <a:t>五级</a:t>
-            </a:r>
-            <a:endParaRPr kumimoji="1" lang="zh-CN" altLang="en-US"/>
-          </a:p>
-        </p:txBody>
-      </p:sp>
-      <p:sp>
-        <p:nvSpPr>
-          <p:cNvPr id="6" name="页脚占位符 5"/>
-          <p:cNvSpPr>
-            <a:spLocks noGrp="1"/>
-          </p:cNvSpPr>
-          <p:nvPr>
-            <p:ph type="ftr" sz="quarter" idx="4"/>
-          </p:nvPr>
-        </p:nvSpPr>
-        <p:spPr>
-          <a:xfrm>
-            <a:off x="0" y="8685213"/>
-            <a:ext cx="2971800" cy="458787"/>
-          </a:xfrm>
-          <a:prstGeom prst="rect">
-            <a:avLst/>
-          </a:prstGeom>
-        </p:spPr>
-        <p:txBody>
-          <a:bodyPr vert="horz" lIns="91440" tIns="45720" rIns="91440" bIns="45720" rtlCol="0" anchor="b"/>
-          <a:lstStyle>
-            <a:lvl1pPr algn="l">
-              <a:defRPr sz="1200"/>
-            </a:lvl1pPr>
-          </a:lstStyle>
-          <a:p>
-            <a:endParaRPr kumimoji="1" lang="zh-CN" altLang="en-US"/>
-          </a:p>
-        </p:txBody>
-      </p:sp>
-      <p:sp>
-        <p:nvSpPr>
-          <p:cNvPr id="7" name="幻灯片编号占位符 6"/>
-          <p:cNvSpPr>
-            <a:spLocks noGrp="1"/>
-          </p:cNvSpPr>
-          <p:nvPr>
-            <p:ph type="sldNum" sz="quarter" idx="5"/>
-          </p:nvPr>
-        </p:nvSpPr>
-        <p:spPr>
-          <a:xfrm>
-            <a:off x="3884613" y="8685213"/>
-            <a:ext cx="2971800" cy="458787"/>
-          </a:xfrm>
-          <a:prstGeom prst="rect">
-            <a:avLst/>
-          </a:prstGeom>
-        </p:spPr>
-        <p:txBody>
-          <a:bodyPr vert="horz" lIns="91440" tIns="45720" rIns="91440" bIns="45720" rtlCol="0" anchor="b"/>
-          <a:lstStyle>
-            <a:lvl1pPr algn="r">
-              <a:defRPr sz="1200"/>
-            </a:lvl1pPr>
-          </a:lstStyle>
-          <a:p>
-            <a:fld id="{53B69CCA-59EC-DD49-B073-1A9329CD91D6}" type="slidenum">
-              <a:rPr kumimoji="1" lang="zh-CN" altLang="en-US" smtClean="0"/>
-              <a:t>‹#›</a:t>
-            </a:fld>
-            <a:endParaRPr kumimoji="1" lang="zh-CN" altLang="en-US"/>
-          </a:p>
-        </p:txBody>
-      </p:sp>
-    </p:spTree>
-    <p:extLst>
-      <p:ext uri="{BB962C8B-B14F-4D97-AF65-F5344CB8AC3E}">
-        <p14:creationId xmlns:p14="http://schemas.microsoft.com/office/powerpoint/2010/main" val="624836340"/>
-      </p:ext>
-    </p:extLst>
-  </p:cSld>
-  <p:clrMap bg1="lt1" tx1="dk1" bg2="lt2" tx2="dk2" accent1="accent1" accent2="accent2" accent3="accent3" accent4="accent4" accent5="accent5" accent6="accent6" hlink="hlink" folHlink="folHlink"/>
-  <p:notesStyle>
-    <a:lvl1pPr marL="0" algn="l" defTabSz="914400" rtl="0" eaLnBrk="1" latinLnBrk="0" hangingPunct="1">
-      <a:defRPr sz="1200" kern="1200">
-        <a:solidFill>
-          <a:schemeClr val="tx1"/>
-        </a:solidFill>
-        <a:latin typeface="+mn-lt"/>
-        <a:ea typeface="+mn-ea"/>
-        <a:cs typeface="+mn-cs"/>
-      </a:defRPr>
-    </a:lvl1pPr>
-    <a:lvl2pPr marL="457200" algn="l" defTabSz="914400" rtl="0" eaLnBrk="1" latinLnBrk="0" hangingPunct="1">
-      <a:defRPr sz="1200" kern="1200">
-        <a:solidFill>
-          <a:schemeClr val="tx1"/>
-        </a:solidFill>
-        <a:latin typeface="+mn-lt"/>
-        <a:ea typeface="+mn-ea"/>
-        <a:cs typeface="+mn-cs"/>
-      </a:defRPr>
-    </a:lvl2pPr>
-    <a:lvl3pPr marL="914400" algn="l" defTabSz="914400" rtl="0" eaLnBrk="1" latinLnBrk="0" hangingPunct="1">
-      <a:defRPr sz="1200" kern="1200">
-        <a:solidFill>
-          <a:schemeClr val="tx1"/>
-        </a:solidFill>
-        <a:latin typeface="+mn-lt"/>
-        <a:ea typeface="+mn-ea"/>
-        <a:cs typeface="+mn-cs"/>
-      </a:defRPr>
-    </a:lvl3pPr>
-    <a:lvl4pPr marL="1371600" algn="l" defTabSz="914400" rtl="0" eaLnBrk="1" latinLnBrk="0" hangingPunct="1">
-      <a:defRPr sz="1200" kern="1200">
-        <a:solidFill>
-          <a:schemeClr val="tx1"/>
-        </a:solidFill>
-        <a:latin typeface="+mn-lt"/>
-        <a:ea typeface="+mn-ea"/>
-        <a:cs typeface="+mn-cs"/>
-      </a:defRPr>
-    </a:lvl4pPr>
-    <a:lvl5pPr marL="1828800" algn="l" defTabSz="914400" rtl="0" eaLnBrk="1" latinLnBrk="0" hangingPunct="1">
-      <a:defRPr sz="1200" kern="1200">
-        <a:solidFill>
-          <a:schemeClr val="tx1"/>
-        </a:solidFill>
-        <a:latin typeface="+mn-lt"/>
-        <a:ea typeface="+mn-ea"/>
-        <a:cs typeface="+mn-cs"/>
-      </a:defRPr>
-    </a:lvl5pPr>
-    <a:lvl6pPr marL="2286000" algn="l" defTabSz="914400" rtl="0" eaLnBrk="1" latinLnBrk="0" hangingPunct="1">
-      <a:defRPr sz="1200" kern="1200">
-        <a:solidFill>
-          <a:schemeClr val="tx1"/>
-        </a:solidFill>
-        <a:latin typeface="+mn-lt"/>
-        <a:ea typeface="+mn-ea"/>
-        <a:cs typeface="+mn-cs"/>
-      </a:defRPr>
-    </a:lvl6pPr>
-    <a:lvl7pPr marL="2743200" algn="l" defTabSz="914400" rtl="0" eaLnBrk="1" latinLnBrk="0" hangingPunct="1">
-      <a:defRPr sz="1200" kern="1200">
-        <a:solidFill>
-          <a:schemeClr val="tx1"/>
-        </a:solidFill>
-        <a:latin typeface="+mn-lt"/>
-        <a:ea typeface="+mn-ea"/>
-        <a:cs typeface="+mn-cs"/>
-      </a:defRPr>
-    </a:lvl7pPr>
-    <a:lvl8pPr marL="3200400" algn="l" defTabSz="914400" rtl="0" eaLnBrk="1" latinLnBrk="0" hangingPunct="1">
-      <a:defRPr sz="1200" kern="1200">
-        <a:solidFill>
-          <a:schemeClr val="tx1"/>
-        </a:solidFill>
-        <a:latin typeface="+mn-lt"/>
-        <a:ea typeface="+mn-ea"/>
-        <a:cs typeface="+mn-cs"/>
-      </a:defRPr>
-    </a:lvl8pPr>
-    <a:lvl9pPr marL="3657600" algn="l" defTabSz="914400" rtl="0" eaLnBrk="1" latinLnBrk="0" hangingPunct="1">
-      <a:defRPr sz="1200" kern="1200">
-        <a:solidFill>
-          <a:schemeClr val="tx1"/>
-        </a:solidFill>
-        <a:latin typeface="+mn-lt"/>
-        <a:ea typeface="+mn-ea"/>
-        <a:cs typeface="+mn-cs"/>
-      </a:defRPr>
-    </a:lvl9pPr>
-  </p:notesStyle>
-</p:notesMaster>
-</file>
-
 <file path=ppt/slideLayouts/slideLayout1.xml><?xml version="1.0" encoding="utf-8"?>
 <p:sldLayout xmlns:a="http://schemas.openxmlformats.org/drawingml/2006/main" xmlns:r="http://schemas.openxmlformats.org/officeDocument/2006/relationships" xmlns:p="http://schemas.openxmlformats.org/presentationml/2006/main" type="title" preserve="1">
   <p:cSld name="Title Slide">
@@ -5771,7 +5587,7 @@
           <a:p>
             <a:fld id="{48A87A34-81AB-432B-8DAE-1953F412C126}" type="datetimeFigureOut">
               <a:rPr lang="en-US" dirty="0"/>
-              <a:t>9/7/17</a:t>
+              <a:t>9/7/2017</a:t>
             </a:fld>
             <a:endParaRPr lang="en-US" dirty="0"/>
           </a:p>
@@ -6033,7 +5849,7 @@
           <a:p>
             <a:fld id="{48A87A34-81AB-432B-8DAE-1953F412C126}" type="datetimeFigureOut">
               <a:rPr lang="en-US" dirty="0"/>
-              <a:t>9/7/17</a:t>
+              <a:t>9/7/2017</a:t>
             </a:fld>
             <a:endParaRPr lang="en-US" dirty="0"/>
           </a:p>
@@ -6260,7 +6076,7 @@
             <a:fld id="{48A87A34-81AB-432B-8DAE-1953F412C126}" type="datetimeFigureOut">
               <a:rPr lang="en-US" dirty="0"/>
               <a:pPr/>
-              <a:t>9/7/17</a:t>
+              <a:t>9/7/2017</a:t>
             </a:fld>
             <a:endParaRPr lang="en-US" dirty="0"/>
           </a:p>
@@ -6566,7 +6382,7 @@
             <a:fld id="{48A87A34-81AB-432B-8DAE-1953F412C126}" type="datetimeFigureOut">
               <a:rPr lang="en-US" dirty="0"/>
               <a:pPr/>
-              <a:t>9/7/17</a:t>
+              <a:t>9/7/2017</a:t>
             </a:fld>
             <a:endParaRPr lang="en-US" dirty="0"/>
           </a:p>
@@ -7035,7 +6851,7 @@
             <a:fld id="{48A87A34-81AB-432B-8DAE-1953F412C126}" type="datetimeFigureOut">
               <a:rPr lang="en-US" dirty="0"/>
               <a:pPr/>
-              <a:t>9/7/17</a:t>
+              <a:t>9/7/2017</a:t>
             </a:fld>
             <a:endParaRPr lang="en-US" dirty="0"/>
           </a:p>
@@ -7577,7 +7393,7 @@
           <a:p>
             <a:fld id="{48A87A34-81AB-432B-8DAE-1953F412C126}" type="datetimeFigureOut">
               <a:rPr lang="en-US" dirty="0"/>
-              <a:t>9/7/17</a:t>
+              <a:t>9/7/2017</a:t>
             </a:fld>
             <a:endParaRPr lang="en-US" dirty="0"/>
           </a:p>
@@ -8346,7 +8162,7 @@
           <a:p>
             <a:fld id="{48A87A34-81AB-432B-8DAE-1953F412C126}" type="datetimeFigureOut">
               <a:rPr lang="en-US" dirty="0"/>
-              <a:t>9/7/17</a:t>
+              <a:t>9/7/2017</a:t>
             </a:fld>
             <a:endParaRPr lang="en-US" dirty="0"/>
           </a:p>
@@ -8516,7 +8332,7 @@
           <a:p>
             <a:fld id="{48A87A34-81AB-432B-8DAE-1953F412C126}" type="datetimeFigureOut">
               <a:rPr lang="en-US" dirty="0"/>
-              <a:t>9/7/17</a:t>
+              <a:t>9/7/2017</a:t>
             </a:fld>
             <a:endParaRPr lang="en-US" dirty="0"/>
           </a:p>
@@ -8735,7 +8551,7 @@
             <a:fld id="{48A87A34-81AB-432B-8DAE-1953F412C126}" type="datetimeFigureOut">
               <a:rPr lang="en-US" dirty="0"/>
               <a:pPr/>
-              <a:t>9/7/17</a:t>
+              <a:t>9/7/2017</a:t>
             </a:fld>
             <a:endParaRPr lang="en-US" dirty="0"/>
           </a:p>
@@ -8948,7 +8764,7 @@
           <a:p>
             <a:fld id="{48A87A34-81AB-432B-8DAE-1953F412C126}" type="datetimeFigureOut">
               <a:rPr lang="en-US" dirty="0"/>
-              <a:t>9/7/17</a:t>
+              <a:t>9/7/2017</a:t>
             </a:fld>
             <a:endParaRPr lang="en-US" dirty="0"/>
           </a:p>
@@ -9233,7 +9049,7 @@
             <a:fld id="{48A87A34-81AB-432B-8DAE-1953F412C126}" type="datetimeFigureOut">
               <a:rPr lang="en-US" dirty="0"/>
               <a:pPr/>
-              <a:t>9/7/17</a:t>
+              <a:t>9/7/2017</a:t>
             </a:fld>
             <a:endParaRPr lang="en-US" dirty="0"/>
           </a:p>
@@ -9357,39 +9173,85 @@
         </p:spPr>
         <p:txBody>
           <a:bodyPr/>
-          <a:lstStyle/>
+          <a:lstStyle>
+            <a:lvl1pPr>
+              <a:lnSpc>
+                <a:spcPct val="100000"/>
+              </a:lnSpc>
+              <a:defRPr>
+                <a:latin typeface="DengXian Light" panose="02010600030101010101" pitchFamily="2" charset="-122"/>
+                <a:ea typeface="DengXian Light" panose="02010600030101010101" pitchFamily="2" charset="-122"/>
+              </a:defRPr>
+            </a:lvl1pPr>
+            <a:lvl2pPr>
+              <a:lnSpc>
+                <a:spcPct val="100000"/>
+              </a:lnSpc>
+              <a:defRPr>
+                <a:latin typeface="DengXian Light" panose="02010600030101010101" pitchFamily="2" charset="-122"/>
+                <a:ea typeface="DengXian Light" panose="02010600030101010101" pitchFamily="2" charset="-122"/>
+              </a:defRPr>
+            </a:lvl2pPr>
+            <a:lvl3pPr>
+              <a:lnSpc>
+                <a:spcPct val="100000"/>
+              </a:lnSpc>
+              <a:defRPr>
+                <a:latin typeface="DengXian Light" panose="02010600030101010101" pitchFamily="2" charset="-122"/>
+                <a:ea typeface="DengXian Light" panose="02010600030101010101" pitchFamily="2" charset="-122"/>
+              </a:defRPr>
+            </a:lvl3pPr>
+            <a:lvl4pPr>
+              <a:lnSpc>
+                <a:spcPct val="100000"/>
+              </a:lnSpc>
+              <a:defRPr>
+                <a:latin typeface="DengXian Light" panose="02010600030101010101" pitchFamily="2" charset="-122"/>
+                <a:ea typeface="DengXian Light" panose="02010600030101010101" pitchFamily="2" charset="-122"/>
+              </a:defRPr>
+            </a:lvl4pPr>
+            <a:lvl5pPr>
+              <a:lnSpc>
+                <a:spcPct val="100000"/>
+              </a:lnSpc>
+              <a:defRPr>
+                <a:latin typeface="DengXian Light" panose="02010600030101010101" pitchFamily="2" charset="-122"/>
+                <a:ea typeface="DengXian Light" panose="02010600030101010101" pitchFamily="2" charset="-122"/>
+              </a:defRPr>
+            </a:lvl5pPr>
+          </a:lstStyle>
           <a:p>
             <a:pPr lvl="0"/>
             <a:r>
-              <a:rPr lang="en-US" smtClean="0"/>
+              <a:rPr lang="en-US" dirty="0" smtClean="0"/>
               <a:t>Edit Master text styles</a:t>
             </a:r>
           </a:p>
           <a:p>
             <a:pPr lvl="1"/>
             <a:r>
-              <a:rPr lang="en-US" smtClean="0"/>
+              <a:rPr lang="en-US" dirty="0" smtClean="0"/>
               <a:t>Second level</a:t>
             </a:r>
           </a:p>
           <a:p>
             <a:pPr lvl="2"/>
             <a:r>
-              <a:rPr lang="en-US" smtClean="0"/>
+              <a:rPr lang="en-US" dirty="0" smtClean="0"/>
               <a:t>Third level</a:t>
             </a:r>
           </a:p>
           <a:p>
             <a:pPr lvl="3"/>
             <a:r>
-              <a:rPr lang="en-US" smtClean="0"/>
+              <a:rPr lang="en-US" dirty="0" smtClean="0"/>
               <a:t>Fourth level</a:t>
             </a:r>
           </a:p>
           <a:p>
             <a:pPr lvl="4"/>
             <a:r>
-              <a:rPr lang="en-US" smtClean="0"/>
+              <a:rPr lang="en-US" dirty="0" smtClean="0"/>
               <a:t>Fifth level</a:t>
             </a:r>
             <a:endParaRPr lang="en-US" dirty="0"/>
@@ -9418,35 +9280,35 @@
           <a:p>
             <a:pPr lvl="0"/>
             <a:r>
-              <a:rPr lang="en-US" smtClean="0"/>
+              <a:rPr lang="en-US" dirty="0" smtClean="0"/>
               <a:t>Edit Master text styles</a:t>
             </a:r>
           </a:p>
           <a:p>
             <a:pPr lvl="1"/>
             <a:r>
-              <a:rPr lang="en-US" smtClean="0"/>
+              <a:rPr lang="en-US" dirty="0" smtClean="0"/>
               <a:t>Second level</a:t>
             </a:r>
           </a:p>
           <a:p>
             <a:pPr lvl="2"/>
             <a:r>
-              <a:rPr lang="en-US" smtClean="0"/>
+              <a:rPr lang="en-US" dirty="0" smtClean="0"/>
               <a:t>Third level</a:t>
             </a:r>
           </a:p>
           <a:p>
             <a:pPr lvl="3"/>
             <a:r>
-              <a:rPr lang="en-US" smtClean="0"/>
+              <a:rPr lang="en-US" dirty="0" smtClean="0"/>
               <a:t>Fourth level</a:t>
             </a:r>
           </a:p>
           <a:p>
             <a:pPr lvl="4"/>
             <a:r>
-              <a:rPr lang="en-US" smtClean="0"/>
+              <a:rPr lang="en-US" dirty="0" smtClean="0"/>
               <a:t>Fifth level</a:t>
             </a:r>
             <a:endParaRPr lang="en-US" dirty="0"/>
@@ -9470,7 +9332,7 @@
           <a:p>
             <a:fld id="{48A87A34-81AB-432B-8DAE-1953F412C126}" type="datetimeFigureOut">
               <a:rPr lang="en-US" dirty="0"/>
-              <a:t>9/7/17</a:t>
+              <a:t>9/7/2017</a:t>
             </a:fld>
             <a:endParaRPr lang="en-US" dirty="0"/>
           </a:p>
@@ -9844,7 +9706,7 @@
           <a:p>
             <a:fld id="{48A87A34-81AB-432B-8DAE-1953F412C126}" type="datetimeFigureOut">
               <a:rPr lang="en-US" dirty="0"/>
-              <a:t>9/7/17</a:t>
+              <a:t>9/7/2017</a:t>
             </a:fld>
             <a:endParaRPr lang="en-US" dirty="0"/>
           </a:p>
@@ -9957,7 +9819,7 @@
           <a:p>
             <a:fld id="{48A87A34-81AB-432B-8DAE-1953F412C126}" type="datetimeFigureOut">
               <a:rPr lang="en-US" dirty="0"/>
-              <a:t>9/7/17</a:t>
+              <a:t>9/7/2017</a:t>
             </a:fld>
             <a:endParaRPr lang="en-US" dirty="0"/>
           </a:p>
@@ -10047,7 +9909,7 @@
           <a:p>
             <a:fld id="{48A87A34-81AB-432B-8DAE-1953F412C126}" type="datetimeFigureOut">
               <a:rPr lang="en-US" dirty="0"/>
-              <a:t>9/7/17</a:t>
+              <a:t>9/7/2017</a:t>
             </a:fld>
             <a:endParaRPr lang="en-US" dirty="0"/>
           </a:p>
@@ -10291,7 +10153,7 @@
           <a:p>
             <a:fld id="{48A87A34-81AB-432B-8DAE-1953F412C126}" type="datetimeFigureOut">
               <a:rPr lang="en-US" dirty="0"/>
-              <a:t>9/7/17</a:t>
+              <a:t>9/7/2017</a:t>
             </a:fld>
             <a:endParaRPr lang="en-US" dirty="0"/>
           </a:p>
@@ -10543,7 +10405,7 @@
           <a:p>
             <a:fld id="{48A87A34-81AB-432B-8DAE-1953F412C126}" type="datetimeFigureOut">
               <a:rPr lang="en-US" dirty="0"/>
-              <a:t>9/7/17</a:t>
+              <a:t>9/7/2017</a:t>
             </a:fld>
             <a:endParaRPr lang="en-US" dirty="0"/>
           </a:p>
@@ -10782,7 +10644,7 @@
             <a:fld id="{48A87A34-81AB-432B-8DAE-1953F412C126}" type="datetimeFigureOut">
               <a:rPr lang="en-US" dirty="0"/>
               <a:pPr/>
-              <a:t>9/7/17</a:t>
+              <a:t>9/7/2017</a:t>
             </a:fld>
             <a:endParaRPr lang="en-US" dirty="0"/>
           </a:p>
@@ -11379,7 +11241,7 @@
       </p:grpSpPr>
       <p:sp>
         <p:nvSpPr>
-          <p:cNvPr id="2" name="标题 1"/>
+          <p:cNvPr id="2" name="Title 1"/>
           <p:cNvSpPr>
             <a:spLocks noGrp="1"/>
           </p:cNvSpPr>
@@ -11393,21 +11255,21 @@
           <a:lstStyle/>
           <a:p>
             <a:r>
-              <a:rPr kumimoji="1" lang="zh-CN" altLang="en-US" dirty="0" smtClean="0"/>
-              <a:t>调试中出现的问题</a:t>
-            </a:r>
-            <a:endParaRPr kumimoji="1" lang="zh-CN" altLang="en-US" dirty="0"/>
-          </a:p>
-        </p:txBody>
-      </p:sp>
-      <p:sp>
-        <p:nvSpPr>
-          <p:cNvPr id="3" name="内容占位符 2"/>
+              <a:rPr lang="zh-CN" altLang="en-US" dirty="0" smtClean="0"/>
+              <a:t>模拟电子电路部分</a:t>
+            </a:r>
+            <a:endParaRPr lang="en-US" dirty="0"/>
+          </a:p>
+        </p:txBody>
+      </p:sp>
+      <p:sp>
+        <p:nvSpPr>
+          <p:cNvPr id="3" name="Content Placeholder 2"/>
           <p:cNvSpPr>
             <a:spLocks noGrp="1"/>
           </p:cNvSpPr>
           <p:nvPr>
-            <p:ph idx="1"/>
+            <p:ph sz="half" idx="1"/>
           </p:nvPr>
         </p:nvSpPr>
         <p:spPr/>
@@ -11416,109 +11278,1761 @@
           <a:lstStyle/>
           <a:p>
             <a:r>
-              <a:rPr kumimoji="1" lang="en-US" altLang="zh-CN" dirty="0" smtClean="0"/>
-              <a:t>HC-05</a:t>
-            </a:r>
-            <a:r>
-              <a:rPr kumimoji="1" lang="zh-CN" altLang="en-US" dirty="0" smtClean="0"/>
-              <a:t>主从一体蓝牙串口模块</a:t>
-            </a:r>
-            <a:endParaRPr kumimoji="1" lang="en-US" altLang="zh-CN" dirty="0" smtClean="0"/>
-          </a:p>
-          <a:p>
-            <a:r>
-              <a:rPr kumimoji="1" lang="zh-CN" altLang="en-US" dirty="0" smtClean="0"/>
-              <a:t>波特率</a:t>
-            </a:r>
-            <a:r>
-              <a:rPr kumimoji="1" lang="en-US" altLang="zh-CN" dirty="0" smtClean="0"/>
-              <a:t>921600</a:t>
-            </a:r>
-            <a:r>
-              <a:rPr kumimoji="1" lang="zh-CN" altLang="en-US" dirty="0" smtClean="0"/>
-              <a:t> ≈ </a:t>
-            </a:r>
-            <a:r>
-              <a:rPr kumimoji="1" lang="en-US" altLang="zh-CN" dirty="0" smtClean="0"/>
-              <a:t>11µs</a:t>
-            </a:r>
-            <a:r>
-              <a:rPr kumimoji="1" lang="zh-CN" altLang="en-US" dirty="0" smtClean="0"/>
+              <a:rPr lang="en-US" altLang="zh-CN" dirty="0" smtClean="0"/>
               <a:t> </a:t>
             </a:r>
             <a:r>
-              <a:rPr kumimoji="1" lang="en-US" altLang="zh-CN" dirty="0" smtClean="0"/>
-              <a:t>per</a:t>
-            </a:r>
-            <a:r>
-              <a:rPr kumimoji="1" lang="zh-CN" altLang="en-US" dirty="0" smtClean="0"/>
+              <a:rPr lang="zh-CN" altLang="en-US" dirty="0" smtClean="0"/>
+              <a:t>基于</a:t>
+            </a:r>
+            <a:r>
+              <a:rPr lang="en-US" altLang="zh-CN" dirty="0" smtClean="0"/>
+              <a:t>WEBENCH</a:t>
+            </a:r>
+            <a:r>
+              <a:rPr lang="zh-CN" altLang="en-US" dirty="0" smtClean="0"/>
+              <a:t>的原理图仿真</a:t>
+            </a:r>
+            <a:endParaRPr lang="en-US" altLang="zh-CN" dirty="0"/>
+          </a:p>
+          <a:p>
+            <a:pPr lvl="1"/>
+            <a:r>
+              <a:rPr lang="zh-CN" altLang="en-US" dirty="0" smtClean="0"/>
+              <a:t>使用实验室提供的</a:t>
+            </a:r>
+            <a:r>
+              <a:rPr lang="en-US" altLang="zh-CN" dirty="0" smtClean="0"/>
+              <a:t>TI</a:t>
+            </a:r>
+            <a:r>
+              <a:rPr lang="zh-CN" altLang="en-US" dirty="0" smtClean="0"/>
+              <a:t>芯片</a:t>
+            </a:r>
+            <a:r>
+              <a:rPr lang="en-US" altLang="zh-CN" dirty="0" smtClean="0"/>
+              <a:t>TPS54160</a:t>
+            </a:r>
+            <a:r>
+              <a:rPr lang="zh-CN" altLang="en-US" dirty="0" smtClean="0"/>
+              <a:t>作为开关电源模块并直接使用，理论效率高达</a:t>
+            </a:r>
+            <a:r>
+              <a:rPr lang="en-US" altLang="zh-CN" dirty="0" smtClean="0"/>
+              <a:t>84%</a:t>
+            </a:r>
+            <a:endParaRPr lang="en-US" altLang="zh-CN" dirty="0"/>
+          </a:p>
+          <a:p>
+            <a:pPr lvl="1"/>
+            <a:r>
+              <a:rPr lang="zh-CN" altLang="en-US" dirty="0" smtClean="0"/>
+              <a:t>问题：</a:t>
+            </a:r>
+            <a:r>
+              <a:rPr lang="en-US" altLang="zh-CN" dirty="0" smtClean="0"/>
+              <a:t>WEBENCH</a:t>
+            </a:r>
+            <a:r>
+              <a:rPr lang="zh-CN" altLang="en-US" dirty="0"/>
+              <a:t>集成</a:t>
+            </a:r>
+            <a:r>
+              <a:rPr lang="zh-CN" altLang="en-US" dirty="0" smtClean="0"/>
+              <a:t>度太高，带来后续芯片焊接难度大</a:t>
+            </a:r>
+            <a:endParaRPr lang="en-US" altLang="zh-CN" dirty="0" smtClean="0"/>
+          </a:p>
+          <a:p>
+            <a:pPr lvl="1"/>
+            <a:r>
+              <a:rPr lang="en-US" altLang="zh-CN" dirty="0"/>
               <a:t> </a:t>
             </a:r>
             <a:r>
-              <a:rPr kumimoji="1" lang="en-US" altLang="zh-CN" dirty="0" smtClean="0"/>
-              <a:t>byte</a:t>
-            </a:r>
-            <a:r>
-              <a:rPr kumimoji="1" lang="zh-CN" altLang="en-US" dirty="0" smtClean="0"/>
-              <a:t> ≈ </a:t>
-            </a:r>
-            <a:r>
-              <a:rPr kumimoji="1" lang="en-US" altLang="zh-CN" dirty="0" smtClean="0"/>
-              <a:t>3.3s</a:t>
-            </a:r>
-            <a:r>
-              <a:rPr kumimoji="1" lang="zh-CN" altLang="en-US" dirty="0" smtClean="0"/>
-              <a:t> </a:t>
-            </a:r>
-            <a:r>
-              <a:rPr kumimoji="1" lang="en-US" altLang="zh-CN" dirty="0" smtClean="0"/>
-              <a:t>per</a:t>
-            </a:r>
-            <a:r>
-              <a:rPr kumimoji="1" lang="zh-CN" altLang="en-US" dirty="0" smtClean="0"/>
-              <a:t> </a:t>
-            </a:r>
-            <a:r>
-              <a:rPr kumimoji="1" lang="en-US" altLang="zh-CN" dirty="0" smtClean="0"/>
-              <a:t>QVGA</a:t>
-            </a:r>
-            <a:r>
-              <a:rPr kumimoji="1" lang="zh-CN" altLang="en-US" dirty="0" smtClean="0"/>
-              <a:t> </a:t>
-            </a:r>
-            <a:r>
-              <a:rPr kumimoji="1" lang="en-US" altLang="zh-CN" dirty="0" smtClean="0"/>
-              <a:t>frame</a:t>
-            </a:r>
-          </a:p>
-          <a:p>
-            <a:r>
-              <a:rPr kumimoji="1" lang="zh-CN" altLang="en-US" dirty="0" smtClean="0"/>
-              <a:t>波特率不影响</a:t>
-            </a:r>
-            <a:r>
-              <a:rPr kumimoji="1" lang="en-US" altLang="zh-CN" dirty="0" smtClean="0"/>
-              <a:t>RFCOMM</a:t>
-            </a:r>
-            <a:r>
-              <a:rPr kumimoji="1" lang="zh-CN" altLang="en-US" dirty="0" smtClean="0"/>
-              <a:t>实际数据吞吐量</a:t>
-            </a:r>
-            <a:endParaRPr kumimoji="1" lang="en-US" altLang="zh-CN" dirty="0" smtClean="0"/>
-          </a:p>
-          <a:p>
-            <a:r>
-              <a:rPr kumimoji="1" lang="zh-CN" altLang="en-US" dirty="0" smtClean="0"/>
-              <a:t>数据吞吐量过大时传输不稳定</a:t>
-            </a:r>
-            <a:endParaRPr kumimoji="1" lang="zh-CN" altLang="en-US" dirty="0"/>
-          </a:p>
-        </p:txBody>
-      </p:sp>
+              <a:rPr lang="zh-CN" altLang="en-US" dirty="0" smtClean="0"/>
+              <a:t>创新点：在</a:t>
+            </a:r>
+            <a:r>
+              <a:rPr lang="en-US" altLang="zh-CN" dirty="0" smtClean="0"/>
+              <a:t>WEBENCH</a:t>
+            </a:r>
+            <a:r>
+              <a:rPr lang="zh-CN" altLang="en-US" dirty="0" smtClean="0"/>
+              <a:t>提供的电路图基础上，适当调整了电阻电容的取值，降低了电路成本</a:t>
+            </a:r>
+            <a:endParaRPr lang="en-US" altLang="zh-CN" dirty="0" smtClean="0"/>
+          </a:p>
+        </p:txBody>
+      </p:sp>
+      <p:pic>
+        <p:nvPicPr>
+          <p:cNvPr id="7" name="Content Placeholder 6"/>
+          <p:cNvPicPr>
+            <a:picLocks noGrp="1" noChangeAspect="1"/>
+          </p:cNvPicPr>
+          <p:nvPr>
+            <p:ph sz="half" idx="2"/>
+          </p:nvPr>
+        </p:nvPicPr>
+        <p:blipFill>
+          <a:blip r:embed="rId2">
+            <a:extLst>
+              <a:ext uri="{28A0092B-C50C-407E-A947-70E740481C1C}">
+                <a14:useLocalDpi xmlns:a14="http://schemas.microsoft.com/office/drawing/2010/main" val="0"/>
+              </a:ext>
+            </a:extLst>
+          </a:blip>
+          <a:stretch>
+            <a:fillRect/>
+          </a:stretch>
+        </p:blipFill>
+        <p:spPr>
+          <a:xfrm>
+            <a:off x="7296727" y="2643529"/>
+            <a:ext cx="3166918" cy="2581727"/>
+          </a:xfrm>
+        </p:spPr>
+      </p:pic>
     </p:spTree>
     <p:extLst>
       <p:ext uri="{BB962C8B-B14F-4D97-AF65-F5344CB8AC3E}">
-        <p14:creationId xmlns:p14="http://schemas.microsoft.com/office/powerpoint/2010/main" val="2049753497"/>
+        <p14:creationId xmlns:p14="http://schemas.microsoft.com/office/powerpoint/2010/main" val="3728269593"/>
+      </p:ext>
+    </p:extLst>
+  </p:cSld>
+  <p:clrMapOvr>
+    <a:masterClrMapping/>
+  </p:clrMapOvr>
+</p:sld>
+</file>
+
+<file path=ppt/slides/slide11.xml><?xml version="1.0" encoding="utf-8"?>
+<p:sld xmlns:a="http://schemas.openxmlformats.org/drawingml/2006/main" xmlns:r="http://schemas.openxmlformats.org/officeDocument/2006/relationships" xmlns:p="http://schemas.openxmlformats.org/presentationml/2006/main">
+  <p:cSld>
+    <p:spTree>
+      <p:nvGrpSpPr>
+        <p:cNvPr id="1" name=""/>
+        <p:cNvGrpSpPr/>
+        <p:nvPr/>
+      </p:nvGrpSpPr>
+      <p:grpSpPr>
+        <a:xfrm>
+          <a:off x="0" y="0"/>
+          <a:ext cx="0" cy="0"/>
+          <a:chOff x="0" y="0"/>
+          <a:chExt cx="0" cy="0"/>
+        </a:xfrm>
+      </p:grpSpPr>
+      <p:sp>
+        <p:nvSpPr>
+          <p:cNvPr id="2" name="Title 1"/>
+          <p:cNvSpPr>
+            <a:spLocks noGrp="1"/>
+          </p:cNvSpPr>
+          <p:nvPr>
+            <p:ph type="title"/>
+          </p:nvPr>
+        </p:nvSpPr>
+        <p:spPr/>
+        <p:txBody>
+          <a:bodyPr/>
+          <a:lstStyle/>
+          <a:p>
+            <a:r>
+              <a:rPr lang="zh-CN" altLang="en-US" dirty="0"/>
+              <a:t>模拟电子电路部分</a:t>
+            </a:r>
+            <a:endParaRPr lang="en-US" dirty="0"/>
+          </a:p>
+        </p:txBody>
+      </p:sp>
+      <p:sp>
+        <p:nvSpPr>
+          <p:cNvPr id="3" name="Content Placeholder 2"/>
+          <p:cNvSpPr>
+            <a:spLocks noGrp="1"/>
+          </p:cNvSpPr>
+          <p:nvPr>
+            <p:ph sz="half" idx="1"/>
+          </p:nvPr>
+        </p:nvSpPr>
+        <p:spPr/>
+        <p:txBody>
+          <a:bodyPr/>
+          <a:lstStyle/>
+          <a:p>
+            <a:r>
+              <a:rPr lang="zh-CN" altLang="en-US" dirty="0"/>
+              <a:t>电路原理图和</a:t>
+            </a:r>
+            <a:r>
+              <a:rPr lang="en-US" altLang="zh-CN" dirty="0"/>
+              <a:t>PCB</a:t>
+            </a:r>
+            <a:r>
+              <a:rPr lang="zh-CN" altLang="en-US" dirty="0"/>
+              <a:t>的绘</a:t>
+            </a:r>
+            <a:r>
+              <a:rPr lang="zh-CN" altLang="en-US" dirty="0" smtClean="0"/>
+              <a:t>制</a:t>
+            </a:r>
+            <a:endParaRPr lang="en-US" altLang="zh-CN" dirty="0" smtClean="0"/>
+          </a:p>
+          <a:p>
+            <a:pPr lvl="1"/>
+            <a:r>
+              <a:rPr lang="zh-CN" altLang="en-US" dirty="0" smtClean="0"/>
+              <a:t>驱动芯片使用</a:t>
+            </a:r>
+            <a:r>
+              <a:rPr lang="en-US" altLang="zh-CN" dirty="0" smtClean="0"/>
+              <a:t>BTS7971</a:t>
+            </a:r>
+            <a:r>
+              <a:rPr lang="zh-CN" altLang="en-US" dirty="0" smtClean="0"/>
+              <a:t>半</a:t>
+            </a:r>
+            <a:r>
+              <a:rPr lang="en-US" altLang="zh-CN" dirty="0" smtClean="0"/>
+              <a:t>H</a:t>
+            </a:r>
+            <a:r>
+              <a:rPr lang="zh-CN" altLang="en-US" dirty="0" smtClean="0"/>
+              <a:t>桥电路，接受</a:t>
+            </a:r>
+            <a:r>
+              <a:rPr lang="en-US" altLang="zh-CN" dirty="0" smtClean="0"/>
+              <a:t>PWM</a:t>
+            </a:r>
+            <a:r>
+              <a:rPr lang="zh-CN" altLang="en-US" dirty="0" smtClean="0"/>
+              <a:t>调制</a:t>
+            </a:r>
+            <a:endParaRPr lang="en-US" altLang="zh-CN" dirty="0" smtClean="0"/>
+          </a:p>
+          <a:p>
+            <a:pPr lvl="1"/>
+            <a:r>
+              <a:rPr lang="zh-CN" altLang="en-US" dirty="0"/>
+              <a:t>创新</a:t>
+            </a:r>
+            <a:r>
+              <a:rPr lang="zh-CN" altLang="en-US" dirty="0" smtClean="0"/>
+              <a:t>点：所有功能集成到一块</a:t>
+            </a:r>
+            <a:r>
+              <a:rPr lang="en-US" altLang="zh-CN" dirty="0" smtClean="0"/>
+              <a:t>PCB</a:t>
+            </a:r>
+            <a:r>
+              <a:rPr lang="zh-CN" altLang="en-US" dirty="0" smtClean="0"/>
+              <a:t>，方便后续工作，包括摄像头的插接等。</a:t>
+            </a:r>
+            <a:r>
+              <a:rPr lang="en-US" altLang="zh-CN" dirty="0" smtClean="0"/>
+              <a:t>PCB</a:t>
+            </a:r>
+            <a:r>
+              <a:rPr lang="zh-CN" altLang="en-US" dirty="0" smtClean="0"/>
+              <a:t>体量大，布线难度大</a:t>
+            </a:r>
+            <a:endParaRPr lang="en-US" altLang="zh-CN" dirty="0" smtClean="0"/>
+          </a:p>
+          <a:p>
+            <a:pPr lvl="1"/>
+            <a:r>
+              <a:rPr lang="zh-CN" altLang="en-US" dirty="0"/>
+              <a:t>问</a:t>
+            </a:r>
+            <a:r>
+              <a:rPr lang="zh-CN" altLang="en-US" dirty="0" smtClean="0"/>
+              <a:t>题：电路集成化过高导致焊接部分出现困难</a:t>
+            </a:r>
+            <a:endParaRPr lang="en-US" dirty="0"/>
+          </a:p>
+        </p:txBody>
+      </p:sp>
+      <p:pic>
+        <p:nvPicPr>
+          <p:cNvPr id="7" name="Content Placeholder 6"/>
+          <p:cNvPicPr>
+            <a:picLocks noGrp="1" noChangeAspect="1"/>
+          </p:cNvPicPr>
+          <p:nvPr>
+            <p:ph sz="half" idx="2"/>
+          </p:nvPr>
+        </p:nvPicPr>
+        <p:blipFill>
+          <a:blip r:embed="rId2">
+            <a:extLst>
+              <a:ext uri="{28A0092B-C50C-407E-A947-70E740481C1C}">
+                <a14:useLocalDpi xmlns:a14="http://schemas.microsoft.com/office/drawing/2010/main" val="0"/>
+              </a:ext>
+            </a:extLst>
+          </a:blip>
+          <a:stretch>
+            <a:fillRect/>
+          </a:stretch>
+        </p:blipFill>
+        <p:spPr>
+          <a:xfrm>
+            <a:off x="6299200" y="2955131"/>
+            <a:ext cx="5080000" cy="2501900"/>
+          </a:xfrm>
+        </p:spPr>
+      </p:pic>
+    </p:spTree>
+    <p:extLst>
+      <p:ext uri="{BB962C8B-B14F-4D97-AF65-F5344CB8AC3E}">
+        <p14:creationId xmlns:p14="http://schemas.microsoft.com/office/powerpoint/2010/main" val="491179499"/>
+      </p:ext>
+    </p:extLst>
+  </p:cSld>
+  <p:clrMapOvr>
+    <a:masterClrMapping/>
+  </p:clrMapOvr>
+</p:sld>
+</file>
+
+<file path=ppt/slides/slide12.xml><?xml version="1.0" encoding="utf-8"?>
+<p:sld xmlns:a="http://schemas.openxmlformats.org/drawingml/2006/main" xmlns:r="http://schemas.openxmlformats.org/officeDocument/2006/relationships" xmlns:p="http://schemas.openxmlformats.org/presentationml/2006/main">
+  <p:cSld>
+    <p:spTree>
+      <p:nvGrpSpPr>
+        <p:cNvPr id="1" name=""/>
+        <p:cNvGrpSpPr/>
+        <p:nvPr/>
+      </p:nvGrpSpPr>
+      <p:grpSpPr>
+        <a:xfrm>
+          <a:off x="0" y="0"/>
+          <a:ext cx="0" cy="0"/>
+          <a:chOff x="0" y="0"/>
+          <a:chExt cx="0" cy="0"/>
+        </a:xfrm>
+      </p:grpSpPr>
+      <p:sp>
+        <p:nvSpPr>
+          <p:cNvPr id="2" name="Title 1"/>
+          <p:cNvSpPr>
+            <a:spLocks noGrp="1"/>
+          </p:cNvSpPr>
+          <p:nvPr>
+            <p:ph type="title"/>
+          </p:nvPr>
+        </p:nvSpPr>
+        <p:spPr/>
+        <p:txBody>
+          <a:bodyPr/>
+          <a:lstStyle/>
+          <a:p>
+            <a:r>
+              <a:rPr lang="zh-CN" altLang="en-US" smtClean="0"/>
+              <a:t>模拟电子电路部分</a:t>
+            </a:r>
+            <a:endParaRPr lang="en-US" dirty="0"/>
+          </a:p>
+        </p:txBody>
+      </p:sp>
+      <p:sp>
+        <p:nvSpPr>
+          <p:cNvPr id="3" name="Content Placeholder 2"/>
+          <p:cNvSpPr>
+            <a:spLocks noGrp="1"/>
+          </p:cNvSpPr>
+          <p:nvPr>
+            <p:ph sz="half" idx="1"/>
+          </p:nvPr>
+        </p:nvSpPr>
+        <p:spPr/>
+        <p:txBody>
+          <a:bodyPr/>
+          <a:lstStyle/>
+          <a:p>
+            <a:r>
+              <a:rPr lang="en-US" dirty="0" smtClean="0"/>
+              <a:t> </a:t>
+            </a:r>
+            <a:r>
+              <a:rPr lang="en-US" altLang="zh-CN" dirty="0" smtClean="0"/>
+              <a:t>PCB</a:t>
+            </a:r>
+            <a:r>
+              <a:rPr lang="zh-CN" altLang="en-US" dirty="0" smtClean="0"/>
+              <a:t>的印制和焊接工作</a:t>
+            </a:r>
+            <a:endParaRPr lang="en-US" altLang="zh-CN" dirty="0" smtClean="0"/>
+          </a:p>
+          <a:p>
+            <a:pPr lvl="1"/>
+            <a:r>
+              <a:rPr lang="en-US" dirty="0" smtClean="0"/>
+              <a:t> </a:t>
+            </a:r>
+            <a:r>
+              <a:rPr lang="zh-CN" altLang="en-US" dirty="0" smtClean="0"/>
+              <a:t>难点</a:t>
+            </a:r>
+            <a:endParaRPr lang="en-US" altLang="zh-CN" dirty="0" smtClean="0"/>
+          </a:p>
+          <a:p>
+            <a:pPr lvl="2"/>
+            <a:r>
+              <a:rPr lang="en-US" dirty="0" smtClean="0"/>
+              <a:t> </a:t>
+            </a:r>
+            <a:r>
+              <a:rPr lang="en-US" altLang="zh-CN" dirty="0" smtClean="0"/>
+              <a:t>SMT</a:t>
+            </a:r>
+            <a:r>
+              <a:rPr lang="zh-CN" altLang="en-US" dirty="0" smtClean="0"/>
+              <a:t>焊接技术</a:t>
+            </a:r>
+            <a:endParaRPr lang="en-US" altLang="zh-CN" dirty="0" smtClean="0"/>
+          </a:p>
+          <a:p>
+            <a:pPr lvl="2"/>
+            <a:r>
+              <a:rPr lang="en-US" dirty="0" smtClean="0"/>
+              <a:t> </a:t>
+            </a:r>
+            <a:r>
+              <a:rPr lang="zh-CN" altLang="en-US" dirty="0" smtClean="0"/>
+              <a:t>插接件焊盘较小，钻孔易伤及焊盘</a:t>
+            </a:r>
+            <a:endParaRPr lang="en-US" altLang="zh-CN" dirty="0" smtClean="0"/>
+          </a:p>
+          <a:p>
+            <a:pPr lvl="2"/>
+            <a:r>
+              <a:rPr lang="en-US" altLang="zh-CN" dirty="0"/>
+              <a:t> </a:t>
+            </a:r>
+            <a:r>
+              <a:rPr lang="zh-CN" altLang="en-US" dirty="0" smtClean="0"/>
+              <a:t>线宽较小，不论是腐蚀还是雕刻难度大</a:t>
+            </a:r>
+            <a:endParaRPr lang="en-US" altLang="zh-CN" dirty="0" smtClean="0"/>
+          </a:p>
+          <a:p>
+            <a:pPr lvl="1"/>
+            <a:r>
+              <a:rPr lang="en-US" altLang="zh-CN" dirty="0" smtClean="0"/>
+              <a:t> </a:t>
+            </a:r>
+            <a:r>
+              <a:rPr lang="zh-CN" altLang="en-US" dirty="0" smtClean="0"/>
+              <a:t>向李兆基电子工艺实习师傅学习了</a:t>
+            </a:r>
+            <a:r>
+              <a:rPr lang="en-US" altLang="zh-CN" dirty="0" smtClean="0"/>
+              <a:t>SMT</a:t>
+            </a:r>
+            <a:r>
+              <a:rPr lang="zh-CN" altLang="en-US" dirty="0" smtClean="0"/>
+              <a:t>的焊接技术，并达到实用水平</a:t>
+            </a:r>
+            <a:endParaRPr lang="en-US" altLang="zh-CN" dirty="0" smtClean="0"/>
+          </a:p>
+          <a:p>
+            <a:pPr lvl="1"/>
+            <a:r>
+              <a:rPr lang="en-US" altLang="zh-CN" dirty="0" smtClean="0"/>
+              <a:t> </a:t>
+            </a:r>
+            <a:r>
+              <a:rPr lang="zh-CN" altLang="en-US" dirty="0" smtClean="0"/>
+              <a:t>陈崴同学插接件焊接技术一流，保证了电路稳定运行</a:t>
+            </a:r>
+            <a:endParaRPr lang="en-US" altLang="zh-CN" dirty="0" smtClean="0"/>
+          </a:p>
+        </p:txBody>
+      </p:sp>
+      <p:pic>
+        <p:nvPicPr>
+          <p:cNvPr id="9" name="Content Placeholder 8"/>
+          <p:cNvPicPr>
+            <a:picLocks noGrp="1" noChangeAspect="1"/>
+          </p:cNvPicPr>
+          <p:nvPr>
+            <p:ph sz="half" idx="2"/>
+          </p:nvPr>
+        </p:nvPicPr>
+        <p:blipFill>
+          <a:blip r:embed="rId2">
+            <a:extLst>
+              <a:ext uri="{28A0092B-C50C-407E-A947-70E740481C1C}">
+                <a14:useLocalDpi xmlns:a14="http://schemas.microsoft.com/office/drawing/2010/main" val="0"/>
+              </a:ext>
+            </a:extLst>
+          </a:blip>
+          <a:stretch>
+            <a:fillRect/>
+          </a:stretch>
+        </p:blipFill>
+        <p:spPr>
+          <a:xfrm>
+            <a:off x="6172200" y="2375042"/>
+            <a:ext cx="5334000" cy="3662078"/>
+          </a:xfrm>
+        </p:spPr>
+      </p:pic>
+    </p:spTree>
+    <p:extLst>
+      <p:ext uri="{BB962C8B-B14F-4D97-AF65-F5344CB8AC3E}">
+        <p14:creationId xmlns:p14="http://schemas.microsoft.com/office/powerpoint/2010/main" val="2944123354"/>
+      </p:ext>
+    </p:extLst>
+  </p:cSld>
+  <p:clrMapOvr>
+    <a:masterClrMapping/>
+  </p:clrMapOvr>
+</p:sld>
+</file>
+
+<file path=ppt/slides/slide13.xml><?xml version="1.0" encoding="utf-8"?>
+<p:sld xmlns:a="http://schemas.openxmlformats.org/drawingml/2006/main" xmlns:r="http://schemas.openxmlformats.org/officeDocument/2006/relationships" xmlns:p="http://schemas.openxmlformats.org/presentationml/2006/main">
+  <p:cSld>
+    <p:spTree>
+      <p:nvGrpSpPr>
+        <p:cNvPr id="1" name=""/>
+        <p:cNvGrpSpPr/>
+        <p:nvPr/>
+      </p:nvGrpSpPr>
+      <p:grpSpPr>
+        <a:xfrm>
+          <a:off x="0" y="0"/>
+          <a:ext cx="0" cy="0"/>
+          <a:chOff x="0" y="0"/>
+          <a:chExt cx="0" cy="0"/>
+        </a:xfrm>
+      </p:grpSpPr>
+      <p:sp>
+        <p:nvSpPr>
+          <p:cNvPr id="2" name="Title 1"/>
+          <p:cNvSpPr>
+            <a:spLocks noGrp="1"/>
+          </p:cNvSpPr>
+          <p:nvPr>
+            <p:ph type="title"/>
+          </p:nvPr>
+        </p:nvSpPr>
+        <p:spPr/>
+        <p:txBody>
+          <a:bodyPr/>
+          <a:lstStyle/>
+          <a:p>
+            <a:r>
+              <a:rPr lang="zh-CN" altLang="en-US" dirty="0"/>
+              <a:t>模拟电子电路部分</a:t>
+            </a:r>
+            <a:endParaRPr lang="en-US" dirty="0"/>
+          </a:p>
+        </p:txBody>
+      </p:sp>
+      <p:sp>
+        <p:nvSpPr>
+          <p:cNvPr id="3" name="Content Placeholder 2"/>
+          <p:cNvSpPr>
+            <a:spLocks noGrp="1"/>
+          </p:cNvSpPr>
+          <p:nvPr>
+            <p:ph sz="half" idx="1"/>
+          </p:nvPr>
+        </p:nvSpPr>
+        <p:spPr/>
+        <p:txBody>
+          <a:bodyPr/>
+          <a:lstStyle/>
+          <a:p>
+            <a:r>
+              <a:rPr lang="en-US" dirty="0" smtClean="0"/>
+              <a:t> </a:t>
+            </a:r>
+            <a:r>
+              <a:rPr lang="zh-CN" altLang="en-US" dirty="0" smtClean="0"/>
+              <a:t>后续电路调整和维护</a:t>
+            </a:r>
+            <a:endParaRPr lang="en-US" altLang="zh-CN" dirty="0" smtClean="0"/>
+          </a:p>
+          <a:p>
+            <a:pPr lvl="1"/>
+            <a:r>
+              <a:rPr lang="en-US" dirty="0"/>
+              <a:t> </a:t>
+            </a:r>
+            <a:r>
+              <a:rPr lang="zh-CN" altLang="en-US" dirty="0"/>
+              <a:t>大功</a:t>
+            </a:r>
+            <a:r>
+              <a:rPr lang="zh-CN" altLang="en-US" dirty="0" smtClean="0"/>
+              <a:t>率负载检测电源工作性能通过</a:t>
+            </a:r>
+            <a:endParaRPr lang="en-US" altLang="zh-CN" dirty="0" smtClean="0"/>
+          </a:p>
+          <a:p>
+            <a:pPr lvl="1"/>
+            <a:r>
+              <a:rPr lang="en-US" dirty="0"/>
+              <a:t> </a:t>
+            </a:r>
+            <a:r>
+              <a:rPr lang="zh-CN" altLang="en-US" dirty="0" smtClean="0"/>
+              <a:t>修复了一些由于焊接缺陷、元件缺陷的电路问题</a:t>
+            </a:r>
+            <a:endParaRPr lang="en-US" altLang="zh-CN" dirty="0" smtClean="0"/>
+          </a:p>
+          <a:p>
+            <a:pPr lvl="1"/>
+            <a:r>
+              <a:rPr lang="en-US" dirty="0"/>
+              <a:t> </a:t>
+            </a:r>
+            <a:r>
+              <a:rPr lang="zh-CN" altLang="en-US" dirty="0" smtClean="0"/>
+              <a:t>问题</a:t>
+            </a:r>
+            <a:endParaRPr lang="en-US" altLang="zh-CN" dirty="0"/>
+          </a:p>
+          <a:p>
+            <a:pPr lvl="2"/>
+            <a:r>
+              <a:rPr lang="zh-CN" altLang="en-US" dirty="0" smtClean="0"/>
+              <a:t>电机占空比过高并出现堵转时电源电压拉低导致开关电源无法输出需要的电压</a:t>
+            </a:r>
+            <a:endParaRPr lang="en-US" altLang="zh-CN" dirty="0" smtClean="0"/>
+          </a:p>
+          <a:p>
+            <a:pPr lvl="2"/>
+            <a:r>
+              <a:rPr lang="en-US" dirty="0"/>
+              <a:t> </a:t>
+            </a:r>
+            <a:r>
+              <a:rPr lang="zh-CN" altLang="en-US" dirty="0" smtClean="0"/>
+              <a:t>发现电机驱动效率较低，相比别组的车而言速度极慢</a:t>
+            </a:r>
+            <a:endParaRPr lang="en-US" altLang="zh-CN" dirty="0" smtClean="0"/>
+          </a:p>
+          <a:p>
+            <a:pPr lvl="2"/>
+            <a:r>
+              <a:rPr lang="en-US" dirty="0"/>
+              <a:t> </a:t>
+            </a:r>
+            <a:r>
+              <a:rPr lang="zh-CN" altLang="en-US" dirty="0" smtClean="0"/>
+              <a:t>解决方式：确定合适的输出占空比</a:t>
+            </a:r>
+            <a:endParaRPr lang="en-US" dirty="0"/>
+          </a:p>
+        </p:txBody>
+      </p:sp>
+      <p:pic>
+        <p:nvPicPr>
+          <p:cNvPr id="5" name="Content Placeholder 4"/>
+          <p:cNvPicPr>
+            <a:picLocks noGrp="1" noChangeAspect="1"/>
+          </p:cNvPicPr>
+          <p:nvPr>
+            <p:ph sz="half" idx="2"/>
+          </p:nvPr>
+        </p:nvPicPr>
+        <p:blipFill>
+          <a:blip r:embed="rId2">
+            <a:extLst>
+              <a:ext uri="{28A0092B-C50C-407E-A947-70E740481C1C}">
+                <a14:useLocalDpi xmlns:a14="http://schemas.microsoft.com/office/drawing/2010/main" val="0"/>
+              </a:ext>
+            </a:extLst>
+          </a:blip>
+          <a:stretch>
+            <a:fillRect/>
+          </a:stretch>
+        </p:blipFill>
+        <p:spPr>
+          <a:xfrm>
+            <a:off x="6172200" y="2703546"/>
+            <a:ext cx="5334000" cy="3005070"/>
+          </a:xfrm>
+        </p:spPr>
+      </p:pic>
+    </p:spTree>
+    <p:extLst>
+      <p:ext uri="{BB962C8B-B14F-4D97-AF65-F5344CB8AC3E}">
+        <p14:creationId xmlns:p14="http://schemas.microsoft.com/office/powerpoint/2010/main" val="1522436184"/>
+      </p:ext>
+    </p:extLst>
+  </p:cSld>
+  <p:clrMapOvr>
+    <a:masterClrMapping/>
+  </p:clrMapOvr>
+</p:sld>
+</file>
+
+<file path=ppt/slides/slide14.xml><?xml version="1.0" encoding="utf-8"?>
+<p:sld xmlns:a="http://schemas.openxmlformats.org/drawingml/2006/main" xmlns:r="http://schemas.openxmlformats.org/officeDocument/2006/relationships" xmlns:p="http://schemas.openxmlformats.org/presentationml/2006/main">
+  <p:cSld>
+    <p:spTree>
+      <p:nvGrpSpPr>
+        <p:cNvPr id="1" name=""/>
+        <p:cNvGrpSpPr/>
+        <p:nvPr/>
+      </p:nvGrpSpPr>
+      <p:grpSpPr>
+        <a:xfrm>
+          <a:off x="0" y="0"/>
+          <a:ext cx="0" cy="0"/>
+          <a:chOff x="0" y="0"/>
+          <a:chExt cx="0" cy="0"/>
+        </a:xfrm>
+      </p:grpSpPr>
+      <p:sp>
+        <p:nvSpPr>
+          <p:cNvPr id="2" name="Title 1"/>
+          <p:cNvSpPr>
+            <a:spLocks noGrp="1"/>
+          </p:cNvSpPr>
+          <p:nvPr>
+            <p:ph type="title"/>
+          </p:nvPr>
+        </p:nvSpPr>
+        <p:spPr/>
+        <p:txBody>
+          <a:bodyPr/>
+          <a:lstStyle/>
+          <a:p>
+            <a:r>
+              <a:rPr lang="zh-CN" altLang="en-US" dirty="0"/>
+              <a:t>附加工作</a:t>
+            </a:r>
+            <a:endParaRPr lang="en-US" dirty="0"/>
+          </a:p>
+        </p:txBody>
+      </p:sp>
+      <p:sp>
+        <p:nvSpPr>
+          <p:cNvPr id="3" name="Content Placeholder 2"/>
+          <p:cNvSpPr>
+            <a:spLocks noGrp="1"/>
+          </p:cNvSpPr>
+          <p:nvPr>
+            <p:ph sz="half" idx="1"/>
+          </p:nvPr>
+        </p:nvSpPr>
+        <p:spPr/>
+        <p:txBody>
+          <a:bodyPr/>
+          <a:lstStyle/>
+          <a:p>
+            <a:r>
+              <a:rPr lang="en-US" dirty="0" smtClean="0"/>
+              <a:t> </a:t>
+            </a:r>
+            <a:r>
+              <a:rPr lang="zh-CN" altLang="en-US" dirty="0" smtClean="0"/>
+              <a:t>完成了蓝牙</a:t>
+            </a:r>
+            <a:r>
+              <a:rPr lang="en-US" altLang="zh-CN" dirty="0" smtClean="0"/>
+              <a:t>+</a:t>
+            </a:r>
+            <a:r>
+              <a:rPr lang="zh-CN" altLang="en-US" dirty="0" smtClean="0"/>
+              <a:t>解算图像</a:t>
+            </a:r>
+            <a:r>
+              <a:rPr lang="en-US" altLang="zh-CN" dirty="0" smtClean="0"/>
+              <a:t>+</a:t>
+            </a:r>
+            <a:r>
+              <a:rPr lang="zh-CN" altLang="en-US" dirty="0" smtClean="0"/>
+              <a:t>显示图像</a:t>
+            </a:r>
+            <a:r>
+              <a:rPr lang="en-US" altLang="zh-CN" dirty="0" smtClean="0"/>
+              <a:t>+</a:t>
+            </a:r>
+            <a:r>
+              <a:rPr lang="zh-CN" altLang="en-US" dirty="0" smtClean="0"/>
+              <a:t>存储图像的上位机模块</a:t>
+            </a:r>
+            <a:endParaRPr lang="en-US" altLang="zh-CN" dirty="0" smtClean="0"/>
+          </a:p>
+          <a:p>
+            <a:pPr lvl="1"/>
+            <a:r>
+              <a:rPr lang="en-US" dirty="0"/>
+              <a:t> </a:t>
+            </a:r>
+            <a:r>
+              <a:rPr lang="zh-CN" altLang="en-US" dirty="0" smtClean="0"/>
+              <a:t>采用</a:t>
+            </a:r>
+            <a:r>
+              <a:rPr lang="en-US" altLang="zh-CN" dirty="0" smtClean="0"/>
+              <a:t>C++/Qt</a:t>
+            </a:r>
+            <a:r>
+              <a:rPr lang="zh-CN" altLang="en-US" dirty="0" smtClean="0"/>
+              <a:t>，使用多线程处理大量数据吞吐量</a:t>
+            </a:r>
+            <a:endParaRPr lang="en-US" altLang="zh-CN" dirty="0" smtClean="0"/>
+          </a:p>
+          <a:p>
+            <a:pPr lvl="1"/>
+            <a:r>
+              <a:rPr lang="en-US" dirty="0"/>
+              <a:t> </a:t>
+            </a:r>
+            <a:r>
+              <a:rPr lang="zh-CN" altLang="en-US" dirty="0" smtClean="0"/>
+              <a:t>并顺便完成了上位机的自检测程序</a:t>
+            </a:r>
+            <a:endParaRPr lang="en-US" altLang="zh-CN" dirty="0" smtClean="0"/>
+          </a:p>
+          <a:p>
+            <a:pPr lvl="1"/>
+            <a:r>
+              <a:rPr lang="en-US" dirty="0"/>
+              <a:t> </a:t>
+            </a:r>
+            <a:r>
+              <a:rPr lang="zh-CN" altLang="en-US" dirty="0" smtClean="0"/>
+              <a:t>合计</a:t>
+            </a:r>
+            <a:r>
+              <a:rPr lang="en-US" altLang="zh-CN" dirty="0" smtClean="0"/>
+              <a:t>C++</a:t>
+            </a:r>
+            <a:r>
+              <a:rPr lang="zh-CN" altLang="en-US" dirty="0" smtClean="0"/>
+              <a:t>代码</a:t>
+            </a:r>
+            <a:r>
+              <a:rPr lang="en-US" altLang="zh-CN" dirty="0" smtClean="0"/>
+              <a:t>600</a:t>
+            </a:r>
+            <a:r>
+              <a:rPr lang="zh-CN" altLang="en-US" dirty="0" smtClean="0"/>
+              <a:t>行左右（竟然差不多赶上了</a:t>
+            </a:r>
+            <a:r>
+              <a:rPr lang="en-US" altLang="zh-CN" dirty="0" smtClean="0"/>
+              <a:t>C++</a:t>
+            </a:r>
+            <a:r>
+              <a:rPr lang="zh-CN" altLang="en-US" dirty="0" smtClean="0"/>
+              <a:t>小学期代码</a:t>
+            </a:r>
+            <a:r>
+              <a:rPr lang="en-US" altLang="zh-CN" dirty="0" smtClean="0"/>
+              <a:t>ORZ</a:t>
+            </a:r>
+            <a:r>
+              <a:rPr lang="zh-CN" altLang="en-US" dirty="0" smtClean="0"/>
+              <a:t>）</a:t>
+            </a:r>
+            <a:endParaRPr lang="en-US" dirty="0"/>
+          </a:p>
+        </p:txBody>
+      </p:sp>
+      <p:pic>
+        <p:nvPicPr>
+          <p:cNvPr id="5" name="Content Placeholder 4"/>
+          <p:cNvPicPr>
+            <a:picLocks noGrp="1" noChangeAspect="1"/>
+          </p:cNvPicPr>
+          <p:nvPr>
+            <p:ph sz="half" idx="2"/>
+          </p:nvPr>
+        </p:nvPicPr>
+        <p:blipFill>
+          <a:blip r:embed="rId2"/>
+          <a:stretch>
+            <a:fillRect/>
+          </a:stretch>
+        </p:blipFill>
+        <p:spPr>
+          <a:xfrm>
+            <a:off x="6172200" y="2221741"/>
+            <a:ext cx="5334000" cy="3968681"/>
+          </a:xfrm>
+          <a:prstGeom prst="rect">
+            <a:avLst/>
+          </a:prstGeom>
+        </p:spPr>
+      </p:pic>
+    </p:spTree>
+    <p:extLst>
+      <p:ext uri="{BB962C8B-B14F-4D97-AF65-F5344CB8AC3E}">
+        <p14:creationId xmlns:p14="http://schemas.microsoft.com/office/powerpoint/2010/main" val="427475509"/>
+      </p:ext>
+    </p:extLst>
+  </p:cSld>
+  <p:clrMapOvr>
+    <a:masterClrMapping/>
+  </p:clrMapOvr>
+</p:sld>
+</file>
+
+<file path=ppt/slides/slide15.xml><?xml version="1.0" encoding="utf-8"?>
+<p:sld xmlns:a="http://schemas.openxmlformats.org/drawingml/2006/main" xmlns:r="http://schemas.openxmlformats.org/officeDocument/2006/relationships" xmlns:p="http://schemas.openxmlformats.org/presentationml/2006/main">
+  <p:cSld>
+    <p:spTree>
+      <p:nvGrpSpPr>
+        <p:cNvPr id="1" name=""/>
+        <p:cNvGrpSpPr/>
+        <p:nvPr/>
+      </p:nvGrpSpPr>
+      <p:grpSpPr>
+        <a:xfrm>
+          <a:off x="0" y="0"/>
+          <a:ext cx="0" cy="0"/>
+          <a:chOff x="0" y="0"/>
+          <a:chExt cx="0" cy="0"/>
+        </a:xfrm>
+      </p:grpSpPr>
+      <p:sp>
+        <p:nvSpPr>
+          <p:cNvPr id="2" name="Title 1"/>
+          <p:cNvSpPr>
+            <a:spLocks noGrp="1"/>
+          </p:cNvSpPr>
+          <p:nvPr>
+            <p:ph type="title"/>
+          </p:nvPr>
+        </p:nvSpPr>
+        <p:spPr/>
+        <p:txBody>
+          <a:bodyPr/>
+          <a:lstStyle/>
+          <a:p>
+            <a:r>
+              <a:rPr lang="zh-CN" altLang="en-US" dirty="0" smtClean="0"/>
+              <a:t>项目展望</a:t>
+            </a:r>
+            <a:endParaRPr lang="en-US" dirty="0"/>
+          </a:p>
+        </p:txBody>
+      </p:sp>
+      <p:sp>
+        <p:nvSpPr>
+          <p:cNvPr id="3" name="Content Placeholder 2"/>
+          <p:cNvSpPr>
+            <a:spLocks noGrp="1"/>
+          </p:cNvSpPr>
+          <p:nvPr>
+            <p:ph idx="1"/>
+          </p:nvPr>
+        </p:nvSpPr>
+        <p:spPr/>
+        <p:txBody>
+          <a:bodyPr/>
+          <a:lstStyle/>
+          <a:p>
+            <a:r>
+              <a:rPr lang="en-US" dirty="0" smtClean="0"/>
+              <a:t> </a:t>
+            </a:r>
+            <a:r>
+              <a:rPr lang="zh-CN" altLang="en-US" dirty="0"/>
+              <a:t>上位</a:t>
+            </a:r>
+            <a:r>
+              <a:rPr lang="zh-CN" altLang="en-US" dirty="0" smtClean="0"/>
+              <a:t>机部署到移动平台，实现移动控制</a:t>
+            </a:r>
+            <a:endParaRPr lang="en-US" altLang="zh-CN" dirty="0" smtClean="0"/>
+          </a:p>
+          <a:p>
+            <a:pPr lvl="1"/>
+            <a:r>
+              <a:rPr lang="en-US" altLang="zh-CN" dirty="0"/>
+              <a:t> </a:t>
+            </a:r>
+            <a:r>
+              <a:rPr lang="zh-CN" altLang="en-US" dirty="0" smtClean="0"/>
+              <a:t>难点：上位机计算性能要求高，移动平台需要进一步处理</a:t>
+            </a:r>
+            <a:endParaRPr lang="en-US" altLang="zh-CN" dirty="0" smtClean="0"/>
+          </a:p>
+          <a:p>
+            <a:r>
+              <a:rPr lang="en-US" dirty="0"/>
+              <a:t> </a:t>
+            </a:r>
+            <a:r>
+              <a:rPr lang="zh-CN" altLang="en-US" dirty="0" smtClean="0"/>
+              <a:t>利用回传图像进行</a:t>
+            </a:r>
+            <a:r>
+              <a:rPr lang="en-US" altLang="zh-CN" dirty="0" smtClean="0"/>
+              <a:t>3D</a:t>
+            </a:r>
+            <a:r>
+              <a:rPr lang="zh-CN" altLang="en-US" dirty="0" smtClean="0"/>
+              <a:t>建模</a:t>
+            </a:r>
+            <a:endParaRPr lang="en-US" altLang="zh-CN" dirty="0" smtClean="0"/>
+          </a:p>
+          <a:p>
+            <a:pPr lvl="1"/>
+            <a:r>
+              <a:rPr lang="en-US" altLang="zh-CN" dirty="0" smtClean="0"/>
+              <a:t> </a:t>
+            </a:r>
+            <a:r>
+              <a:rPr lang="zh-CN" altLang="en-US" dirty="0"/>
+              <a:t>不使</a:t>
+            </a:r>
+            <a:r>
+              <a:rPr lang="zh-CN" altLang="en-US" dirty="0" smtClean="0"/>
+              <a:t>用位置信息进行建模</a:t>
+            </a:r>
+            <a:endParaRPr lang="en-US" altLang="zh-CN" dirty="0" smtClean="0"/>
+          </a:p>
+          <a:p>
+            <a:pPr lvl="1"/>
+            <a:r>
+              <a:rPr lang="en-US" altLang="zh-CN" dirty="0"/>
+              <a:t> </a:t>
+            </a:r>
+            <a:r>
+              <a:rPr lang="zh-CN" altLang="en-US" dirty="0" smtClean="0"/>
+              <a:t>使用位置信息进行建模的研究，试图增加建模精度</a:t>
+            </a:r>
+            <a:endParaRPr lang="en-US" altLang="zh-CN" dirty="0" smtClean="0"/>
+          </a:p>
+          <a:p>
+            <a:r>
+              <a:rPr lang="en-US" dirty="0"/>
+              <a:t> </a:t>
+            </a:r>
+            <a:r>
+              <a:rPr lang="zh-CN" altLang="en-US" dirty="0" smtClean="0"/>
+              <a:t>使用</a:t>
+            </a:r>
+            <a:r>
+              <a:rPr lang="en-US" altLang="zh-CN" dirty="0" smtClean="0"/>
+              <a:t>WIFI</a:t>
+            </a:r>
+            <a:r>
+              <a:rPr lang="zh-CN" altLang="en-US" dirty="0" smtClean="0"/>
+              <a:t>模块取代蓝牙模块实现实时通信</a:t>
+            </a:r>
+            <a:endParaRPr lang="en-US" altLang="zh-CN" dirty="0" smtClean="0"/>
+          </a:p>
+          <a:p>
+            <a:pPr lvl="1"/>
+            <a:r>
+              <a:rPr lang="en-US" dirty="0"/>
+              <a:t> </a:t>
+            </a:r>
+            <a:r>
+              <a:rPr lang="zh-CN" altLang="en-US" dirty="0" smtClean="0"/>
+              <a:t>难点：引脚多，</a:t>
+            </a:r>
+            <a:r>
+              <a:rPr lang="en-US" altLang="zh-CN" dirty="0" smtClean="0"/>
+              <a:t>TCP/IP</a:t>
+            </a:r>
+            <a:r>
+              <a:rPr lang="zh-CN" altLang="en-US" dirty="0" smtClean="0"/>
+              <a:t>协议复杂</a:t>
+            </a:r>
+            <a:endParaRPr lang="en-US" dirty="0"/>
+          </a:p>
+        </p:txBody>
+      </p:sp>
+    </p:spTree>
+    <p:extLst>
+      <p:ext uri="{BB962C8B-B14F-4D97-AF65-F5344CB8AC3E}">
+        <p14:creationId xmlns:p14="http://schemas.microsoft.com/office/powerpoint/2010/main" val="2611584154"/>
+      </p:ext>
+    </p:extLst>
+  </p:cSld>
+  <p:clrMapOvr>
+    <a:masterClrMapping/>
+  </p:clrMapOvr>
+</p:sld>
+</file>
+
+<file path=ppt/slides/slide16.xml><?xml version="1.0" encoding="utf-8"?>
+<p:sld xmlns:a="http://schemas.openxmlformats.org/drawingml/2006/main" xmlns:r="http://schemas.openxmlformats.org/officeDocument/2006/relationships" xmlns:p="http://schemas.openxmlformats.org/presentationml/2006/main">
+  <p:cSld>
+    <p:spTree>
+      <p:nvGrpSpPr>
+        <p:cNvPr id="1" name=""/>
+        <p:cNvGrpSpPr/>
+        <p:nvPr/>
+      </p:nvGrpSpPr>
+      <p:grpSpPr>
+        <a:xfrm>
+          <a:off x="0" y="0"/>
+          <a:ext cx="0" cy="0"/>
+          <a:chOff x="0" y="0"/>
+          <a:chExt cx="0" cy="0"/>
+        </a:xfrm>
+      </p:grpSpPr>
+      <p:sp>
+        <p:nvSpPr>
+          <p:cNvPr id="2" name="Title 1"/>
+          <p:cNvSpPr>
+            <a:spLocks noGrp="1"/>
+          </p:cNvSpPr>
+          <p:nvPr>
+            <p:ph type="title"/>
+          </p:nvPr>
+        </p:nvSpPr>
+        <p:spPr/>
+        <p:txBody>
+          <a:bodyPr/>
+          <a:lstStyle/>
+          <a:p>
+            <a:r>
+              <a:rPr lang="zh-CN" altLang="en-US" dirty="0" smtClean="0"/>
+              <a:t>开发流程</a:t>
+            </a:r>
+            <a:endParaRPr lang="en-US" dirty="0"/>
+          </a:p>
+        </p:txBody>
+      </p:sp>
+      <p:pic>
+        <p:nvPicPr>
+          <p:cNvPr id="9" name="Content Placeholder 8"/>
+          <p:cNvPicPr>
+            <a:picLocks noGrp="1" noChangeAspect="1"/>
+          </p:cNvPicPr>
+          <p:nvPr>
+            <p:ph sz="half" idx="2"/>
+          </p:nvPr>
+        </p:nvPicPr>
+        <p:blipFill>
+          <a:blip r:embed="rId2">
+            <a:extLst>
+              <a:ext uri="{28A0092B-C50C-407E-A947-70E740481C1C}">
+                <a14:useLocalDpi xmlns:a14="http://schemas.microsoft.com/office/drawing/2010/main" val="0"/>
+              </a:ext>
+            </a:extLst>
+          </a:blip>
+          <a:stretch>
+            <a:fillRect/>
+          </a:stretch>
+        </p:blipFill>
+        <p:spPr>
+          <a:xfrm>
+            <a:off x="4747491" y="466198"/>
+            <a:ext cx="4433454" cy="6194690"/>
+          </a:xfrm>
+        </p:spPr>
+      </p:pic>
+      <p:pic>
+        <p:nvPicPr>
+          <p:cNvPr id="11" name="Content Placeholder 10"/>
+          <p:cNvPicPr>
+            <a:picLocks noGrp="1" noChangeAspect="1"/>
+          </p:cNvPicPr>
+          <p:nvPr>
+            <p:ph sz="half" idx="1"/>
+          </p:nvPr>
+        </p:nvPicPr>
+        <p:blipFill>
+          <a:blip r:embed="rId3">
+            <a:extLst>
+              <a:ext uri="{28A0092B-C50C-407E-A947-70E740481C1C}">
+                <a14:useLocalDpi xmlns:a14="http://schemas.microsoft.com/office/drawing/2010/main" val="0"/>
+              </a:ext>
+            </a:extLst>
+          </a:blip>
+          <a:stretch>
+            <a:fillRect/>
+          </a:stretch>
+        </p:blipFill>
+        <p:spPr>
+          <a:xfrm>
+            <a:off x="745092" y="466198"/>
+            <a:ext cx="4301015" cy="6677375"/>
+          </a:xfrm>
+        </p:spPr>
+      </p:pic>
+    </p:spTree>
+    <p:extLst>
+      <p:ext uri="{BB962C8B-B14F-4D97-AF65-F5344CB8AC3E}">
+        <p14:creationId xmlns:p14="http://schemas.microsoft.com/office/powerpoint/2010/main" val="1925093497"/>
+      </p:ext>
+    </p:extLst>
+  </p:cSld>
+  <p:clrMapOvr>
+    <a:masterClrMapping/>
+  </p:clrMapOvr>
+</p:sld>
+</file>
+
+<file path=ppt/slides/slide17.xml><?xml version="1.0" encoding="utf-8"?>
+<p:sld xmlns:a="http://schemas.openxmlformats.org/drawingml/2006/main" xmlns:r="http://schemas.openxmlformats.org/officeDocument/2006/relationships" xmlns:p="http://schemas.openxmlformats.org/presentationml/2006/main">
+  <p:cSld>
+    <p:spTree>
+      <p:nvGrpSpPr>
+        <p:cNvPr id="1" name=""/>
+        <p:cNvGrpSpPr/>
+        <p:nvPr/>
+      </p:nvGrpSpPr>
+      <p:grpSpPr>
+        <a:xfrm>
+          <a:off x="0" y="0"/>
+          <a:ext cx="0" cy="0"/>
+          <a:chOff x="0" y="0"/>
+          <a:chExt cx="0" cy="0"/>
+        </a:xfrm>
+      </p:grpSpPr>
+      <p:sp>
+        <p:nvSpPr>
+          <p:cNvPr id="2" name="Title 1"/>
+          <p:cNvSpPr>
+            <a:spLocks noGrp="1"/>
+          </p:cNvSpPr>
+          <p:nvPr>
+            <p:ph type="title"/>
+          </p:nvPr>
+        </p:nvSpPr>
+        <p:spPr>
+          <a:xfrm>
+            <a:off x="2895600" y="762000"/>
+            <a:ext cx="8610600" cy="771236"/>
+          </a:xfrm>
+        </p:spPr>
+        <p:txBody>
+          <a:bodyPr/>
+          <a:lstStyle/>
+          <a:p>
+            <a:r>
+              <a:rPr lang="zh-CN" altLang="en-US" dirty="0"/>
+              <a:t>一</a:t>
+            </a:r>
+            <a:r>
+              <a:rPr lang="zh-CN" altLang="en-US" dirty="0" smtClean="0"/>
+              <a:t>些彩蛋</a:t>
+            </a:r>
+            <a:r>
+              <a:rPr lang="en-US" altLang="zh-CN" dirty="0" smtClean="0"/>
+              <a:t>——BY OV7670</a:t>
+            </a:r>
+            <a:endParaRPr lang="en-US" dirty="0"/>
+          </a:p>
+        </p:txBody>
+      </p:sp>
+      <p:sp>
+        <p:nvSpPr>
+          <p:cNvPr id="5" name="Text Placeholder 4"/>
+          <p:cNvSpPr>
+            <a:spLocks noGrp="1"/>
+          </p:cNvSpPr>
+          <p:nvPr>
+            <p:ph type="body" idx="1"/>
+          </p:nvPr>
+        </p:nvSpPr>
+        <p:spPr>
+          <a:xfrm>
+            <a:off x="115458" y="5940400"/>
+            <a:ext cx="5079991" cy="823912"/>
+          </a:xfrm>
+        </p:spPr>
+        <p:txBody>
+          <a:bodyPr/>
+          <a:lstStyle/>
+          <a:p>
+            <a:r>
+              <a:rPr lang="zh-CN" altLang="en-US" dirty="0" smtClean="0"/>
+              <a:t>习作</a:t>
+            </a:r>
+            <a:r>
+              <a:rPr lang="en-US" altLang="zh-CN" dirty="0" smtClean="0"/>
+              <a:t>· </a:t>
+            </a:r>
+            <a:r>
+              <a:rPr lang="zh-CN" altLang="en-US" dirty="0" smtClean="0"/>
+              <a:t>思考者</a:t>
+            </a:r>
+            <a:endParaRPr lang="en-US" dirty="0"/>
+          </a:p>
+        </p:txBody>
+      </p:sp>
+      <p:pic>
+        <p:nvPicPr>
+          <p:cNvPr id="9" name="Content Placeholder 8"/>
+          <p:cNvPicPr>
+            <a:picLocks noGrp="1" noChangeAspect="1"/>
+          </p:cNvPicPr>
+          <p:nvPr>
+            <p:ph sz="half" idx="2"/>
+          </p:nvPr>
+        </p:nvPicPr>
+        <p:blipFill>
+          <a:blip r:embed="rId2">
+            <a:extLst>
+              <a:ext uri="{28A0092B-C50C-407E-A947-70E740481C1C}">
+                <a14:useLocalDpi xmlns:a14="http://schemas.microsoft.com/office/drawing/2010/main" val="0"/>
+              </a:ext>
+            </a:extLst>
+          </a:blip>
+          <a:stretch>
+            <a:fillRect/>
+          </a:stretch>
+        </p:blipFill>
+        <p:spPr>
+          <a:xfrm>
+            <a:off x="115458" y="972443"/>
+            <a:ext cx="3934682" cy="5246242"/>
+          </a:xfrm>
+        </p:spPr>
+      </p:pic>
+      <p:sp>
+        <p:nvSpPr>
+          <p:cNvPr id="7" name="Text Placeholder 6"/>
+          <p:cNvSpPr>
+            <a:spLocks noGrp="1"/>
+          </p:cNvSpPr>
+          <p:nvPr>
+            <p:ph type="body" sz="quarter" idx="3"/>
+          </p:nvPr>
+        </p:nvSpPr>
+        <p:spPr>
+          <a:xfrm>
+            <a:off x="4304834" y="5940400"/>
+            <a:ext cx="3120738" cy="823912"/>
+          </a:xfrm>
+        </p:spPr>
+        <p:txBody>
+          <a:bodyPr/>
+          <a:lstStyle/>
+          <a:p>
+            <a:r>
+              <a:rPr lang="zh-CN" altLang="en-US" dirty="0" smtClean="0"/>
+              <a:t>习作</a:t>
+            </a:r>
+            <a:r>
+              <a:rPr lang="en-US" altLang="zh-CN" dirty="0" smtClean="0"/>
+              <a:t>· </a:t>
+            </a:r>
+            <a:r>
+              <a:rPr lang="zh-CN" altLang="en-US" dirty="0" smtClean="0"/>
+              <a:t>看手机的人</a:t>
+            </a:r>
+            <a:endParaRPr lang="en-US" dirty="0"/>
+          </a:p>
+        </p:txBody>
+      </p:sp>
+      <p:pic>
+        <p:nvPicPr>
+          <p:cNvPr id="10" name="Content Placeholder 9"/>
+          <p:cNvPicPr>
+            <a:picLocks noGrp="1" noChangeAspect="1"/>
+          </p:cNvPicPr>
+          <p:nvPr>
+            <p:ph sz="quarter" idx="4"/>
+          </p:nvPr>
+        </p:nvPicPr>
+        <p:blipFill>
+          <a:blip r:embed="rId3">
+            <a:extLst>
+              <a:ext uri="{28A0092B-C50C-407E-A947-70E740481C1C}">
+                <a14:useLocalDpi xmlns:a14="http://schemas.microsoft.com/office/drawing/2010/main" val="0"/>
+              </a:ext>
+            </a:extLst>
+          </a:blip>
+          <a:stretch>
+            <a:fillRect/>
+          </a:stretch>
+        </p:blipFill>
+        <p:spPr>
+          <a:xfrm>
+            <a:off x="4408160" y="1587571"/>
+            <a:ext cx="3473335" cy="4631114"/>
+          </a:xfrm>
+        </p:spPr>
+      </p:pic>
+      <p:pic>
+        <p:nvPicPr>
+          <p:cNvPr id="11" name="Picture 10"/>
+          <p:cNvPicPr>
+            <a:picLocks noChangeAspect="1"/>
+          </p:cNvPicPr>
+          <p:nvPr/>
+        </p:nvPicPr>
+        <p:blipFill>
+          <a:blip r:embed="rId4">
+            <a:extLst>
+              <a:ext uri="{28A0092B-C50C-407E-A947-70E740481C1C}">
+                <a14:useLocalDpi xmlns:a14="http://schemas.microsoft.com/office/drawing/2010/main" val="0"/>
+              </a:ext>
+            </a:extLst>
+          </a:blip>
+          <a:stretch>
+            <a:fillRect/>
+          </a:stretch>
+        </p:blipFill>
+        <p:spPr>
+          <a:xfrm>
+            <a:off x="8239516" y="1587568"/>
+            <a:ext cx="3473337" cy="4631117"/>
+          </a:xfrm>
+          <a:prstGeom prst="rect">
+            <a:avLst/>
+          </a:prstGeom>
+        </p:spPr>
+      </p:pic>
+      <p:sp>
+        <p:nvSpPr>
+          <p:cNvPr id="13" name="Text Placeholder 6"/>
+          <p:cNvSpPr txBox="1">
+            <a:spLocks/>
+          </p:cNvSpPr>
+          <p:nvPr/>
+        </p:nvSpPr>
+        <p:spPr>
+          <a:xfrm>
+            <a:off x="8321499" y="5940400"/>
+            <a:ext cx="3090718" cy="823912"/>
+          </a:xfrm>
+          <a:prstGeom prst="rect">
+            <a:avLst/>
+          </a:prstGeom>
+        </p:spPr>
+        <p:txBody>
+          <a:bodyPr vert="horz" lIns="91440" tIns="45720" rIns="91440" bIns="45720" rtlCol="0" anchor="b">
+            <a:normAutofit/>
+          </a:bodyPr>
+          <a:lstStyle>
+            <a:lvl1pPr marL="0" indent="0" algn="l" defTabSz="914400" rtl="0" eaLnBrk="1" latinLnBrk="0" hangingPunct="1">
+              <a:lnSpc>
+                <a:spcPct val="90000"/>
+              </a:lnSpc>
+              <a:spcBef>
+                <a:spcPts val="1000"/>
+              </a:spcBef>
+              <a:buFont typeface="Arial" panose="020B0604020202020204" pitchFamily="34" charset="0"/>
+              <a:buNone/>
+              <a:defRPr sz="2800" b="0" kern="1200">
+                <a:solidFill>
+                  <a:schemeClr val="tx1"/>
+                </a:solidFill>
+                <a:latin typeface="+mn-lt"/>
+                <a:ea typeface="+mn-ea"/>
+                <a:cs typeface="+mn-cs"/>
+              </a:defRPr>
+            </a:lvl1pPr>
+            <a:lvl2pPr marL="457200" indent="0" algn="l" defTabSz="914400" rtl="0" eaLnBrk="1" latinLnBrk="0" hangingPunct="1">
+              <a:lnSpc>
+                <a:spcPct val="90000"/>
+              </a:lnSpc>
+              <a:spcBef>
+                <a:spcPts val="500"/>
+              </a:spcBef>
+              <a:buFont typeface="Arial" panose="020B0604020202020204" pitchFamily="34" charset="0"/>
+              <a:buNone/>
+              <a:defRPr sz="2000" b="1" kern="1200">
+                <a:solidFill>
+                  <a:schemeClr val="tx1"/>
+                </a:solidFill>
+                <a:latin typeface="+mn-lt"/>
+                <a:ea typeface="+mn-ea"/>
+                <a:cs typeface="+mn-cs"/>
+              </a:defRPr>
+            </a:lvl2pPr>
+            <a:lvl3pPr marL="914400" indent="0" algn="l" defTabSz="914400" rtl="0" eaLnBrk="1" latinLnBrk="0" hangingPunct="1">
+              <a:lnSpc>
+                <a:spcPct val="90000"/>
+              </a:lnSpc>
+              <a:spcBef>
+                <a:spcPts val="500"/>
+              </a:spcBef>
+              <a:buFont typeface="Arial" panose="020B0604020202020204" pitchFamily="34" charset="0"/>
+              <a:buNone/>
+              <a:defRPr sz="1800" b="1" kern="1200">
+                <a:solidFill>
+                  <a:schemeClr val="tx1"/>
+                </a:solidFill>
+                <a:latin typeface="+mn-lt"/>
+                <a:ea typeface="+mn-ea"/>
+                <a:cs typeface="+mn-cs"/>
+              </a:defRPr>
+            </a:lvl3pPr>
+            <a:lvl4pPr marL="1371600" indent="0" algn="l" defTabSz="914400" rtl="0" eaLnBrk="1" latinLnBrk="0" hangingPunct="1">
+              <a:lnSpc>
+                <a:spcPct val="90000"/>
+              </a:lnSpc>
+              <a:spcBef>
+                <a:spcPts val="500"/>
+              </a:spcBef>
+              <a:buFont typeface="Arial" panose="020B0604020202020204" pitchFamily="34" charset="0"/>
+              <a:buNone/>
+              <a:defRPr sz="1600" b="1" kern="1200">
+                <a:solidFill>
+                  <a:schemeClr val="tx1"/>
+                </a:solidFill>
+                <a:latin typeface="+mn-lt"/>
+                <a:ea typeface="+mn-ea"/>
+                <a:cs typeface="+mn-cs"/>
+              </a:defRPr>
+            </a:lvl4pPr>
+            <a:lvl5pPr marL="1828800" indent="0" algn="l" defTabSz="914400" rtl="0" eaLnBrk="1" latinLnBrk="0" hangingPunct="1">
+              <a:lnSpc>
+                <a:spcPct val="90000"/>
+              </a:lnSpc>
+              <a:spcBef>
+                <a:spcPts val="500"/>
+              </a:spcBef>
+              <a:buFont typeface="Arial" panose="020B0604020202020204" pitchFamily="34" charset="0"/>
+              <a:buNone/>
+              <a:defRPr sz="1600" b="1" kern="1200">
+                <a:solidFill>
+                  <a:schemeClr val="tx1"/>
+                </a:solidFill>
+                <a:latin typeface="+mn-lt"/>
+                <a:ea typeface="+mn-ea"/>
+                <a:cs typeface="+mn-cs"/>
+              </a:defRPr>
+            </a:lvl5pPr>
+            <a:lvl6pPr marL="2286000" indent="0" algn="l" defTabSz="914400" rtl="0" eaLnBrk="1" latinLnBrk="0" hangingPunct="1">
+              <a:lnSpc>
+                <a:spcPct val="90000"/>
+              </a:lnSpc>
+              <a:spcBef>
+                <a:spcPts val="500"/>
+              </a:spcBef>
+              <a:buFont typeface="Arial" panose="020B0604020202020204" pitchFamily="34" charset="0"/>
+              <a:buNone/>
+              <a:defRPr sz="1600" b="1" kern="1200">
+                <a:solidFill>
+                  <a:schemeClr val="tx1"/>
+                </a:solidFill>
+                <a:latin typeface="+mn-lt"/>
+                <a:ea typeface="+mn-ea"/>
+                <a:cs typeface="+mn-cs"/>
+              </a:defRPr>
+            </a:lvl6pPr>
+            <a:lvl7pPr marL="2743200" indent="0" algn="l" defTabSz="914400" rtl="0" eaLnBrk="1" latinLnBrk="0" hangingPunct="1">
+              <a:lnSpc>
+                <a:spcPct val="90000"/>
+              </a:lnSpc>
+              <a:spcBef>
+                <a:spcPts val="500"/>
+              </a:spcBef>
+              <a:buFont typeface="Arial" panose="020B0604020202020204" pitchFamily="34" charset="0"/>
+              <a:buNone/>
+              <a:defRPr sz="1600" b="1" kern="1200">
+                <a:solidFill>
+                  <a:schemeClr val="tx1"/>
+                </a:solidFill>
+                <a:latin typeface="+mn-lt"/>
+                <a:ea typeface="+mn-ea"/>
+                <a:cs typeface="+mn-cs"/>
+              </a:defRPr>
+            </a:lvl7pPr>
+            <a:lvl8pPr marL="3200400" indent="0" algn="l" defTabSz="914400" rtl="0" eaLnBrk="1" latinLnBrk="0" hangingPunct="1">
+              <a:lnSpc>
+                <a:spcPct val="90000"/>
+              </a:lnSpc>
+              <a:spcBef>
+                <a:spcPts val="500"/>
+              </a:spcBef>
+              <a:buFont typeface="Arial" panose="020B0604020202020204" pitchFamily="34" charset="0"/>
+              <a:buNone/>
+              <a:defRPr sz="1600" b="1" kern="1200">
+                <a:solidFill>
+                  <a:schemeClr val="tx1"/>
+                </a:solidFill>
+                <a:latin typeface="+mn-lt"/>
+                <a:ea typeface="+mn-ea"/>
+                <a:cs typeface="+mn-cs"/>
+              </a:defRPr>
+            </a:lvl8pPr>
+            <a:lvl9pPr marL="3657600" indent="0" algn="l" defTabSz="914400" rtl="0" eaLnBrk="1" latinLnBrk="0" hangingPunct="1">
+              <a:lnSpc>
+                <a:spcPct val="90000"/>
+              </a:lnSpc>
+              <a:spcBef>
+                <a:spcPts val="500"/>
+              </a:spcBef>
+              <a:buFont typeface="Arial" panose="020B0604020202020204" pitchFamily="34" charset="0"/>
+              <a:buNone/>
+              <a:defRPr sz="1600" b="1" kern="1200">
+                <a:solidFill>
+                  <a:schemeClr val="tx1"/>
+                </a:solidFill>
+                <a:latin typeface="+mn-lt"/>
+                <a:ea typeface="+mn-ea"/>
+                <a:cs typeface="+mn-cs"/>
+              </a:defRPr>
+            </a:lvl9pPr>
+          </a:lstStyle>
+          <a:p>
+            <a:r>
+              <a:rPr lang="zh-CN" altLang="en-US" dirty="0" smtClean="0"/>
+              <a:t>习作</a:t>
+            </a:r>
+            <a:r>
+              <a:rPr lang="en-US" altLang="zh-CN" dirty="0" smtClean="0"/>
+              <a:t>· </a:t>
+            </a:r>
+            <a:r>
+              <a:rPr lang="zh-CN" altLang="en-US" dirty="0" smtClean="0"/>
+              <a:t>自画像</a:t>
+            </a:r>
+            <a:endParaRPr lang="en-US" dirty="0"/>
+          </a:p>
+        </p:txBody>
+      </p:sp>
+    </p:spTree>
+    <p:extLst>
+      <p:ext uri="{BB962C8B-B14F-4D97-AF65-F5344CB8AC3E}">
+        <p14:creationId xmlns:p14="http://schemas.microsoft.com/office/powerpoint/2010/main" val="1243101554"/>
+      </p:ext>
+    </p:extLst>
+  </p:cSld>
+  <p:clrMapOvr>
+    <a:masterClrMapping/>
+  </p:clrMapOvr>
+</p:sld>
+</file>
+
+<file path=ppt/slides/slide18.xml><?xml version="1.0" encoding="utf-8"?>
+<p:sld xmlns:a="http://schemas.openxmlformats.org/drawingml/2006/main" xmlns:r="http://schemas.openxmlformats.org/officeDocument/2006/relationships" xmlns:p="http://schemas.openxmlformats.org/presentationml/2006/main">
+  <p:cSld>
+    <p:spTree>
+      <p:nvGrpSpPr>
+        <p:cNvPr id="1" name=""/>
+        <p:cNvGrpSpPr/>
+        <p:nvPr/>
+      </p:nvGrpSpPr>
+      <p:grpSpPr>
+        <a:xfrm>
+          <a:off x="0" y="0"/>
+          <a:ext cx="0" cy="0"/>
+          <a:chOff x="0" y="0"/>
+          <a:chExt cx="0" cy="0"/>
+        </a:xfrm>
+      </p:grpSpPr>
+      <p:sp>
+        <p:nvSpPr>
+          <p:cNvPr id="7" name="Title 6"/>
+          <p:cNvSpPr>
+            <a:spLocks noGrp="1"/>
+          </p:cNvSpPr>
+          <p:nvPr>
+            <p:ph type="ctrTitle"/>
+          </p:nvPr>
+        </p:nvSpPr>
+        <p:spPr/>
+        <p:txBody>
+          <a:bodyPr/>
+          <a:lstStyle/>
+          <a:p>
+            <a:r>
+              <a:rPr lang="zh-CN" altLang="en-US" dirty="0" smtClean="0"/>
+              <a:t>谢谢大家，请批评指正</a:t>
+            </a:r>
+            <a:endParaRPr lang="en-US" dirty="0"/>
+          </a:p>
+        </p:txBody>
+      </p:sp>
+      <p:sp>
+        <p:nvSpPr>
+          <p:cNvPr id="8" name="Subtitle 7"/>
+          <p:cNvSpPr>
+            <a:spLocks noGrp="1"/>
+          </p:cNvSpPr>
+          <p:nvPr>
+            <p:ph type="subTitle" idx="1"/>
+          </p:nvPr>
+        </p:nvSpPr>
+        <p:spPr>
+          <a:xfrm>
+            <a:off x="1371600" y="3632200"/>
+            <a:ext cx="9448800" cy="2509981"/>
+          </a:xfrm>
+        </p:spPr>
+        <p:txBody>
+          <a:bodyPr>
+            <a:normAutofit/>
+          </a:bodyPr>
+          <a:lstStyle/>
+          <a:p>
+            <a:r>
+              <a:rPr lang="zh-CN" altLang="en-US" dirty="0">
+                <a:latin typeface="DengXian Light" panose="02010600030101010101" pitchFamily="2" charset="-122"/>
+                <a:ea typeface="DengXian Light" panose="02010600030101010101" pitchFamily="2" charset="-122"/>
+              </a:rPr>
+              <a:t>电子设计小学期</a:t>
+            </a:r>
+            <a:endParaRPr lang="en-US" altLang="zh-CN" dirty="0">
+              <a:latin typeface="DengXian Light" panose="02010600030101010101" pitchFamily="2" charset="-122"/>
+              <a:ea typeface="DengXian Light" panose="02010600030101010101" pitchFamily="2" charset="-122"/>
+            </a:endParaRPr>
+          </a:p>
+          <a:p>
+            <a:r>
+              <a:rPr lang="zh-CN" altLang="en-US" dirty="0">
+                <a:latin typeface="DengXian Light" panose="02010600030101010101" pitchFamily="2" charset="-122"/>
+                <a:ea typeface="DengXian Light" panose="02010600030101010101" pitchFamily="2" charset="-122"/>
+              </a:rPr>
+              <a:t>终结报告</a:t>
+            </a:r>
+            <a:endParaRPr lang="en-US" altLang="zh-CN" dirty="0">
+              <a:latin typeface="DengXian Light" panose="02010600030101010101" pitchFamily="2" charset="-122"/>
+              <a:ea typeface="DengXian Light" panose="02010600030101010101" pitchFamily="2" charset="-122"/>
+            </a:endParaRPr>
+          </a:p>
+          <a:p>
+            <a:r>
+              <a:rPr lang="zh-CN" altLang="en-US" dirty="0">
+                <a:latin typeface="DengXian Light" panose="02010600030101010101" pitchFamily="2" charset="-122"/>
+                <a:ea typeface="DengXian Light" panose="02010600030101010101" pitchFamily="2" charset="-122"/>
+              </a:rPr>
+              <a:t>张蔚桐 </a:t>
+            </a:r>
+            <a:r>
+              <a:rPr lang="en-US" altLang="zh-CN" dirty="0">
+                <a:latin typeface="DengXian Light" panose="02010600030101010101" pitchFamily="2" charset="-122"/>
+                <a:ea typeface="DengXian Light" panose="02010600030101010101" pitchFamily="2" charset="-122"/>
+              </a:rPr>
+              <a:t>2015011493</a:t>
+            </a:r>
+          </a:p>
+          <a:p>
+            <a:r>
+              <a:rPr lang="zh-CN" altLang="en-US" dirty="0">
+                <a:latin typeface="DengXian Light" panose="02010600030101010101" pitchFamily="2" charset="-122"/>
+                <a:ea typeface="DengXian Light" panose="02010600030101010101" pitchFamily="2" charset="-122"/>
+              </a:rPr>
+              <a:t>陈    崴 </a:t>
+            </a:r>
+            <a:r>
+              <a:rPr lang="en-US" altLang="zh-CN" dirty="0">
+                <a:latin typeface="DengXian Light" panose="02010600030101010101" pitchFamily="2" charset="-122"/>
+                <a:ea typeface="DengXian Light" panose="02010600030101010101" pitchFamily="2" charset="-122"/>
+              </a:rPr>
+              <a:t>2015011481</a:t>
+            </a:r>
+            <a:endParaRPr lang="en-US" dirty="0">
+              <a:latin typeface="DengXian Light" panose="02010600030101010101" pitchFamily="2" charset="-122"/>
+              <a:ea typeface="DengXian Light" panose="02010600030101010101" pitchFamily="2" charset="-122"/>
+            </a:endParaRPr>
+          </a:p>
+          <a:p>
+            <a:endParaRPr lang="en-US" dirty="0"/>
+          </a:p>
+        </p:txBody>
+      </p:sp>
+    </p:spTree>
+    <p:extLst>
+      <p:ext uri="{BB962C8B-B14F-4D97-AF65-F5344CB8AC3E}">
+        <p14:creationId xmlns:p14="http://schemas.microsoft.com/office/powerpoint/2010/main" val="3003801027"/>
       </p:ext>
     </p:extLst>
   </p:cSld>
@@ -11547,7 +13061,7 @@
       </p:grpSpPr>
       <p:sp>
         <p:nvSpPr>
-          <p:cNvPr id="2" name="Title 1"/>
+          <p:cNvPr id="2" name="标题 1"/>
           <p:cNvSpPr>
             <a:spLocks noGrp="1"/>
           </p:cNvSpPr>
@@ -11561,16 +13075,16 @@
           <a:lstStyle/>
           <a:p>
             <a:r>
-              <a:rPr lang="zh-CN" altLang="en-US" dirty="0" smtClean="0"/>
-              <a:t>模拟电子电路部分</a:t>
-            </a:r>
-            <a:endParaRPr lang="en-US" dirty="0"/>
-          </a:p>
-        </p:txBody>
-      </p:sp>
-      <p:sp>
-        <p:nvSpPr>
-          <p:cNvPr id="3" name="Content Placeholder 2"/>
+              <a:rPr kumimoji="1" lang="zh-CN" altLang="en-US" dirty="0" smtClean="0"/>
+              <a:t>项目背景 </a:t>
+            </a:r>
+            <a:endParaRPr kumimoji="1" lang="zh-CN" altLang="en-US" dirty="0"/>
+          </a:p>
+        </p:txBody>
+      </p:sp>
+      <p:sp>
+        <p:nvSpPr>
+          <p:cNvPr id="3" name="内容占位符 2"/>
           <p:cNvSpPr>
             <a:spLocks noGrp="1"/>
           </p:cNvSpPr>
@@ -11584,78 +13098,31 @@
           <a:lstStyle/>
           <a:p>
             <a:r>
-              <a:rPr lang="en-US" dirty="0" smtClean="0"/>
-              <a:t> </a:t>
-            </a:r>
-            <a:r>
-              <a:rPr lang="zh-CN" altLang="en-US" dirty="0" smtClean="0"/>
-              <a:t>项目背景</a:t>
-            </a:r>
-            <a:endParaRPr lang="en-US" altLang="zh-CN" dirty="0" smtClean="0"/>
-          </a:p>
-          <a:p>
-            <a:r>
-              <a:rPr lang="en-US" dirty="0"/>
-              <a:t> </a:t>
-            </a:r>
-            <a:r>
-              <a:rPr lang="zh-CN" altLang="en-US" dirty="0" smtClean="0"/>
-              <a:t>工作介绍和项目创新点，调试中出现的问题</a:t>
-            </a:r>
-            <a:endParaRPr lang="en-US" altLang="zh-CN" dirty="0" smtClean="0"/>
-          </a:p>
-          <a:p>
-            <a:pPr lvl="1"/>
-            <a:r>
-              <a:rPr lang="zh-CN" altLang="en-US" dirty="0"/>
-              <a:t>数</a:t>
-            </a:r>
-            <a:r>
-              <a:rPr lang="zh-CN" altLang="en-US" dirty="0" smtClean="0"/>
-              <a:t>电部分 蓝牙炸了</a:t>
-            </a:r>
-            <a:endParaRPr lang="en-US" altLang="zh-CN" dirty="0" smtClean="0"/>
-          </a:p>
-          <a:p>
-            <a:pPr lvl="1"/>
-            <a:r>
-              <a:rPr lang="zh-CN" altLang="en-US" dirty="0"/>
-              <a:t>模</a:t>
-            </a:r>
-            <a:r>
-              <a:rPr lang="zh-CN" altLang="en-US" dirty="0" smtClean="0"/>
-              <a:t>电部分</a:t>
-            </a:r>
-            <a:endParaRPr lang="en-US" altLang="zh-CN" dirty="0"/>
-          </a:p>
-          <a:p>
-            <a:r>
-              <a:rPr lang="en-US" altLang="zh-CN" dirty="0" smtClean="0"/>
-              <a:t> </a:t>
-            </a:r>
-            <a:r>
-              <a:rPr lang="zh-CN" altLang="en-US" dirty="0" smtClean="0"/>
-              <a:t>项目展望</a:t>
-            </a:r>
-            <a:endParaRPr lang="en-US" altLang="zh-CN" dirty="0" smtClean="0"/>
-          </a:p>
-          <a:p>
-            <a:r>
-              <a:rPr lang="en-US" altLang="zh-CN" dirty="0"/>
-              <a:t> </a:t>
-            </a:r>
-            <a:r>
-              <a:rPr lang="zh-CN" altLang="en-US"/>
-              <a:t>工作日志</a:t>
-            </a:r>
-            <a:endParaRPr lang="en-US" altLang="zh-CN" dirty="0" smtClean="0"/>
+              <a:rPr kumimoji="1" lang="zh-CN" altLang="en-US" dirty="0" smtClean="0"/>
+              <a:t>在小车上加装图像传感器和其他场地检测装置，采集环境信息</a:t>
+            </a:r>
+            <a:endParaRPr kumimoji="1" lang="en-US" altLang="zh-CN" dirty="0" smtClean="0"/>
+          </a:p>
+          <a:p>
+            <a:r>
+              <a:rPr kumimoji="1" lang="zh-CN" altLang="en-US" dirty="0" smtClean="0"/>
+              <a:t>方便人员远程控制，可进入危险场合作业</a:t>
+            </a:r>
+            <a:endParaRPr kumimoji="1" lang="en-US" altLang="zh-CN" dirty="0" smtClean="0"/>
+          </a:p>
+          <a:p>
+            <a:r>
+              <a:rPr kumimoji="1" lang="zh-CN" altLang="en-US" dirty="0" smtClean="0"/>
+              <a:t>采集到的信息可以进一步处理</a:t>
+            </a:r>
+            <a:endParaRPr kumimoji="1" lang="zh-CN" altLang="en-US" dirty="0"/>
           </a:p>
         </p:txBody>
       </p:sp>
     </p:spTree>
     <p:extLst>
       <p:ext uri="{BB962C8B-B14F-4D97-AF65-F5344CB8AC3E}">
-        <p14:creationId xmlns:p14="http://schemas.microsoft.com/office/powerpoint/2010/main" val="3728269593"/>
+        <p14:creationId xmlns:p14="http://schemas.microsoft.com/office/powerpoint/2010/main" val="91887493"/>
       </p:ext>
     </p:extLst>
   </p:cSld>
@@ -11699,96 +13166,6 @@
           <a:p>
             <a:r>
               <a:rPr kumimoji="1" lang="zh-CN" altLang="en-US" dirty="0" smtClean="0"/>
-              <a:t>项目背景 </a:t>
-            </a:r>
-            <a:endParaRPr kumimoji="1" lang="zh-CN" altLang="en-US" dirty="0"/>
-          </a:p>
-        </p:txBody>
-      </p:sp>
-      <p:sp>
-        <p:nvSpPr>
-          <p:cNvPr id="3" name="内容占位符 2"/>
-          <p:cNvSpPr>
-            <a:spLocks noGrp="1"/>
-          </p:cNvSpPr>
-          <p:nvPr>
-            <p:ph idx="1"/>
-          </p:nvPr>
-        </p:nvSpPr>
-        <p:spPr/>
-        <p:txBody>
-          <a:bodyPr/>
-          <a:lstStyle/>
-          <a:p>
-            <a:r>
-              <a:rPr kumimoji="1" lang="zh-CN" altLang="en-US" dirty="0" smtClean="0"/>
-              <a:t>在小车上加装图像传感器和其他场地检测装置，采集环境信息</a:t>
-            </a:r>
-            <a:endParaRPr kumimoji="1" lang="en-US" altLang="zh-CN" dirty="0" smtClean="0"/>
-          </a:p>
-          <a:p>
-            <a:r>
-              <a:rPr kumimoji="1" lang="zh-CN" altLang="en-US" dirty="0" smtClean="0"/>
-              <a:t>方便人员远程控制，可进入危险场合作业</a:t>
-            </a:r>
-            <a:endParaRPr kumimoji="1" lang="en-US" altLang="zh-CN" dirty="0" smtClean="0"/>
-          </a:p>
-          <a:p>
-            <a:r>
-              <a:rPr kumimoji="1" lang="zh-CN" altLang="en-US" dirty="0" smtClean="0"/>
-              <a:t>采集到的信息可以进一步处理</a:t>
-            </a:r>
-            <a:endParaRPr kumimoji="1" lang="zh-CN" altLang="en-US" dirty="0"/>
-          </a:p>
-        </p:txBody>
-      </p:sp>
-    </p:spTree>
-    <p:extLst>
-      <p:ext uri="{BB962C8B-B14F-4D97-AF65-F5344CB8AC3E}">
-        <p14:creationId xmlns:p14="http://schemas.microsoft.com/office/powerpoint/2010/main" val="469329588"/>
-      </p:ext>
-    </p:extLst>
-  </p:cSld>
-  <p:clrMapOvr>
-    <a:masterClrMapping/>
-  </p:clrMapOvr>
-</p:sld>
-</file>
-
-<file path=ppt/slides/slide4.xml><?xml version="1.0" encoding="utf-8"?>
-<p:sld xmlns:a="http://schemas.openxmlformats.org/drawingml/2006/main" xmlns:r="http://schemas.openxmlformats.org/officeDocument/2006/relationships" xmlns:p="http://schemas.openxmlformats.org/presentationml/2006/main">
-  <p:cSld>
-    <p:spTree>
-      <p:nvGrpSpPr>
-        <p:cNvPr id="1" name=""/>
-        <p:cNvGrpSpPr/>
-        <p:nvPr/>
-      </p:nvGrpSpPr>
-      <p:grpSpPr>
-        <a:xfrm>
-          <a:off x="0" y="0"/>
-          <a:ext cx="0" cy="0"/>
-          <a:chOff x="0" y="0"/>
-          <a:chExt cx="0" cy="0"/>
-        </a:xfrm>
-      </p:grpSpPr>
-      <p:sp>
-        <p:nvSpPr>
-          <p:cNvPr id="2" name="标题 1"/>
-          <p:cNvSpPr>
-            <a:spLocks noGrp="1"/>
-          </p:cNvSpPr>
-          <p:nvPr>
-            <p:ph type="title"/>
-          </p:nvPr>
-        </p:nvSpPr>
-        <p:spPr/>
-        <p:txBody>
-          <a:bodyPr/>
-          <a:lstStyle/>
-          <a:p>
-            <a:r>
-              <a:rPr kumimoji="1" lang="zh-CN" altLang="en-US" dirty="0" smtClean="0"/>
               <a:t>数电部分</a:t>
             </a:r>
             <a:endParaRPr kumimoji="1" lang="zh-CN" altLang="en-US" dirty="0"/>
@@ -11803,11 +13180,7 @@
           </p:cNvGraphicFramePr>
           <p:nvPr>
             <p:ph idx="1"/>
-            <p:extLst>
-              <p:ext uri="{D42A27DB-BD31-4B8C-83A1-F6EECF244321}">
-                <p14:modId xmlns:p14="http://schemas.microsoft.com/office/powerpoint/2010/main" val="1736278438"/>
-              </p:ext>
-            </p:extLst>
+            <p:extLst/>
           </p:nvPr>
         </p:nvGraphicFramePr>
         <p:xfrm>
@@ -11823,7 +13196,7 @@
     </p:spTree>
     <p:extLst>
       <p:ext uri="{BB962C8B-B14F-4D97-AF65-F5344CB8AC3E}">
-        <p14:creationId xmlns:p14="http://schemas.microsoft.com/office/powerpoint/2010/main" val="1990504583"/>
+        <p14:creationId xmlns:p14="http://schemas.microsoft.com/office/powerpoint/2010/main" val="2193432110"/>
       </p:ext>
     </p:extLst>
   </p:cSld>
@@ -11833,7 +13206,7 @@
 </p:sld>
 </file>
 
-<file path=ppt/slides/slide5.xml><?xml version="1.0" encoding="utf-8"?>
+<file path=ppt/slides/slide4.xml><?xml version="1.0" encoding="utf-8"?>
 <p:sld xmlns:a="http://schemas.openxmlformats.org/drawingml/2006/main" xmlns:r="http://schemas.openxmlformats.org/officeDocument/2006/relationships" xmlns:p="http://schemas.openxmlformats.org/presentationml/2006/main">
   <p:cSld>
     <p:spTree>
@@ -11972,7 +13345,7 @@
     </p:spTree>
     <p:extLst>
       <p:ext uri="{BB962C8B-B14F-4D97-AF65-F5344CB8AC3E}">
-        <p14:creationId xmlns:p14="http://schemas.microsoft.com/office/powerpoint/2010/main" val="1623912030"/>
+        <p14:creationId xmlns:p14="http://schemas.microsoft.com/office/powerpoint/2010/main" val="2230168786"/>
       </p:ext>
     </p:extLst>
   </p:cSld>
@@ -11982,7 +13355,7 @@
 </p:sld>
 </file>
 
-<file path=ppt/slides/slide6.xml><?xml version="1.0" encoding="utf-8"?>
+<file path=ppt/slides/slide5.xml><?xml version="1.0" encoding="utf-8"?>
 <p:sld xmlns:a="http://schemas.openxmlformats.org/drawingml/2006/main" xmlns:r="http://schemas.openxmlformats.org/officeDocument/2006/relationships" xmlns:p="http://schemas.openxmlformats.org/presentationml/2006/main">
   <p:cSld>
     <p:spTree>
@@ -12112,7 +13485,7 @@
     </p:spTree>
     <p:extLst>
       <p:ext uri="{BB962C8B-B14F-4D97-AF65-F5344CB8AC3E}">
-        <p14:creationId xmlns:p14="http://schemas.microsoft.com/office/powerpoint/2010/main" val="185454028"/>
+        <p14:creationId xmlns:p14="http://schemas.microsoft.com/office/powerpoint/2010/main" val="4011796780"/>
       </p:ext>
     </p:extLst>
   </p:cSld>
@@ -12122,7 +13495,7 @@
 </p:sld>
 </file>
 
-<file path=ppt/slides/slide7.xml><?xml version="1.0" encoding="utf-8"?>
+<file path=ppt/slides/slide6.xml><?xml version="1.0" encoding="utf-8"?>
 <p:sld xmlns:a="http://schemas.openxmlformats.org/drawingml/2006/main" xmlns:r="http://schemas.openxmlformats.org/officeDocument/2006/relationships" xmlns:p="http://schemas.openxmlformats.org/presentationml/2006/main">
   <p:cSld>
     <p:spTree>
@@ -12291,7 +13664,7 @@
     </p:spTree>
     <p:extLst>
       <p:ext uri="{BB962C8B-B14F-4D97-AF65-F5344CB8AC3E}">
-        <p14:creationId xmlns:p14="http://schemas.microsoft.com/office/powerpoint/2010/main" val="429332550"/>
+        <p14:creationId xmlns:p14="http://schemas.microsoft.com/office/powerpoint/2010/main" val="4152892027"/>
       </p:ext>
     </p:extLst>
   </p:cSld>
@@ -12301,7 +13674,7 @@
 </p:sld>
 </file>
 
-<file path=ppt/slides/slide8.xml><?xml version="1.0" encoding="utf-8"?>
+<file path=ppt/slides/slide7.xml><?xml version="1.0" encoding="utf-8"?>
 <p:sld xmlns:a="http://schemas.openxmlformats.org/drawingml/2006/main" xmlns:r="http://schemas.openxmlformats.org/officeDocument/2006/relationships" xmlns:p="http://schemas.openxmlformats.org/presentationml/2006/main">
   <p:cSld>
     <p:spTree>
@@ -12402,7 +13775,7 @@
     </p:spTree>
     <p:extLst>
       <p:ext uri="{BB962C8B-B14F-4D97-AF65-F5344CB8AC3E}">
-        <p14:creationId xmlns:p14="http://schemas.microsoft.com/office/powerpoint/2010/main" val="1276941048"/>
+        <p14:creationId xmlns:p14="http://schemas.microsoft.com/office/powerpoint/2010/main" val="3778456434"/>
       </p:ext>
     </p:extLst>
   </p:cSld>
@@ -12412,7 +13785,7 @@
 </p:sld>
 </file>
 
-<file path=ppt/slides/slide9.xml><?xml version="1.0" encoding="utf-8"?>
+<file path=ppt/slides/slide8.xml><?xml version="1.0" encoding="utf-8"?>
 <p:sld xmlns:a="http://schemas.openxmlformats.org/drawingml/2006/main" xmlns:r="http://schemas.openxmlformats.org/officeDocument/2006/relationships" xmlns:p="http://schemas.openxmlformats.org/presentationml/2006/main">
   <p:cSld>
     <p:spTree>
@@ -12513,7 +13886,175 @@
     </p:spTree>
     <p:extLst>
       <p:ext uri="{BB962C8B-B14F-4D97-AF65-F5344CB8AC3E}">
-        <p14:creationId xmlns:p14="http://schemas.microsoft.com/office/powerpoint/2010/main" val="2010352359"/>
+        <p14:creationId xmlns:p14="http://schemas.microsoft.com/office/powerpoint/2010/main" val="422916087"/>
+      </p:ext>
+    </p:extLst>
+  </p:cSld>
+  <p:clrMapOvr>
+    <a:masterClrMapping/>
+  </p:clrMapOvr>
+</p:sld>
+</file>
+
+<file path=ppt/slides/slide9.xml><?xml version="1.0" encoding="utf-8"?>
+<p:sld xmlns:a="http://schemas.openxmlformats.org/drawingml/2006/main" xmlns:r="http://schemas.openxmlformats.org/officeDocument/2006/relationships" xmlns:p="http://schemas.openxmlformats.org/presentationml/2006/main">
+  <p:cSld>
+    <p:spTree>
+      <p:nvGrpSpPr>
+        <p:cNvPr id="1" name=""/>
+        <p:cNvGrpSpPr/>
+        <p:nvPr/>
+      </p:nvGrpSpPr>
+      <p:grpSpPr>
+        <a:xfrm>
+          <a:off x="0" y="0"/>
+          <a:ext cx="0" cy="0"/>
+          <a:chOff x="0" y="0"/>
+          <a:chExt cx="0" cy="0"/>
+        </a:xfrm>
+      </p:grpSpPr>
+      <p:sp>
+        <p:nvSpPr>
+          <p:cNvPr id="2" name="标题 1"/>
+          <p:cNvSpPr>
+            <a:spLocks noGrp="1"/>
+          </p:cNvSpPr>
+          <p:nvPr>
+            <p:ph type="title"/>
+          </p:nvPr>
+        </p:nvSpPr>
+        <p:spPr/>
+        <p:txBody>
+          <a:bodyPr/>
+          <a:lstStyle/>
+          <a:p>
+            <a:r>
+              <a:rPr kumimoji="1" lang="zh-CN" altLang="en-US" dirty="0" smtClean="0"/>
+              <a:t>调试中出现的问题</a:t>
+            </a:r>
+            <a:endParaRPr kumimoji="1" lang="zh-CN" altLang="en-US" dirty="0"/>
+          </a:p>
+        </p:txBody>
+      </p:sp>
+      <p:sp>
+        <p:nvSpPr>
+          <p:cNvPr id="3" name="内容占位符 2"/>
+          <p:cNvSpPr>
+            <a:spLocks noGrp="1"/>
+          </p:cNvSpPr>
+          <p:nvPr>
+            <p:ph idx="1"/>
+          </p:nvPr>
+        </p:nvSpPr>
+        <p:spPr/>
+        <p:txBody>
+          <a:bodyPr/>
+          <a:lstStyle/>
+          <a:p>
+            <a:r>
+              <a:rPr kumimoji="1" lang="en-US" altLang="zh-CN" dirty="0" smtClean="0"/>
+              <a:t>HC-05</a:t>
+            </a:r>
+            <a:r>
+              <a:rPr kumimoji="1" lang="zh-CN" altLang="en-US" dirty="0" smtClean="0"/>
+              <a:t>主从一体蓝牙串口模块</a:t>
+            </a:r>
+            <a:endParaRPr kumimoji="1" lang="en-US" altLang="zh-CN" dirty="0" smtClean="0"/>
+          </a:p>
+          <a:p>
+            <a:r>
+              <a:rPr kumimoji="1" lang="zh-CN" altLang="en-US" dirty="0" smtClean="0"/>
+              <a:t>波特率</a:t>
+            </a:r>
+            <a:r>
+              <a:rPr kumimoji="1" lang="en-US" altLang="zh-CN" dirty="0" smtClean="0"/>
+              <a:t>921600</a:t>
+            </a:r>
+            <a:r>
+              <a:rPr kumimoji="1" lang="zh-CN" altLang="en-US" dirty="0" smtClean="0"/>
+              <a:t> ≈ </a:t>
+            </a:r>
+            <a:r>
+              <a:rPr kumimoji="1" lang="en-US" altLang="zh-CN" dirty="0" smtClean="0"/>
+              <a:t>11µs</a:t>
+            </a:r>
+            <a:r>
+              <a:rPr kumimoji="1" lang="zh-CN" altLang="en-US" dirty="0" smtClean="0"/>
+              <a:t> </a:t>
+            </a:r>
+            <a:r>
+              <a:rPr kumimoji="1" lang="en-US" altLang="zh-CN" dirty="0" smtClean="0"/>
+              <a:t>per</a:t>
+            </a:r>
+            <a:r>
+              <a:rPr kumimoji="1" lang="zh-CN" altLang="en-US" dirty="0" smtClean="0"/>
+              <a:t> </a:t>
+            </a:r>
+            <a:r>
+              <a:rPr kumimoji="1" lang="en-US" altLang="zh-CN" dirty="0" smtClean="0"/>
+              <a:t>byte</a:t>
+            </a:r>
+            <a:r>
+              <a:rPr kumimoji="1" lang="zh-CN" altLang="en-US" dirty="0" smtClean="0"/>
+              <a:t> ≈ </a:t>
+            </a:r>
+            <a:r>
+              <a:rPr kumimoji="1" lang="en-US" altLang="zh-CN" dirty="0" smtClean="0"/>
+              <a:t>3.3s</a:t>
+            </a:r>
+            <a:r>
+              <a:rPr kumimoji="1" lang="zh-CN" altLang="en-US" dirty="0" smtClean="0"/>
+              <a:t> </a:t>
+            </a:r>
+            <a:r>
+              <a:rPr kumimoji="1" lang="en-US" altLang="zh-CN" dirty="0" smtClean="0"/>
+              <a:t>per</a:t>
+            </a:r>
+            <a:r>
+              <a:rPr kumimoji="1" lang="zh-CN" altLang="en-US" dirty="0" smtClean="0"/>
+              <a:t> </a:t>
+            </a:r>
+            <a:r>
+              <a:rPr kumimoji="1" lang="en-US" altLang="zh-CN" dirty="0" smtClean="0"/>
+              <a:t>QVGA</a:t>
+            </a:r>
+            <a:r>
+              <a:rPr kumimoji="1" lang="zh-CN" altLang="en-US" dirty="0" smtClean="0"/>
+              <a:t> </a:t>
+            </a:r>
+            <a:r>
+              <a:rPr kumimoji="1" lang="en-US" altLang="zh-CN" dirty="0" smtClean="0"/>
+              <a:t>frame</a:t>
+            </a:r>
+          </a:p>
+          <a:p>
+            <a:r>
+              <a:rPr kumimoji="1" lang="zh-CN" altLang="en-US" dirty="0" smtClean="0"/>
+              <a:t>波特率不影响</a:t>
+            </a:r>
+            <a:r>
+              <a:rPr kumimoji="1" lang="en-US" altLang="zh-CN" dirty="0" smtClean="0"/>
+              <a:t>RFCOMM</a:t>
+            </a:r>
+            <a:r>
+              <a:rPr kumimoji="1" lang="zh-CN" altLang="en-US" dirty="0" smtClean="0"/>
+              <a:t>实际数据吞吐量</a:t>
+            </a:r>
+            <a:endParaRPr kumimoji="1" lang="en-US" altLang="zh-CN" dirty="0" smtClean="0"/>
+          </a:p>
+          <a:p>
+            <a:r>
+              <a:rPr kumimoji="1" lang="zh-CN" altLang="en-US" dirty="0" smtClean="0"/>
+              <a:t>数据吞吐量过大时传输不稳定</a:t>
+            </a:r>
+            <a:endParaRPr kumimoji="1" lang="zh-CN" altLang="en-US" dirty="0"/>
+          </a:p>
+        </p:txBody>
+      </p:sp>
+    </p:spTree>
+    <p:extLst>
+      <p:ext uri="{BB962C8B-B14F-4D97-AF65-F5344CB8AC3E}">
+        <p14:creationId xmlns:p14="http://schemas.microsoft.com/office/powerpoint/2010/main" val="1424168679"/>
       </p:ext>
     </p:extLst>
   </p:cSld>
@@ -12791,265 +14332,4 @@
     </a:ext>
   </a:extLst>
 </a:theme>
-</file>
-
-<file path=ppt/theme/theme2.xml><?xml version="1.0" encoding="utf-8"?>
-<a:theme xmlns:a="http://schemas.openxmlformats.org/drawingml/2006/main" name="Office 主题">
-  <a:themeElements>
-    <a:clrScheme name="Office">
-      <a:dk1>
-        <a:sysClr val="windowText" lastClr="000000"/>
-      </a:dk1>
-      <a:lt1>
-        <a:sysClr val="window" lastClr="FFFFFF"/>
-      </a:lt1>
-      <a:dk2>
-        <a:srgbClr val="44546A"/>
-      </a:dk2>
-      <a:lt2>
-        <a:srgbClr val="E7E6E6"/>
-      </a:lt2>
-      <a:accent1>
-        <a:srgbClr val="4472C4"/>
-      </a:accent1>
-      <a:accent2>
-        <a:srgbClr val="ED7D31"/>
-      </a:accent2>
-      <a:accent3>
-        <a:srgbClr val="A5A5A5"/>
-      </a:accent3>
-      <a:accent4>
-        <a:srgbClr val="FFC000"/>
-      </a:accent4>
-      <a:accent5>
-        <a:srgbClr val="5B9BD5"/>
-      </a:accent5>
-      <a:accent6>
-        <a:srgbClr val="70AD47"/>
-      </a:accent6>
-      <a:hlink>
-        <a:srgbClr val="0563C1"/>
-      </a:hlink>
-      <a:folHlink>
-        <a:srgbClr val="954F72"/>
-      </a:folHlink>
-    </a:clrScheme>
-    <a:fontScheme name="Office">
-      <a:majorFont>
-        <a:latin typeface="DengXian Light" panose="020F0302020204030204"/>
-        <a:ea typeface=""/>
-        <a:cs typeface=""/>
-        <a:font script="Jpan" typeface="Yu Gothic Light"/>
-        <a:font script="Hang" typeface="맑은 고딕"/>
-        <a:font script="Hans" typeface="DengXian Light"/>
-        <a:font script="Hant" typeface="新細明體"/>
-        <a:font script="Arab" typeface="Times New Roman"/>
-        <a:font script="Hebr" typeface="Times New Roman"/>
-        <a:font script="Thai" typeface="Angsana New"/>
-        <a:font script="Ethi" typeface="Nyala"/>
-        <a:font script="Beng" typeface="Vrinda"/>
-        <a:font script="Gujr" typeface="Shruti"/>
-        <a:font script="Khmr" typeface="MoolBoran"/>
-        <a:font script="Knda" typeface="Tunga"/>
-        <a:font script="Guru" typeface="Raavi"/>
-        <a:font script="Cans" typeface="Euphemia"/>
-        <a:font script="Cher" typeface="Plantagenet Cherokee"/>
-        <a:font script="Yiii" typeface="Microsoft Yi Baiti"/>
-        <a:font script="Tibt" typeface="Microsoft Himalaya"/>
-        <a:font script="Thaa" typeface="MV Boli"/>
-        <a:font script="Deva" typeface="Mangal"/>
-        <a:font script="Telu" typeface="Gautami"/>
-        <a:font script="Taml" typeface="Latha"/>
-        <a:font script="Syrc" typeface="Estrangelo Edessa"/>
-        <a:font script="Orya" typeface="Kalinga"/>
-        <a:font script="Mlym" typeface="Kartika"/>
-        <a:font script="Laoo" typeface="DokChampa"/>
-        <a:font script="Sinh" typeface="Iskoola Pota"/>
-        <a:font script="Mong" typeface="Mongolian Baiti"/>
-        <a:font script="Viet" typeface="Times New Roman"/>
-        <a:font script="Uigh" typeface="Microsoft Uighur"/>
-        <a:font script="Geor" typeface="Sylfaen"/>
-      </a:majorFont>
-      <a:minorFont>
-        <a:latin typeface="DengXian" panose="020F0502020204030204"/>
-        <a:ea typeface=""/>
-        <a:cs typeface=""/>
-        <a:font script="Jpan" typeface="Yu Gothic"/>
-        <a:font script="Hang" typeface="맑은 고딕"/>
-        <a:font script="Hans" typeface="DengXian"/>
-        <a:font script="Hant" typeface="新細明體"/>
-        <a:font script="Arab" typeface="Arial"/>
-        <a:font script="Hebr" typeface="Arial"/>
-        <a:font script="Thai" typeface="Cordia New"/>
-        <a:font script="Ethi" typeface="Nyala"/>
-        <a:font script="Beng" typeface="Vrinda"/>
-        <a:font script="Gujr" typeface="Shruti"/>
-        <a:font script="Khmr" typeface="DaunPenh"/>
-        <a:font script="Knda" typeface="Tunga"/>
-        <a:font script="Guru" typeface="Raavi"/>
-        <a:font script="Cans" typeface="Euphemia"/>
-        <a:font script="Cher" typeface="Plantagenet Cherokee"/>
-        <a:font script="Yiii" typeface="Microsoft Yi Baiti"/>
-        <a:font script="Tibt" typeface="Microsoft Himalaya"/>
-        <a:font script="Thaa" typeface="MV Boli"/>
-        <a:font script="Deva" typeface="Mangal"/>
-        <a:font script="Telu" typeface="Gautami"/>
-        <a:font script="Taml" typeface="Latha"/>
-        <a:font script="Syrc" typeface="Estrangelo Edessa"/>
-        <a:font script="Orya" typeface="Kalinga"/>
-        <a:font script="Mlym" typeface="Kartika"/>
-        <a:font script="Laoo" typeface="DokChampa"/>
-        <a:font script="Sinh" typeface="Iskoola Pota"/>
-        <a:font script="Mong" typeface="Mongolian Baiti"/>
-        <a:font script="Viet" typeface="Arial"/>
-        <a:font script="Uigh" typeface="Microsoft Uighur"/>
-        <a:font script="Geor" typeface="Sylfaen"/>
-      </a:minorFont>
-    </a:fontScheme>
-    <a:fmtScheme name="Office">
-      <a:fillStyleLst>
-        <a:solidFill>
-          <a:schemeClr val="phClr"/>
-        </a:solidFill>
-        <a:gradFill rotWithShape="1">
-          <a:gsLst>
-            <a:gs pos="0">
-              <a:schemeClr val="phClr">
-                <a:lumMod val="110000"/>
-                <a:satMod val="105000"/>
-                <a:tint val="67000"/>
-              </a:schemeClr>
-            </a:gs>
-            <a:gs pos="50000">
-              <a:schemeClr val="phClr">
-                <a:lumMod val="105000"/>
-                <a:satMod val="103000"/>
-                <a:tint val="73000"/>
-              </a:schemeClr>
-            </a:gs>
-            <a:gs pos="100000">
-              <a:schemeClr val="phClr">
-                <a:lumMod val="105000"/>
-                <a:satMod val="109000"/>
-                <a:tint val="81000"/>
-              </a:schemeClr>
-            </a:gs>
-          </a:gsLst>
-          <a:lin ang="5400000" scaled="0"/>
-        </a:gradFill>
-        <a:gradFill rotWithShape="1">
-          <a:gsLst>
-            <a:gs pos="0">
-              <a:schemeClr val="phClr">
-                <a:satMod val="103000"/>
-                <a:lumMod val="102000"/>
-                <a:tint val="94000"/>
-              </a:schemeClr>
-            </a:gs>
-            <a:gs pos="50000">
-              <a:schemeClr val="phClr">
-                <a:satMod val="110000"/>
-                <a:lumMod val="100000"/>
-                <a:shade val="100000"/>
-              </a:schemeClr>
-            </a:gs>
-            <a:gs pos="100000">
-              <a:schemeClr val="phClr">
-                <a:lumMod val="99000"/>
-                <a:satMod val="120000"/>
-                <a:shade val="78000"/>
-              </a:schemeClr>
-            </a:gs>
-          </a:gsLst>
-          <a:lin ang="5400000" scaled="0"/>
-        </a:gradFill>
-      </a:fillStyleLst>
-      <a:lnStyleLst>
-        <a:ln w="6350" cap="flat" cmpd="sng" algn="ctr">
-          <a:solidFill>
-            <a:schemeClr val="phClr"/>
-          </a:solidFill>
-          <a:prstDash val="solid"/>
-          <a:miter lim="800000"/>
-        </a:ln>
-        <a:ln w="12700" cap="flat" cmpd="sng" algn="ctr">
-          <a:solidFill>
-            <a:schemeClr val="phClr"/>
-          </a:solidFill>
-          <a:prstDash val="solid"/>
-          <a:miter lim="800000"/>
-        </a:ln>
-        <a:ln w="19050" cap="flat" cmpd="sng" algn="ctr">
-          <a:solidFill>
-            <a:schemeClr val="phClr"/>
-          </a:solidFill>
-          <a:prstDash val="solid"/>
-          <a:miter lim="800000"/>
-        </a:ln>
-      </a:lnStyleLst>
-      <a:effectStyleLst>
-        <a:effectStyle>
-          <a:effectLst/>
-        </a:effectStyle>
-        <a:effectStyle>
-          <a:effectLst/>
-        </a:effectStyle>
-        <a:effectStyle>
-          <a:effectLst>
-            <a:outerShdw blurRad="57150" dist="19050" dir="5400000" algn="ctr" rotWithShape="0">
-              <a:srgbClr val="000000">
-                <a:alpha val="63000"/>
-              </a:srgbClr>
-            </a:outerShdw>
-          </a:effectLst>
-        </a:effectStyle>
-      </a:effectStyleLst>
-      <a:bgFillStyleLst>
-        <a:solidFill>
-          <a:schemeClr val="phClr"/>
-        </a:solidFill>
-        <a:solidFill>
-          <a:schemeClr val="phClr">
-            <a:tint val="95000"/>
-            <a:satMod val="170000"/>
-          </a:schemeClr>
-        </a:solidFill>
-        <a:gradFill rotWithShape="1">
-          <a:gsLst>
-            <a:gs pos="0">
-              <a:schemeClr val="phClr">
-                <a:tint val="93000"/>
-                <a:satMod val="150000"/>
-                <a:shade val="98000"/>
-                <a:lumMod val="102000"/>
-              </a:schemeClr>
-            </a:gs>
-            <a:gs pos="50000">
-              <a:schemeClr val="phClr">
-                <a:tint val="98000"/>
-                <a:satMod val="130000"/>
-                <a:shade val="90000"/>
-                <a:lumMod val="103000"/>
-              </a:schemeClr>
-            </a:gs>
-            <a:gs pos="100000">
-              <a:schemeClr val="phClr">
-                <a:shade val="63000"/>
-                <a:satMod val="120000"/>
-              </a:schemeClr>
-            </a:gs>
-          </a:gsLst>
-          <a:lin ang="5400000" scaled="0"/>
-        </a:gradFill>
-      </a:bgFillStyleLst>
-    </a:fmtScheme>
-  </a:themeElements>
-  <a:objectDefaults/>
-  <a:extraClrSchemeLst/>
-  <a:extLst>
-    <a:ext uri="{05A4C25C-085E-4340-85A3-A5531E510DB2}">
-      <thm15:themeFamily xmlns:thm15="http://schemas.microsoft.com/office/thememl/2012/main" name="Office Theme" id="{62F939B6-93AF-4DB8-9C6B-D6C7DFDC589F}" vid="{4A3C46E8-61CC-4603-A589-7422A47A8E4A}"/>
-    </a:ext>
-  </a:extLst>
-</a:theme>
 </file>
--- a/report/final/final.pptx
+++ b/report/final/final.pptx
@@ -1,6 +1,6 @@
 
 <file path=ppt/presentation.xml><?xml version="1.0" encoding="utf-8"?>
-<p:presentation xmlns:a="http://schemas.openxmlformats.org/drawingml/2006/main" xmlns:r="http://schemas.openxmlformats.org/officeDocument/2006/relationships" xmlns:p="http://schemas.openxmlformats.org/presentationml/2006/main" autoCompressPictures="0">
+<p:presentation xmlns:a="http://schemas.openxmlformats.org/drawingml/2006/main" xmlns:r="http://schemas.openxmlformats.org/officeDocument/2006/relationships" xmlns:p="http://schemas.openxmlformats.org/presentationml/2006/main" saveSubsetFonts="1" autoCompressPictures="0">
   <p:sldMasterIdLst>
     <p:sldMasterId id="2147483648" r:id="rId1"/>
   </p:sldMasterIdLst>
@@ -5587,7 +5587,7 @@
           <a:p>
             <a:fld id="{48A87A34-81AB-432B-8DAE-1953F412C126}" type="datetimeFigureOut">
               <a:rPr lang="en-US" dirty="0"/>
-              <a:t>9/7/2017</a:t>
+              <a:t>9/7/17</a:t>
             </a:fld>
             <a:endParaRPr lang="en-US" dirty="0"/>
           </a:p>
@@ -5849,7 +5849,7 @@
           <a:p>
             <a:fld id="{48A87A34-81AB-432B-8DAE-1953F412C126}" type="datetimeFigureOut">
               <a:rPr lang="en-US" dirty="0"/>
-              <a:t>9/7/2017</a:t>
+              <a:t>9/7/17</a:t>
             </a:fld>
             <a:endParaRPr lang="en-US" dirty="0"/>
           </a:p>
@@ -6076,7 +6076,7 @@
             <a:fld id="{48A87A34-81AB-432B-8DAE-1953F412C126}" type="datetimeFigureOut">
               <a:rPr lang="en-US" dirty="0"/>
               <a:pPr/>
-              <a:t>9/7/2017</a:t>
+              <a:t>9/7/17</a:t>
             </a:fld>
             <a:endParaRPr lang="en-US" dirty="0"/>
           </a:p>
@@ -6382,7 +6382,7 @@
             <a:fld id="{48A87A34-81AB-432B-8DAE-1953F412C126}" type="datetimeFigureOut">
               <a:rPr lang="en-US" dirty="0"/>
               <a:pPr/>
-              <a:t>9/7/2017</a:t>
+              <a:t>9/7/17</a:t>
             </a:fld>
             <a:endParaRPr lang="en-US" dirty="0"/>
           </a:p>
@@ -6851,7 +6851,7 @@
             <a:fld id="{48A87A34-81AB-432B-8DAE-1953F412C126}" type="datetimeFigureOut">
               <a:rPr lang="en-US" dirty="0"/>
               <a:pPr/>
-              <a:t>9/7/2017</a:t>
+              <a:t>9/7/17</a:t>
             </a:fld>
             <a:endParaRPr lang="en-US" dirty="0"/>
           </a:p>
@@ -7393,7 +7393,7 @@
           <a:p>
             <a:fld id="{48A87A34-81AB-432B-8DAE-1953F412C126}" type="datetimeFigureOut">
               <a:rPr lang="en-US" dirty="0"/>
-              <a:t>9/7/2017</a:t>
+              <a:t>9/7/17</a:t>
             </a:fld>
             <a:endParaRPr lang="en-US" dirty="0"/>
           </a:p>
@@ -8162,7 +8162,7 @@
           <a:p>
             <a:fld id="{48A87A34-81AB-432B-8DAE-1953F412C126}" type="datetimeFigureOut">
               <a:rPr lang="en-US" dirty="0"/>
-              <a:t>9/7/2017</a:t>
+              <a:t>9/7/17</a:t>
             </a:fld>
             <a:endParaRPr lang="en-US" dirty="0"/>
           </a:p>
@@ -8332,7 +8332,7 @@
           <a:p>
             <a:fld id="{48A87A34-81AB-432B-8DAE-1953F412C126}" type="datetimeFigureOut">
               <a:rPr lang="en-US" dirty="0"/>
-              <a:t>9/7/2017</a:t>
+              <a:t>9/7/17</a:t>
             </a:fld>
             <a:endParaRPr lang="en-US" dirty="0"/>
           </a:p>
@@ -8551,7 +8551,7 @@
             <a:fld id="{48A87A34-81AB-432B-8DAE-1953F412C126}" type="datetimeFigureOut">
               <a:rPr lang="en-US" dirty="0"/>
               <a:pPr/>
-              <a:t>9/7/2017</a:t>
+              <a:t>9/7/17</a:t>
             </a:fld>
             <a:endParaRPr lang="en-US" dirty="0"/>
           </a:p>
@@ -8764,7 +8764,7 @@
           <a:p>
             <a:fld id="{48A87A34-81AB-432B-8DAE-1953F412C126}" type="datetimeFigureOut">
               <a:rPr lang="en-US" dirty="0"/>
-              <a:t>9/7/2017</a:t>
+              <a:t>9/7/17</a:t>
             </a:fld>
             <a:endParaRPr lang="en-US" dirty="0"/>
           </a:p>
@@ -9049,7 +9049,7 @@
             <a:fld id="{48A87A34-81AB-432B-8DAE-1953F412C126}" type="datetimeFigureOut">
               <a:rPr lang="en-US" dirty="0"/>
               <a:pPr/>
-              <a:t>9/7/2017</a:t>
+              <a:t>9/7/17</a:t>
             </a:fld>
             <a:endParaRPr lang="en-US" dirty="0"/>
           </a:p>
@@ -9332,7 +9332,7 @@
           <a:p>
             <a:fld id="{48A87A34-81AB-432B-8DAE-1953F412C126}" type="datetimeFigureOut">
               <a:rPr lang="en-US" dirty="0"/>
-              <a:t>9/7/2017</a:t>
+              <a:t>9/7/17</a:t>
             </a:fld>
             <a:endParaRPr lang="en-US" dirty="0"/>
           </a:p>
@@ -9706,7 +9706,7 @@
           <a:p>
             <a:fld id="{48A87A34-81AB-432B-8DAE-1953F412C126}" type="datetimeFigureOut">
               <a:rPr lang="en-US" dirty="0"/>
-              <a:t>9/7/2017</a:t>
+              <a:t>9/7/17</a:t>
             </a:fld>
             <a:endParaRPr lang="en-US" dirty="0"/>
           </a:p>
@@ -9819,7 +9819,7 @@
           <a:p>
             <a:fld id="{48A87A34-81AB-432B-8DAE-1953F412C126}" type="datetimeFigureOut">
               <a:rPr lang="en-US" dirty="0"/>
-              <a:t>9/7/2017</a:t>
+              <a:t>9/7/17</a:t>
             </a:fld>
             <a:endParaRPr lang="en-US" dirty="0"/>
           </a:p>
@@ -9909,7 +9909,7 @@
           <a:p>
             <a:fld id="{48A87A34-81AB-432B-8DAE-1953F412C126}" type="datetimeFigureOut">
               <a:rPr lang="en-US" dirty="0"/>
-              <a:t>9/7/2017</a:t>
+              <a:t>9/7/17</a:t>
             </a:fld>
             <a:endParaRPr lang="en-US" dirty="0"/>
           </a:p>
@@ -10153,7 +10153,7 @@
           <a:p>
             <a:fld id="{48A87A34-81AB-432B-8DAE-1953F412C126}" type="datetimeFigureOut">
               <a:rPr lang="en-US" dirty="0"/>
-              <a:t>9/7/2017</a:t>
+              <a:t>9/7/17</a:t>
             </a:fld>
             <a:endParaRPr lang="en-US" dirty="0"/>
           </a:p>
@@ -10405,7 +10405,7 @@
           <a:p>
             <a:fld id="{48A87A34-81AB-432B-8DAE-1953F412C126}" type="datetimeFigureOut">
               <a:rPr lang="en-US" dirty="0"/>
-              <a:t>9/7/2017</a:t>
+              <a:t>9/7/17</a:t>
             </a:fld>
             <a:endParaRPr lang="en-US" dirty="0"/>
           </a:p>
@@ -10644,7 +10644,7 @@
             <a:fld id="{48A87A34-81AB-432B-8DAE-1953F412C126}" type="datetimeFigureOut">
               <a:rPr lang="en-US" dirty="0"/>
               <a:pPr/>
-              <a:t>9/7/2017</a:t>
+              <a:t>9/7/17</a:t>
             </a:fld>
             <a:endParaRPr lang="en-US" dirty="0"/>
           </a:p>
@@ -11255,10 +11255,18 @@
           <a:lstStyle/>
           <a:p>
             <a:r>
-              <a:rPr lang="zh-CN" altLang="en-US" dirty="0" smtClean="0"/>
+              <a:rPr lang="zh-CN" altLang="en-US" dirty="0" smtClean="0">
+                <a:latin typeface="DengXian" charset="-122"/>
+                <a:ea typeface="DengXian" charset="-122"/>
+                <a:cs typeface="DengXian" charset="-122"/>
+              </a:rPr>
               <a:t>模拟电子电路部分</a:t>
             </a:r>
-            <a:endParaRPr lang="en-US" dirty="0"/>
+            <a:endParaRPr lang="en-US" dirty="0">
+              <a:latin typeface="DengXian" charset="-122"/>
+              <a:ea typeface="DengXian" charset="-122"/>
+              <a:cs typeface="DengXian" charset="-122"/>
+            </a:endParaRPr>
           </a:p>
         </p:txBody>
       </p:sp>
@@ -11274,7 +11282,9 @@
         </p:nvSpPr>
         <p:spPr/>
         <p:txBody>
-          <a:bodyPr/>
+          <a:bodyPr>
+            <a:normAutofit/>
+          </a:bodyPr>
           <a:lstStyle/>
           <a:p>
             <a:r>
@@ -11346,12 +11356,12 @@
           <a:p>
             <a:pPr lvl="1"/>
             <a:r>
-              <a:rPr lang="en-US" altLang="zh-CN" dirty="0"/>
-              <a:t> </a:t>
-            </a:r>
-            <a:r>
               <a:rPr lang="zh-CN" altLang="en-US" dirty="0" smtClean="0"/>
-              <a:t>创新点：在</a:t>
+              <a:t>创新点</a:t>
+            </a:r>
+            <a:r>
+              <a:rPr lang="zh-CN" altLang="en-US" dirty="0" smtClean="0"/>
+              <a:t>：在</a:t>
             </a:r>
             <a:r>
               <a:rPr lang="en-US" altLang="zh-CN" dirty="0" smtClean="0"/>
@@ -11440,10 +11450,18 @@
           <a:lstStyle/>
           <a:p>
             <a:r>
-              <a:rPr lang="zh-CN" altLang="en-US" dirty="0"/>
+              <a:rPr lang="zh-CN" altLang="en-US" dirty="0">
+                <a:latin typeface="DengXian" charset="-122"/>
+                <a:ea typeface="DengXian" charset="-122"/>
+                <a:cs typeface="DengXian" charset="-122"/>
+              </a:rPr>
               <a:t>模拟电子电路部分</a:t>
             </a:r>
-            <a:endParaRPr lang="en-US" dirty="0"/>
+            <a:endParaRPr lang="en-US" dirty="0">
+              <a:latin typeface="DengXian" charset="-122"/>
+              <a:ea typeface="DengXian" charset="-122"/>
+              <a:cs typeface="DengXian" charset="-122"/>
+            </a:endParaRPr>
           </a:p>
         </p:txBody>
       </p:sp>
@@ -11459,7 +11477,9 @@
         </p:nvSpPr>
         <p:spPr/>
         <p:txBody>
-          <a:bodyPr/>
+          <a:bodyPr>
+            <a:normAutofit/>
+          </a:bodyPr>
           <a:lstStyle/>
           <a:p>
             <a:r>
@@ -11629,10 +11649,18 @@
           <a:lstStyle/>
           <a:p>
             <a:r>
-              <a:rPr lang="zh-CN" altLang="en-US" smtClean="0"/>
+              <a:rPr lang="zh-CN" altLang="en-US" dirty="0" smtClean="0">
+                <a:latin typeface="DengXian" charset="-122"/>
+                <a:ea typeface="DengXian" charset="-122"/>
+                <a:cs typeface="DengXian" charset="-122"/>
+              </a:rPr>
               <a:t>模拟电子电路部分</a:t>
             </a:r>
-            <a:endParaRPr lang="en-US" dirty="0"/>
+            <a:endParaRPr lang="en-US" dirty="0">
+              <a:latin typeface="DengXian" charset="-122"/>
+              <a:ea typeface="DengXian" charset="-122"/>
+              <a:cs typeface="DengXian" charset="-122"/>
+            </a:endParaRPr>
           </a:p>
         </p:txBody>
       </p:sp>
@@ -11648,7 +11676,9 @@
         </p:nvSpPr>
         <p:spPr/>
         <p:txBody>
-          <a:bodyPr/>
+          <a:bodyPr>
+            <a:noAutofit/>
+          </a:bodyPr>
           <a:lstStyle/>
           <a:p>
             <a:r>
@@ -11668,10 +11698,6 @@
           <a:p>
             <a:pPr lvl="1"/>
             <a:r>
-              <a:rPr lang="en-US" dirty="0" smtClean="0"/>
-              <a:t> </a:t>
-            </a:r>
-            <a:r>
               <a:rPr lang="zh-CN" altLang="en-US" dirty="0" smtClean="0"/>
               <a:t>难点</a:t>
             </a:r>
@@ -11680,10 +11706,6 @@
           <a:p>
             <a:pPr lvl="2"/>
             <a:r>
-              <a:rPr lang="en-US" dirty="0" smtClean="0"/>
-              <a:t> </a:t>
-            </a:r>
-            <a:r>
               <a:rPr lang="en-US" altLang="zh-CN" dirty="0" smtClean="0"/>
               <a:t>SMT</a:t>
             </a:r>
@@ -11696,36 +11718,36 @@
           <a:p>
             <a:pPr lvl="2"/>
             <a:r>
-              <a:rPr lang="en-US" dirty="0" smtClean="0"/>
-              <a:t> </a:t>
-            </a:r>
-            <a:r>
               <a:rPr lang="zh-CN" altLang="en-US" dirty="0" smtClean="0"/>
-              <a:t>插接件焊盘较小，钻孔易伤及焊盘</a:t>
+              <a:t>插</a:t>
+            </a:r>
+            <a:r>
+              <a:rPr lang="zh-CN" altLang="en-US" dirty="0" smtClean="0"/>
+              <a:t>接件焊盘较小，钻孔易伤及焊盘</a:t>
             </a:r>
             <a:endParaRPr lang="en-US" altLang="zh-CN" dirty="0" smtClean="0"/>
           </a:p>
           <a:p>
             <a:pPr lvl="2"/>
             <a:r>
-              <a:rPr lang="en-US" altLang="zh-CN" dirty="0"/>
-              <a:t> </a:t>
-            </a:r>
-            <a:r>
               <a:rPr lang="zh-CN" altLang="en-US" dirty="0" smtClean="0"/>
-              <a:t>线宽较小，不论是腐蚀还是雕刻难度大</a:t>
+              <a:t>线宽</a:t>
+            </a:r>
+            <a:r>
+              <a:rPr lang="zh-CN" altLang="en-US" dirty="0" smtClean="0"/>
+              <a:t>较小，不论是腐蚀还是雕刻难度大</a:t>
             </a:r>
             <a:endParaRPr lang="en-US" altLang="zh-CN" dirty="0" smtClean="0"/>
           </a:p>
           <a:p>
             <a:pPr lvl="1"/>
             <a:r>
-              <a:rPr lang="en-US" altLang="zh-CN" dirty="0" smtClean="0"/>
-              <a:t> </a:t>
-            </a:r>
-            <a:r>
               <a:rPr lang="zh-CN" altLang="en-US" dirty="0" smtClean="0"/>
-              <a:t>向李兆基电子工艺实习师傅学习了</a:t>
+              <a:t>向</a:t>
+            </a:r>
+            <a:r>
+              <a:rPr lang="zh-CN" altLang="en-US" dirty="0" smtClean="0"/>
+              <a:t>李兆基电子工艺实习师傅学习了</a:t>
             </a:r>
             <a:r>
               <a:rPr lang="en-US" altLang="zh-CN" dirty="0" smtClean="0"/>
@@ -11740,12 +11762,12 @@
           <a:p>
             <a:pPr lvl="1"/>
             <a:r>
-              <a:rPr lang="en-US" altLang="zh-CN" dirty="0" smtClean="0"/>
-              <a:t> </a:t>
-            </a:r>
-            <a:r>
               <a:rPr lang="zh-CN" altLang="en-US" dirty="0" smtClean="0"/>
-              <a:t>陈崴同学插接件焊接技术一流，保证了电路稳定运行</a:t>
+              <a:t>陈崴</a:t>
+            </a:r>
+            <a:r>
+              <a:rPr lang="zh-CN" altLang="en-US" dirty="0" smtClean="0"/>
+              <a:t>同学插接件焊接技术一流，保证了电路稳定运行</a:t>
             </a:r>
             <a:endParaRPr lang="en-US" altLang="zh-CN" dirty="0" smtClean="0"/>
           </a:p>
@@ -11826,10 +11848,18 @@
           <a:lstStyle/>
           <a:p>
             <a:r>
-              <a:rPr lang="zh-CN" altLang="en-US" dirty="0"/>
+              <a:rPr lang="zh-CN" altLang="en-US" dirty="0">
+                <a:latin typeface="DengXian" charset="-122"/>
+                <a:ea typeface="DengXian" charset="-122"/>
+                <a:cs typeface="DengXian" charset="-122"/>
+              </a:rPr>
               <a:t>模拟电子电路部分</a:t>
             </a:r>
-            <a:endParaRPr lang="en-US" dirty="0"/>
+            <a:endParaRPr lang="en-US" dirty="0">
+              <a:latin typeface="DengXian" charset="-122"/>
+              <a:ea typeface="DengXian" charset="-122"/>
+              <a:cs typeface="DengXian" charset="-122"/>
+            </a:endParaRPr>
           </a:p>
         </p:txBody>
       </p:sp>
@@ -11845,7 +11875,9 @@
         </p:nvSpPr>
         <p:spPr/>
         <p:txBody>
-          <a:bodyPr/>
+          <a:bodyPr>
+            <a:noAutofit/>
+          </a:bodyPr>
           <a:lstStyle/>
           <a:p>
             <a:r>
@@ -11861,37 +11893,29 @@
           <a:p>
             <a:pPr lvl="1"/>
             <a:r>
-              <a:rPr lang="en-US" dirty="0"/>
-              <a:t> </a:t>
-            </a:r>
-            <a:r>
-              <a:rPr lang="zh-CN" altLang="en-US" dirty="0"/>
-              <a:t>大功</a:t>
-            </a:r>
-            <a:r>
               <a:rPr lang="zh-CN" altLang="en-US" dirty="0" smtClean="0"/>
-              <a:t>率负载检测电源工作性能通过</a:t>
+              <a:t>大功率</a:t>
+            </a:r>
+            <a:r>
+              <a:rPr lang="zh-CN" altLang="en-US" dirty="0" smtClean="0"/>
+              <a:t>负载检测电源工作性能通过</a:t>
             </a:r>
             <a:endParaRPr lang="en-US" altLang="zh-CN" dirty="0" smtClean="0"/>
           </a:p>
           <a:p>
             <a:pPr lvl="1"/>
             <a:r>
-              <a:rPr lang="en-US" dirty="0"/>
-              <a:t> </a:t>
-            </a:r>
-            <a:r>
               <a:rPr lang="zh-CN" altLang="en-US" dirty="0" smtClean="0"/>
-              <a:t>修复了一些由于焊接缺陷、元件缺陷的电路问题</a:t>
+              <a:t>修复</a:t>
+            </a:r>
+            <a:r>
+              <a:rPr lang="zh-CN" altLang="en-US" dirty="0" smtClean="0"/>
+              <a:t>了一些由于焊接缺陷、元件缺陷的电路问题</a:t>
             </a:r>
             <a:endParaRPr lang="en-US" altLang="zh-CN" dirty="0" smtClean="0"/>
           </a:p>
           <a:p>
             <a:pPr lvl="1"/>
-            <a:r>
-              <a:rPr lang="en-US" dirty="0"/>
-              <a:t> </a:t>
-            </a:r>
             <a:r>
               <a:rPr lang="zh-CN" altLang="en-US" dirty="0" smtClean="0"/>
               <a:t>问题</a:t>
@@ -11909,24 +11933,24 @@
           <a:p>
             <a:pPr lvl="2"/>
             <a:r>
-              <a:rPr lang="en-US" dirty="0"/>
-              <a:t> </a:t>
-            </a:r>
-            <a:r>
               <a:rPr lang="zh-CN" altLang="en-US" dirty="0" smtClean="0"/>
-              <a:t>发现电机驱动效率较低，相比别组的车而言速度极慢</a:t>
+              <a:t>发现</a:t>
+            </a:r>
+            <a:r>
+              <a:rPr lang="zh-CN" altLang="en-US" dirty="0" smtClean="0"/>
+              <a:t>电机驱动效率较低，相比别组的车而言速度极慢</a:t>
             </a:r>
             <a:endParaRPr lang="en-US" altLang="zh-CN" dirty="0" smtClean="0"/>
           </a:p>
           <a:p>
             <a:pPr lvl="2"/>
             <a:r>
-              <a:rPr lang="en-US" dirty="0"/>
-              <a:t> </a:t>
-            </a:r>
-            <a:r>
               <a:rPr lang="zh-CN" altLang="en-US" dirty="0" smtClean="0"/>
-              <a:t>解决方式：确定合适的输出占空比</a:t>
+              <a:t>解决</a:t>
+            </a:r>
+            <a:r>
+              <a:rPr lang="zh-CN" altLang="en-US" dirty="0" smtClean="0"/>
+              <a:t>方式：确定合适的输出占空比</a:t>
             </a:r>
             <a:endParaRPr lang="en-US" dirty="0"/>
           </a:p>
@@ -12007,10 +12031,18 @@
           <a:lstStyle/>
           <a:p>
             <a:r>
-              <a:rPr lang="zh-CN" altLang="en-US" dirty="0"/>
+              <a:rPr lang="zh-CN" altLang="en-US" dirty="0">
+                <a:latin typeface="DengXian" charset="-122"/>
+                <a:ea typeface="DengXian" charset="-122"/>
+                <a:cs typeface="DengXian" charset="-122"/>
+              </a:rPr>
               <a:t>附加工作</a:t>
             </a:r>
-            <a:endParaRPr lang="en-US" dirty="0"/>
+            <a:endParaRPr lang="en-US" dirty="0">
+              <a:latin typeface="DengXian" charset="-122"/>
+              <a:ea typeface="DengXian" charset="-122"/>
+              <a:cs typeface="DengXian" charset="-122"/>
+            </a:endParaRPr>
           </a:p>
         </p:txBody>
       </p:sp>
@@ -12026,16 +12058,18 @@
         </p:nvSpPr>
         <p:spPr/>
         <p:txBody>
-          <a:bodyPr/>
+          <a:bodyPr>
+            <a:normAutofit/>
+          </a:bodyPr>
           <a:lstStyle/>
           <a:p>
             <a:r>
-              <a:rPr lang="en-US" dirty="0" smtClean="0"/>
-              <a:t> </a:t>
-            </a:r>
-            <a:r>
               <a:rPr lang="zh-CN" altLang="en-US" dirty="0" smtClean="0"/>
-              <a:t>完成了蓝牙</a:t>
+              <a:t>完成</a:t>
+            </a:r>
+            <a:r>
+              <a:rPr lang="zh-CN" altLang="en-US" dirty="0" smtClean="0"/>
+              <a:t>了蓝牙</a:t>
             </a:r>
             <a:r>
               <a:rPr lang="en-US" altLang="zh-CN" dirty="0" smtClean="0"/>
@@ -12066,10 +12100,6 @@
           <a:p>
             <a:pPr lvl="1"/>
             <a:r>
-              <a:rPr lang="en-US" dirty="0"/>
-              <a:t> </a:t>
-            </a:r>
-            <a:r>
               <a:rPr lang="zh-CN" altLang="en-US" dirty="0" smtClean="0"/>
               <a:t>采用</a:t>
             </a:r>
@@ -12086,21 +12116,17 @@
           <a:p>
             <a:pPr lvl="1"/>
             <a:r>
-              <a:rPr lang="en-US" dirty="0"/>
-              <a:t> </a:t>
-            </a:r>
-            <a:r>
               <a:rPr lang="zh-CN" altLang="en-US" dirty="0" smtClean="0"/>
-              <a:t>并顺便完成了上位机的自检测程序</a:t>
+              <a:t>并</a:t>
+            </a:r>
+            <a:r>
+              <a:rPr lang="zh-CN" altLang="en-US" dirty="0" smtClean="0"/>
+              <a:t>顺便完成了上位机的自检测程序</a:t>
             </a:r>
             <a:endParaRPr lang="en-US" altLang="zh-CN" dirty="0" smtClean="0"/>
           </a:p>
           <a:p>
             <a:pPr lvl="1"/>
-            <a:r>
-              <a:rPr lang="en-US" dirty="0"/>
-              <a:t> </a:t>
-            </a:r>
             <a:r>
               <a:rPr lang="zh-CN" altLang="en-US" dirty="0" smtClean="0"/>
               <a:t>合计</a:t>
@@ -12232,16 +12258,18 @@
         </p:nvSpPr>
         <p:spPr/>
         <p:txBody>
-          <a:bodyPr/>
+          <a:bodyPr>
+            <a:normAutofit/>
+          </a:bodyPr>
           <a:lstStyle/>
           <a:p>
             <a:r>
-              <a:rPr lang="en-US" dirty="0" smtClean="0"/>
-              <a:t> </a:t>
+              <a:rPr lang="zh-CN" altLang="en-US" dirty="0" smtClean="0"/>
+              <a:t>上</a:t>
             </a:r>
             <a:r>
               <a:rPr lang="zh-CN" altLang="en-US" dirty="0"/>
-              <a:t>上位</a:t>
+              <a:t>位</a:t>
             </a:r>
             <a:r>
               <a:rPr lang="zh-CN" altLang="en-US" dirty="0" smtClean="0"/>
@@ -12252,67 +12280,63 @@
           <a:p>
             <a:pPr lvl="1"/>
             <a:r>
+              <a:rPr lang="en-US" altLang="zh-CN" sz="2200" dirty="0"/>
+              <a:t> </a:t>
+            </a:r>
+            <a:r>
+              <a:rPr lang="zh-CN" altLang="en-US" dirty="0" smtClean="0"/>
+              <a:t>难点：上位机计算性能要求高，移动平台需要进一步处理</a:t>
+            </a:r>
+            <a:endParaRPr lang="en-US" altLang="zh-CN" dirty="0" smtClean="0"/>
+          </a:p>
+          <a:p>
+            <a:r>
+              <a:rPr lang="zh-CN" altLang="en-US" dirty="0" smtClean="0"/>
+              <a:t>利用</a:t>
+            </a:r>
+            <a:r>
+              <a:rPr lang="zh-CN" altLang="en-US" dirty="0" smtClean="0"/>
+              <a:t>回传图像进行</a:t>
+            </a:r>
+            <a:r>
+              <a:rPr lang="en-US" altLang="zh-CN" dirty="0" smtClean="0"/>
+              <a:t>3D</a:t>
+            </a:r>
+            <a:r>
+              <a:rPr lang="zh-CN" altLang="en-US" dirty="0" smtClean="0"/>
+              <a:t>建模</a:t>
+            </a:r>
+            <a:endParaRPr lang="en-US" altLang="zh-CN" dirty="0" smtClean="0"/>
+          </a:p>
+          <a:p>
+            <a:pPr lvl="1"/>
+            <a:r>
+              <a:rPr lang="en-US" altLang="zh-CN" dirty="0" smtClean="0"/>
+              <a:t> </a:t>
+            </a:r>
+            <a:r>
+              <a:rPr lang="zh-CN" altLang="en-US" dirty="0"/>
+              <a:t>不使</a:t>
+            </a:r>
+            <a:r>
+              <a:rPr lang="zh-CN" altLang="en-US" dirty="0" smtClean="0"/>
+              <a:t>用位置信息进行建模</a:t>
+            </a:r>
+            <a:endParaRPr lang="en-US" altLang="zh-CN" dirty="0" smtClean="0"/>
+          </a:p>
+          <a:p>
+            <a:pPr lvl="1"/>
+            <a:r>
               <a:rPr lang="en-US" altLang="zh-CN" dirty="0"/>
               <a:t> </a:t>
             </a:r>
             <a:r>
               <a:rPr lang="zh-CN" altLang="en-US" dirty="0" smtClean="0"/>
-              <a:t>难点：上位机计算性能要求高，移动平台需要进一步处理</a:t>
+              <a:t>使用位置信息进行建模的研究，试图增加建模精度</a:t>
             </a:r>
             <a:endParaRPr lang="en-US" altLang="zh-CN" dirty="0" smtClean="0"/>
           </a:p>
           <a:p>
-            <a:r>
-              <a:rPr lang="en-US" dirty="0"/>
-              <a:t> </a:t>
-            </a:r>
-            <a:r>
-              <a:rPr lang="zh-CN" altLang="en-US" dirty="0" smtClean="0"/>
-              <a:t>利用回传图像进行</a:t>
-            </a:r>
-            <a:r>
-              <a:rPr lang="en-US" altLang="zh-CN" dirty="0" smtClean="0"/>
-              <a:t>3D</a:t>
-            </a:r>
-            <a:r>
-              <a:rPr lang="zh-CN" altLang="en-US" dirty="0" smtClean="0"/>
-              <a:t>建模</a:t>
-            </a:r>
-            <a:endParaRPr lang="en-US" altLang="zh-CN" dirty="0" smtClean="0"/>
-          </a:p>
-          <a:p>
-            <a:pPr lvl="1"/>
-            <a:r>
-              <a:rPr lang="en-US" altLang="zh-CN" dirty="0" smtClean="0"/>
-              <a:t> </a:t>
-            </a:r>
-            <a:r>
-              <a:rPr lang="zh-CN" altLang="en-US" dirty="0"/>
-              <a:t>不使</a:t>
-            </a:r>
-            <a:r>
-              <a:rPr lang="zh-CN" altLang="en-US" dirty="0" smtClean="0"/>
-              <a:t>用位置信息进行建模</a:t>
-            </a:r>
-            <a:endParaRPr lang="en-US" altLang="zh-CN" dirty="0" smtClean="0"/>
-          </a:p>
-          <a:p>
-            <a:pPr lvl="1"/>
-            <a:r>
-              <a:rPr lang="en-US" altLang="zh-CN" dirty="0"/>
-              <a:t> </a:t>
-            </a:r>
-            <a:r>
-              <a:rPr lang="zh-CN" altLang="en-US" dirty="0" smtClean="0"/>
-              <a:t>使用位置信息进行建模的研究，试图增加建模精度</a:t>
-            </a:r>
-            <a:endParaRPr lang="en-US" altLang="zh-CN" dirty="0" smtClean="0"/>
-          </a:p>
-          <a:p>
-            <a:r>
-              <a:rPr lang="en-US" dirty="0"/>
-              <a:t> </a:t>
-            </a:r>
             <a:r>
               <a:rPr lang="zh-CN" altLang="en-US" dirty="0" smtClean="0"/>
               <a:t>使用</a:t>
@@ -12330,7 +12354,7 @@
           <a:p>
             <a:pPr lvl="1"/>
             <a:r>
-              <a:rPr lang="en-US" dirty="0"/>
+              <a:rPr lang="en-US" sz="2200" dirty="0"/>
               <a:t> </a:t>
             </a:r>
             <a:r>
@@ -12395,10 +12419,18 @@
           <a:lstStyle/>
           <a:p>
             <a:r>
-              <a:rPr lang="zh-CN" altLang="en-US" dirty="0" smtClean="0"/>
+              <a:rPr lang="zh-CN" altLang="en-US" dirty="0" smtClean="0">
+                <a:latin typeface="DengXian" charset="-122"/>
+                <a:ea typeface="DengXian" charset="-122"/>
+                <a:cs typeface="DengXian" charset="-122"/>
+              </a:rPr>
               <a:t>开发流程</a:t>
             </a:r>
-            <a:endParaRPr lang="en-US" dirty="0"/>
+            <a:endParaRPr lang="en-US" dirty="0">
+              <a:latin typeface="DengXian" charset="-122"/>
+              <a:ea typeface="DengXian" charset="-122"/>
+              <a:cs typeface="DengXian" charset="-122"/>
+            </a:endParaRPr>
           </a:p>
         </p:txBody>
       </p:sp>
@@ -12934,10 +12966,18 @@
           <a:lstStyle/>
           <a:p>
             <a:r>
-              <a:rPr lang="zh-CN" altLang="en-US" dirty="0" smtClean="0"/>
+              <a:rPr lang="zh-CN" altLang="en-US" dirty="0" smtClean="0">
+                <a:latin typeface="DengXian" charset="-122"/>
+                <a:ea typeface="DengXian" charset="-122"/>
+                <a:cs typeface="DengXian" charset="-122"/>
+              </a:rPr>
               <a:t>谢谢大家，请批评指正</a:t>
             </a:r>
-            <a:endParaRPr lang="en-US" dirty="0"/>
+            <a:endParaRPr lang="en-US" dirty="0">
+              <a:latin typeface="DengXian" charset="-122"/>
+              <a:ea typeface="DengXian" charset="-122"/>
+              <a:cs typeface="DengXian" charset="-122"/>
+            </a:endParaRPr>
           </a:p>
         </p:txBody>
       </p:sp>

--- a/report/final/final.pptx
+++ b/report/final/final.pptx
@@ -21,8 +21,7 @@
     <p:sldId id="272" r:id="rId15"/>
     <p:sldId id="261" r:id="rId16"/>
     <p:sldId id="262" r:id="rId17"/>
-    <p:sldId id="263" r:id="rId18"/>
-    <p:sldId id="273" r:id="rId19"/>
+    <p:sldId id="273" r:id="rId18"/>
   </p:sldIdLst>
   <p:sldSz cx="12192000" cy="6858000"/>
   <p:notesSz cx="6858000" cy="9144000"/>
@@ -5587,7 +5586,7 @@
           <a:p>
             <a:fld id="{48A87A34-81AB-432B-8DAE-1953F412C126}" type="datetimeFigureOut">
               <a:rPr lang="en-US" dirty="0"/>
-              <a:t>9/7/17</a:t>
+              <a:t>9/8/17</a:t>
             </a:fld>
             <a:endParaRPr lang="en-US" dirty="0"/>
           </a:p>
@@ -5849,7 +5848,7 @@
           <a:p>
             <a:fld id="{48A87A34-81AB-432B-8DAE-1953F412C126}" type="datetimeFigureOut">
               <a:rPr lang="en-US" dirty="0"/>
-              <a:t>9/7/17</a:t>
+              <a:t>9/8/17</a:t>
             </a:fld>
             <a:endParaRPr lang="en-US" dirty="0"/>
           </a:p>
@@ -6076,7 +6075,7 @@
             <a:fld id="{48A87A34-81AB-432B-8DAE-1953F412C126}" type="datetimeFigureOut">
               <a:rPr lang="en-US" dirty="0"/>
               <a:pPr/>
-              <a:t>9/7/17</a:t>
+              <a:t>9/8/17</a:t>
             </a:fld>
             <a:endParaRPr lang="en-US" dirty="0"/>
           </a:p>
@@ -6382,7 +6381,7 @@
             <a:fld id="{48A87A34-81AB-432B-8DAE-1953F412C126}" type="datetimeFigureOut">
               <a:rPr lang="en-US" dirty="0"/>
               <a:pPr/>
-              <a:t>9/7/17</a:t>
+              <a:t>9/8/17</a:t>
             </a:fld>
             <a:endParaRPr lang="en-US" dirty="0"/>
           </a:p>
@@ -6851,7 +6850,7 @@
             <a:fld id="{48A87A34-81AB-432B-8DAE-1953F412C126}" type="datetimeFigureOut">
               <a:rPr lang="en-US" dirty="0"/>
               <a:pPr/>
-              <a:t>9/7/17</a:t>
+              <a:t>9/8/17</a:t>
             </a:fld>
             <a:endParaRPr lang="en-US" dirty="0"/>
           </a:p>
@@ -7393,7 +7392,7 @@
           <a:p>
             <a:fld id="{48A87A34-81AB-432B-8DAE-1953F412C126}" type="datetimeFigureOut">
               <a:rPr lang="en-US" dirty="0"/>
-              <a:t>9/7/17</a:t>
+              <a:t>9/8/17</a:t>
             </a:fld>
             <a:endParaRPr lang="en-US" dirty="0"/>
           </a:p>
@@ -8162,7 +8161,7 @@
           <a:p>
             <a:fld id="{48A87A34-81AB-432B-8DAE-1953F412C126}" type="datetimeFigureOut">
               <a:rPr lang="en-US" dirty="0"/>
-              <a:t>9/7/17</a:t>
+              <a:t>9/8/17</a:t>
             </a:fld>
             <a:endParaRPr lang="en-US" dirty="0"/>
           </a:p>
@@ -8332,7 +8331,7 @@
           <a:p>
             <a:fld id="{48A87A34-81AB-432B-8DAE-1953F412C126}" type="datetimeFigureOut">
               <a:rPr lang="en-US" dirty="0"/>
-              <a:t>9/7/17</a:t>
+              <a:t>9/8/17</a:t>
             </a:fld>
             <a:endParaRPr lang="en-US" dirty="0"/>
           </a:p>
@@ -8551,7 +8550,7 @@
             <a:fld id="{48A87A34-81AB-432B-8DAE-1953F412C126}" type="datetimeFigureOut">
               <a:rPr lang="en-US" dirty="0"/>
               <a:pPr/>
-              <a:t>9/7/17</a:t>
+              <a:t>9/8/17</a:t>
             </a:fld>
             <a:endParaRPr lang="en-US" dirty="0"/>
           </a:p>
@@ -8764,7 +8763,7 @@
           <a:p>
             <a:fld id="{48A87A34-81AB-432B-8DAE-1953F412C126}" type="datetimeFigureOut">
               <a:rPr lang="en-US" dirty="0"/>
-              <a:t>9/7/17</a:t>
+              <a:t>9/8/17</a:t>
             </a:fld>
             <a:endParaRPr lang="en-US" dirty="0"/>
           </a:p>
@@ -9049,7 +9048,7 @@
             <a:fld id="{48A87A34-81AB-432B-8DAE-1953F412C126}" type="datetimeFigureOut">
               <a:rPr lang="en-US" dirty="0"/>
               <a:pPr/>
-              <a:t>9/7/17</a:t>
+              <a:t>9/8/17</a:t>
             </a:fld>
             <a:endParaRPr lang="en-US" dirty="0"/>
           </a:p>
@@ -9332,7 +9331,7 @@
           <a:p>
             <a:fld id="{48A87A34-81AB-432B-8DAE-1953F412C126}" type="datetimeFigureOut">
               <a:rPr lang="en-US" dirty="0"/>
-              <a:t>9/7/17</a:t>
+              <a:t>9/8/17</a:t>
             </a:fld>
             <a:endParaRPr lang="en-US" dirty="0"/>
           </a:p>
@@ -9706,7 +9705,7 @@
           <a:p>
             <a:fld id="{48A87A34-81AB-432B-8DAE-1953F412C126}" type="datetimeFigureOut">
               <a:rPr lang="en-US" dirty="0"/>
-              <a:t>9/7/17</a:t>
+              <a:t>9/8/17</a:t>
             </a:fld>
             <a:endParaRPr lang="en-US" dirty="0"/>
           </a:p>
@@ -9819,7 +9818,7 @@
           <a:p>
             <a:fld id="{48A87A34-81AB-432B-8DAE-1953F412C126}" type="datetimeFigureOut">
               <a:rPr lang="en-US" dirty="0"/>
-              <a:t>9/7/17</a:t>
+              <a:t>9/8/17</a:t>
             </a:fld>
             <a:endParaRPr lang="en-US" dirty="0"/>
           </a:p>
@@ -9909,7 +9908,7 @@
           <a:p>
             <a:fld id="{48A87A34-81AB-432B-8DAE-1953F412C126}" type="datetimeFigureOut">
               <a:rPr lang="en-US" dirty="0"/>
-              <a:t>9/7/17</a:t>
+              <a:t>9/8/17</a:t>
             </a:fld>
             <a:endParaRPr lang="en-US" dirty="0"/>
           </a:p>
@@ -10153,7 +10152,7 @@
           <a:p>
             <a:fld id="{48A87A34-81AB-432B-8DAE-1953F412C126}" type="datetimeFigureOut">
               <a:rPr lang="en-US" dirty="0"/>
-              <a:t>9/7/17</a:t>
+              <a:t>9/8/17</a:t>
             </a:fld>
             <a:endParaRPr lang="en-US" dirty="0"/>
           </a:p>
@@ -10405,7 +10404,7 @@
           <a:p>
             <a:fld id="{48A87A34-81AB-432B-8DAE-1953F412C126}" type="datetimeFigureOut">
               <a:rPr lang="en-US" dirty="0"/>
-              <a:t>9/7/17</a:t>
+              <a:t>9/8/17</a:t>
             </a:fld>
             <a:endParaRPr lang="en-US" dirty="0"/>
           </a:p>
@@ -10644,7 +10643,7 @@
             <a:fld id="{48A87A34-81AB-432B-8DAE-1953F412C126}" type="datetimeFigureOut">
               <a:rPr lang="en-US" dirty="0"/>
               <a:pPr/>
-              <a:t>9/7/17</a:t>
+              <a:t>9/8/17</a:t>
             </a:fld>
             <a:endParaRPr lang="en-US" dirty="0"/>
           </a:p>
@@ -11357,11 +11356,7 @@
             <a:pPr lvl="1"/>
             <a:r>
               <a:rPr lang="zh-CN" altLang="en-US" dirty="0" smtClean="0"/>
-              <a:t>创新点</a:t>
-            </a:r>
-            <a:r>
-              <a:rPr lang="zh-CN" altLang="en-US" dirty="0" smtClean="0"/>
-              <a:t>：在</a:t>
+              <a:t>创新点：在</a:t>
             </a:r>
             <a:r>
               <a:rPr lang="en-US" altLang="zh-CN" dirty="0" smtClean="0"/>
@@ -11719,35 +11714,23 @@
             <a:pPr lvl="2"/>
             <a:r>
               <a:rPr lang="zh-CN" altLang="en-US" dirty="0" smtClean="0"/>
-              <a:t>插</a:t>
-            </a:r>
+              <a:t>插接件焊盘较小，钻孔易伤及焊盘</a:t>
+            </a:r>
+            <a:endParaRPr lang="en-US" altLang="zh-CN" dirty="0" smtClean="0"/>
+          </a:p>
+          <a:p>
+            <a:pPr lvl="2"/>
             <a:r>
               <a:rPr lang="zh-CN" altLang="en-US" dirty="0" smtClean="0"/>
-              <a:t>接件焊盘较小，钻孔易伤及焊盘</a:t>
+              <a:t>线宽较小，不论是腐蚀还是雕刻难度大</a:t>
             </a:r>
             <a:endParaRPr lang="en-US" altLang="zh-CN" dirty="0" smtClean="0"/>
           </a:p>
           <a:p>
-            <a:pPr lvl="2"/>
+            <a:pPr lvl="1"/>
             <a:r>
               <a:rPr lang="zh-CN" altLang="en-US" dirty="0" smtClean="0"/>
-              <a:t>线宽</a:t>
-            </a:r>
-            <a:r>
-              <a:rPr lang="zh-CN" altLang="en-US" dirty="0" smtClean="0"/>
-              <a:t>较小，不论是腐蚀还是雕刻难度大</a:t>
-            </a:r>
-            <a:endParaRPr lang="en-US" altLang="zh-CN" dirty="0" smtClean="0"/>
-          </a:p>
-          <a:p>
-            <a:pPr lvl="1"/>
-            <a:r>
-              <a:rPr lang="zh-CN" altLang="en-US" dirty="0" smtClean="0"/>
-              <a:t>向</a:t>
-            </a:r>
-            <a:r>
-              <a:rPr lang="zh-CN" altLang="en-US" dirty="0" smtClean="0"/>
-              <a:t>李兆基电子工艺实习师傅学习了</a:t>
+              <a:t>向李兆基电子工艺实习师傅学习了</a:t>
             </a:r>
             <a:r>
               <a:rPr lang="en-US" altLang="zh-CN" dirty="0" smtClean="0"/>
@@ -11763,11 +11746,7 @@
             <a:pPr lvl="1"/>
             <a:r>
               <a:rPr lang="zh-CN" altLang="en-US" dirty="0" smtClean="0"/>
-              <a:t>陈崴</a:t>
-            </a:r>
-            <a:r>
-              <a:rPr lang="zh-CN" altLang="en-US" dirty="0" smtClean="0"/>
-              <a:t>同学插接件焊接技术一流，保证了电路稳定运行</a:t>
+              <a:t>陈崴同学插接件焊接技术一流，保证了电路稳定运行</a:t>
             </a:r>
             <a:endParaRPr lang="en-US" altLang="zh-CN" dirty="0" smtClean="0"/>
           </a:p>
@@ -11894,23 +11873,15 @@
             <a:pPr lvl="1"/>
             <a:r>
               <a:rPr lang="zh-CN" altLang="en-US" dirty="0" smtClean="0"/>
-              <a:t>大功率</a:t>
-            </a:r>
+              <a:t>大功率负载检测电源工作性能通过</a:t>
+            </a:r>
+            <a:endParaRPr lang="en-US" altLang="zh-CN" dirty="0" smtClean="0"/>
+          </a:p>
+          <a:p>
+            <a:pPr lvl="1"/>
             <a:r>
               <a:rPr lang="zh-CN" altLang="en-US" dirty="0" smtClean="0"/>
-              <a:t>负载检测电源工作性能通过</a:t>
-            </a:r>
-            <a:endParaRPr lang="en-US" altLang="zh-CN" dirty="0" smtClean="0"/>
-          </a:p>
-          <a:p>
-            <a:pPr lvl="1"/>
-            <a:r>
-              <a:rPr lang="zh-CN" altLang="en-US" dirty="0" smtClean="0"/>
-              <a:t>修复</a:t>
-            </a:r>
-            <a:r>
-              <a:rPr lang="zh-CN" altLang="en-US" dirty="0" smtClean="0"/>
-              <a:t>了一些由于焊接缺陷、元件缺陷的电路问题</a:t>
+              <a:t>修复了一些由于焊接缺陷、元件缺陷的电路问题</a:t>
             </a:r>
             <a:endParaRPr lang="en-US" altLang="zh-CN" dirty="0" smtClean="0"/>
           </a:p>
@@ -11934,23 +11905,15 @@
             <a:pPr lvl="2"/>
             <a:r>
               <a:rPr lang="zh-CN" altLang="en-US" dirty="0" smtClean="0"/>
-              <a:t>发现</a:t>
-            </a:r>
+              <a:t>发现电机驱动效率较低，相比别组的车而言速度极慢</a:t>
+            </a:r>
+            <a:endParaRPr lang="en-US" altLang="zh-CN" dirty="0" smtClean="0"/>
+          </a:p>
+          <a:p>
+            <a:pPr lvl="2"/>
             <a:r>
               <a:rPr lang="zh-CN" altLang="en-US" dirty="0" smtClean="0"/>
-              <a:t>电机驱动效率较低，相比别组的车而言速度极慢</a:t>
-            </a:r>
-            <a:endParaRPr lang="en-US" altLang="zh-CN" dirty="0" smtClean="0"/>
-          </a:p>
-          <a:p>
-            <a:pPr lvl="2"/>
-            <a:r>
-              <a:rPr lang="zh-CN" altLang="en-US" dirty="0" smtClean="0"/>
-              <a:t>解决</a:t>
-            </a:r>
-            <a:r>
-              <a:rPr lang="zh-CN" altLang="en-US" dirty="0" smtClean="0"/>
-              <a:t>方式：确定合适的输出占空比</a:t>
+              <a:t>解决方式：确定合适的输出占空比</a:t>
             </a:r>
             <a:endParaRPr lang="en-US" dirty="0"/>
           </a:p>
@@ -12065,11 +12028,7 @@
           <a:p>
             <a:r>
               <a:rPr lang="zh-CN" altLang="en-US" dirty="0" smtClean="0"/>
-              <a:t>完成</a:t>
-            </a:r>
-            <a:r>
-              <a:rPr lang="zh-CN" altLang="en-US" dirty="0" smtClean="0"/>
-              <a:t>了蓝牙</a:t>
+              <a:t>完成了蓝牙</a:t>
             </a:r>
             <a:r>
               <a:rPr lang="en-US" altLang="zh-CN" dirty="0" smtClean="0"/>
@@ -12117,11 +12076,7 @@
             <a:pPr lvl="1"/>
             <a:r>
               <a:rPr lang="zh-CN" altLang="en-US" dirty="0" smtClean="0"/>
-              <a:t>并</a:t>
-            </a:r>
-            <a:r>
-              <a:rPr lang="zh-CN" altLang="en-US" dirty="0" smtClean="0"/>
-              <a:t>顺便完成了上位机的自检测程序</a:t>
+              <a:t>并顺便完成了上位机的自检测程序</a:t>
             </a:r>
             <a:endParaRPr lang="en-US" altLang="zh-CN" dirty="0" smtClean="0"/>
           </a:p>
@@ -12292,11 +12247,7 @@
           <a:p>
             <a:r>
               <a:rPr lang="zh-CN" altLang="en-US" dirty="0" smtClean="0"/>
-              <a:t>利用</a:t>
-            </a:r>
-            <a:r>
-              <a:rPr lang="zh-CN" altLang="en-US" dirty="0" smtClean="0"/>
-              <a:t>回传图像进行</a:t>
+              <a:t>利用回传图像进行</a:t>
             </a:r>
             <a:r>
               <a:rPr lang="en-US" altLang="zh-CN" dirty="0" smtClean="0"/>
@@ -12506,434 +12457,6 @@
 </file>
 
 <file path=ppt/slides/slide17.xml><?xml version="1.0" encoding="utf-8"?>
-<p:sld xmlns:a="http://schemas.openxmlformats.org/drawingml/2006/main" xmlns:r="http://schemas.openxmlformats.org/officeDocument/2006/relationships" xmlns:p="http://schemas.openxmlformats.org/presentationml/2006/main">
-  <p:cSld>
-    <p:spTree>
-      <p:nvGrpSpPr>
-        <p:cNvPr id="1" name=""/>
-        <p:cNvGrpSpPr/>
-        <p:nvPr/>
-      </p:nvGrpSpPr>
-      <p:grpSpPr>
-        <a:xfrm>
-          <a:off x="0" y="0"/>
-          <a:ext cx="0" cy="0"/>
-          <a:chOff x="0" y="0"/>
-          <a:chExt cx="0" cy="0"/>
-        </a:xfrm>
-      </p:grpSpPr>
-      <p:sp>
-        <p:nvSpPr>
-          <p:cNvPr id="2" name="Title 1"/>
-          <p:cNvSpPr>
-            <a:spLocks noGrp="1"/>
-          </p:cNvSpPr>
-          <p:nvPr>
-            <p:ph type="title"/>
-          </p:nvPr>
-        </p:nvSpPr>
-        <p:spPr>
-          <a:xfrm>
-            <a:off x="2895600" y="762000"/>
-            <a:ext cx="8610600" cy="771236"/>
-          </a:xfrm>
-        </p:spPr>
-        <p:txBody>
-          <a:bodyPr/>
-          <a:lstStyle/>
-          <a:p>
-            <a:r>
-              <a:rPr lang="zh-CN" altLang="en-US" dirty="0"/>
-              <a:t>一</a:t>
-            </a:r>
-            <a:r>
-              <a:rPr lang="zh-CN" altLang="en-US" dirty="0" smtClean="0"/>
-              <a:t>些彩蛋</a:t>
-            </a:r>
-            <a:r>
-              <a:rPr lang="en-US" altLang="zh-CN" dirty="0" smtClean="0"/>
-              <a:t>——BY OV7670</a:t>
-            </a:r>
-            <a:endParaRPr lang="en-US" dirty="0"/>
-          </a:p>
-        </p:txBody>
-      </p:sp>
-      <p:sp>
-        <p:nvSpPr>
-          <p:cNvPr id="5" name="Text Placeholder 4"/>
-          <p:cNvSpPr>
-            <a:spLocks noGrp="1"/>
-          </p:cNvSpPr>
-          <p:nvPr>
-            <p:ph type="body" idx="1"/>
-          </p:nvPr>
-        </p:nvSpPr>
-        <p:spPr>
-          <a:xfrm>
-            <a:off x="115458" y="5940400"/>
-            <a:ext cx="5079991" cy="823912"/>
-          </a:xfrm>
-        </p:spPr>
-        <p:txBody>
-          <a:bodyPr/>
-          <a:lstStyle/>
-          <a:p>
-            <a:r>
-              <a:rPr lang="zh-CN" altLang="en-US" dirty="0" smtClean="0"/>
-              <a:t>习作</a:t>
-            </a:r>
-            <a:r>
-              <a:rPr lang="en-US" altLang="zh-CN" dirty="0" smtClean="0"/>
-              <a:t>· </a:t>
-            </a:r>
-            <a:r>
-              <a:rPr lang="zh-CN" altLang="en-US" dirty="0" smtClean="0"/>
-              <a:t>思考者</a:t>
-            </a:r>
-            <a:endParaRPr lang="en-US" dirty="0"/>
-          </a:p>
-        </p:txBody>
-      </p:sp>
-      <p:pic>
-        <p:nvPicPr>
-          <p:cNvPr id="9" name="Content Placeholder 8"/>
-          <p:cNvPicPr>
-            <a:picLocks noGrp="1" noChangeAspect="1"/>
-          </p:cNvPicPr>
-          <p:nvPr>
-            <p:ph sz="half" idx="2"/>
-          </p:nvPr>
-        </p:nvPicPr>
-        <p:blipFill>
-          <a:blip r:embed="rId2">
-            <a:extLst>
-              <a:ext uri="{28A0092B-C50C-407E-A947-70E740481C1C}">
-                <a14:useLocalDpi xmlns:a14="http://schemas.microsoft.com/office/drawing/2010/main" val="0"/>
-              </a:ext>
-            </a:extLst>
-          </a:blip>
-          <a:stretch>
-            <a:fillRect/>
-          </a:stretch>
-        </p:blipFill>
-        <p:spPr>
-          <a:xfrm>
-            <a:off x="115458" y="972443"/>
-            <a:ext cx="3934682" cy="5246242"/>
-          </a:xfrm>
-        </p:spPr>
-      </p:pic>
-      <p:sp>
-        <p:nvSpPr>
-          <p:cNvPr id="7" name="Text Placeholder 6"/>
-          <p:cNvSpPr>
-            <a:spLocks noGrp="1"/>
-          </p:cNvSpPr>
-          <p:nvPr>
-            <p:ph type="body" sz="quarter" idx="3"/>
-          </p:nvPr>
-        </p:nvSpPr>
-        <p:spPr>
-          <a:xfrm>
-            <a:off x="4304834" y="5940400"/>
-            <a:ext cx="3120738" cy="823912"/>
-          </a:xfrm>
-        </p:spPr>
-        <p:txBody>
-          <a:bodyPr/>
-          <a:lstStyle/>
-          <a:p>
-            <a:r>
-              <a:rPr lang="zh-CN" altLang="en-US" dirty="0" smtClean="0"/>
-              <a:t>习作</a:t>
-            </a:r>
-            <a:r>
-              <a:rPr lang="en-US" altLang="zh-CN" dirty="0" smtClean="0"/>
-              <a:t>· </a:t>
-            </a:r>
-            <a:r>
-              <a:rPr lang="zh-CN" altLang="en-US" dirty="0" smtClean="0"/>
-              <a:t>看手机的人</a:t>
-            </a:r>
-            <a:endParaRPr lang="en-US" dirty="0"/>
-          </a:p>
-        </p:txBody>
-      </p:sp>
-      <p:pic>
-        <p:nvPicPr>
-          <p:cNvPr id="10" name="Content Placeholder 9"/>
-          <p:cNvPicPr>
-            <a:picLocks noGrp="1" noChangeAspect="1"/>
-          </p:cNvPicPr>
-          <p:nvPr>
-            <p:ph sz="quarter" idx="4"/>
-          </p:nvPr>
-        </p:nvPicPr>
-        <p:blipFill>
-          <a:blip r:embed="rId3">
-            <a:extLst>
-              <a:ext uri="{28A0092B-C50C-407E-A947-70E740481C1C}">
-                <a14:useLocalDpi xmlns:a14="http://schemas.microsoft.com/office/drawing/2010/main" val="0"/>
-              </a:ext>
-            </a:extLst>
-          </a:blip>
-          <a:stretch>
-            <a:fillRect/>
-          </a:stretch>
-        </p:blipFill>
-        <p:spPr>
-          <a:xfrm>
-            <a:off x="4408160" y="1587571"/>
-            <a:ext cx="3473335" cy="4631114"/>
-          </a:xfrm>
-        </p:spPr>
-      </p:pic>
-      <p:pic>
-        <p:nvPicPr>
-          <p:cNvPr id="11" name="Picture 10"/>
-          <p:cNvPicPr>
-            <a:picLocks noChangeAspect="1"/>
-          </p:cNvPicPr>
-          <p:nvPr/>
-        </p:nvPicPr>
-        <p:blipFill>
-          <a:blip r:embed="rId4">
-            <a:extLst>
-              <a:ext uri="{28A0092B-C50C-407E-A947-70E740481C1C}">
-                <a14:useLocalDpi xmlns:a14="http://schemas.microsoft.com/office/drawing/2010/main" val="0"/>
-              </a:ext>
-            </a:extLst>
-          </a:blip>
-          <a:stretch>
-            <a:fillRect/>
-          </a:stretch>
-        </p:blipFill>
-        <p:spPr>
-          <a:xfrm>
-            <a:off x="8239516" y="1587568"/>
-            <a:ext cx="3473337" cy="4631117"/>
-          </a:xfrm>
-          <a:prstGeom prst="rect">
-            <a:avLst/>
-          </a:prstGeom>
-        </p:spPr>
-      </p:pic>
-      <p:sp>
-        <p:nvSpPr>
-          <p:cNvPr id="13" name="Text Placeholder 6"/>
-          <p:cNvSpPr txBox="1">
-            <a:spLocks/>
-          </p:cNvSpPr>
-          <p:nvPr/>
-        </p:nvSpPr>
-        <p:spPr>
-          <a:xfrm>
-            <a:off x="8321499" y="5940400"/>
-            <a:ext cx="3090718" cy="823912"/>
-          </a:xfrm>
-          <a:prstGeom prst="rect">
-            <a:avLst/>
-          </a:prstGeom>
-        </p:spPr>
-        <p:txBody>
-          <a:bodyPr vert="horz" lIns="91440" tIns="45720" rIns="91440" bIns="45720" rtlCol="0" anchor="b">
-            <a:normAutofit/>
-          </a:bodyPr>
-          <a:lstStyle>
-            <a:lvl1pPr marL="0" indent="0" algn="l" defTabSz="914400" rtl="0" eaLnBrk="1" latinLnBrk="0" hangingPunct="1">
-              <a:lnSpc>
-                <a:spcPct val="90000"/>
-              </a:lnSpc>
-              <a:spcBef>
-                <a:spcPts val="1000"/>
-              </a:spcBef>
-              <a:buFont typeface="Arial" panose="020B0604020202020204" pitchFamily="34" charset="0"/>
-              <a:buNone/>
-              <a:defRPr sz="2800" b="0" kern="1200">
-                <a:solidFill>
-                  <a:schemeClr val="tx1"/>
-                </a:solidFill>
-                <a:latin typeface="+mn-lt"/>
-                <a:ea typeface="+mn-ea"/>
-                <a:cs typeface="+mn-cs"/>
-              </a:defRPr>
-            </a:lvl1pPr>
-            <a:lvl2pPr marL="457200" indent="0" algn="l" defTabSz="914400" rtl="0" eaLnBrk="1" latinLnBrk="0" hangingPunct="1">
-              <a:lnSpc>
-                <a:spcPct val="90000"/>
-              </a:lnSpc>
-              <a:spcBef>
-                <a:spcPts val="500"/>
-              </a:spcBef>
-              <a:buFont typeface="Arial" panose="020B0604020202020204" pitchFamily="34" charset="0"/>
-              <a:buNone/>
-              <a:defRPr sz="2000" b="1" kern="1200">
-                <a:solidFill>
-                  <a:schemeClr val="tx1"/>
-                </a:solidFill>
-                <a:latin typeface="+mn-lt"/>
-                <a:ea typeface="+mn-ea"/>
-                <a:cs typeface="+mn-cs"/>
-              </a:defRPr>
-            </a:lvl2pPr>
-            <a:lvl3pPr marL="914400" indent="0" algn="l" defTabSz="914400" rtl="0" eaLnBrk="1" latinLnBrk="0" hangingPunct="1">
-              <a:lnSpc>
-                <a:spcPct val="90000"/>
-              </a:lnSpc>
-              <a:spcBef>
-                <a:spcPts val="500"/>
-              </a:spcBef>
-              <a:buFont typeface="Arial" panose="020B0604020202020204" pitchFamily="34" charset="0"/>
-              <a:buNone/>
-              <a:defRPr sz="1800" b="1" kern="1200">
-                <a:solidFill>
-                  <a:schemeClr val="tx1"/>
-                </a:solidFill>
-                <a:latin typeface="+mn-lt"/>
-                <a:ea typeface="+mn-ea"/>
-                <a:cs typeface="+mn-cs"/>
-              </a:defRPr>
-            </a:lvl3pPr>
-            <a:lvl4pPr marL="1371600" indent="0" algn="l" defTabSz="914400" rtl="0" eaLnBrk="1" latinLnBrk="0" hangingPunct="1">
-              <a:lnSpc>
-                <a:spcPct val="90000"/>
-              </a:lnSpc>
-              <a:spcBef>
-                <a:spcPts val="500"/>
-              </a:spcBef>
-              <a:buFont typeface="Arial" panose="020B0604020202020204" pitchFamily="34" charset="0"/>
-              <a:buNone/>
-              <a:defRPr sz="1600" b="1" kern="1200">
-                <a:solidFill>
-                  <a:schemeClr val="tx1"/>
-                </a:solidFill>
-                <a:latin typeface="+mn-lt"/>
-                <a:ea typeface="+mn-ea"/>
-                <a:cs typeface="+mn-cs"/>
-              </a:defRPr>
-            </a:lvl4pPr>
-            <a:lvl5pPr marL="1828800" indent="0" algn="l" defTabSz="914400" rtl="0" eaLnBrk="1" latinLnBrk="0" hangingPunct="1">
-              <a:lnSpc>
-                <a:spcPct val="90000"/>
-              </a:lnSpc>
-              <a:spcBef>
-                <a:spcPts val="500"/>
-              </a:spcBef>
-              <a:buFont typeface="Arial" panose="020B0604020202020204" pitchFamily="34" charset="0"/>
-              <a:buNone/>
-              <a:defRPr sz="1600" b="1" kern="1200">
-                <a:solidFill>
-                  <a:schemeClr val="tx1"/>
-                </a:solidFill>
-                <a:latin typeface="+mn-lt"/>
-                <a:ea typeface="+mn-ea"/>
-                <a:cs typeface="+mn-cs"/>
-              </a:defRPr>
-            </a:lvl5pPr>
-            <a:lvl6pPr marL="2286000" indent="0" algn="l" defTabSz="914400" rtl="0" eaLnBrk="1" latinLnBrk="0" hangingPunct="1">
-              <a:lnSpc>
-                <a:spcPct val="90000"/>
-              </a:lnSpc>
-              <a:spcBef>
-                <a:spcPts val="500"/>
-              </a:spcBef>
-              <a:buFont typeface="Arial" panose="020B0604020202020204" pitchFamily="34" charset="0"/>
-              <a:buNone/>
-              <a:defRPr sz="1600" b="1" kern="1200">
-                <a:solidFill>
-                  <a:schemeClr val="tx1"/>
-                </a:solidFill>
-                <a:latin typeface="+mn-lt"/>
-                <a:ea typeface="+mn-ea"/>
-                <a:cs typeface="+mn-cs"/>
-              </a:defRPr>
-            </a:lvl6pPr>
-            <a:lvl7pPr marL="2743200" indent="0" algn="l" defTabSz="914400" rtl="0" eaLnBrk="1" latinLnBrk="0" hangingPunct="1">
-              <a:lnSpc>
-                <a:spcPct val="90000"/>
-              </a:lnSpc>
-              <a:spcBef>
-                <a:spcPts val="500"/>
-              </a:spcBef>
-              <a:buFont typeface="Arial" panose="020B0604020202020204" pitchFamily="34" charset="0"/>
-              <a:buNone/>
-              <a:defRPr sz="1600" b="1" kern="1200">
-                <a:solidFill>
-                  <a:schemeClr val="tx1"/>
-                </a:solidFill>
-                <a:latin typeface="+mn-lt"/>
-                <a:ea typeface="+mn-ea"/>
-                <a:cs typeface="+mn-cs"/>
-              </a:defRPr>
-            </a:lvl7pPr>
-            <a:lvl8pPr marL="3200400" indent="0" algn="l" defTabSz="914400" rtl="0" eaLnBrk="1" latinLnBrk="0" hangingPunct="1">
-              <a:lnSpc>
-                <a:spcPct val="90000"/>
-              </a:lnSpc>
-              <a:spcBef>
-                <a:spcPts val="500"/>
-              </a:spcBef>
-              <a:buFont typeface="Arial" panose="020B0604020202020204" pitchFamily="34" charset="0"/>
-              <a:buNone/>
-              <a:defRPr sz="1600" b="1" kern="1200">
-                <a:solidFill>
-                  <a:schemeClr val="tx1"/>
-                </a:solidFill>
-                <a:latin typeface="+mn-lt"/>
-                <a:ea typeface="+mn-ea"/>
-                <a:cs typeface="+mn-cs"/>
-              </a:defRPr>
-            </a:lvl8pPr>
-            <a:lvl9pPr marL="3657600" indent="0" algn="l" defTabSz="914400" rtl="0" eaLnBrk="1" latinLnBrk="0" hangingPunct="1">
-              <a:lnSpc>
-                <a:spcPct val="90000"/>
-              </a:lnSpc>
-              <a:spcBef>
-                <a:spcPts val="500"/>
-              </a:spcBef>
-              <a:buFont typeface="Arial" panose="020B0604020202020204" pitchFamily="34" charset="0"/>
-              <a:buNone/>
-              <a:defRPr sz="1600" b="1" kern="1200">
-                <a:solidFill>
-                  <a:schemeClr val="tx1"/>
-                </a:solidFill>
-                <a:latin typeface="+mn-lt"/>
-                <a:ea typeface="+mn-ea"/>
-                <a:cs typeface="+mn-cs"/>
-              </a:defRPr>
-            </a:lvl9pPr>
-          </a:lstStyle>
-          <a:p>
-            <a:r>
-              <a:rPr lang="zh-CN" altLang="en-US" dirty="0" smtClean="0"/>
-              <a:t>习作</a:t>
-            </a:r>
-            <a:r>
-              <a:rPr lang="en-US" altLang="zh-CN" dirty="0" smtClean="0"/>
-              <a:t>· </a:t>
-            </a:r>
-            <a:r>
-              <a:rPr lang="zh-CN" altLang="en-US" dirty="0" smtClean="0"/>
-              <a:t>自画像</a:t>
-            </a:r>
-            <a:endParaRPr lang="en-US" dirty="0"/>
-          </a:p>
-        </p:txBody>
-      </p:sp>
-    </p:spTree>
-    <p:extLst>
-      <p:ext uri="{BB962C8B-B14F-4D97-AF65-F5344CB8AC3E}">
-        <p14:creationId xmlns:p14="http://schemas.microsoft.com/office/powerpoint/2010/main" val="1243101554"/>
-      </p:ext>
-    </p:extLst>
-  </p:cSld>
-  <p:clrMapOvr>
-    <a:masterClrMapping/>
-  </p:clrMapOvr>
-</p:sld>
-</file>
-
-<file path=ppt/slides/slide18.xml><?xml version="1.0" encoding="utf-8"?>
 <p:sld xmlns:a="http://schemas.openxmlformats.org/drawingml/2006/main" xmlns:r="http://schemas.openxmlformats.org/officeDocument/2006/relationships" xmlns:p="http://schemas.openxmlformats.org/presentationml/2006/main">
   <p:cSld>
     <p:spTree>
